--- a/doc/fig.pptx
+++ b/doc/fig.pptx
@@ -288,7 +288,7 @@
           <a:p>
             <a:fld id="{D45CD2D3-F377-4F0D-8DDB-F6916D460F71}" type="datetimeFigureOut">
               <a:rPr kumimoji="1" lang="ja-JP" altLang="en-US" smtClean="0"/>
-              <a:t>2014/11/5</a:t>
+              <a:t>2014/11/7</a:t>
             </a:fld>
             <a:endParaRPr kumimoji="1" lang="ja-JP" altLang="en-US"/>
           </a:p>
@@ -490,7 +490,7 @@
           <a:p>
             <a:fld id="{D45CD2D3-F377-4F0D-8DDB-F6916D460F71}" type="datetimeFigureOut">
               <a:rPr kumimoji="1" lang="ja-JP" altLang="en-US" smtClean="0"/>
-              <a:t>2014/11/5</a:t>
+              <a:t>2014/11/7</a:t>
             </a:fld>
             <a:endParaRPr kumimoji="1" lang="ja-JP" altLang="en-US"/>
           </a:p>
@@ -702,7 +702,7 @@
           <a:p>
             <a:fld id="{D45CD2D3-F377-4F0D-8DDB-F6916D460F71}" type="datetimeFigureOut">
               <a:rPr kumimoji="1" lang="ja-JP" altLang="en-US" smtClean="0"/>
-              <a:t>2014/11/5</a:t>
+              <a:t>2014/11/7</a:t>
             </a:fld>
             <a:endParaRPr kumimoji="1" lang="ja-JP" altLang="en-US"/>
           </a:p>
@@ -904,7 +904,7 @@
           <a:p>
             <a:fld id="{D45CD2D3-F377-4F0D-8DDB-F6916D460F71}" type="datetimeFigureOut">
               <a:rPr kumimoji="1" lang="ja-JP" altLang="en-US" smtClean="0"/>
-              <a:t>2014/11/5</a:t>
+              <a:t>2014/11/7</a:t>
             </a:fld>
             <a:endParaRPr kumimoji="1" lang="ja-JP" altLang="en-US"/>
           </a:p>
@@ -1150,7 +1150,7 @@
           <a:p>
             <a:fld id="{D45CD2D3-F377-4F0D-8DDB-F6916D460F71}" type="datetimeFigureOut">
               <a:rPr kumimoji="1" lang="ja-JP" altLang="en-US" smtClean="0"/>
-              <a:t>2014/11/5</a:t>
+              <a:t>2014/11/7</a:t>
             </a:fld>
             <a:endParaRPr kumimoji="1" lang="ja-JP" altLang="en-US"/>
           </a:p>
@@ -1502,7 +1502,7 @@
           <a:p>
             <a:fld id="{D45CD2D3-F377-4F0D-8DDB-F6916D460F71}" type="datetimeFigureOut">
               <a:rPr kumimoji="1" lang="ja-JP" altLang="en-US" smtClean="0"/>
-              <a:t>2014/11/5</a:t>
+              <a:t>2014/11/7</a:t>
             </a:fld>
             <a:endParaRPr kumimoji="1" lang="ja-JP" altLang="en-US"/>
           </a:p>
@@ -1988,7 +1988,7 @@
           <a:p>
             <a:fld id="{D45CD2D3-F377-4F0D-8DDB-F6916D460F71}" type="datetimeFigureOut">
               <a:rPr kumimoji="1" lang="ja-JP" altLang="en-US" smtClean="0"/>
-              <a:t>2014/11/5</a:t>
+              <a:t>2014/11/7</a:t>
             </a:fld>
             <a:endParaRPr kumimoji="1" lang="ja-JP" altLang="en-US"/>
           </a:p>
@@ -2106,7 +2106,7 @@
           <a:p>
             <a:fld id="{D45CD2D3-F377-4F0D-8DDB-F6916D460F71}" type="datetimeFigureOut">
               <a:rPr kumimoji="1" lang="ja-JP" altLang="en-US" smtClean="0"/>
-              <a:t>2014/11/5</a:t>
+              <a:t>2014/11/7</a:t>
             </a:fld>
             <a:endParaRPr kumimoji="1" lang="ja-JP" altLang="en-US"/>
           </a:p>
@@ -2201,7 +2201,7 @@
           <a:p>
             <a:fld id="{D45CD2D3-F377-4F0D-8DDB-F6916D460F71}" type="datetimeFigureOut">
               <a:rPr kumimoji="1" lang="ja-JP" altLang="en-US" smtClean="0"/>
-              <a:t>2014/11/5</a:t>
+              <a:t>2014/11/7</a:t>
             </a:fld>
             <a:endParaRPr kumimoji="1" lang="ja-JP" altLang="en-US"/>
           </a:p>
@@ -2510,7 +2510,7 @@
           <a:p>
             <a:fld id="{D45CD2D3-F377-4F0D-8DDB-F6916D460F71}" type="datetimeFigureOut">
               <a:rPr kumimoji="1" lang="ja-JP" altLang="en-US" smtClean="0"/>
-              <a:t>2014/11/5</a:t>
+              <a:t>2014/11/7</a:t>
             </a:fld>
             <a:endParaRPr kumimoji="1" lang="ja-JP" altLang="en-US"/>
           </a:p>
@@ -2763,7 +2763,7 @@
           <a:p>
             <a:fld id="{D45CD2D3-F377-4F0D-8DDB-F6916D460F71}" type="datetimeFigureOut">
               <a:rPr kumimoji="1" lang="ja-JP" altLang="en-US" smtClean="0"/>
-              <a:t>2014/11/5</a:t>
+              <a:t>2014/11/7</a:t>
             </a:fld>
             <a:endParaRPr kumimoji="1" lang="ja-JP" altLang="en-US"/>
           </a:p>
@@ -3008,7 +3008,7 @@
           <a:p>
             <a:fld id="{D45CD2D3-F377-4F0D-8DDB-F6916D460F71}" type="datetimeFigureOut">
               <a:rPr kumimoji="1" lang="ja-JP" altLang="en-US" smtClean="0"/>
-              <a:t>2014/11/5</a:t>
+              <a:t>2014/11/7</a:t>
             </a:fld>
             <a:endParaRPr kumimoji="1" lang="ja-JP" altLang="en-US"/>
           </a:p>
@@ -3383,6 +3383,148 @@
           <a:chExt cx="0" cy="0"/>
         </a:xfrm>
       </p:grpSpPr>
+      <p:sp>
+        <p:nvSpPr>
+          <p:cNvPr id="25" name="正方形/長方形 24"/>
+          <p:cNvSpPr/>
+          <p:nvPr/>
+        </p:nvSpPr>
+        <p:spPr>
+          <a:xfrm>
+            <a:off x="4211960" y="621449"/>
+            <a:ext cx="1368152" cy="3672408"/>
+          </a:xfrm>
+          <a:prstGeom prst="rect">
+            <a:avLst/>
+          </a:prstGeom>
+          <a:solidFill>
+            <a:schemeClr val="bg1"/>
+          </a:solidFill>
+          <a:ln w="19050">
+            <a:solidFill>
+              <a:schemeClr val="tx1">
+                <a:lumMod val="50000"/>
+                <a:lumOff val="50000"/>
+              </a:schemeClr>
+            </a:solidFill>
+          </a:ln>
+        </p:spPr>
+        <p:style>
+          <a:lnRef idx="2">
+            <a:schemeClr val="accent1">
+              <a:shade val="50000"/>
+            </a:schemeClr>
+          </a:lnRef>
+          <a:fillRef idx="1">
+            <a:schemeClr val="accent1"/>
+          </a:fillRef>
+          <a:effectRef idx="0">
+            <a:schemeClr val="accent1"/>
+          </a:effectRef>
+          <a:fontRef idx="minor">
+            <a:schemeClr val="lt1"/>
+          </a:fontRef>
+        </p:style>
+        <p:txBody>
+          <a:bodyPr rtlCol="0" anchor="t"/>
+          <a:lstStyle/>
+          <a:p>
+            <a:pPr algn="ctr"/>
+            <a:r>
+              <a:rPr lang="en-US" altLang="ja-JP" sz="1200" dirty="0" smtClean="0">
+                <a:solidFill>
+                  <a:schemeClr val="tx1">
+                    <a:lumMod val="75000"/>
+                    <a:lumOff val="25000"/>
+                  </a:schemeClr>
+                </a:solidFill>
+                <a:latin typeface="+mj-lt"/>
+              </a:rPr>
+              <a:t>Broker</a:t>
+            </a:r>
+            <a:endParaRPr lang="ja-JP" altLang="en-US" sz="1200" dirty="0">
+              <a:solidFill>
+                <a:schemeClr val="tx1">
+                  <a:lumMod val="75000"/>
+                  <a:lumOff val="25000"/>
+                </a:schemeClr>
+              </a:solidFill>
+              <a:latin typeface="+mj-lt"/>
+            </a:endParaRPr>
+          </a:p>
+        </p:txBody>
+      </p:sp>
+      <p:sp>
+        <p:nvSpPr>
+          <p:cNvPr id="24" name="正方形/長方形 23"/>
+          <p:cNvSpPr/>
+          <p:nvPr/>
+        </p:nvSpPr>
+        <p:spPr>
+          <a:xfrm>
+            <a:off x="2339752" y="644081"/>
+            <a:ext cx="1368152" cy="3672408"/>
+          </a:xfrm>
+          <a:prstGeom prst="rect">
+            <a:avLst/>
+          </a:prstGeom>
+          <a:solidFill>
+            <a:schemeClr val="bg1"/>
+          </a:solidFill>
+          <a:ln w="19050">
+            <a:solidFill>
+              <a:schemeClr val="tx1">
+                <a:lumMod val="50000"/>
+                <a:lumOff val="50000"/>
+              </a:schemeClr>
+            </a:solidFill>
+          </a:ln>
+        </p:spPr>
+        <p:style>
+          <a:lnRef idx="2">
+            <a:schemeClr val="accent1">
+              <a:shade val="50000"/>
+            </a:schemeClr>
+          </a:lnRef>
+          <a:fillRef idx="1">
+            <a:schemeClr val="accent1"/>
+          </a:fillRef>
+          <a:effectRef idx="0">
+            <a:schemeClr val="accent1"/>
+          </a:effectRef>
+          <a:fontRef idx="minor">
+            <a:schemeClr val="lt1"/>
+          </a:fontRef>
+        </p:style>
+        <p:txBody>
+          <a:bodyPr rtlCol="0" anchor="t"/>
+          <a:lstStyle/>
+          <a:p>
+            <a:pPr algn="ctr"/>
+            <a:r>
+              <a:rPr lang="en-US" altLang="ja-JP" sz="1200" dirty="0">
+                <a:solidFill>
+                  <a:schemeClr val="tx1">
+                    <a:lumMod val="75000"/>
+                    <a:lumOff val="25000"/>
+                  </a:schemeClr>
+                </a:solidFill>
+                <a:latin typeface="+mj-lt"/>
+              </a:rPr>
+              <a:t>UI</a:t>
+            </a:r>
+            <a:endParaRPr lang="ja-JP" altLang="en-US" sz="1200" dirty="0">
+              <a:solidFill>
+                <a:schemeClr val="tx1">
+                  <a:lumMod val="75000"/>
+                  <a:lumOff val="25000"/>
+                </a:schemeClr>
+              </a:solidFill>
+              <a:latin typeface="+mj-lt"/>
+            </a:endParaRPr>
+          </a:p>
+        </p:txBody>
+      </p:sp>
       <p:grpSp>
         <p:nvGrpSpPr>
           <p:cNvPr id="4" name="グループ化 3"/>
@@ -3753,17 +3895,19 @@
       </p:grpSp>
       <p:sp>
         <p:nvSpPr>
-          <p:cNvPr id="7" name="正方形/長方形 6"/>
+          <p:cNvPr id="7" name="角丸四角形 6"/>
           <p:cNvSpPr/>
           <p:nvPr/>
         </p:nvSpPr>
         <p:spPr>
           <a:xfrm>
-            <a:off x="2555776" y="1140823"/>
+            <a:off x="2555776" y="1185608"/>
             <a:ext cx="792088" cy="2763489"/>
           </a:xfrm>
-          <a:prstGeom prst="rect">
-            <a:avLst/>
+          <a:prstGeom prst="roundRect">
+            <a:avLst>
+              <a:gd name="adj" fmla="val 5759"/>
+            </a:avLst>
           </a:prstGeom>
           <a:solidFill>
             <a:schemeClr val="bg1"/>
@@ -4418,6 +4562,940 @@
           </a:fontRef>
         </p:style>
       </p:cxnSp>
+      <p:grpSp>
+        <p:nvGrpSpPr>
+          <p:cNvPr id="21" name="グループ化 20"/>
+          <p:cNvGrpSpPr/>
+          <p:nvPr/>
+        </p:nvGrpSpPr>
+        <p:grpSpPr>
+          <a:xfrm>
+            <a:off x="4644008" y="2207313"/>
+            <a:ext cx="360040" cy="720080"/>
+            <a:chOff x="4427984" y="2278560"/>
+            <a:chExt cx="360040" cy="720080"/>
+          </a:xfrm>
+        </p:grpSpPr>
+        <p:sp>
+          <p:nvSpPr>
+            <p:cNvPr id="2" name="円/楕円 1"/>
+            <p:cNvSpPr/>
+            <p:nvPr/>
+          </p:nvSpPr>
+          <p:spPr>
+            <a:xfrm>
+              <a:off x="4427984" y="2278560"/>
+              <a:ext cx="360040" cy="720080"/>
+            </a:xfrm>
+            <a:prstGeom prst="ellipse">
+              <a:avLst/>
+            </a:prstGeom>
+            <a:solidFill>
+              <a:schemeClr val="bg1"/>
+            </a:solidFill>
+            <a:ln w="19050">
+              <a:solidFill>
+                <a:schemeClr val="tx1">
+                  <a:lumMod val="50000"/>
+                  <a:lumOff val="50000"/>
+                </a:schemeClr>
+              </a:solidFill>
+            </a:ln>
+          </p:spPr>
+          <p:style>
+            <a:lnRef idx="2">
+              <a:schemeClr val="accent1">
+                <a:shade val="50000"/>
+              </a:schemeClr>
+            </a:lnRef>
+            <a:fillRef idx="1">
+              <a:schemeClr val="accent1"/>
+            </a:fillRef>
+            <a:effectRef idx="0">
+              <a:schemeClr val="accent1"/>
+            </a:effectRef>
+            <a:fontRef idx="minor">
+              <a:schemeClr val="lt1"/>
+            </a:fontRef>
+          </p:style>
+          <p:txBody>
+            <a:bodyPr rtlCol="0" anchor="ctr"/>
+            <a:lstStyle/>
+            <a:p>
+              <a:pPr algn="ctr"/>
+              <a:endParaRPr lang="ja-JP" altLang="en-US" sz="1200">
+                <a:solidFill>
+                  <a:schemeClr val="tx1">
+                    <a:lumMod val="75000"/>
+                    <a:lumOff val="25000"/>
+                  </a:schemeClr>
+                </a:solidFill>
+                <a:latin typeface="+mj-lt"/>
+              </a:endParaRPr>
+            </a:p>
+          </p:txBody>
+        </p:sp>
+        <p:cxnSp>
+          <p:nvCxnSpPr>
+            <p:cNvPr id="13" name="直線コネクタ 12"/>
+            <p:cNvCxnSpPr/>
+            <p:nvPr/>
+          </p:nvCxnSpPr>
+          <p:spPr>
+            <a:xfrm>
+              <a:off x="4427984" y="2278560"/>
+              <a:ext cx="360040" cy="0"/>
+            </a:xfrm>
+            <a:prstGeom prst="line">
+              <a:avLst/>
+            </a:prstGeom>
+            <a:solidFill>
+              <a:schemeClr val="bg1"/>
+            </a:solidFill>
+            <a:ln w="19050" cap="rnd">
+              <a:solidFill>
+                <a:schemeClr val="tx1">
+                  <a:lumMod val="50000"/>
+                  <a:lumOff val="50000"/>
+                </a:schemeClr>
+              </a:solidFill>
+            </a:ln>
+          </p:spPr>
+          <p:style>
+            <a:lnRef idx="2">
+              <a:schemeClr val="accent1">
+                <a:shade val="50000"/>
+              </a:schemeClr>
+            </a:lnRef>
+            <a:fillRef idx="1">
+              <a:schemeClr val="accent1"/>
+            </a:fillRef>
+            <a:effectRef idx="0">
+              <a:schemeClr val="accent1"/>
+            </a:effectRef>
+            <a:fontRef idx="minor">
+              <a:schemeClr val="lt1"/>
+            </a:fontRef>
+          </p:style>
+        </p:cxnSp>
+        <p:cxnSp>
+          <p:nvCxnSpPr>
+            <p:cNvPr id="20" name="直線コネクタ 19"/>
+            <p:cNvCxnSpPr/>
+            <p:nvPr/>
+          </p:nvCxnSpPr>
+          <p:spPr>
+            <a:xfrm>
+              <a:off x="4427984" y="2998640"/>
+              <a:ext cx="360040" cy="0"/>
+            </a:xfrm>
+            <a:prstGeom prst="line">
+              <a:avLst/>
+            </a:prstGeom>
+            <a:solidFill>
+              <a:schemeClr val="bg1"/>
+            </a:solidFill>
+            <a:ln w="19050" cap="rnd">
+              <a:solidFill>
+                <a:schemeClr val="tx1">
+                  <a:lumMod val="50000"/>
+                  <a:lumOff val="50000"/>
+                </a:schemeClr>
+              </a:solidFill>
+            </a:ln>
+          </p:spPr>
+          <p:style>
+            <a:lnRef idx="2">
+              <a:schemeClr val="accent1">
+                <a:shade val="50000"/>
+              </a:schemeClr>
+            </a:lnRef>
+            <a:fillRef idx="1">
+              <a:schemeClr val="accent1"/>
+            </a:fillRef>
+            <a:effectRef idx="0">
+              <a:schemeClr val="accent1"/>
+            </a:effectRef>
+            <a:fontRef idx="minor">
+              <a:schemeClr val="lt1"/>
+            </a:fontRef>
+          </p:style>
+        </p:cxnSp>
+      </p:grpSp>
+      <p:sp>
+        <p:nvSpPr>
+          <p:cNvPr id="22" name="テキスト ボックス 21"/>
+          <p:cNvSpPr txBox="1"/>
+          <p:nvPr/>
+        </p:nvSpPr>
+        <p:spPr>
+          <a:xfrm>
+            <a:off x="4411895" y="1944639"/>
+            <a:ext cx="824265" cy="276999"/>
+          </a:xfrm>
+          <a:prstGeom prst="rect">
+            <a:avLst/>
+          </a:prstGeom>
+          <a:noFill/>
+        </p:spPr>
+        <p:txBody>
+          <a:bodyPr wrap="none" rtlCol="0">
+            <a:spAutoFit/>
+          </a:bodyPr>
+          <a:lstStyle/>
+          <a:p>
+            <a:r>
+              <a:rPr kumimoji="1" lang="en-US" altLang="ja-JP" sz="1200" dirty="0" err="1" smtClean="0"/>
+              <a:t>RabbitMQ</a:t>
+            </a:r>
+            <a:endParaRPr kumimoji="1" lang="ja-JP" altLang="en-US" sz="1200" dirty="0"/>
+          </a:p>
+        </p:txBody>
+      </p:sp>
+      <p:sp>
+        <p:nvSpPr>
+          <p:cNvPr id="28" name="正方形/長方形 27"/>
+          <p:cNvSpPr/>
+          <p:nvPr/>
+        </p:nvSpPr>
+        <p:spPr>
+          <a:xfrm>
+            <a:off x="6012160" y="620688"/>
+            <a:ext cx="2736304" cy="1051377"/>
+          </a:xfrm>
+          <a:prstGeom prst="rect">
+            <a:avLst/>
+          </a:prstGeom>
+          <a:solidFill>
+            <a:schemeClr val="bg1"/>
+          </a:solidFill>
+          <a:ln w="19050">
+            <a:solidFill>
+              <a:schemeClr val="tx1">
+                <a:lumMod val="50000"/>
+                <a:lumOff val="50000"/>
+              </a:schemeClr>
+            </a:solidFill>
+          </a:ln>
+        </p:spPr>
+        <p:style>
+          <a:lnRef idx="2">
+            <a:schemeClr val="accent1">
+              <a:shade val="50000"/>
+            </a:schemeClr>
+          </a:lnRef>
+          <a:fillRef idx="1">
+            <a:schemeClr val="accent1"/>
+          </a:fillRef>
+          <a:effectRef idx="0">
+            <a:schemeClr val="accent1"/>
+          </a:effectRef>
+          <a:fontRef idx="minor">
+            <a:schemeClr val="lt1"/>
+          </a:fontRef>
+        </p:style>
+        <p:txBody>
+          <a:bodyPr rtlCol="0" anchor="t"/>
+          <a:lstStyle/>
+          <a:p>
+            <a:pPr algn="ctr"/>
+            <a:r>
+              <a:rPr lang="en-US" altLang="ja-JP" sz="1200" dirty="0" smtClean="0">
+                <a:solidFill>
+                  <a:schemeClr val="tx1">
+                    <a:lumMod val="75000"/>
+                    <a:lumOff val="25000"/>
+                  </a:schemeClr>
+                </a:solidFill>
+                <a:latin typeface="+mj-lt"/>
+              </a:rPr>
+              <a:t>worker</a:t>
+            </a:r>
+            <a:endParaRPr lang="ja-JP" altLang="en-US" sz="1200" dirty="0">
+              <a:solidFill>
+                <a:schemeClr val="tx1">
+                  <a:lumMod val="75000"/>
+                  <a:lumOff val="25000"/>
+                </a:schemeClr>
+              </a:solidFill>
+              <a:latin typeface="+mj-lt"/>
+            </a:endParaRPr>
+          </a:p>
+        </p:txBody>
+      </p:sp>
+      <p:sp>
+        <p:nvSpPr>
+          <p:cNvPr id="27" name="角丸四角形 26"/>
+          <p:cNvSpPr/>
+          <p:nvPr/>
+        </p:nvSpPr>
+        <p:spPr>
+          <a:xfrm>
+            <a:off x="6197625" y="913422"/>
+            <a:ext cx="680446" cy="680446"/>
+          </a:xfrm>
+          <a:prstGeom prst="roundRect">
+            <a:avLst>
+              <a:gd name="adj" fmla="val 8097"/>
+            </a:avLst>
+          </a:prstGeom>
+          <a:solidFill>
+            <a:schemeClr val="bg1"/>
+          </a:solidFill>
+          <a:ln w="19050">
+            <a:solidFill>
+              <a:schemeClr val="tx1">
+                <a:lumMod val="50000"/>
+                <a:lumOff val="50000"/>
+              </a:schemeClr>
+            </a:solidFill>
+          </a:ln>
+        </p:spPr>
+        <p:style>
+          <a:lnRef idx="2">
+            <a:schemeClr val="accent1">
+              <a:shade val="50000"/>
+            </a:schemeClr>
+          </a:lnRef>
+          <a:fillRef idx="1">
+            <a:schemeClr val="accent1"/>
+          </a:fillRef>
+          <a:effectRef idx="0">
+            <a:schemeClr val="accent1"/>
+          </a:effectRef>
+          <a:fontRef idx="minor">
+            <a:schemeClr val="lt1"/>
+          </a:fontRef>
+        </p:style>
+        <p:txBody>
+          <a:bodyPr rtlCol="0" anchor="ctr"/>
+          <a:lstStyle/>
+          <a:p>
+            <a:pPr algn="ctr"/>
+            <a:r>
+              <a:rPr lang="en-US" altLang="ja-JP" sz="1200" dirty="0" err="1" smtClean="0">
+                <a:solidFill>
+                  <a:schemeClr val="tx1">
+                    <a:lumMod val="75000"/>
+                    <a:lumOff val="25000"/>
+                  </a:schemeClr>
+                </a:solidFill>
+                <a:latin typeface="+mj-lt"/>
+              </a:rPr>
+              <a:t>sim_ds</a:t>
+            </a:r>
+            <a:endParaRPr lang="ja-JP" altLang="en-US" sz="1200" dirty="0">
+              <a:solidFill>
+                <a:schemeClr val="tx1">
+                  <a:lumMod val="75000"/>
+                  <a:lumOff val="25000"/>
+                </a:schemeClr>
+              </a:solidFill>
+              <a:latin typeface="+mj-lt"/>
+            </a:endParaRPr>
+          </a:p>
+        </p:txBody>
+      </p:sp>
+      <p:sp>
+        <p:nvSpPr>
+          <p:cNvPr id="31" name="正方形/長方形 30"/>
+          <p:cNvSpPr/>
+          <p:nvPr/>
+        </p:nvSpPr>
+        <p:spPr>
+          <a:xfrm>
+            <a:off x="6012160" y="2089591"/>
+            <a:ext cx="2736304" cy="1051377"/>
+          </a:xfrm>
+          <a:prstGeom prst="rect">
+            <a:avLst/>
+          </a:prstGeom>
+          <a:solidFill>
+            <a:schemeClr val="bg1"/>
+          </a:solidFill>
+          <a:ln w="19050">
+            <a:solidFill>
+              <a:schemeClr val="tx1">
+                <a:lumMod val="50000"/>
+                <a:lumOff val="50000"/>
+              </a:schemeClr>
+            </a:solidFill>
+          </a:ln>
+        </p:spPr>
+        <p:style>
+          <a:lnRef idx="2">
+            <a:schemeClr val="accent1">
+              <a:shade val="50000"/>
+            </a:schemeClr>
+          </a:lnRef>
+          <a:fillRef idx="1">
+            <a:schemeClr val="accent1"/>
+          </a:fillRef>
+          <a:effectRef idx="0">
+            <a:schemeClr val="accent1"/>
+          </a:effectRef>
+          <a:fontRef idx="minor">
+            <a:schemeClr val="lt1"/>
+          </a:fontRef>
+        </p:style>
+        <p:txBody>
+          <a:bodyPr rtlCol="0" anchor="t"/>
+          <a:lstStyle/>
+          <a:p>
+            <a:pPr algn="ctr"/>
+            <a:r>
+              <a:rPr lang="en-US" altLang="ja-JP" sz="1200" dirty="0" smtClean="0">
+                <a:solidFill>
+                  <a:schemeClr val="tx1">
+                    <a:lumMod val="75000"/>
+                    <a:lumOff val="25000"/>
+                  </a:schemeClr>
+                </a:solidFill>
+                <a:latin typeface="+mj-lt"/>
+              </a:rPr>
+              <a:t>worker</a:t>
+            </a:r>
+            <a:endParaRPr lang="ja-JP" altLang="en-US" sz="1200" dirty="0">
+              <a:solidFill>
+                <a:schemeClr val="tx1">
+                  <a:lumMod val="75000"/>
+                  <a:lumOff val="25000"/>
+                </a:schemeClr>
+              </a:solidFill>
+              <a:latin typeface="+mj-lt"/>
+            </a:endParaRPr>
+          </a:p>
+        </p:txBody>
+      </p:sp>
+      <p:sp>
+        <p:nvSpPr>
+          <p:cNvPr id="32" name="角丸四角形 31"/>
+          <p:cNvSpPr/>
+          <p:nvPr/>
+        </p:nvSpPr>
+        <p:spPr>
+          <a:xfrm>
+            <a:off x="6197625" y="2382325"/>
+            <a:ext cx="680446" cy="680446"/>
+          </a:xfrm>
+          <a:prstGeom prst="roundRect">
+            <a:avLst>
+              <a:gd name="adj" fmla="val 8097"/>
+            </a:avLst>
+          </a:prstGeom>
+          <a:solidFill>
+            <a:schemeClr val="bg1"/>
+          </a:solidFill>
+          <a:ln w="19050">
+            <a:solidFill>
+              <a:schemeClr val="tx1">
+                <a:lumMod val="50000"/>
+                <a:lumOff val="50000"/>
+              </a:schemeClr>
+            </a:solidFill>
+          </a:ln>
+        </p:spPr>
+        <p:style>
+          <a:lnRef idx="2">
+            <a:schemeClr val="accent1">
+              <a:shade val="50000"/>
+            </a:schemeClr>
+          </a:lnRef>
+          <a:fillRef idx="1">
+            <a:schemeClr val="accent1"/>
+          </a:fillRef>
+          <a:effectRef idx="0">
+            <a:schemeClr val="accent1"/>
+          </a:effectRef>
+          <a:fontRef idx="minor">
+            <a:schemeClr val="lt1"/>
+          </a:fontRef>
+        </p:style>
+        <p:txBody>
+          <a:bodyPr rtlCol="0" anchor="ctr"/>
+          <a:lstStyle/>
+          <a:p>
+            <a:pPr algn="ctr"/>
+            <a:r>
+              <a:rPr lang="en-US" altLang="ja-JP" sz="1200" dirty="0" err="1" smtClean="0">
+                <a:solidFill>
+                  <a:schemeClr val="tx1">
+                    <a:lumMod val="75000"/>
+                    <a:lumOff val="25000"/>
+                  </a:schemeClr>
+                </a:solidFill>
+                <a:latin typeface="+mj-lt"/>
+              </a:rPr>
+              <a:t>sim_ds</a:t>
+            </a:r>
+            <a:endParaRPr lang="ja-JP" altLang="en-US" sz="1200" dirty="0">
+              <a:solidFill>
+                <a:schemeClr val="tx1">
+                  <a:lumMod val="75000"/>
+                  <a:lumOff val="25000"/>
+                </a:schemeClr>
+              </a:solidFill>
+              <a:latin typeface="+mj-lt"/>
+            </a:endParaRPr>
+          </a:p>
+        </p:txBody>
+      </p:sp>
+      <p:cxnSp>
+        <p:nvCxnSpPr>
+          <p:cNvPr id="34" name="直線矢印コネクタ 33"/>
+          <p:cNvCxnSpPr>
+            <a:stCxn id="2" idx="6"/>
+            <a:endCxn id="27" idx="1"/>
+          </p:cNvCxnSpPr>
+          <p:nvPr/>
+        </p:nvCxnSpPr>
+        <p:spPr>
+          <a:xfrm flipV="1">
+            <a:off x="5004048" y="1253645"/>
+            <a:ext cx="1193577" cy="1313708"/>
+          </a:xfrm>
+          <a:prstGeom prst="straightConnector1">
+            <a:avLst/>
+          </a:prstGeom>
+          <a:ln w="12700">
+            <a:solidFill>
+              <a:schemeClr val="tx1">
+                <a:lumMod val="50000"/>
+                <a:lumOff val="50000"/>
+              </a:schemeClr>
+            </a:solidFill>
+            <a:tailEnd type="arrow"/>
+          </a:ln>
+        </p:spPr>
+        <p:style>
+          <a:lnRef idx="1">
+            <a:schemeClr val="accent1"/>
+          </a:lnRef>
+          <a:fillRef idx="0">
+            <a:schemeClr val="accent1"/>
+          </a:fillRef>
+          <a:effectRef idx="0">
+            <a:schemeClr val="accent1"/>
+          </a:effectRef>
+          <a:fontRef idx="minor">
+            <a:schemeClr val="tx1"/>
+          </a:fontRef>
+        </p:style>
+      </p:cxnSp>
+      <p:cxnSp>
+        <p:nvCxnSpPr>
+          <p:cNvPr id="37" name="直線矢印コネクタ 36"/>
+          <p:cNvCxnSpPr>
+            <a:stCxn id="2" idx="6"/>
+            <a:endCxn id="32" idx="1"/>
+          </p:cNvCxnSpPr>
+          <p:nvPr/>
+        </p:nvCxnSpPr>
+        <p:spPr>
+          <a:xfrm>
+            <a:off x="5004048" y="2567353"/>
+            <a:ext cx="1193577" cy="155195"/>
+          </a:xfrm>
+          <a:prstGeom prst="straightConnector1">
+            <a:avLst/>
+          </a:prstGeom>
+          <a:ln w="12700">
+            <a:solidFill>
+              <a:schemeClr val="tx1">
+                <a:lumMod val="50000"/>
+                <a:lumOff val="50000"/>
+              </a:schemeClr>
+            </a:solidFill>
+            <a:tailEnd type="arrow"/>
+          </a:ln>
+        </p:spPr>
+        <p:style>
+          <a:lnRef idx="1">
+            <a:schemeClr val="accent1"/>
+          </a:lnRef>
+          <a:fillRef idx="0">
+            <a:schemeClr val="accent1"/>
+          </a:fillRef>
+          <a:effectRef idx="0">
+            <a:schemeClr val="accent1"/>
+          </a:effectRef>
+          <a:fontRef idx="minor">
+            <a:schemeClr val="tx1"/>
+          </a:fontRef>
+        </p:style>
+      </p:cxnSp>
+      <p:cxnSp>
+        <p:nvCxnSpPr>
+          <p:cNvPr id="40" name="直線矢印コネクタ 39"/>
+          <p:cNvCxnSpPr>
+            <a:stCxn id="2" idx="6"/>
+          </p:cNvCxnSpPr>
+          <p:nvPr/>
+        </p:nvCxnSpPr>
+        <p:spPr>
+          <a:xfrm>
+            <a:off x="5004048" y="2567353"/>
+            <a:ext cx="1008112" cy="1099303"/>
+          </a:xfrm>
+          <a:prstGeom prst="straightConnector1">
+            <a:avLst/>
+          </a:prstGeom>
+          <a:ln w="19050" cap="rnd">
+            <a:solidFill>
+              <a:schemeClr val="tx1">
+                <a:lumMod val="50000"/>
+                <a:lumOff val="50000"/>
+              </a:schemeClr>
+            </a:solidFill>
+            <a:prstDash val="sysDot"/>
+            <a:tailEnd type="arrow"/>
+          </a:ln>
+        </p:spPr>
+        <p:style>
+          <a:lnRef idx="1">
+            <a:schemeClr val="accent1"/>
+          </a:lnRef>
+          <a:fillRef idx="0">
+            <a:schemeClr val="accent1"/>
+          </a:fillRef>
+          <a:effectRef idx="0">
+            <a:schemeClr val="accent1"/>
+          </a:effectRef>
+          <a:fontRef idx="minor">
+            <a:schemeClr val="tx1"/>
+          </a:fontRef>
+        </p:style>
+      </p:cxnSp>
+      <p:cxnSp>
+        <p:nvCxnSpPr>
+          <p:cNvPr id="44" name="直線矢印コネクタ 43"/>
+          <p:cNvCxnSpPr>
+            <a:stCxn id="7" idx="3"/>
+            <a:endCxn id="2" idx="2"/>
+          </p:cNvCxnSpPr>
+          <p:nvPr/>
+        </p:nvCxnSpPr>
+        <p:spPr>
+          <a:xfrm>
+            <a:off x="3347864" y="2567353"/>
+            <a:ext cx="1296144" cy="0"/>
+          </a:xfrm>
+          <a:prstGeom prst="straightConnector1">
+            <a:avLst/>
+          </a:prstGeom>
+          <a:ln w="12700">
+            <a:solidFill>
+              <a:schemeClr val="tx1">
+                <a:lumMod val="50000"/>
+                <a:lumOff val="50000"/>
+              </a:schemeClr>
+            </a:solidFill>
+            <a:tailEnd type="arrow"/>
+          </a:ln>
+        </p:spPr>
+        <p:style>
+          <a:lnRef idx="1">
+            <a:schemeClr val="accent1"/>
+          </a:lnRef>
+          <a:fillRef idx="0">
+            <a:schemeClr val="accent1"/>
+          </a:fillRef>
+          <a:effectRef idx="0">
+            <a:schemeClr val="accent1"/>
+          </a:effectRef>
+          <a:fontRef idx="minor">
+            <a:schemeClr val="tx1"/>
+          </a:fontRef>
+        </p:style>
+      </p:cxnSp>
+      <p:sp>
+        <p:nvSpPr>
+          <p:cNvPr id="49" name="角丸四角形 48"/>
+          <p:cNvSpPr/>
+          <p:nvPr/>
+        </p:nvSpPr>
+        <p:spPr>
+          <a:xfrm>
+            <a:off x="6968081" y="913422"/>
+            <a:ext cx="680446" cy="680446"/>
+          </a:xfrm>
+          <a:prstGeom prst="roundRect">
+            <a:avLst>
+              <a:gd name="adj" fmla="val 8097"/>
+            </a:avLst>
+          </a:prstGeom>
+          <a:solidFill>
+            <a:schemeClr val="bg1"/>
+          </a:solidFill>
+          <a:ln w="19050">
+            <a:solidFill>
+              <a:schemeClr val="tx1">
+                <a:lumMod val="50000"/>
+                <a:lumOff val="50000"/>
+              </a:schemeClr>
+            </a:solidFill>
+          </a:ln>
+        </p:spPr>
+        <p:style>
+          <a:lnRef idx="2">
+            <a:schemeClr val="accent1">
+              <a:shade val="50000"/>
+            </a:schemeClr>
+          </a:lnRef>
+          <a:fillRef idx="1">
+            <a:schemeClr val="accent1"/>
+          </a:fillRef>
+          <a:effectRef idx="0">
+            <a:schemeClr val="accent1"/>
+          </a:effectRef>
+          <a:fontRef idx="minor">
+            <a:schemeClr val="lt1"/>
+          </a:fontRef>
+        </p:style>
+        <p:txBody>
+          <a:bodyPr rtlCol="0" anchor="ctr"/>
+          <a:lstStyle/>
+          <a:p>
+            <a:pPr algn="ctr"/>
+            <a:r>
+              <a:rPr lang="en-US" altLang="ja-JP" sz="1200" dirty="0" err="1" smtClean="0">
+                <a:solidFill>
+                  <a:schemeClr val="tx1">
+                    <a:lumMod val="75000"/>
+                    <a:lumOff val="25000"/>
+                  </a:schemeClr>
+                </a:solidFill>
+                <a:latin typeface="+mj-lt"/>
+              </a:rPr>
+              <a:t>mbs</a:t>
+            </a:r>
+            <a:endParaRPr lang="ja-JP" altLang="en-US" sz="1200" dirty="0">
+              <a:solidFill>
+                <a:schemeClr val="tx1">
+                  <a:lumMod val="75000"/>
+                  <a:lumOff val="25000"/>
+                </a:schemeClr>
+              </a:solidFill>
+              <a:latin typeface="+mj-lt"/>
+            </a:endParaRPr>
+          </a:p>
+        </p:txBody>
+      </p:sp>
+      <p:sp>
+        <p:nvSpPr>
+          <p:cNvPr id="50" name="角丸四角形 49"/>
+          <p:cNvSpPr/>
+          <p:nvPr/>
+        </p:nvSpPr>
+        <p:spPr>
+          <a:xfrm>
+            <a:off x="6968081" y="2382325"/>
+            <a:ext cx="680446" cy="680446"/>
+          </a:xfrm>
+          <a:prstGeom prst="roundRect">
+            <a:avLst>
+              <a:gd name="adj" fmla="val 8097"/>
+            </a:avLst>
+          </a:prstGeom>
+          <a:solidFill>
+            <a:schemeClr val="bg1"/>
+          </a:solidFill>
+          <a:ln w="19050">
+            <a:solidFill>
+              <a:schemeClr val="tx1">
+                <a:lumMod val="50000"/>
+                <a:lumOff val="50000"/>
+              </a:schemeClr>
+            </a:solidFill>
+          </a:ln>
+        </p:spPr>
+        <p:style>
+          <a:lnRef idx="2">
+            <a:schemeClr val="accent1">
+              <a:shade val="50000"/>
+            </a:schemeClr>
+          </a:lnRef>
+          <a:fillRef idx="1">
+            <a:schemeClr val="accent1"/>
+          </a:fillRef>
+          <a:effectRef idx="0">
+            <a:schemeClr val="accent1"/>
+          </a:effectRef>
+          <a:fontRef idx="minor">
+            <a:schemeClr val="lt1"/>
+          </a:fontRef>
+        </p:style>
+        <p:txBody>
+          <a:bodyPr rtlCol="0" anchor="ctr"/>
+          <a:lstStyle/>
+          <a:p>
+            <a:pPr algn="ctr"/>
+            <a:r>
+              <a:rPr lang="en-US" altLang="ja-JP" sz="1200" dirty="0" err="1" smtClean="0">
+                <a:solidFill>
+                  <a:schemeClr val="tx1">
+                    <a:lumMod val="75000"/>
+                    <a:lumOff val="25000"/>
+                  </a:schemeClr>
+                </a:solidFill>
+                <a:latin typeface="+mj-lt"/>
+              </a:rPr>
+              <a:t>mbs</a:t>
+            </a:r>
+            <a:endParaRPr lang="ja-JP" altLang="en-US" sz="1200" dirty="0">
+              <a:solidFill>
+                <a:schemeClr val="tx1">
+                  <a:lumMod val="75000"/>
+                  <a:lumOff val="25000"/>
+                </a:schemeClr>
+              </a:solidFill>
+              <a:latin typeface="+mj-lt"/>
+            </a:endParaRPr>
+          </a:p>
+        </p:txBody>
+      </p:sp>
+      <p:sp>
+        <p:nvSpPr>
+          <p:cNvPr id="51" name="円柱 50"/>
+          <p:cNvSpPr/>
+          <p:nvPr/>
+        </p:nvSpPr>
+        <p:spPr>
+          <a:xfrm>
+            <a:off x="7812360" y="947075"/>
+            <a:ext cx="792088" cy="613140"/>
+          </a:xfrm>
+          <a:prstGeom prst="can">
+            <a:avLst/>
+          </a:prstGeom>
+          <a:solidFill>
+            <a:schemeClr val="bg1"/>
+          </a:solidFill>
+          <a:ln w="19050">
+            <a:solidFill>
+              <a:schemeClr val="tx1">
+                <a:lumMod val="50000"/>
+                <a:lumOff val="50000"/>
+              </a:schemeClr>
+            </a:solidFill>
+          </a:ln>
+        </p:spPr>
+        <p:style>
+          <a:lnRef idx="2">
+            <a:schemeClr val="accent1">
+              <a:shade val="50000"/>
+            </a:schemeClr>
+          </a:lnRef>
+          <a:fillRef idx="1">
+            <a:schemeClr val="accent1"/>
+          </a:fillRef>
+          <a:effectRef idx="0">
+            <a:schemeClr val="accent1"/>
+          </a:effectRef>
+          <a:fontRef idx="minor">
+            <a:schemeClr val="lt1"/>
+          </a:fontRef>
+        </p:style>
+        <p:txBody>
+          <a:bodyPr rtlCol="0" anchor="ctr"/>
+          <a:lstStyle/>
+          <a:p>
+            <a:pPr algn="ctr"/>
+            <a:r>
+              <a:rPr lang="en-US" altLang="ja-JP" sz="1200" dirty="0" err="1" smtClean="0">
+                <a:solidFill>
+                  <a:schemeClr val="tx1">
+                    <a:lumMod val="75000"/>
+                    <a:lumOff val="25000"/>
+                  </a:schemeClr>
+                </a:solidFill>
+                <a:latin typeface="+mj-lt"/>
+              </a:rPr>
+              <a:t>mongodb</a:t>
+            </a:r>
+            <a:endParaRPr lang="ja-JP" altLang="en-US" sz="1200" dirty="0">
+              <a:solidFill>
+                <a:schemeClr val="tx1">
+                  <a:lumMod val="75000"/>
+                  <a:lumOff val="25000"/>
+                </a:schemeClr>
+              </a:solidFill>
+              <a:latin typeface="+mj-lt"/>
+            </a:endParaRPr>
+          </a:p>
+        </p:txBody>
+      </p:sp>
+      <p:sp>
+        <p:nvSpPr>
+          <p:cNvPr id="52" name="円柱 51"/>
+          <p:cNvSpPr/>
+          <p:nvPr/>
+        </p:nvSpPr>
+        <p:spPr>
+          <a:xfrm>
+            <a:off x="7805584" y="2415978"/>
+            <a:ext cx="792088" cy="613140"/>
+          </a:xfrm>
+          <a:prstGeom prst="can">
+            <a:avLst/>
+          </a:prstGeom>
+          <a:solidFill>
+            <a:schemeClr val="bg1"/>
+          </a:solidFill>
+          <a:ln w="19050">
+            <a:solidFill>
+              <a:schemeClr val="tx1">
+                <a:lumMod val="50000"/>
+                <a:lumOff val="50000"/>
+              </a:schemeClr>
+            </a:solidFill>
+          </a:ln>
+        </p:spPr>
+        <p:style>
+          <a:lnRef idx="2">
+            <a:schemeClr val="accent1">
+              <a:shade val="50000"/>
+            </a:schemeClr>
+          </a:lnRef>
+          <a:fillRef idx="1">
+            <a:schemeClr val="accent1"/>
+          </a:fillRef>
+          <a:effectRef idx="0">
+            <a:schemeClr val="accent1"/>
+          </a:effectRef>
+          <a:fontRef idx="minor">
+            <a:schemeClr val="lt1"/>
+          </a:fontRef>
+        </p:style>
+        <p:txBody>
+          <a:bodyPr rtlCol="0" anchor="ctr"/>
+          <a:lstStyle/>
+          <a:p>
+            <a:pPr algn="ctr"/>
+            <a:r>
+              <a:rPr lang="en-US" altLang="ja-JP" sz="1200" dirty="0" err="1" smtClean="0">
+                <a:solidFill>
+                  <a:schemeClr val="tx1">
+                    <a:lumMod val="75000"/>
+                    <a:lumOff val="25000"/>
+                  </a:schemeClr>
+                </a:solidFill>
+                <a:latin typeface="+mj-lt"/>
+              </a:rPr>
+              <a:t>mongodb</a:t>
+            </a:r>
+            <a:endParaRPr lang="ja-JP" altLang="en-US" sz="1200" dirty="0">
+              <a:solidFill>
+                <a:schemeClr val="tx1">
+                  <a:lumMod val="75000"/>
+                  <a:lumOff val="25000"/>
+                </a:schemeClr>
+              </a:solidFill>
+              <a:latin typeface="+mj-lt"/>
+            </a:endParaRPr>
+          </a:p>
+        </p:txBody>
+      </p:sp>
     </p:spTree>
     <p:extLst>
       <p:ext uri="{BB962C8B-B14F-4D97-AF65-F5344CB8AC3E}">

--- a/doc/fig.pptx
+++ b/doc/fig.pptx
@@ -6,6 +6,7 @@
   </p:sldMasterIdLst>
   <p:sldIdLst>
     <p:sldId id="256" r:id="rId2"/>
+    <p:sldId id="257" r:id="rId3"/>
   </p:sldIdLst>
   <p:sldSz cx="9144000" cy="6858000" type="screen4x3"/>
   <p:notesSz cx="6858000" cy="9144000"/>
@@ -288,7 +289,7 @@
           <a:p>
             <a:fld id="{D45CD2D3-F377-4F0D-8DDB-F6916D460F71}" type="datetimeFigureOut">
               <a:rPr kumimoji="1" lang="ja-JP" altLang="en-US" smtClean="0"/>
-              <a:t>2014/11/7</a:t>
+              <a:t>2014/11/12</a:t>
             </a:fld>
             <a:endParaRPr kumimoji="1" lang="ja-JP" altLang="en-US"/>
           </a:p>
@@ -490,7 +491,7 @@
           <a:p>
             <a:fld id="{D45CD2D3-F377-4F0D-8DDB-F6916D460F71}" type="datetimeFigureOut">
               <a:rPr kumimoji="1" lang="ja-JP" altLang="en-US" smtClean="0"/>
-              <a:t>2014/11/7</a:t>
+              <a:t>2014/11/12</a:t>
             </a:fld>
             <a:endParaRPr kumimoji="1" lang="ja-JP" altLang="en-US"/>
           </a:p>
@@ -702,7 +703,7 @@
           <a:p>
             <a:fld id="{D45CD2D3-F377-4F0D-8DDB-F6916D460F71}" type="datetimeFigureOut">
               <a:rPr kumimoji="1" lang="ja-JP" altLang="en-US" smtClean="0"/>
-              <a:t>2014/11/7</a:t>
+              <a:t>2014/11/12</a:t>
             </a:fld>
             <a:endParaRPr kumimoji="1" lang="ja-JP" altLang="en-US"/>
           </a:p>
@@ -904,7 +905,7 @@
           <a:p>
             <a:fld id="{D45CD2D3-F377-4F0D-8DDB-F6916D460F71}" type="datetimeFigureOut">
               <a:rPr kumimoji="1" lang="ja-JP" altLang="en-US" smtClean="0"/>
-              <a:t>2014/11/7</a:t>
+              <a:t>2014/11/12</a:t>
             </a:fld>
             <a:endParaRPr kumimoji="1" lang="ja-JP" altLang="en-US"/>
           </a:p>
@@ -1150,7 +1151,7 @@
           <a:p>
             <a:fld id="{D45CD2D3-F377-4F0D-8DDB-F6916D460F71}" type="datetimeFigureOut">
               <a:rPr kumimoji="1" lang="ja-JP" altLang="en-US" smtClean="0"/>
-              <a:t>2014/11/7</a:t>
+              <a:t>2014/11/12</a:t>
             </a:fld>
             <a:endParaRPr kumimoji="1" lang="ja-JP" altLang="en-US"/>
           </a:p>
@@ -1502,7 +1503,7 @@
           <a:p>
             <a:fld id="{D45CD2D3-F377-4F0D-8DDB-F6916D460F71}" type="datetimeFigureOut">
               <a:rPr kumimoji="1" lang="ja-JP" altLang="en-US" smtClean="0"/>
-              <a:t>2014/11/7</a:t>
+              <a:t>2014/11/12</a:t>
             </a:fld>
             <a:endParaRPr kumimoji="1" lang="ja-JP" altLang="en-US"/>
           </a:p>
@@ -1988,7 +1989,7 @@
           <a:p>
             <a:fld id="{D45CD2D3-F377-4F0D-8DDB-F6916D460F71}" type="datetimeFigureOut">
               <a:rPr kumimoji="1" lang="ja-JP" altLang="en-US" smtClean="0"/>
-              <a:t>2014/11/7</a:t>
+              <a:t>2014/11/12</a:t>
             </a:fld>
             <a:endParaRPr kumimoji="1" lang="ja-JP" altLang="en-US"/>
           </a:p>
@@ -2106,7 +2107,7 @@
           <a:p>
             <a:fld id="{D45CD2D3-F377-4F0D-8DDB-F6916D460F71}" type="datetimeFigureOut">
               <a:rPr kumimoji="1" lang="ja-JP" altLang="en-US" smtClean="0"/>
-              <a:t>2014/11/7</a:t>
+              <a:t>2014/11/12</a:t>
             </a:fld>
             <a:endParaRPr kumimoji="1" lang="ja-JP" altLang="en-US"/>
           </a:p>
@@ -2201,7 +2202,7 @@
           <a:p>
             <a:fld id="{D45CD2D3-F377-4F0D-8DDB-F6916D460F71}" type="datetimeFigureOut">
               <a:rPr kumimoji="1" lang="ja-JP" altLang="en-US" smtClean="0"/>
-              <a:t>2014/11/7</a:t>
+              <a:t>2014/11/12</a:t>
             </a:fld>
             <a:endParaRPr kumimoji="1" lang="ja-JP" altLang="en-US"/>
           </a:p>
@@ -2510,7 +2511,7 @@
           <a:p>
             <a:fld id="{D45CD2D3-F377-4F0D-8DDB-F6916D460F71}" type="datetimeFigureOut">
               <a:rPr kumimoji="1" lang="ja-JP" altLang="en-US" smtClean="0"/>
-              <a:t>2014/11/7</a:t>
+              <a:t>2014/11/12</a:t>
             </a:fld>
             <a:endParaRPr kumimoji="1" lang="ja-JP" altLang="en-US"/>
           </a:p>
@@ -2763,7 +2764,7 @@
           <a:p>
             <a:fld id="{D45CD2D3-F377-4F0D-8DDB-F6916D460F71}" type="datetimeFigureOut">
               <a:rPr kumimoji="1" lang="ja-JP" altLang="en-US" smtClean="0"/>
-              <a:t>2014/11/7</a:t>
+              <a:t>2014/11/12</a:t>
             </a:fld>
             <a:endParaRPr kumimoji="1" lang="ja-JP" altLang="en-US"/>
           </a:p>
@@ -3008,7 +3009,7 @@
           <a:p>
             <a:fld id="{D45CD2D3-F377-4F0D-8DDB-F6916D460F71}" type="datetimeFigureOut">
               <a:rPr kumimoji="1" lang="ja-JP" altLang="en-US" smtClean="0"/>
-              <a:t>2014/11/7</a:t>
+              <a:t>2014/11/12</a:t>
             </a:fld>
             <a:endParaRPr kumimoji="1" lang="ja-JP" altLang="en-US"/>
           </a:p>
@@ -3385,14 +3386,14 @@
       </p:grpSpPr>
       <p:sp>
         <p:nvSpPr>
-          <p:cNvPr id="25" name="正方形/長方形 24"/>
+          <p:cNvPr id="3" name="正方形/長方形 2"/>
           <p:cNvSpPr/>
           <p:nvPr/>
         </p:nvSpPr>
         <p:spPr>
           <a:xfrm>
-            <a:off x="4211960" y="621449"/>
-            <a:ext cx="1368152" cy="3672408"/>
+            <a:off x="4211960" y="1364160"/>
+            <a:ext cx="1388876" cy="4657128"/>
           </a:xfrm>
           <a:prstGeom prst="rect">
             <a:avLst/>
@@ -3442,6 +3443,45 @@
               </a:rPr>
               <a:t>Broker</a:t>
             </a:r>
+          </a:p>
+          <a:p>
+            <a:pPr algn="ctr"/>
+            <a:r>
+              <a:rPr lang="en-US" altLang="ja-JP" sz="1200" dirty="0" smtClean="0">
+                <a:solidFill>
+                  <a:schemeClr val="tx1">
+                    <a:lumMod val="75000"/>
+                    <a:lumOff val="25000"/>
+                  </a:schemeClr>
+                </a:solidFill>
+                <a:latin typeface="+mj-lt"/>
+              </a:rPr>
+              <a:t>(</a:t>
+            </a:r>
+            <a:r>
+              <a:rPr lang="en-US" altLang="ja-JP" sz="1200" dirty="0" err="1" smtClean="0">
+                <a:solidFill>
+                  <a:schemeClr val="tx1">
+                    <a:lumMod val="75000"/>
+                    <a:lumOff val="25000"/>
+                  </a:schemeClr>
+                </a:solidFill>
+                <a:latin typeface="+mj-lt"/>
+              </a:rPr>
+              <a:t>RabbitMQ</a:t>
+            </a:r>
+            <a:r>
+              <a:rPr lang="en-US" altLang="ja-JP" sz="1200" dirty="0" smtClean="0">
+                <a:solidFill>
+                  <a:schemeClr val="tx1">
+                    <a:lumMod val="75000"/>
+                    <a:lumOff val="25000"/>
+                  </a:schemeClr>
+                </a:solidFill>
+                <a:latin typeface="+mj-lt"/>
+              </a:rPr>
+              <a:t>)</a:t>
+            </a:r>
             <a:endParaRPr lang="ja-JP" altLang="en-US" sz="1200" dirty="0">
               <a:solidFill>
                 <a:schemeClr val="tx1">
@@ -3462,8 +3502,8 @@
         </p:nvSpPr>
         <p:spPr>
           <a:xfrm>
-            <a:off x="2339752" y="644081"/>
-            <a:ext cx="1368152" cy="3672408"/>
+            <a:off x="2339752" y="1364160"/>
+            <a:ext cx="1296144" cy="4657128"/>
           </a:xfrm>
           <a:prstGeom prst="rect">
             <a:avLst/>
@@ -3502,7 +3542,7 @@
           <a:p>
             <a:pPr algn="ctr"/>
             <a:r>
-              <a:rPr lang="en-US" altLang="ja-JP" sz="1200" dirty="0">
+              <a:rPr lang="en-US" altLang="ja-JP" sz="1200" dirty="0" smtClean="0">
                 <a:solidFill>
                   <a:schemeClr val="tx1">
                     <a:lumMod val="75000"/>
@@ -3513,6 +3553,45 @@
               </a:rPr>
               <a:t>UI</a:t>
             </a:r>
+          </a:p>
+          <a:p>
+            <a:pPr algn="ctr"/>
+            <a:r>
+              <a:rPr lang="en-US" altLang="ja-JP" sz="1200" dirty="0" smtClean="0">
+                <a:solidFill>
+                  <a:schemeClr val="tx1">
+                    <a:lumMod val="75000"/>
+                    <a:lumOff val="25000"/>
+                  </a:schemeClr>
+                </a:solidFill>
+                <a:latin typeface="+mj-lt"/>
+              </a:rPr>
+              <a:t>(</a:t>
+            </a:r>
+            <a:r>
+              <a:rPr lang="en-US" altLang="ja-JP" sz="1200" dirty="0" err="1" smtClean="0">
+                <a:solidFill>
+                  <a:schemeClr val="tx1">
+                    <a:lumMod val="75000"/>
+                    <a:lumOff val="25000"/>
+                  </a:schemeClr>
+                </a:solidFill>
+                <a:latin typeface="+mj-lt"/>
+              </a:rPr>
+              <a:t>mbs_gui</a:t>
+            </a:r>
+            <a:r>
+              <a:rPr lang="en-US" altLang="ja-JP" sz="1200" dirty="0" smtClean="0">
+                <a:solidFill>
+                  <a:schemeClr val="tx1">
+                    <a:lumMod val="75000"/>
+                    <a:lumOff val="25000"/>
+                  </a:schemeClr>
+                </a:solidFill>
+                <a:latin typeface="+mj-lt"/>
+              </a:rPr>
+              <a:t>)</a:t>
+            </a:r>
             <a:endParaRPr lang="ja-JP" altLang="en-US" sz="1200" dirty="0">
               <a:solidFill>
                 <a:schemeClr val="tx1">
@@ -3533,7 +3612,7 @@
         </p:nvGrpSpPr>
         <p:grpSpPr>
           <a:xfrm>
-            <a:off x="596980" y="1489731"/>
+            <a:off x="539552" y="3070681"/>
             <a:ext cx="346185" cy="566169"/>
             <a:chOff x="3371199" y="1971577"/>
             <a:chExt cx="447767" cy="732303"/>
@@ -3901,8 +3980,8 @@
         </p:nvSpPr>
         <p:spPr>
           <a:xfrm>
-            <a:off x="2555776" y="1185608"/>
-            <a:ext cx="792088" cy="2763489"/>
+            <a:off x="2555776" y="2033623"/>
+            <a:ext cx="864096" cy="2690073"/>
           </a:xfrm>
           <a:prstGeom prst="roundRect">
             <a:avLst>
@@ -3938,12 +4017,12 @@
           </a:fontRef>
         </p:style>
         <p:txBody>
-          <a:bodyPr rtlCol="0" anchor="ctr"/>
+          <a:bodyPr rtlCol="0" anchor="t"/>
           <a:lstStyle/>
           <a:p>
             <a:pPr algn="ctr"/>
             <a:r>
-              <a:rPr kumimoji="1" lang="en-US" altLang="ja-JP" sz="1200" dirty="0" err="1" smtClean="0">
+              <a:rPr kumimoji="1" lang="en-US" altLang="ja-JP" sz="1200" dirty="0" smtClean="0">
                 <a:solidFill>
                   <a:schemeClr val="tx1">
                     <a:lumMod val="75000"/>
@@ -3952,7 +4031,7 @@
                 </a:solidFill>
                 <a:latin typeface="+mj-lt"/>
               </a:rPr>
-              <a:t>sim_ds</a:t>
+              <a:t>exec</a:t>
             </a:r>
             <a:endParaRPr kumimoji="1" lang="ja-JP" altLang="en-US" sz="1200" dirty="0">
               <a:solidFill>
@@ -3974,7 +4053,7 @@
         </p:nvSpPr>
         <p:spPr>
           <a:xfrm>
-            <a:off x="1403648" y="1140824"/>
+            <a:off x="1403648" y="1988839"/>
             <a:ext cx="648072" cy="475313"/>
           </a:xfrm>
           <a:prstGeom prst="flowChartDocument">
@@ -4068,7 +4147,7 @@
         </p:nvSpPr>
         <p:spPr>
           <a:xfrm>
-            <a:off x="1403648" y="1713075"/>
+            <a:off x="1403648" y="2561090"/>
             <a:ext cx="648072" cy="475313"/>
           </a:xfrm>
           <a:prstGeom prst="flowChartDocument">
@@ -4116,8 +4195,16 @@
                   </a:schemeClr>
                 </a:solidFill>
               </a:rPr>
-              <a:t>topology</a:t>
-            </a:r>
+              <a:t>route</a:t>
+            </a:r>
+            <a:endParaRPr lang="en-US" altLang="ja-JP" sz="1000" dirty="0" smtClean="0">
+              <a:solidFill>
+                <a:schemeClr val="tx1">
+                  <a:lumMod val="75000"/>
+                  <a:lumOff val="25000"/>
+                </a:schemeClr>
+              </a:solidFill>
+            </a:endParaRPr>
           </a:p>
           <a:p>
             <a:pPr algn="ctr"/>
@@ -4151,7 +4238,7 @@
         </p:nvSpPr>
         <p:spPr>
           <a:xfrm>
-            <a:off x="1403648" y="2276872"/>
+            <a:off x="1403648" y="3124887"/>
             <a:ext cx="648072" cy="475313"/>
           </a:xfrm>
           <a:prstGeom prst="flowChartDocument">
@@ -4212,7 +4299,7 @@
         </p:nvSpPr>
         <p:spPr>
           <a:xfrm>
-            <a:off x="1403648" y="2852936"/>
+            <a:off x="1403648" y="3700951"/>
             <a:ext cx="648072" cy="475313"/>
           </a:xfrm>
           <a:prstGeom prst="flowChartDocument">
@@ -4298,7 +4385,7 @@
         </p:nvSpPr>
         <p:spPr>
           <a:xfrm>
-            <a:off x="1403344" y="3429000"/>
+            <a:off x="1403344" y="4277015"/>
             <a:ext cx="648072" cy="475313"/>
           </a:xfrm>
           <a:prstGeom prst="flowChartDocument">
@@ -4375,13 +4462,13 @@
         </p:nvCxnSpPr>
         <p:spPr>
           <a:xfrm flipV="1">
-            <a:off x="2051720" y="1378480"/>
+            <a:off x="2051720" y="2226495"/>
             <a:ext cx="504056" cy="1"/>
           </a:xfrm>
           <a:prstGeom prst="straightConnector1">
             <a:avLst/>
           </a:prstGeom>
-          <a:ln w="19050">
+          <a:ln w="12700">
             <a:solidFill>
               <a:schemeClr val="tx1">
                 <a:lumMod val="50000"/>
@@ -4414,13 +4501,13 @@
         </p:nvCxnSpPr>
         <p:spPr>
           <a:xfrm flipV="1">
-            <a:off x="2051416" y="1899222"/>
+            <a:off x="2051416" y="2747237"/>
             <a:ext cx="504056" cy="1"/>
           </a:xfrm>
           <a:prstGeom prst="straightConnector1">
             <a:avLst/>
           </a:prstGeom>
-          <a:ln w="19050">
+          <a:ln w="12700">
             <a:solidFill>
               <a:schemeClr val="tx1">
                 <a:lumMod val="50000"/>
@@ -4453,13 +4540,13 @@
         </p:nvCxnSpPr>
         <p:spPr>
           <a:xfrm flipV="1">
-            <a:off x="2051416" y="2505750"/>
+            <a:off x="2051416" y="3353765"/>
             <a:ext cx="504056" cy="1"/>
           </a:xfrm>
           <a:prstGeom prst="straightConnector1">
             <a:avLst/>
           </a:prstGeom>
-          <a:ln w="19050">
+          <a:ln w="12700">
             <a:solidFill>
               <a:schemeClr val="tx1">
                 <a:lumMod val="50000"/>
@@ -4492,13 +4579,13 @@
         </p:nvCxnSpPr>
         <p:spPr>
           <a:xfrm flipV="1">
-            <a:off x="2051416" y="3068960"/>
+            <a:off x="2051416" y="3916975"/>
             <a:ext cx="504056" cy="1"/>
           </a:xfrm>
           <a:prstGeom prst="straightConnector1">
             <a:avLst/>
           </a:prstGeom>
-          <a:ln w="19050">
+          <a:ln w="12700">
             <a:solidFill>
               <a:schemeClr val="tx1">
                 <a:lumMod val="50000"/>
@@ -4531,13 +4618,13 @@
         </p:nvCxnSpPr>
         <p:spPr>
           <a:xfrm flipV="1">
-            <a:off x="2051416" y="3666655"/>
+            <a:off x="2051416" y="4514670"/>
             <a:ext cx="504056" cy="1"/>
           </a:xfrm>
           <a:prstGeom prst="straightConnector1">
             <a:avLst/>
           </a:prstGeom>
-          <a:ln w="19050">
+          <a:ln w="12700">
             <a:solidFill>
               <a:schemeClr val="tx1">
                 <a:lumMod val="50000"/>
@@ -4570,7 +4657,7 @@
         </p:nvGrpSpPr>
         <p:grpSpPr>
           <a:xfrm>
-            <a:off x="4644008" y="2207313"/>
+            <a:off x="4716016" y="2226496"/>
             <a:ext cx="360040" cy="720080"/>
             <a:chOff x="4427984" y="2278560"/>
             <a:chExt cx="360040" cy="720080"/>
@@ -4724,43 +4811,13 @@
       </p:grpSp>
       <p:sp>
         <p:nvSpPr>
-          <p:cNvPr id="22" name="テキスト ボックス 21"/>
-          <p:cNvSpPr txBox="1"/>
-          <p:nvPr/>
-        </p:nvSpPr>
-        <p:spPr>
-          <a:xfrm>
-            <a:off x="4411895" y="1944639"/>
-            <a:ext cx="824265" cy="276999"/>
-          </a:xfrm>
-          <a:prstGeom prst="rect">
-            <a:avLst/>
-          </a:prstGeom>
-          <a:noFill/>
-        </p:spPr>
-        <p:txBody>
-          <a:bodyPr wrap="none" rtlCol="0">
-            <a:spAutoFit/>
-          </a:bodyPr>
-          <a:lstStyle/>
-          <a:p>
-            <a:r>
-              <a:rPr kumimoji="1" lang="en-US" altLang="ja-JP" sz="1200" dirty="0" err="1" smtClean="0"/>
-              <a:t>RabbitMQ</a:t>
-            </a:r>
-            <a:endParaRPr kumimoji="1" lang="ja-JP" altLang="en-US" sz="1200" dirty="0"/>
-          </a:p>
-        </p:txBody>
-      </p:sp>
-      <p:sp>
-        <p:nvSpPr>
           <p:cNvPr id="28" name="正方形/長方形 27"/>
           <p:cNvSpPr/>
           <p:nvPr/>
         </p:nvSpPr>
         <p:spPr>
           <a:xfrm>
-            <a:off x="6012160" y="620688"/>
+            <a:off x="6012160" y="2329007"/>
             <a:ext cx="2736304" cy="1051377"/>
           </a:xfrm>
           <a:prstGeom prst="rect">
@@ -4831,7 +4888,7 @@
         </p:nvSpPr>
         <p:spPr>
           <a:xfrm>
-            <a:off x="6197625" y="913422"/>
+            <a:off x="6197625" y="2598348"/>
             <a:ext cx="680446" cy="680446"/>
           </a:xfrm>
           <a:prstGeom prst="roundRect">
@@ -4904,7 +4961,7 @@
         </p:nvSpPr>
         <p:spPr>
           <a:xfrm>
-            <a:off x="6012160" y="2089591"/>
+            <a:off x="6012160" y="3529750"/>
             <a:ext cx="2736304" cy="1051377"/>
           </a:xfrm>
           <a:prstGeom prst="rect">
@@ -4975,7 +5032,7 @@
         </p:nvSpPr>
         <p:spPr>
           <a:xfrm>
-            <a:off x="6197625" y="2382325"/>
+            <a:off x="6197625" y="3822484"/>
             <a:ext cx="680446" cy="680446"/>
           </a:xfrm>
           <a:prstGeom prst="roundRect">
@@ -5050,9 +5107,9 @@
           <p:nvPr/>
         </p:nvCxnSpPr>
         <p:spPr>
-          <a:xfrm flipV="1">
-            <a:off x="5004048" y="1253645"/>
-            <a:ext cx="1193577" cy="1313708"/>
+          <a:xfrm>
+            <a:off x="5076056" y="2586536"/>
+            <a:ext cx="1121569" cy="352035"/>
           </a:xfrm>
           <a:prstGeom prst="straightConnector1">
             <a:avLst/>
@@ -5093,8 +5150,8 @@
         </p:nvCxnSpPr>
         <p:spPr>
           <a:xfrm>
-            <a:off x="5004048" y="2567353"/>
-            <a:ext cx="1193577" cy="155195"/>
+            <a:off x="5076056" y="2586536"/>
+            <a:ext cx="1121569" cy="1576171"/>
           </a:xfrm>
           <a:prstGeom prst="straightConnector1">
             <a:avLst/>
@@ -5106,48 +5163,6 @@
                 <a:lumOff val="50000"/>
               </a:schemeClr>
             </a:solidFill>
-            <a:tailEnd type="arrow"/>
-          </a:ln>
-        </p:spPr>
-        <p:style>
-          <a:lnRef idx="1">
-            <a:schemeClr val="accent1"/>
-          </a:lnRef>
-          <a:fillRef idx="0">
-            <a:schemeClr val="accent1"/>
-          </a:fillRef>
-          <a:effectRef idx="0">
-            <a:schemeClr val="accent1"/>
-          </a:effectRef>
-          <a:fontRef idx="minor">
-            <a:schemeClr val="tx1"/>
-          </a:fontRef>
-        </p:style>
-      </p:cxnSp>
-      <p:cxnSp>
-        <p:nvCxnSpPr>
-          <p:cNvPr id="40" name="直線矢印コネクタ 39"/>
-          <p:cNvCxnSpPr>
-            <a:stCxn id="2" idx="6"/>
-          </p:cNvCxnSpPr>
-          <p:nvPr/>
-        </p:nvCxnSpPr>
-        <p:spPr>
-          <a:xfrm>
-            <a:off x="5004048" y="2567353"/>
-            <a:ext cx="1008112" cy="1099303"/>
-          </a:xfrm>
-          <a:prstGeom prst="straightConnector1">
-            <a:avLst/>
-          </a:prstGeom>
-          <a:ln w="19050" cap="rnd">
-            <a:solidFill>
-              <a:schemeClr val="tx1">
-                <a:lumMod val="50000"/>
-                <a:lumOff val="50000"/>
-              </a:schemeClr>
-            </a:solidFill>
-            <a:prstDash val="sysDot"/>
             <a:tailEnd type="arrow"/>
           </a:ln>
         </p:spPr>
@@ -5176,9 +5191,9 @@
           <p:nvPr/>
         </p:nvCxnSpPr>
         <p:spPr>
-          <a:xfrm>
-            <a:off x="3347864" y="2567353"/>
-            <a:ext cx="1296144" cy="0"/>
+          <a:xfrm flipV="1">
+            <a:off x="3419872" y="2586536"/>
+            <a:ext cx="1296144" cy="792124"/>
           </a:xfrm>
           <a:prstGeom prst="straightConnector1">
             <a:avLst/>
@@ -5216,7 +5231,7 @@
         </p:nvSpPr>
         <p:spPr>
           <a:xfrm>
-            <a:off x="6968081" y="913422"/>
+            <a:off x="6968081" y="2598348"/>
             <a:ext cx="680446" cy="680446"/>
           </a:xfrm>
           <a:prstGeom prst="roundRect">
@@ -5289,7 +5304,7 @@
         </p:nvSpPr>
         <p:spPr>
           <a:xfrm>
-            <a:off x="6968081" y="2382325"/>
+            <a:off x="6968081" y="3822484"/>
             <a:ext cx="680446" cy="680446"/>
           </a:xfrm>
           <a:prstGeom prst="roundRect">
@@ -5362,7 +5377,7 @@
         </p:nvSpPr>
         <p:spPr>
           <a:xfrm>
-            <a:off x="7812360" y="947075"/>
+            <a:off x="7812360" y="2632001"/>
             <a:ext cx="792088" cy="613140"/>
           </a:xfrm>
           <a:prstGeom prst="can">
@@ -5433,7 +5448,7 @@
         </p:nvSpPr>
         <p:spPr>
           <a:xfrm>
-            <a:off x="7805584" y="2415978"/>
+            <a:off x="7805584" y="3856137"/>
             <a:ext cx="792088" cy="613140"/>
           </a:xfrm>
           <a:prstGeom prst="can">
@@ -5496,10 +5511,4701 @@
           </a:p>
         </p:txBody>
       </p:sp>
+      <p:grpSp>
+        <p:nvGrpSpPr>
+          <p:cNvPr id="35" name="グループ化 34"/>
+          <p:cNvGrpSpPr/>
+          <p:nvPr/>
+        </p:nvGrpSpPr>
+        <p:grpSpPr>
+          <a:xfrm>
+            <a:off x="4714475" y="3938607"/>
+            <a:ext cx="360040" cy="720080"/>
+            <a:chOff x="4427984" y="2278560"/>
+            <a:chExt cx="360040" cy="720080"/>
+          </a:xfrm>
+        </p:grpSpPr>
+        <p:sp>
+          <p:nvSpPr>
+            <p:cNvPr id="36" name="円/楕円 35"/>
+            <p:cNvSpPr/>
+            <p:nvPr/>
+          </p:nvSpPr>
+          <p:spPr>
+            <a:xfrm>
+              <a:off x="4427984" y="2278560"/>
+              <a:ext cx="360040" cy="720080"/>
+            </a:xfrm>
+            <a:prstGeom prst="ellipse">
+              <a:avLst/>
+            </a:prstGeom>
+            <a:solidFill>
+              <a:schemeClr val="bg1"/>
+            </a:solidFill>
+            <a:ln w="19050">
+              <a:solidFill>
+                <a:schemeClr val="tx1">
+                  <a:lumMod val="50000"/>
+                  <a:lumOff val="50000"/>
+                </a:schemeClr>
+              </a:solidFill>
+            </a:ln>
+          </p:spPr>
+          <p:style>
+            <a:lnRef idx="2">
+              <a:schemeClr val="accent1">
+                <a:shade val="50000"/>
+              </a:schemeClr>
+            </a:lnRef>
+            <a:fillRef idx="1">
+              <a:schemeClr val="accent1"/>
+            </a:fillRef>
+            <a:effectRef idx="0">
+              <a:schemeClr val="accent1"/>
+            </a:effectRef>
+            <a:fontRef idx="minor">
+              <a:schemeClr val="lt1"/>
+            </a:fontRef>
+          </p:style>
+          <p:txBody>
+            <a:bodyPr rtlCol="0" anchor="ctr"/>
+            <a:lstStyle/>
+            <a:p>
+              <a:pPr algn="ctr"/>
+              <a:endParaRPr lang="ja-JP" altLang="en-US" sz="1200">
+                <a:solidFill>
+                  <a:schemeClr val="tx1">
+                    <a:lumMod val="75000"/>
+                    <a:lumOff val="25000"/>
+                  </a:schemeClr>
+                </a:solidFill>
+                <a:latin typeface="+mj-lt"/>
+              </a:endParaRPr>
+            </a:p>
+          </p:txBody>
+        </p:sp>
+        <p:cxnSp>
+          <p:nvCxnSpPr>
+            <p:cNvPr id="38" name="直線コネクタ 37"/>
+            <p:cNvCxnSpPr/>
+            <p:nvPr/>
+          </p:nvCxnSpPr>
+          <p:spPr>
+            <a:xfrm>
+              <a:off x="4427984" y="2278560"/>
+              <a:ext cx="360040" cy="0"/>
+            </a:xfrm>
+            <a:prstGeom prst="line">
+              <a:avLst/>
+            </a:prstGeom>
+            <a:solidFill>
+              <a:schemeClr val="bg1"/>
+            </a:solidFill>
+            <a:ln w="19050" cap="rnd">
+              <a:solidFill>
+                <a:schemeClr val="tx1">
+                  <a:lumMod val="50000"/>
+                  <a:lumOff val="50000"/>
+                </a:schemeClr>
+              </a:solidFill>
+            </a:ln>
+          </p:spPr>
+          <p:style>
+            <a:lnRef idx="2">
+              <a:schemeClr val="accent1">
+                <a:shade val="50000"/>
+              </a:schemeClr>
+            </a:lnRef>
+            <a:fillRef idx="1">
+              <a:schemeClr val="accent1"/>
+            </a:fillRef>
+            <a:effectRef idx="0">
+              <a:schemeClr val="accent1"/>
+            </a:effectRef>
+            <a:fontRef idx="minor">
+              <a:schemeClr val="lt1"/>
+            </a:fontRef>
+          </p:style>
+        </p:cxnSp>
+        <p:cxnSp>
+          <p:nvCxnSpPr>
+            <p:cNvPr id="39" name="直線コネクタ 38"/>
+            <p:cNvCxnSpPr/>
+            <p:nvPr/>
+          </p:nvCxnSpPr>
+          <p:spPr>
+            <a:xfrm>
+              <a:off x="4427984" y="2998640"/>
+              <a:ext cx="360040" cy="0"/>
+            </a:xfrm>
+            <a:prstGeom prst="line">
+              <a:avLst/>
+            </a:prstGeom>
+            <a:solidFill>
+              <a:schemeClr val="bg1"/>
+            </a:solidFill>
+            <a:ln w="19050" cap="rnd">
+              <a:solidFill>
+                <a:schemeClr val="tx1">
+                  <a:lumMod val="50000"/>
+                  <a:lumOff val="50000"/>
+                </a:schemeClr>
+              </a:solidFill>
+            </a:ln>
+          </p:spPr>
+          <p:style>
+            <a:lnRef idx="2">
+              <a:schemeClr val="accent1">
+                <a:shade val="50000"/>
+              </a:schemeClr>
+            </a:lnRef>
+            <a:fillRef idx="1">
+              <a:schemeClr val="accent1"/>
+            </a:fillRef>
+            <a:effectRef idx="0">
+              <a:schemeClr val="accent1"/>
+            </a:effectRef>
+            <a:fontRef idx="minor">
+              <a:schemeClr val="lt1"/>
+            </a:fontRef>
+          </p:style>
+        </p:cxnSp>
+      </p:grpSp>
+      <p:sp>
+        <p:nvSpPr>
+          <p:cNvPr id="19" name="テキスト ボックス 18"/>
+          <p:cNvSpPr txBox="1"/>
+          <p:nvPr/>
+        </p:nvSpPr>
+        <p:spPr>
+          <a:xfrm>
+            <a:off x="4454665" y="2916828"/>
+            <a:ext cx="882742" cy="276999"/>
+          </a:xfrm>
+          <a:prstGeom prst="rect">
+            <a:avLst/>
+          </a:prstGeom>
+          <a:noFill/>
+        </p:spPr>
+        <p:txBody>
+          <a:bodyPr wrap="none" rtlCol="0">
+            <a:spAutoFit/>
+          </a:bodyPr>
+          <a:lstStyle/>
+          <a:p>
+            <a:r>
+              <a:rPr kumimoji="1" lang="en-US" altLang="ja-JP" sz="1200" dirty="0" smtClean="0"/>
+              <a:t>Task queue</a:t>
+            </a:r>
+            <a:endParaRPr kumimoji="1" lang="ja-JP" altLang="en-US" sz="1200" dirty="0"/>
+          </a:p>
+        </p:txBody>
+      </p:sp>
+      <p:sp>
+        <p:nvSpPr>
+          <p:cNvPr id="41" name="テキスト ボックス 40"/>
+          <p:cNvSpPr txBox="1"/>
+          <p:nvPr/>
+        </p:nvSpPr>
+        <p:spPr>
+          <a:xfrm>
+            <a:off x="4395543" y="3682929"/>
+            <a:ext cx="1145378" cy="276999"/>
+          </a:xfrm>
+          <a:prstGeom prst="rect">
+            <a:avLst/>
+          </a:prstGeom>
+          <a:noFill/>
+        </p:spPr>
+        <p:txBody>
+          <a:bodyPr wrap="none" rtlCol="0">
+            <a:spAutoFit/>
+          </a:bodyPr>
+          <a:lstStyle/>
+          <a:p>
+            <a:r>
+              <a:rPr kumimoji="1" lang="en-US" altLang="ja-JP" sz="1200" dirty="0" smtClean="0"/>
+              <a:t>Results Queues</a:t>
+            </a:r>
+            <a:endParaRPr kumimoji="1" lang="ja-JP" altLang="en-US" sz="1200" dirty="0"/>
+          </a:p>
+        </p:txBody>
+      </p:sp>
+      <p:grpSp>
+        <p:nvGrpSpPr>
+          <p:cNvPr id="42" name="グループ化 41"/>
+          <p:cNvGrpSpPr/>
+          <p:nvPr/>
+        </p:nvGrpSpPr>
+        <p:grpSpPr>
+          <a:xfrm>
+            <a:off x="4608192" y="4003616"/>
+            <a:ext cx="360040" cy="720080"/>
+            <a:chOff x="4427984" y="2278560"/>
+            <a:chExt cx="360040" cy="720080"/>
+          </a:xfrm>
+        </p:grpSpPr>
+        <p:sp>
+          <p:nvSpPr>
+            <p:cNvPr id="43" name="円/楕円 42"/>
+            <p:cNvSpPr/>
+            <p:nvPr/>
+          </p:nvSpPr>
+          <p:spPr>
+            <a:xfrm>
+              <a:off x="4427984" y="2278560"/>
+              <a:ext cx="360040" cy="720080"/>
+            </a:xfrm>
+            <a:prstGeom prst="ellipse">
+              <a:avLst/>
+            </a:prstGeom>
+            <a:solidFill>
+              <a:schemeClr val="bg1"/>
+            </a:solidFill>
+            <a:ln w="19050">
+              <a:solidFill>
+                <a:schemeClr val="tx1">
+                  <a:lumMod val="50000"/>
+                  <a:lumOff val="50000"/>
+                </a:schemeClr>
+              </a:solidFill>
+            </a:ln>
+          </p:spPr>
+          <p:style>
+            <a:lnRef idx="2">
+              <a:schemeClr val="accent1">
+                <a:shade val="50000"/>
+              </a:schemeClr>
+            </a:lnRef>
+            <a:fillRef idx="1">
+              <a:schemeClr val="accent1"/>
+            </a:fillRef>
+            <a:effectRef idx="0">
+              <a:schemeClr val="accent1"/>
+            </a:effectRef>
+            <a:fontRef idx="minor">
+              <a:schemeClr val="lt1"/>
+            </a:fontRef>
+          </p:style>
+          <p:txBody>
+            <a:bodyPr rtlCol="0" anchor="ctr"/>
+            <a:lstStyle/>
+            <a:p>
+              <a:pPr algn="ctr"/>
+              <a:endParaRPr lang="ja-JP" altLang="en-US" sz="1200">
+                <a:solidFill>
+                  <a:schemeClr val="tx1">
+                    <a:lumMod val="75000"/>
+                    <a:lumOff val="25000"/>
+                  </a:schemeClr>
+                </a:solidFill>
+                <a:latin typeface="+mj-lt"/>
+              </a:endParaRPr>
+            </a:p>
+          </p:txBody>
+        </p:sp>
+        <p:cxnSp>
+          <p:nvCxnSpPr>
+            <p:cNvPr id="45" name="直線コネクタ 44"/>
+            <p:cNvCxnSpPr/>
+            <p:nvPr/>
+          </p:nvCxnSpPr>
+          <p:spPr>
+            <a:xfrm>
+              <a:off x="4427984" y="2278560"/>
+              <a:ext cx="360040" cy="0"/>
+            </a:xfrm>
+            <a:prstGeom prst="line">
+              <a:avLst/>
+            </a:prstGeom>
+            <a:solidFill>
+              <a:schemeClr val="bg1"/>
+            </a:solidFill>
+            <a:ln w="19050" cap="rnd">
+              <a:solidFill>
+                <a:schemeClr val="tx1">
+                  <a:lumMod val="50000"/>
+                  <a:lumOff val="50000"/>
+                </a:schemeClr>
+              </a:solidFill>
+            </a:ln>
+          </p:spPr>
+          <p:style>
+            <a:lnRef idx="2">
+              <a:schemeClr val="accent1">
+                <a:shade val="50000"/>
+              </a:schemeClr>
+            </a:lnRef>
+            <a:fillRef idx="1">
+              <a:schemeClr val="accent1"/>
+            </a:fillRef>
+            <a:effectRef idx="0">
+              <a:schemeClr val="accent1"/>
+            </a:effectRef>
+            <a:fontRef idx="minor">
+              <a:schemeClr val="lt1"/>
+            </a:fontRef>
+          </p:style>
+        </p:cxnSp>
+        <p:cxnSp>
+          <p:nvCxnSpPr>
+            <p:cNvPr id="46" name="直線コネクタ 45"/>
+            <p:cNvCxnSpPr/>
+            <p:nvPr/>
+          </p:nvCxnSpPr>
+          <p:spPr>
+            <a:xfrm>
+              <a:off x="4427984" y="2998640"/>
+              <a:ext cx="360040" cy="0"/>
+            </a:xfrm>
+            <a:prstGeom prst="line">
+              <a:avLst/>
+            </a:prstGeom>
+            <a:solidFill>
+              <a:schemeClr val="bg1"/>
+            </a:solidFill>
+            <a:ln w="19050" cap="rnd">
+              <a:solidFill>
+                <a:schemeClr val="tx1">
+                  <a:lumMod val="50000"/>
+                  <a:lumOff val="50000"/>
+                </a:schemeClr>
+              </a:solidFill>
+            </a:ln>
+          </p:spPr>
+          <p:style>
+            <a:lnRef idx="2">
+              <a:schemeClr val="accent1">
+                <a:shade val="50000"/>
+              </a:schemeClr>
+            </a:lnRef>
+            <a:fillRef idx="1">
+              <a:schemeClr val="accent1"/>
+            </a:fillRef>
+            <a:effectRef idx="0">
+              <a:schemeClr val="accent1"/>
+            </a:effectRef>
+            <a:fontRef idx="minor">
+              <a:schemeClr val="lt1"/>
+            </a:fontRef>
+          </p:style>
+        </p:cxnSp>
+      </p:grpSp>
+      <p:cxnSp>
+        <p:nvCxnSpPr>
+          <p:cNvPr id="47" name="直線矢印コネクタ 46"/>
+          <p:cNvCxnSpPr>
+            <a:stCxn id="27" idx="1"/>
+            <a:endCxn id="36" idx="6"/>
+          </p:cNvCxnSpPr>
+          <p:nvPr/>
+        </p:nvCxnSpPr>
+        <p:spPr>
+          <a:xfrm flipH="1">
+            <a:off x="5074515" y="2938571"/>
+            <a:ext cx="1123110" cy="1360076"/>
+          </a:xfrm>
+          <a:prstGeom prst="straightConnector1">
+            <a:avLst/>
+          </a:prstGeom>
+          <a:ln w="12700">
+            <a:solidFill>
+              <a:schemeClr val="tx1">
+                <a:lumMod val="50000"/>
+                <a:lumOff val="50000"/>
+              </a:schemeClr>
+            </a:solidFill>
+            <a:tailEnd type="arrow"/>
+          </a:ln>
+        </p:spPr>
+        <p:style>
+          <a:lnRef idx="1">
+            <a:schemeClr val="accent1"/>
+          </a:lnRef>
+          <a:fillRef idx="0">
+            <a:schemeClr val="accent1"/>
+          </a:fillRef>
+          <a:effectRef idx="0">
+            <a:schemeClr val="accent1"/>
+          </a:effectRef>
+          <a:fontRef idx="minor">
+            <a:schemeClr val="tx1"/>
+          </a:fontRef>
+        </p:style>
+      </p:cxnSp>
+      <p:cxnSp>
+        <p:nvCxnSpPr>
+          <p:cNvPr id="48" name="直線矢印コネクタ 47"/>
+          <p:cNvCxnSpPr>
+            <a:stCxn id="32" idx="1"/>
+            <a:endCxn id="43" idx="6"/>
+          </p:cNvCxnSpPr>
+          <p:nvPr/>
+        </p:nvCxnSpPr>
+        <p:spPr>
+          <a:xfrm flipH="1">
+            <a:off x="4968232" y="4162707"/>
+            <a:ext cx="1229393" cy="200949"/>
+          </a:xfrm>
+          <a:prstGeom prst="straightConnector1">
+            <a:avLst/>
+          </a:prstGeom>
+          <a:ln w="12700">
+            <a:solidFill>
+              <a:schemeClr val="tx1">
+                <a:lumMod val="50000"/>
+                <a:lumOff val="50000"/>
+              </a:schemeClr>
+            </a:solidFill>
+            <a:tailEnd type="arrow"/>
+          </a:ln>
+        </p:spPr>
+        <p:style>
+          <a:lnRef idx="1">
+            <a:schemeClr val="accent1"/>
+          </a:lnRef>
+          <a:fillRef idx="0">
+            <a:schemeClr val="accent1"/>
+          </a:fillRef>
+          <a:effectRef idx="0">
+            <a:schemeClr val="accent1"/>
+          </a:effectRef>
+          <a:fontRef idx="minor">
+            <a:schemeClr val="tx1"/>
+          </a:fontRef>
+        </p:style>
+      </p:cxnSp>
+      <p:cxnSp>
+        <p:nvCxnSpPr>
+          <p:cNvPr id="33" name="直線コネクタ 32"/>
+          <p:cNvCxnSpPr/>
+          <p:nvPr/>
+        </p:nvCxnSpPr>
+        <p:spPr>
+          <a:xfrm>
+            <a:off x="7092280" y="4797112"/>
+            <a:ext cx="0" cy="360079"/>
+          </a:xfrm>
+          <a:prstGeom prst="line">
+            <a:avLst/>
+          </a:prstGeom>
+          <a:ln w="57150" cap="rnd">
+            <a:solidFill>
+              <a:schemeClr val="tx1">
+                <a:lumMod val="50000"/>
+                <a:lumOff val="50000"/>
+              </a:schemeClr>
+            </a:solidFill>
+            <a:prstDash val="sysDot"/>
+          </a:ln>
+        </p:spPr>
+        <p:style>
+          <a:lnRef idx="1">
+            <a:schemeClr val="accent1"/>
+          </a:lnRef>
+          <a:fillRef idx="0">
+            <a:schemeClr val="accent1"/>
+          </a:fillRef>
+          <a:effectRef idx="0">
+            <a:schemeClr val="accent1"/>
+          </a:effectRef>
+          <a:fontRef idx="minor">
+            <a:schemeClr val="tx1"/>
+          </a:fontRef>
+        </p:style>
+      </p:cxnSp>
+      <p:sp>
+        <p:nvSpPr>
+          <p:cNvPr id="87" name="角丸四角形 86"/>
+          <p:cNvSpPr/>
+          <p:nvPr/>
+        </p:nvSpPr>
+        <p:spPr>
+          <a:xfrm>
+            <a:off x="2555472" y="4869158"/>
+            <a:ext cx="864096" cy="1014741"/>
+          </a:xfrm>
+          <a:prstGeom prst="roundRect">
+            <a:avLst>
+              <a:gd name="adj" fmla="val 5759"/>
+            </a:avLst>
+          </a:prstGeom>
+          <a:solidFill>
+            <a:schemeClr val="bg1"/>
+          </a:solidFill>
+          <a:ln w="19050">
+            <a:solidFill>
+              <a:schemeClr val="tx1">
+                <a:lumMod val="50000"/>
+                <a:lumOff val="50000"/>
+              </a:schemeClr>
+            </a:solidFill>
+          </a:ln>
+        </p:spPr>
+        <p:style>
+          <a:lnRef idx="2">
+            <a:schemeClr val="accent1">
+              <a:shade val="50000"/>
+            </a:schemeClr>
+          </a:lnRef>
+          <a:fillRef idx="1">
+            <a:schemeClr val="accent1"/>
+          </a:fillRef>
+          <a:effectRef idx="0">
+            <a:schemeClr val="accent1"/>
+          </a:effectRef>
+          <a:fontRef idx="minor">
+            <a:schemeClr val="lt1"/>
+          </a:fontRef>
+        </p:style>
+        <p:txBody>
+          <a:bodyPr rtlCol="0" anchor="t"/>
+          <a:lstStyle/>
+          <a:p>
+            <a:pPr algn="ctr"/>
+            <a:r>
+              <a:rPr kumimoji="1" lang="en-US" altLang="ja-JP" sz="1200" dirty="0" smtClean="0">
+                <a:solidFill>
+                  <a:schemeClr val="tx1">
+                    <a:lumMod val="75000"/>
+                    <a:lumOff val="25000"/>
+                  </a:schemeClr>
+                </a:solidFill>
+                <a:latin typeface="+mj-lt"/>
+              </a:rPr>
+              <a:t>view</a:t>
+            </a:r>
+            <a:endParaRPr kumimoji="1" lang="ja-JP" altLang="en-US" sz="1200" dirty="0">
+              <a:solidFill>
+                <a:schemeClr val="tx1">
+                  <a:lumMod val="75000"/>
+                  <a:lumOff val="25000"/>
+                </a:schemeClr>
+              </a:solidFill>
+              <a:latin typeface="+mj-lt"/>
+            </a:endParaRPr>
+          </a:p>
+        </p:txBody>
+      </p:sp>
+      <p:cxnSp>
+        <p:nvCxnSpPr>
+          <p:cNvPr id="88" name="直線矢印コネクタ 87"/>
+          <p:cNvCxnSpPr>
+            <a:stCxn id="43" idx="2"/>
+            <a:endCxn id="87" idx="3"/>
+          </p:cNvCxnSpPr>
+          <p:nvPr/>
+        </p:nvCxnSpPr>
+        <p:spPr>
+          <a:xfrm flipH="1">
+            <a:off x="3419568" y="4363656"/>
+            <a:ext cx="1188624" cy="1012873"/>
+          </a:xfrm>
+          <a:prstGeom prst="straightConnector1">
+            <a:avLst/>
+          </a:prstGeom>
+          <a:ln w="12700">
+            <a:solidFill>
+              <a:schemeClr val="tx1">
+                <a:lumMod val="50000"/>
+                <a:lumOff val="50000"/>
+              </a:schemeClr>
+            </a:solidFill>
+            <a:tailEnd type="arrow"/>
+          </a:ln>
+        </p:spPr>
+        <p:style>
+          <a:lnRef idx="1">
+            <a:schemeClr val="accent1"/>
+          </a:lnRef>
+          <a:fillRef idx="0">
+            <a:schemeClr val="accent1"/>
+          </a:fillRef>
+          <a:effectRef idx="0">
+            <a:schemeClr val="accent1"/>
+          </a:effectRef>
+          <a:fontRef idx="minor">
+            <a:schemeClr val="tx1"/>
+          </a:fontRef>
+        </p:style>
+      </p:cxnSp>
+      <p:cxnSp>
+        <p:nvCxnSpPr>
+          <p:cNvPr id="91" name="直線矢印コネクタ 90"/>
+          <p:cNvCxnSpPr>
+            <a:stCxn id="87" idx="1"/>
+            <a:endCxn id="6" idx="1"/>
+          </p:cNvCxnSpPr>
+          <p:nvPr/>
+        </p:nvCxnSpPr>
+        <p:spPr>
+          <a:xfrm rot="10800000">
+            <a:off x="712646" y="3636851"/>
+            <a:ext cx="1842827" cy="1739679"/>
+          </a:xfrm>
+          <a:prstGeom prst="bentConnector2">
+            <a:avLst/>
+          </a:prstGeom>
+          <a:ln w="12700">
+            <a:solidFill>
+              <a:schemeClr val="tx1">
+                <a:lumMod val="50000"/>
+                <a:lumOff val="50000"/>
+              </a:schemeClr>
+            </a:solidFill>
+            <a:tailEnd type="arrow"/>
+          </a:ln>
+        </p:spPr>
+        <p:style>
+          <a:lnRef idx="1">
+            <a:schemeClr val="accent1"/>
+          </a:lnRef>
+          <a:fillRef idx="0">
+            <a:schemeClr val="accent1"/>
+          </a:fillRef>
+          <a:effectRef idx="0">
+            <a:schemeClr val="accent1"/>
+          </a:effectRef>
+          <a:fontRef idx="minor">
+            <a:schemeClr val="tx1"/>
+          </a:fontRef>
+        </p:style>
+      </p:cxnSp>
+      <p:sp>
+        <p:nvSpPr>
+          <p:cNvPr id="96" name="左大かっこ 95"/>
+          <p:cNvSpPr/>
+          <p:nvPr/>
+        </p:nvSpPr>
+        <p:spPr>
+          <a:xfrm>
+            <a:off x="1259632" y="1988839"/>
+            <a:ext cx="72008" cy="2734857"/>
+          </a:xfrm>
+          <a:prstGeom prst="leftBracket">
+            <a:avLst/>
+          </a:prstGeom>
+          <a:solidFill>
+            <a:schemeClr val="bg1"/>
+          </a:solidFill>
+          <a:ln w="19050">
+            <a:solidFill>
+              <a:schemeClr val="tx1">
+                <a:lumMod val="50000"/>
+                <a:lumOff val="50000"/>
+              </a:schemeClr>
+            </a:solidFill>
+          </a:ln>
+        </p:spPr>
+        <p:style>
+          <a:lnRef idx="2">
+            <a:schemeClr val="accent1">
+              <a:shade val="50000"/>
+            </a:schemeClr>
+          </a:lnRef>
+          <a:fillRef idx="1">
+            <a:schemeClr val="accent1"/>
+          </a:fillRef>
+          <a:effectRef idx="0">
+            <a:schemeClr val="accent1"/>
+          </a:effectRef>
+          <a:fontRef idx="minor">
+            <a:schemeClr val="lt1"/>
+          </a:fontRef>
+        </p:style>
+        <p:txBody>
+          <a:bodyPr rtlCol="0" anchor="t"/>
+          <a:lstStyle/>
+          <a:p>
+            <a:pPr algn="ctr"/>
+            <a:endParaRPr lang="ja-JP" altLang="en-US" sz="1200">
+              <a:solidFill>
+                <a:schemeClr val="tx1">
+                  <a:lumMod val="75000"/>
+                  <a:lumOff val="25000"/>
+                </a:schemeClr>
+              </a:solidFill>
+              <a:latin typeface="+mj-lt"/>
+            </a:endParaRPr>
+          </a:p>
+        </p:txBody>
+      </p:sp>
+      <p:cxnSp>
+        <p:nvCxnSpPr>
+          <p:cNvPr id="97" name="直線矢印コネクタ 96"/>
+          <p:cNvCxnSpPr>
+            <a:stCxn id="6" idx="0"/>
+          </p:cNvCxnSpPr>
+          <p:nvPr/>
+        </p:nvCxnSpPr>
+        <p:spPr>
+          <a:xfrm>
+            <a:off x="885737" y="3480172"/>
+            <a:ext cx="373895" cy="0"/>
+          </a:xfrm>
+          <a:prstGeom prst="straightConnector1">
+            <a:avLst/>
+          </a:prstGeom>
+          <a:ln w="12700">
+            <a:solidFill>
+              <a:schemeClr val="tx1">
+                <a:lumMod val="50000"/>
+                <a:lumOff val="50000"/>
+              </a:schemeClr>
+            </a:solidFill>
+            <a:tailEnd type="arrow"/>
+          </a:ln>
+        </p:spPr>
+        <p:style>
+          <a:lnRef idx="1">
+            <a:schemeClr val="accent1"/>
+          </a:lnRef>
+          <a:fillRef idx="0">
+            <a:schemeClr val="accent1"/>
+          </a:fillRef>
+          <a:effectRef idx="0">
+            <a:schemeClr val="accent1"/>
+          </a:effectRef>
+          <a:fontRef idx="minor">
+            <a:schemeClr val="tx1"/>
+          </a:fontRef>
+        </p:style>
+      </p:cxnSp>
+      <p:sp>
+        <p:nvSpPr>
+          <p:cNvPr id="100" name="テキスト ボックス 99"/>
+          <p:cNvSpPr txBox="1"/>
+          <p:nvPr/>
+        </p:nvSpPr>
+        <p:spPr>
+          <a:xfrm>
+            <a:off x="350773" y="764704"/>
+            <a:ext cx="3401893" cy="369332"/>
+          </a:xfrm>
+          <a:prstGeom prst="rect">
+            <a:avLst/>
+          </a:prstGeom>
+          <a:noFill/>
+        </p:spPr>
+        <p:txBody>
+          <a:bodyPr wrap="none" rtlCol="0">
+            <a:spAutoFit/>
+          </a:bodyPr>
+          <a:lstStyle/>
+          <a:p>
+            <a:r>
+              <a:rPr kumimoji="1" lang="ja-JP" altLang="en-US" b="1" u="sng" dirty="0" smtClean="0">
+                <a:latin typeface="+mj-lt"/>
+                <a:ea typeface="Meiryo UI" panose="020B0604030504040204" pitchFamily="50" charset="-128"/>
+                <a:cs typeface="Meiryo UI" panose="020B0604030504040204" pitchFamily="50" charset="-128"/>
+              </a:rPr>
+              <a:t>シミュレーション実行</a:t>
+            </a:r>
+            <a:r>
+              <a:rPr kumimoji="1" lang="en-US" altLang="ja-JP" b="1" u="sng" dirty="0" smtClean="0">
+                <a:latin typeface="+mj-lt"/>
+                <a:ea typeface="Meiryo UI" panose="020B0604030504040204" pitchFamily="50" charset="-128"/>
+                <a:cs typeface="Meiryo UI" panose="020B0604030504040204" pitchFamily="50" charset="-128"/>
+              </a:rPr>
+              <a:t>UI</a:t>
+            </a:r>
+            <a:r>
+              <a:rPr kumimoji="1" lang="ja-JP" altLang="en-US" b="1" u="sng" dirty="0" smtClean="0">
+                <a:latin typeface="+mj-lt"/>
+                <a:ea typeface="Meiryo UI" panose="020B0604030504040204" pitchFamily="50" charset="-128"/>
+                <a:cs typeface="Meiryo UI" panose="020B0604030504040204" pitchFamily="50" charset="-128"/>
+              </a:rPr>
+              <a:t>の基本構造</a:t>
+            </a:r>
+            <a:endParaRPr kumimoji="1" lang="ja-JP" altLang="en-US" b="1" u="sng" dirty="0">
+              <a:latin typeface="+mj-lt"/>
+              <a:ea typeface="Meiryo UI" panose="020B0604030504040204" pitchFamily="50" charset="-128"/>
+              <a:cs typeface="Meiryo UI" panose="020B0604030504040204" pitchFamily="50" charset="-128"/>
+            </a:endParaRPr>
+          </a:p>
+        </p:txBody>
+      </p:sp>
     </p:spTree>
     <p:extLst>
       <p:ext uri="{BB962C8B-B14F-4D97-AF65-F5344CB8AC3E}">
         <p14:creationId xmlns:p14="http://schemas.microsoft.com/office/powerpoint/2010/main" val="172768632"/>
+      </p:ext>
+    </p:extLst>
+  </p:cSld>
+  <p:clrMapOvr>
+    <a:masterClrMapping/>
+  </p:clrMapOvr>
+</p:sld>
+</file>
+
+<file path=ppt/slides/slide2.xml><?xml version="1.0" encoding="utf-8"?>
+<p:sld xmlns:a="http://schemas.openxmlformats.org/drawingml/2006/main" xmlns:r="http://schemas.openxmlformats.org/officeDocument/2006/relationships" xmlns:p="http://schemas.openxmlformats.org/presentationml/2006/main">
+  <p:cSld>
+    <p:spTree>
+      <p:nvGrpSpPr>
+        <p:cNvPr id="1" name=""/>
+        <p:cNvGrpSpPr/>
+        <p:nvPr/>
+      </p:nvGrpSpPr>
+      <p:grpSpPr>
+        <a:xfrm>
+          <a:off x="0" y="0"/>
+          <a:ext cx="0" cy="0"/>
+          <a:chOff x="0" y="0"/>
+          <a:chExt cx="0" cy="0"/>
+        </a:xfrm>
+      </p:grpSpPr>
+      <p:sp>
+        <p:nvSpPr>
+          <p:cNvPr id="28" name="正方形/長方形 27"/>
+          <p:cNvSpPr/>
+          <p:nvPr/>
+        </p:nvSpPr>
+        <p:spPr>
+          <a:xfrm>
+            <a:off x="5364088" y="2329006"/>
+            <a:ext cx="3600400" cy="3836298"/>
+          </a:xfrm>
+          <a:prstGeom prst="rect">
+            <a:avLst/>
+          </a:prstGeom>
+          <a:solidFill>
+            <a:schemeClr val="bg1"/>
+          </a:solidFill>
+          <a:ln w="19050">
+            <a:solidFill>
+              <a:schemeClr val="tx1">
+                <a:lumMod val="50000"/>
+                <a:lumOff val="50000"/>
+              </a:schemeClr>
+            </a:solidFill>
+          </a:ln>
+        </p:spPr>
+        <p:style>
+          <a:lnRef idx="2">
+            <a:schemeClr val="accent1">
+              <a:shade val="50000"/>
+            </a:schemeClr>
+          </a:lnRef>
+          <a:fillRef idx="1">
+            <a:schemeClr val="accent1"/>
+          </a:fillRef>
+          <a:effectRef idx="0">
+            <a:schemeClr val="accent1"/>
+          </a:effectRef>
+          <a:fontRef idx="minor">
+            <a:schemeClr val="lt1"/>
+          </a:fontRef>
+        </p:style>
+        <p:txBody>
+          <a:bodyPr rtlCol="0" anchor="t"/>
+          <a:lstStyle/>
+          <a:p>
+            <a:r>
+              <a:rPr lang="en-US" altLang="ja-JP" sz="1200" b="1" u="sng" dirty="0" smtClean="0">
+                <a:solidFill>
+                  <a:schemeClr val="tx1">
+                    <a:lumMod val="75000"/>
+                    <a:lumOff val="25000"/>
+                  </a:schemeClr>
+                </a:solidFill>
+                <a:latin typeface="+mj-lt"/>
+              </a:rPr>
+              <a:t>worker</a:t>
+            </a:r>
+            <a:endParaRPr lang="ja-JP" altLang="en-US" sz="1200" b="1" u="sng" dirty="0">
+              <a:solidFill>
+                <a:schemeClr val="tx1">
+                  <a:lumMod val="75000"/>
+                  <a:lumOff val="25000"/>
+                </a:schemeClr>
+              </a:solidFill>
+              <a:latin typeface="+mj-lt"/>
+            </a:endParaRPr>
+          </a:p>
+        </p:txBody>
+      </p:sp>
+      <p:sp>
+        <p:nvSpPr>
+          <p:cNvPr id="3" name="正方形/長方形 2"/>
+          <p:cNvSpPr/>
+          <p:nvPr/>
+        </p:nvSpPr>
+        <p:spPr>
+          <a:xfrm>
+            <a:off x="4139952" y="1364160"/>
+            <a:ext cx="1022037" cy="4801144"/>
+          </a:xfrm>
+          <a:prstGeom prst="rect">
+            <a:avLst/>
+          </a:prstGeom>
+          <a:solidFill>
+            <a:schemeClr val="bg1"/>
+          </a:solidFill>
+          <a:ln w="19050">
+            <a:solidFill>
+              <a:schemeClr val="tx1">
+                <a:lumMod val="50000"/>
+                <a:lumOff val="50000"/>
+              </a:schemeClr>
+            </a:solidFill>
+          </a:ln>
+        </p:spPr>
+        <p:style>
+          <a:lnRef idx="2">
+            <a:schemeClr val="accent1">
+              <a:shade val="50000"/>
+            </a:schemeClr>
+          </a:lnRef>
+          <a:fillRef idx="1">
+            <a:schemeClr val="accent1"/>
+          </a:fillRef>
+          <a:effectRef idx="0">
+            <a:schemeClr val="accent1"/>
+          </a:effectRef>
+          <a:fontRef idx="minor">
+            <a:schemeClr val="lt1"/>
+          </a:fontRef>
+        </p:style>
+        <p:txBody>
+          <a:bodyPr rtlCol="0" anchor="t"/>
+          <a:lstStyle/>
+          <a:p>
+            <a:pPr algn="ctr"/>
+            <a:r>
+              <a:rPr lang="en-US" altLang="ja-JP" sz="1200" b="1" u="sng" dirty="0" smtClean="0">
+                <a:solidFill>
+                  <a:schemeClr val="tx1">
+                    <a:lumMod val="75000"/>
+                    <a:lumOff val="25000"/>
+                  </a:schemeClr>
+                </a:solidFill>
+                <a:latin typeface="+mj-lt"/>
+              </a:rPr>
+              <a:t>Broker</a:t>
+            </a:r>
+          </a:p>
+          <a:p>
+            <a:pPr algn="ctr"/>
+            <a:r>
+              <a:rPr lang="en-US" altLang="ja-JP" sz="1200" b="1" u="sng" dirty="0" smtClean="0">
+                <a:solidFill>
+                  <a:schemeClr val="tx1">
+                    <a:lumMod val="75000"/>
+                    <a:lumOff val="25000"/>
+                  </a:schemeClr>
+                </a:solidFill>
+                <a:latin typeface="+mj-lt"/>
+              </a:rPr>
+              <a:t>(</a:t>
+            </a:r>
+            <a:r>
+              <a:rPr lang="en-US" altLang="ja-JP" sz="1200" b="1" u="sng" dirty="0" err="1" smtClean="0">
+                <a:solidFill>
+                  <a:schemeClr val="tx1">
+                    <a:lumMod val="75000"/>
+                    <a:lumOff val="25000"/>
+                  </a:schemeClr>
+                </a:solidFill>
+                <a:latin typeface="+mj-lt"/>
+              </a:rPr>
+              <a:t>RabbitMQ</a:t>
+            </a:r>
+            <a:r>
+              <a:rPr lang="en-US" altLang="ja-JP" sz="1200" b="1" u="sng" dirty="0" smtClean="0">
+                <a:solidFill>
+                  <a:schemeClr val="tx1">
+                    <a:lumMod val="75000"/>
+                    <a:lumOff val="25000"/>
+                  </a:schemeClr>
+                </a:solidFill>
+                <a:latin typeface="+mj-lt"/>
+              </a:rPr>
+              <a:t>)</a:t>
+            </a:r>
+            <a:endParaRPr lang="ja-JP" altLang="en-US" sz="1200" b="1" u="sng" dirty="0">
+              <a:solidFill>
+                <a:schemeClr val="tx1">
+                  <a:lumMod val="75000"/>
+                  <a:lumOff val="25000"/>
+                </a:schemeClr>
+              </a:solidFill>
+              <a:latin typeface="+mj-lt"/>
+            </a:endParaRPr>
+          </a:p>
+        </p:txBody>
+      </p:sp>
+      <p:sp>
+        <p:nvSpPr>
+          <p:cNvPr id="24" name="正方形/長方形 23"/>
+          <p:cNvSpPr/>
+          <p:nvPr/>
+        </p:nvSpPr>
+        <p:spPr>
+          <a:xfrm>
+            <a:off x="2051720" y="1364160"/>
+            <a:ext cx="1152128" cy="4801144"/>
+          </a:xfrm>
+          <a:prstGeom prst="rect">
+            <a:avLst/>
+          </a:prstGeom>
+          <a:solidFill>
+            <a:schemeClr val="bg1"/>
+          </a:solidFill>
+          <a:ln w="19050">
+            <a:solidFill>
+              <a:schemeClr val="tx1">
+                <a:lumMod val="50000"/>
+                <a:lumOff val="50000"/>
+              </a:schemeClr>
+            </a:solidFill>
+          </a:ln>
+        </p:spPr>
+        <p:style>
+          <a:lnRef idx="2">
+            <a:schemeClr val="accent1">
+              <a:shade val="50000"/>
+            </a:schemeClr>
+          </a:lnRef>
+          <a:fillRef idx="1">
+            <a:schemeClr val="accent1"/>
+          </a:fillRef>
+          <a:effectRef idx="0">
+            <a:schemeClr val="accent1"/>
+          </a:effectRef>
+          <a:fontRef idx="minor">
+            <a:schemeClr val="lt1"/>
+          </a:fontRef>
+        </p:style>
+        <p:txBody>
+          <a:bodyPr rtlCol="0" anchor="t"/>
+          <a:lstStyle/>
+          <a:p>
+            <a:pPr algn="ctr"/>
+            <a:r>
+              <a:rPr lang="en-US" altLang="ja-JP" sz="1200" b="1" u="sng" dirty="0" smtClean="0">
+                <a:solidFill>
+                  <a:schemeClr val="tx1">
+                    <a:lumMod val="75000"/>
+                    <a:lumOff val="25000"/>
+                  </a:schemeClr>
+                </a:solidFill>
+                <a:latin typeface="+mj-lt"/>
+              </a:rPr>
+              <a:t>UI</a:t>
+            </a:r>
+          </a:p>
+          <a:p>
+            <a:pPr algn="ctr"/>
+            <a:r>
+              <a:rPr lang="en-US" altLang="ja-JP" sz="1200" b="1" u="sng" dirty="0" smtClean="0">
+                <a:solidFill>
+                  <a:schemeClr val="tx1">
+                    <a:lumMod val="75000"/>
+                    <a:lumOff val="25000"/>
+                  </a:schemeClr>
+                </a:solidFill>
+                <a:latin typeface="+mj-lt"/>
+              </a:rPr>
+              <a:t>(</a:t>
+            </a:r>
+            <a:r>
+              <a:rPr lang="en-US" altLang="ja-JP" sz="1200" b="1" u="sng" dirty="0" err="1" smtClean="0">
+                <a:solidFill>
+                  <a:schemeClr val="tx1">
+                    <a:lumMod val="75000"/>
+                    <a:lumOff val="25000"/>
+                  </a:schemeClr>
+                </a:solidFill>
+                <a:latin typeface="+mj-lt"/>
+              </a:rPr>
+              <a:t>mbs_gui</a:t>
+            </a:r>
+            <a:r>
+              <a:rPr lang="en-US" altLang="ja-JP" sz="1200" b="1" u="sng" dirty="0" smtClean="0">
+                <a:solidFill>
+                  <a:schemeClr val="tx1">
+                    <a:lumMod val="75000"/>
+                    <a:lumOff val="25000"/>
+                  </a:schemeClr>
+                </a:solidFill>
+                <a:latin typeface="+mj-lt"/>
+              </a:rPr>
+              <a:t>)</a:t>
+            </a:r>
+            <a:endParaRPr lang="ja-JP" altLang="en-US" sz="1200" b="1" u="sng" dirty="0">
+              <a:solidFill>
+                <a:schemeClr val="tx1">
+                  <a:lumMod val="75000"/>
+                  <a:lumOff val="25000"/>
+                </a:schemeClr>
+              </a:solidFill>
+              <a:latin typeface="+mj-lt"/>
+            </a:endParaRPr>
+          </a:p>
+        </p:txBody>
+      </p:sp>
+      <p:grpSp>
+        <p:nvGrpSpPr>
+          <p:cNvPr id="4" name="グループ化 3"/>
+          <p:cNvGrpSpPr/>
+          <p:nvPr/>
+        </p:nvGrpSpPr>
+        <p:grpSpPr>
+          <a:xfrm>
+            <a:off x="251520" y="2420888"/>
+            <a:ext cx="346185" cy="566169"/>
+            <a:chOff x="3371199" y="1971577"/>
+            <a:chExt cx="447767" cy="732303"/>
+          </a:xfrm>
+          <a:solidFill>
+            <a:schemeClr val="tx1">
+              <a:lumMod val="50000"/>
+              <a:lumOff val="50000"/>
+            </a:schemeClr>
+          </a:solidFill>
+        </p:grpSpPr>
+        <p:sp>
+          <p:nvSpPr>
+            <p:cNvPr id="5" name="円/楕円 4"/>
+            <p:cNvSpPr/>
+            <p:nvPr/>
+          </p:nvSpPr>
+          <p:spPr bwMode="auto">
+            <a:xfrm>
+              <a:off x="3431580" y="1971577"/>
+              <a:ext cx="327003" cy="326997"/>
+            </a:xfrm>
+            <a:prstGeom prst="ellipse">
+              <a:avLst/>
+            </a:prstGeom>
+            <a:grpFill/>
+            <a:ln w="12700" cap="flat" cmpd="sng" algn="ctr">
+              <a:solidFill>
+                <a:schemeClr val="bg1"/>
+              </a:solidFill>
+              <a:prstDash val="solid"/>
+              <a:round/>
+              <a:headEnd type="none" w="med" len="med"/>
+              <a:tailEnd type="none" w="med" len="med"/>
+            </a:ln>
+            <a:effectLst/>
+            <a:extLst>
+              <a:ext uri="{AF507438-7753-43E0-B8FC-AC1667EBCBE1}">
+                <a14:hiddenEffects xmlns:a14="http://schemas.microsoft.com/office/drawing/2010/main">
+                  <a:effectLst>
+                    <a:outerShdw dist="53882" dir="2700000" algn="ctr" rotWithShape="0">
+                      <a:schemeClr val="bg2">
+                        <a:alpha val="50000"/>
+                      </a:schemeClr>
+                    </a:outerShdw>
+                  </a:effectLst>
+                </a14:hiddenEffects>
+              </a:ext>
+            </a:extLst>
+          </p:spPr>
+          <p:txBody>
+            <a:bodyPr vert="horz" wrap="none" lIns="91440" tIns="45720" rIns="91440" bIns="45720" numCol="1" rtlCol="0" anchor="ctr" anchorCtr="0" compatLnSpc="1">
+              <a:prstTxWarp prst="textNoShape">
+                <a:avLst/>
+              </a:prstTxWarp>
+            </a:bodyPr>
+            <a:lstStyle>
+              <a:defPPr>
+                <a:defRPr lang="ja-JP"/>
+              </a:defPPr>
+              <a:lvl1pPr marL="0" algn="l" defTabSz="914400" rtl="0" eaLnBrk="1" latinLnBrk="0" hangingPunct="1">
+                <a:defRPr kumimoji="1" sz="1800" kern="1200">
+                  <a:solidFill>
+                    <a:schemeClr val="tx1"/>
+                  </a:solidFill>
+                  <a:latin typeface="+mn-lt"/>
+                  <a:ea typeface="+mn-ea"/>
+                  <a:cs typeface="+mn-cs"/>
+                </a:defRPr>
+              </a:lvl1pPr>
+              <a:lvl2pPr marL="457200" algn="l" defTabSz="914400" rtl="0" eaLnBrk="1" latinLnBrk="0" hangingPunct="1">
+                <a:defRPr kumimoji="1" sz="1800" kern="1200">
+                  <a:solidFill>
+                    <a:schemeClr val="tx1"/>
+                  </a:solidFill>
+                  <a:latin typeface="+mn-lt"/>
+                  <a:ea typeface="+mn-ea"/>
+                  <a:cs typeface="+mn-cs"/>
+                </a:defRPr>
+              </a:lvl2pPr>
+              <a:lvl3pPr marL="914400" algn="l" defTabSz="914400" rtl="0" eaLnBrk="1" latinLnBrk="0" hangingPunct="1">
+                <a:defRPr kumimoji="1" sz="1800" kern="1200">
+                  <a:solidFill>
+                    <a:schemeClr val="tx1"/>
+                  </a:solidFill>
+                  <a:latin typeface="+mn-lt"/>
+                  <a:ea typeface="+mn-ea"/>
+                  <a:cs typeface="+mn-cs"/>
+                </a:defRPr>
+              </a:lvl3pPr>
+              <a:lvl4pPr marL="1371600" algn="l" defTabSz="914400" rtl="0" eaLnBrk="1" latinLnBrk="0" hangingPunct="1">
+                <a:defRPr kumimoji="1" sz="1800" kern="1200">
+                  <a:solidFill>
+                    <a:schemeClr val="tx1"/>
+                  </a:solidFill>
+                  <a:latin typeface="+mn-lt"/>
+                  <a:ea typeface="+mn-ea"/>
+                  <a:cs typeface="+mn-cs"/>
+                </a:defRPr>
+              </a:lvl4pPr>
+              <a:lvl5pPr marL="1828800" algn="l" defTabSz="914400" rtl="0" eaLnBrk="1" latinLnBrk="0" hangingPunct="1">
+                <a:defRPr kumimoji="1" sz="1800" kern="1200">
+                  <a:solidFill>
+                    <a:schemeClr val="tx1"/>
+                  </a:solidFill>
+                  <a:latin typeface="+mn-lt"/>
+                  <a:ea typeface="+mn-ea"/>
+                  <a:cs typeface="+mn-cs"/>
+                </a:defRPr>
+              </a:lvl5pPr>
+              <a:lvl6pPr marL="2286000" algn="l" defTabSz="914400" rtl="0" eaLnBrk="1" latinLnBrk="0" hangingPunct="1">
+                <a:defRPr kumimoji="1" sz="1800" kern="1200">
+                  <a:solidFill>
+                    <a:schemeClr val="tx1"/>
+                  </a:solidFill>
+                  <a:latin typeface="+mn-lt"/>
+                  <a:ea typeface="+mn-ea"/>
+                  <a:cs typeface="+mn-cs"/>
+                </a:defRPr>
+              </a:lvl6pPr>
+              <a:lvl7pPr marL="2743200" algn="l" defTabSz="914400" rtl="0" eaLnBrk="1" latinLnBrk="0" hangingPunct="1">
+                <a:defRPr kumimoji="1" sz="1800" kern="1200">
+                  <a:solidFill>
+                    <a:schemeClr val="tx1"/>
+                  </a:solidFill>
+                  <a:latin typeface="+mn-lt"/>
+                  <a:ea typeface="+mn-ea"/>
+                  <a:cs typeface="+mn-cs"/>
+                </a:defRPr>
+              </a:lvl7pPr>
+              <a:lvl8pPr marL="3200400" algn="l" defTabSz="914400" rtl="0" eaLnBrk="1" latinLnBrk="0" hangingPunct="1">
+                <a:defRPr kumimoji="1" sz="1800" kern="1200">
+                  <a:solidFill>
+                    <a:schemeClr val="tx1"/>
+                  </a:solidFill>
+                  <a:latin typeface="+mn-lt"/>
+                  <a:ea typeface="+mn-ea"/>
+                  <a:cs typeface="+mn-cs"/>
+                </a:defRPr>
+              </a:lvl8pPr>
+              <a:lvl9pPr marL="3657600" algn="l" defTabSz="914400" rtl="0" eaLnBrk="1" latinLnBrk="0" hangingPunct="1">
+                <a:defRPr kumimoji="1" sz="1800" kern="1200">
+                  <a:solidFill>
+                    <a:schemeClr val="tx1"/>
+                  </a:solidFill>
+                  <a:latin typeface="+mn-lt"/>
+                  <a:ea typeface="+mn-ea"/>
+                  <a:cs typeface="+mn-cs"/>
+                </a:defRPr>
+              </a:lvl9pPr>
+            </a:lstStyle>
+            <a:p>
+              <a:pPr marL="0" marR="0" indent="0" algn="ctr" defTabSz="914400" rtl="0" eaLnBrk="1" fontAlgn="ctr" latinLnBrk="0" hangingPunct="1">
+                <a:lnSpc>
+                  <a:spcPct val="100000"/>
+                </a:lnSpc>
+                <a:spcBef>
+                  <a:spcPct val="0"/>
+                </a:spcBef>
+                <a:spcAft>
+                  <a:spcPct val="0"/>
+                </a:spcAft>
+                <a:buClrTx/>
+                <a:buSzTx/>
+                <a:buFontTx/>
+                <a:buNone/>
+                <a:tabLst/>
+              </a:pPr>
+              <a:endParaRPr kumimoji="1" lang="ja-JP" altLang="en-US" sz="1200" b="1" i="0" u="none" strike="noStrike" cap="none" normalizeH="0" baseline="0" smtClean="0">
+                <a:ln>
+                  <a:noFill/>
+                </a:ln>
+                <a:solidFill>
+                  <a:srgbClr val="000000"/>
+                </a:solidFill>
+                <a:effectLst/>
+                <a:latin typeface="Calibri" panose="020F0502020204030204" pitchFamily="34" charset="0"/>
+                <a:ea typeface="ＭＳ Ｐゴシック" pitchFamily="50" charset="-128"/>
+                <a:cs typeface="Calibri" panose="020F0502020204030204" pitchFamily="34" charset="0"/>
+              </a:endParaRPr>
+            </a:p>
+          </p:txBody>
+        </p:sp>
+        <p:sp>
+          <p:nvSpPr>
+            <p:cNvPr id="6" name="片側の 2 つの角を丸めた四角形 5"/>
+            <p:cNvSpPr/>
+            <p:nvPr/>
+          </p:nvSpPr>
+          <p:spPr bwMode="auto">
+            <a:xfrm>
+              <a:off x="3371199" y="2298574"/>
+              <a:ext cx="447767" cy="405306"/>
+            </a:xfrm>
+            <a:prstGeom prst="round2SameRect">
+              <a:avLst>
+                <a:gd name="adj1" fmla="val 46706"/>
+                <a:gd name="adj2" fmla="val 0"/>
+              </a:avLst>
+            </a:prstGeom>
+            <a:grpFill/>
+            <a:ln w="12700" cap="flat" cmpd="sng" algn="ctr">
+              <a:solidFill>
+                <a:schemeClr val="bg1"/>
+              </a:solidFill>
+              <a:prstDash val="solid"/>
+              <a:round/>
+              <a:headEnd type="none" w="med" len="med"/>
+              <a:tailEnd type="none" w="med" len="med"/>
+            </a:ln>
+            <a:effectLst/>
+            <a:extLst>
+              <a:ext uri="{AF507438-7753-43E0-B8FC-AC1667EBCBE1}">
+                <a14:hiddenEffects xmlns:a14="http://schemas.microsoft.com/office/drawing/2010/main">
+                  <a:effectLst>
+                    <a:outerShdw dist="53882" dir="2700000" algn="ctr" rotWithShape="0">
+                      <a:schemeClr val="bg2">
+                        <a:alpha val="50000"/>
+                      </a:schemeClr>
+                    </a:outerShdw>
+                  </a:effectLst>
+                </a14:hiddenEffects>
+              </a:ext>
+            </a:extLst>
+          </p:spPr>
+          <p:txBody>
+            <a:bodyPr vert="horz" wrap="none" lIns="91440" tIns="45720" rIns="91440" bIns="45720" numCol="1" rtlCol="0" anchor="ctr" anchorCtr="0" compatLnSpc="1">
+              <a:prstTxWarp prst="textNoShape">
+                <a:avLst/>
+              </a:prstTxWarp>
+            </a:bodyPr>
+            <a:lstStyle>
+              <a:defPPr>
+                <a:defRPr lang="ja-JP"/>
+              </a:defPPr>
+              <a:lvl1pPr marL="0" algn="l" defTabSz="914400" rtl="0" eaLnBrk="1" latinLnBrk="0" hangingPunct="1">
+                <a:defRPr kumimoji="1" sz="1800" kern="1200">
+                  <a:solidFill>
+                    <a:schemeClr val="tx1"/>
+                  </a:solidFill>
+                  <a:latin typeface="+mn-lt"/>
+                  <a:ea typeface="+mn-ea"/>
+                  <a:cs typeface="+mn-cs"/>
+                </a:defRPr>
+              </a:lvl1pPr>
+              <a:lvl2pPr marL="457200" algn="l" defTabSz="914400" rtl="0" eaLnBrk="1" latinLnBrk="0" hangingPunct="1">
+                <a:defRPr kumimoji="1" sz="1800" kern="1200">
+                  <a:solidFill>
+                    <a:schemeClr val="tx1"/>
+                  </a:solidFill>
+                  <a:latin typeface="+mn-lt"/>
+                  <a:ea typeface="+mn-ea"/>
+                  <a:cs typeface="+mn-cs"/>
+                </a:defRPr>
+              </a:lvl2pPr>
+              <a:lvl3pPr marL="914400" algn="l" defTabSz="914400" rtl="0" eaLnBrk="1" latinLnBrk="0" hangingPunct="1">
+                <a:defRPr kumimoji="1" sz="1800" kern="1200">
+                  <a:solidFill>
+                    <a:schemeClr val="tx1"/>
+                  </a:solidFill>
+                  <a:latin typeface="+mn-lt"/>
+                  <a:ea typeface="+mn-ea"/>
+                  <a:cs typeface="+mn-cs"/>
+                </a:defRPr>
+              </a:lvl3pPr>
+              <a:lvl4pPr marL="1371600" algn="l" defTabSz="914400" rtl="0" eaLnBrk="1" latinLnBrk="0" hangingPunct="1">
+                <a:defRPr kumimoji="1" sz="1800" kern="1200">
+                  <a:solidFill>
+                    <a:schemeClr val="tx1"/>
+                  </a:solidFill>
+                  <a:latin typeface="+mn-lt"/>
+                  <a:ea typeface="+mn-ea"/>
+                  <a:cs typeface="+mn-cs"/>
+                </a:defRPr>
+              </a:lvl4pPr>
+              <a:lvl5pPr marL="1828800" algn="l" defTabSz="914400" rtl="0" eaLnBrk="1" latinLnBrk="0" hangingPunct="1">
+                <a:defRPr kumimoji="1" sz="1800" kern="1200">
+                  <a:solidFill>
+                    <a:schemeClr val="tx1"/>
+                  </a:solidFill>
+                  <a:latin typeface="+mn-lt"/>
+                  <a:ea typeface="+mn-ea"/>
+                  <a:cs typeface="+mn-cs"/>
+                </a:defRPr>
+              </a:lvl5pPr>
+              <a:lvl6pPr marL="2286000" algn="l" defTabSz="914400" rtl="0" eaLnBrk="1" latinLnBrk="0" hangingPunct="1">
+                <a:defRPr kumimoji="1" sz="1800" kern="1200">
+                  <a:solidFill>
+                    <a:schemeClr val="tx1"/>
+                  </a:solidFill>
+                  <a:latin typeface="+mn-lt"/>
+                  <a:ea typeface="+mn-ea"/>
+                  <a:cs typeface="+mn-cs"/>
+                </a:defRPr>
+              </a:lvl6pPr>
+              <a:lvl7pPr marL="2743200" algn="l" defTabSz="914400" rtl="0" eaLnBrk="1" latinLnBrk="0" hangingPunct="1">
+                <a:defRPr kumimoji="1" sz="1800" kern="1200">
+                  <a:solidFill>
+                    <a:schemeClr val="tx1"/>
+                  </a:solidFill>
+                  <a:latin typeface="+mn-lt"/>
+                  <a:ea typeface="+mn-ea"/>
+                  <a:cs typeface="+mn-cs"/>
+                </a:defRPr>
+              </a:lvl7pPr>
+              <a:lvl8pPr marL="3200400" algn="l" defTabSz="914400" rtl="0" eaLnBrk="1" latinLnBrk="0" hangingPunct="1">
+                <a:defRPr kumimoji="1" sz="1800" kern="1200">
+                  <a:solidFill>
+                    <a:schemeClr val="tx1"/>
+                  </a:solidFill>
+                  <a:latin typeface="+mn-lt"/>
+                  <a:ea typeface="+mn-ea"/>
+                  <a:cs typeface="+mn-cs"/>
+                </a:defRPr>
+              </a:lvl8pPr>
+              <a:lvl9pPr marL="3657600" algn="l" defTabSz="914400" rtl="0" eaLnBrk="1" latinLnBrk="0" hangingPunct="1">
+                <a:defRPr kumimoji="1" sz="1800" kern="1200">
+                  <a:solidFill>
+                    <a:schemeClr val="tx1"/>
+                  </a:solidFill>
+                  <a:latin typeface="+mn-lt"/>
+                  <a:ea typeface="+mn-ea"/>
+                  <a:cs typeface="+mn-cs"/>
+                </a:defRPr>
+              </a:lvl9pPr>
+            </a:lstStyle>
+            <a:p>
+              <a:pPr marL="0" marR="0" indent="0" algn="ctr" defTabSz="914400" rtl="0" eaLnBrk="1" fontAlgn="ctr" latinLnBrk="0" hangingPunct="1">
+                <a:lnSpc>
+                  <a:spcPct val="100000"/>
+                </a:lnSpc>
+                <a:spcBef>
+                  <a:spcPct val="0"/>
+                </a:spcBef>
+                <a:spcAft>
+                  <a:spcPct val="0"/>
+                </a:spcAft>
+                <a:buClrTx/>
+                <a:buSzTx/>
+                <a:buFontTx/>
+                <a:buNone/>
+                <a:tabLst/>
+              </a:pPr>
+              <a:endParaRPr kumimoji="1" lang="ja-JP" altLang="en-US" sz="1200" b="1" i="0" u="none" strike="noStrike" cap="none" normalizeH="0" baseline="0" dirty="0" smtClean="0">
+                <a:ln>
+                  <a:noFill/>
+                </a:ln>
+                <a:solidFill>
+                  <a:schemeClr val="accent1"/>
+                </a:solidFill>
+                <a:effectLst/>
+                <a:latin typeface="Calibri" panose="020F0502020204030204" pitchFamily="34" charset="0"/>
+                <a:ea typeface="ＭＳ Ｐゴシック" pitchFamily="50" charset="-128"/>
+                <a:cs typeface="Calibri" panose="020F0502020204030204" pitchFamily="34" charset="0"/>
+              </a:endParaRPr>
+            </a:p>
+          </p:txBody>
+        </p:sp>
+      </p:grpSp>
+      <p:sp>
+        <p:nvSpPr>
+          <p:cNvPr id="7" name="角丸四角形 6"/>
+          <p:cNvSpPr/>
+          <p:nvPr/>
+        </p:nvSpPr>
+        <p:spPr>
+          <a:xfrm>
+            <a:off x="2231740" y="2025763"/>
+            <a:ext cx="792088" cy="1659101"/>
+          </a:xfrm>
+          <a:prstGeom prst="roundRect">
+            <a:avLst>
+              <a:gd name="adj" fmla="val 5759"/>
+            </a:avLst>
+          </a:prstGeom>
+          <a:solidFill>
+            <a:schemeClr val="bg1"/>
+          </a:solidFill>
+          <a:ln w="19050">
+            <a:solidFill>
+              <a:schemeClr val="tx1">
+                <a:lumMod val="50000"/>
+                <a:lumOff val="50000"/>
+              </a:schemeClr>
+            </a:solidFill>
+          </a:ln>
+        </p:spPr>
+        <p:style>
+          <a:lnRef idx="2">
+            <a:schemeClr val="accent1">
+              <a:shade val="50000"/>
+            </a:schemeClr>
+          </a:lnRef>
+          <a:fillRef idx="1">
+            <a:schemeClr val="accent1"/>
+          </a:fillRef>
+          <a:effectRef idx="0">
+            <a:schemeClr val="accent1"/>
+          </a:effectRef>
+          <a:fontRef idx="minor">
+            <a:schemeClr val="lt1"/>
+          </a:fontRef>
+        </p:style>
+        <p:txBody>
+          <a:bodyPr rtlCol="0" anchor="t"/>
+          <a:lstStyle/>
+          <a:p>
+            <a:pPr algn="ctr"/>
+            <a:r>
+              <a:rPr kumimoji="1" lang="en-US" altLang="ja-JP" sz="1200" dirty="0" smtClean="0">
+                <a:solidFill>
+                  <a:schemeClr val="tx1">
+                    <a:lumMod val="75000"/>
+                    <a:lumOff val="25000"/>
+                  </a:schemeClr>
+                </a:solidFill>
+                <a:latin typeface="+mj-lt"/>
+              </a:rPr>
+              <a:t>exec</a:t>
+            </a:r>
+            <a:endParaRPr kumimoji="1" lang="ja-JP" altLang="en-US" sz="1200" dirty="0">
+              <a:solidFill>
+                <a:schemeClr val="tx1">
+                  <a:lumMod val="75000"/>
+                  <a:lumOff val="25000"/>
+                </a:schemeClr>
+              </a:solidFill>
+              <a:latin typeface="+mj-lt"/>
+            </a:endParaRPr>
+          </a:p>
+        </p:txBody>
+      </p:sp>
+      <p:sp>
+        <p:nvSpPr>
+          <p:cNvPr id="8" name="フローチャート : 書類 7"/>
+          <p:cNvSpPr/>
+          <p:nvPr/>
+        </p:nvSpPr>
+        <p:spPr>
+          <a:xfrm>
+            <a:off x="971600" y="1988839"/>
+            <a:ext cx="648072" cy="773714"/>
+          </a:xfrm>
+          <a:prstGeom prst="flowChartDocument">
+            <a:avLst/>
+          </a:prstGeom>
+          <a:solidFill>
+            <a:schemeClr val="bg1"/>
+          </a:solidFill>
+          <a:ln w="19050">
+            <a:solidFill>
+              <a:schemeClr val="tx1">
+                <a:lumMod val="50000"/>
+                <a:lumOff val="50000"/>
+              </a:schemeClr>
+            </a:solidFill>
+          </a:ln>
+        </p:spPr>
+        <p:style>
+          <a:lnRef idx="2">
+            <a:schemeClr val="accent1">
+              <a:shade val="50000"/>
+            </a:schemeClr>
+          </a:lnRef>
+          <a:fillRef idx="1">
+            <a:schemeClr val="accent1"/>
+          </a:fillRef>
+          <a:effectRef idx="0">
+            <a:schemeClr val="accent1"/>
+          </a:effectRef>
+          <a:fontRef idx="minor">
+            <a:schemeClr val="lt1"/>
+          </a:fontRef>
+        </p:style>
+        <p:txBody>
+          <a:bodyPr rtlCol="0" anchor="ctr"/>
+          <a:lstStyle/>
+          <a:p>
+            <a:pPr algn="ctr"/>
+            <a:r>
+              <a:rPr lang="en-US" altLang="ja-JP" sz="1000" dirty="0">
+                <a:solidFill>
+                  <a:schemeClr val="tx1">
+                    <a:lumMod val="75000"/>
+                    <a:lumOff val="25000"/>
+                  </a:schemeClr>
+                </a:solidFill>
+                <a:latin typeface="+mj-lt"/>
+                <a:ea typeface="Meiryo UI" panose="020B0604030504040204" pitchFamily="50" charset="-128"/>
+                <a:cs typeface="Meiryo UI" panose="020B0604030504040204" pitchFamily="50" charset="-128"/>
+              </a:rPr>
+              <a:t>Basic</a:t>
+            </a:r>
+          </a:p>
+          <a:p>
+            <a:pPr algn="ctr"/>
+            <a:r>
+              <a:rPr lang="en-US" altLang="ja-JP" sz="1000" dirty="0" err="1">
+                <a:solidFill>
+                  <a:schemeClr val="tx1">
+                    <a:lumMod val="75000"/>
+                    <a:lumOff val="25000"/>
+                  </a:schemeClr>
+                </a:solidFill>
+                <a:latin typeface="+mj-lt"/>
+                <a:ea typeface="Meiryo UI" panose="020B0604030504040204" pitchFamily="50" charset="-128"/>
+                <a:cs typeface="Meiryo UI" panose="020B0604030504040204" pitchFamily="50" charset="-128"/>
+              </a:rPr>
+              <a:t>Config</a:t>
+            </a:r>
+            <a:r>
+              <a:rPr lang="en-US" altLang="ja-JP" sz="1000" dirty="0">
+                <a:solidFill>
+                  <a:schemeClr val="tx1">
+                    <a:lumMod val="75000"/>
+                    <a:lumOff val="25000"/>
+                  </a:schemeClr>
+                </a:solidFill>
+                <a:latin typeface="+mj-lt"/>
+                <a:ea typeface="Meiryo UI" panose="020B0604030504040204" pitchFamily="50" charset="-128"/>
+                <a:cs typeface="Meiryo UI" panose="020B0604030504040204" pitchFamily="50" charset="-128"/>
+              </a:rPr>
+              <a:t>.</a:t>
+            </a:r>
+          </a:p>
+          <a:p>
+            <a:pPr algn="ctr"/>
+            <a:r>
+              <a:rPr lang="en-US" altLang="ja-JP" sz="1000" dirty="0">
+                <a:solidFill>
+                  <a:schemeClr val="tx1">
+                    <a:lumMod val="75000"/>
+                    <a:lumOff val="25000"/>
+                  </a:schemeClr>
+                </a:solidFill>
+                <a:latin typeface="+mj-lt"/>
+                <a:ea typeface="Meiryo UI" panose="020B0604030504040204" pitchFamily="50" charset="-128"/>
+                <a:cs typeface="Meiryo UI" panose="020B0604030504040204" pitchFamily="50" charset="-128"/>
+              </a:rPr>
+              <a:t>File</a:t>
+            </a:r>
+            <a:endParaRPr lang="ja-JP" altLang="en-US" sz="1000" dirty="0">
+              <a:solidFill>
+                <a:schemeClr val="tx1">
+                  <a:lumMod val="75000"/>
+                  <a:lumOff val="25000"/>
+                </a:schemeClr>
+              </a:solidFill>
+              <a:latin typeface="+mj-lt"/>
+              <a:ea typeface="Meiryo UI" panose="020B0604030504040204" pitchFamily="50" charset="-128"/>
+              <a:cs typeface="Meiryo UI" panose="020B0604030504040204" pitchFamily="50" charset="-128"/>
+            </a:endParaRPr>
+          </a:p>
+        </p:txBody>
+      </p:sp>
+      <p:sp>
+        <p:nvSpPr>
+          <p:cNvPr id="9" name="フローチャート : 書類 8"/>
+          <p:cNvSpPr/>
+          <p:nvPr/>
+        </p:nvSpPr>
+        <p:spPr>
+          <a:xfrm>
+            <a:off x="8100392" y="3659339"/>
+            <a:ext cx="648072" cy="475313"/>
+          </a:xfrm>
+          <a:prstGeom prst="flowChartDocument">
+            <a:avLst/>
+          </a:prstGeom>
+          <a:solidFill>
+            <a:schemeClr val="bg1"/>
+          </a:solidFill>
+          <a:ln w="19050">
+            <a:solidFill>
+              <a:schemeClr val="tx1">
+                <a:lumMod val="50000"/>
+                <a:lumOff val="50000"/>
+              </a:schemeClr>
+            </a:solidFill>
+          </a:ln>
+        </p:spPr>
+        <p:style>
+          <a:lnRef idx="2">
+            <a:schemeClr val="accent1">
+              <a:shade val="50000"/>
+            </a:schemeClr>
+          </a:lnRef>
+          <a:fillRef idx="1">
+            <a:schemeClr val="accent1"/>
+          </a:fillRef>
+          <a:effectRef idx="0">
+            <a:schemeClr val="accent1"/>
+          </a:effectRef>
+          <a:fontRef idx="minor">
+            <a:schemeClr val="lt1"/>
+          </a:fontRef>
+        </p:style>
+        <p:txBody>
+          <a:bodyPr rtlCol="0" anchor="ctr"/>
+          <a:lstStyle/>
+          <a:p>
+            <a:pPr algn="ctr"/>
+            <a:r>
+              <a:rPr lang="en-US" altLang="ja-JP" sz="1000" dirty="0" smtClean="0">
+                <a:solidFill>
+                  <a:schemeClr val="tx1">
+                    <a:lumMod val="75000"/>
+                    <a:lumOff val="25000"/>
+                  </a:schemeClr>
+                </a:solidFill>
+              </a:rPr>
+              <a:t>route</a:t>
+            </a:r>
+            <a:endParaRPr lang="en-US" altLang="ja-JP" sz="1000" dirty="0" smtClean="0">
+              <a:solidFill>
+                <a:schemeClr val="tx1">
+                  <a:lumMod val="75000"/>
+                  <a:lumOff val="25000"/>
+                </a:schemeClr>
+              </a:solidFill>
+            </a:endParaRPr>
+          </a:p>
+          <a:p>
+            <a:pPr algn="ctr"/>
+            <a:r>
+              <a:rPr lang="en-US" altLang="ja-JP" sz="1000" dirty="0" smtClean="0">
+                <a:solidFill>
+                  <a:schemeClr val="tx1">
+                    <a:lumMod val="75000"/>
+                    <a:lumOff val="25000"/>
+                  </a:schemeClr>
+                </a:solidFill>
+              </a:rPr>
+              <a:t>Def.</a:t>
+            </a:r>
+            <a:endParaRPr lang="ja-JP" altLang="en-US" sz="1000" dirty="0">
+              <a:solidFill>
+                <a:schemeClr val="tx1">
+                  <a:lumMod val="75000"/>
+                  <a:lumOff val="25000"/>
+                </a:schemeClr>
+              </a:solidFill>
+            </a:endParaRPr>
+          </a:p>
+        </p:txBody>
+      </p:sp>
+      <p:sp>
+        <p:nvSpPr>
+          <p:cNvPr id="10" name="フローチャート : 書類 9"/>
+          <p:cNvSpPr/>
+          <p:nvPr/>
+        </p:nvSpPr>
+        <p:spPr>
+          <a:xfrm>
+            <a:off x="8100392" y="4226238"/>
+            <a:ext cx="648072" cy="475313"/>
+          </a:xfrm>
+          <a:prstGeom prst="flowChartDocument">
+            <a:avLst/>
+          </a:prstGeom>
+          <a:solidFill>
+            <a:schemeClr val="bg1"/>
+          </a:solidFill>
+          <a:ln w="19050">
+            <a:solidFill>
+              <a:schemeClr val="tx1">
+                <a:lumMod val="50000"/>
+                <a:lumOff val="50000"/>
+              </a:schemeClr>
+            </a:solidFill>
+          </a:ln>
+        </p:spPr>
+        <p:style>
+          <a:lnRef idx="2">
+            <a:schemeClr val="accent1">
+              <a:shade val="50000"/>
+            </a:schemeClr>
+          </a:lnRef>
+          <a:fillRef idx="1">
+            <a:schemeClr val="accent1"/>
+          </a:fillRef>
+          <a:effectRef idx="0">
+            <a:schemeClr val="accent1"/>
+          </a:effectRef>
+          <a:fontRef idx="minor">
+            <a:schemeClr val="lt1"/>
+          </a:fontRef>
+        </p:style>
+        <p:txBody>
+          <a:bodyPr rtlCol="0" anchor="ctr"/>
+          <a:lstStyle/>
+          <a:p>
+            <a:pPr algn="ctr"/>
+            <a:r>
+              <a:rPr lang="en-US" altLang="ja-JP" sz="1000" dirty="0" smtClean="0">
+                <a:solidFill>
+                  <a:schemeClr val="tx1">
+                    <a:lumMod val="75000"/>
+                    <a:lumOff val="25000"/>
+                  </a:schemeClr>
+                </a:solidFill>
+              </a:rPr>
+              <a:t>Node spec</a:t>
+            </a:r>
+          </a:p>
+        </p:txBody>
+      </p:sp>
+      <p:sp>
+        <p:nvSpPr>
+          <p:cNvPr id="11" name="フローチャート : 書類 10"/>
+          <p:cNvSpPr/>
+          <p:nvPr/>
+        </p:nvSpPr>
+        <p:spPr>
+          <a:xfrm>
+            <a:off x="8100392" y="4803078"/>
+            <a:ext cx="648072" cy="475313"/>
+          </a:xfrm>
+          <a:prstGeom prst="flowChartDocument">
+            <a:avLst/>
+          </a:prstGeom>
+          <a:solidFill>
+            <a:schemeClr val="bg1"/>
+          </a:solidFill>
+          <a:ln w="19050">
+            <a:solidFill>
+              <a:schemeClr val="tx1">
+                <a:lumMod val="50000"/>
+                <a:lumOff val="50000"/>
+              </a:schemeClr>
+            </a:solidFill>
+          </a:ln>
+        </p:spPr>
+        <p:style>
+          <a:lnRef idx="2">
+            <a:schemeClr val="accent1">
+              <a:shade val="50000"/>
+            </a:schemeClr>
+          </a:lnRef>
+          <a:fillRef idx="1">
+            <a:schemeClr val="accent1"/>
+          </a:fillRef>
+          <a:effectRef idx="0">
+            <a:schemeClr val="accent1"/>
+          </a:effectRef>
+          <a:fontRef idx="minor">
+            <a:schemeClr val="lt1"/>
+          </a:fontRef>
+        </p:style>
+        <p:txBody>
+          <a:bodyPr rtlCol="0" anchor="ctr"/>
+          <a:lstStyle/>
+          <a:p>
+            <a:pPr algn="ctr"/>
+            <a:r>
+              <a:rPr lang="en-US" altLang="ja-JP" sz="1000" dirty="0" err="1" smtClean="0">
+                <a:solidFill>
+                  <a:schemeClr val="tx1">
+                    <a:lumMod val="75000"/>
+                    <a:lumOff val="25000"/>
+                  </a:schemeClr>
+                </a:solidFill>
+              </a:rPr>
+              <a:t>Nwk</a:t>
+            </a:r>
+            <a:r>
+              <a:rPr lang="en-US" altLang="ja-JP" sz="1000" dirty="0" smtClean="0">
+                <a:solidFill>
+                  <a:schemeClr val="tx1">
+                    <a:lumMod val="75000"/>
+                    <a:lumOff val="25000"/>
+                  </a:schemeClr>
+                </a:solidFill>
+              </a:rPr>
+              <a:t> </a:t>
+            </a:r>
+          </a:p>
+          <a:p>
+            <a:pPr algn="ctr"/>
+            <a:r>
+              <a:rPr lang="en-US" altLang="ja-JP" sz="1000" dirty="0" smtClean="0">
+                <a:solidFill>
+                  <a:schemeClr val="tx1">
+                    <a:lumMod val="75000"/>
+                    <a:lumOff val="25000"/>
+                  </a:schemeClr>
+                </a:solidFill>
+              </a:rPr>
+              <a:t>Def.</a:t>
+            </a:r>
+          </a:p>
+        </p:txBody>
+      </p:sp>
+      <p:sp>
+        <p:nvSpPr>
+          <p:cNvPr id="12" name="フローチャート : 書類 11"/>
+          <p:cNvSpPr/>
+          <p:nvPr/>
+        </p:nvSpPr>
+        <p:spPr>
+          <a:xfrm>
+            <a:off x="8100392" y="5329951"/>
+            <a:ext cx="648072" cy="475313"/>
+          </a:xfrm>
+          <a:prstGeom prst="flowChartDocument">
+            <a:avLst/>
+          </a:prstGeom>
+          <a:solidFill>
+            <a:schemeClr val="bg1"/>
+          </a:solidFill>
+          <a:ln w="19050">
+            <a:solidFill>
+              <a:schemeClr val="tx1">
+                <a:lumMod val="50000"/>
+                <a:lumOff val="50000"/>
+              </a:schemeClr>
+            </a:solidFill>
+          </a:ln>
+        </p:spPr>
+        <p:style>
+          <a:lnRef idx="2">
+            <a:schemeClr val="accent1">
+              <a:shade val="50000"/>
+            </a:schemeClr>
+          </a:lnRef>
+          <a:fillRef idx="1">
+            <a:schemeClr val="accent1"/>
+          </a:fillRef>
+          <a:effectRef idx="0">
+            <a:schemeClr val="accent1"/>
+          </a:effectRef>
+          <a:fontRef idx="minor">
+            <a:schemeClr val="lt1"/>
+          </a:fontRef>
+        </p:style>
+        <p:txBody>
+          <a:bodyPr rtlCol="0" anchor="ctr"/>
+          <a:lstStyle/>
+          <a:p>
+            <a:pPr algn="ctr"/>
+            <a:r>
+              <a:rPr lang="en-US" altLang="ja-JP" sz="1000" dirty="0" smtClean="0">
+                <a:solidFill>
+                  <a:schemeClr val="tx1">
+                    <a:lumMod val="75000"/>
+                    <a:lumOff val="25000"/>
+                  </a:schemeClr>
+                </a:solidFill>
+              </a:rPr>
+              <a:t>Area</a:t>
+            </a:r>
+          </a:p>
+          <a:p>
+            <a:pPr algn="ctr"/>
+            <a:r>
+              <a:rPr lang="en-US" altLang="ja-JP" sz="1000" dirty="0" smtClean="0">
+                <a:solidFill>
+                  <a:schemeClr val="tx1">
+                    <a:lumMod val="75000"/>
+                    <a:lumOff val="25000"/>
+                  </a:schemeClr>
+                </a:solidFill>
+              </a:rPr>
+              <a:t>Def.</a:t>
+            </a:r>
+          </a:p>
+        </p:txBody>
+      </p:sp>
+      <p:cxnSp>
+        <p:nvCxnSpPr>
+          <p:cNvPr id="14" name="直線矢印コネクタ 13"/>
+          <p:cNvCxnSpPr>
+            <a:stCxn id="62" idx="1"/>
+            <a:endCxn id="7" idx="1"/>
+          </p:cNvCxnSpPr>
+          <p:nvPr/>
+        </p:nvCxnSpPr>
+        <p:spPr>
+          <a:xfrm>
+            <a:off x="1798460" y="2840782"/>
+            <a:ext cx="433280" cy="14532"/>
+          </a:xfrm>
+          <a:prstGeom prst="straightConnector1">
+            <a:avLst/>
+          </a:prstGeom>
+          <a:ln w="12700">
+            <a:solidFill>
+              <a:schemeClr val="tx1">
+                <a:lumMod val="50000"/>
+                <a:lumOff val="50000"/>
+              </a:schemeClr>
+            </a:solidFill>
+            <a:tailEnd type="arrow"/>
+          </a:ln>
+        </p:spPr>
+        <p:style>
+          <a:lnRef idx="1">
+            <a:schemeClr val="accent1"/>
+          </a:lnRef>
+          <a:fillRef idx="0">
+            <a:schemeClr val="accent1"/>
+          </a:fillRef>
+          <a:effectRef idx="0">
+            <a:schemeClr val="accent1"/>
+          </a:effectRef>
+          <a:fontRef idx="minor">
+            <a:schemeClr val="tx1"/>
+          </a:fontRef>
+        </p:style>
+      </p:cxnSp>
+      <p:grpSp>
+        <p:nvGrpSpPr>
+          <p:cNvPr id="21" name="グループ化 20"/>
+          <p:cNvGrpSpPr/>
+          <p:nvPr/>
+        </p:nvGrpSpPr>
+        <p:grpSpPr>
+          <a:xfrm>
+            <a:off x="4474350" y="2226496"/>
+            <a:ext cx="360040" cy="720080"/>
+            <a:chOff x="4427984" y="2278560"/>
+            <a:chExt cx="360040" cy="720080"/>
+          </a:xfrm>
+        </p:grpSpPr>
+        <p:sp>
+          <p:nvSpPr>
+            <p:cNvPr id="2" name="円/楕円 1"/>
+            <p:cNvSpPr/>
+            <p:nvPr/>
+          </p:nvSpPr>
+          <p:spPr>
+            <a:xfrm>
+              <a:off x="4427984" y="2278560"/>
+              <a:ext cx="360040" cy="720080"/>
+            </a:xfrm>
+            <a:prstGeom prst="ellipse">
+              <a:avLst/>
+            </a:prstGeom>
+            <a:solidFill>
+              <a:schemeClr val="bg1"/>
+            </a:solidFill>
+            <a:ln w="19050">
+              <a:solidFill>
+                <a:schemeClr val="tx1">
+                  <a:lumMod val="50000"/>
+                  <a:lumOff val="50000"/>
+                </a:schemeClr>
+              </a:solidFill>
+            </a:ln>
+          </p:spPr>
+          <p:style>
+            <a:lnRef idx="2">
+              <a:schemeClr val="accent1">
+                <a:shade val="50000"/>
+              </a:schemeClr>
+            </a:lnRef>
+            <a:fillRef idx="1">
+              <a:schemeClr val="accent1"/>
+            </a:fillRef>
+            <a:effectRef idx="0">
+              <a:schemeClr val="accent1"/>
+            </a:effectRef>
+            <a:fontRef idx="minor">
+              <a:schemeClr val="lt1"/>
+            </a:fontRef>
+          </p:style>
+          <p:txBody>
+            <a:bodyPr rtlCol="0" anchor="ctr"/>
+            <a:lstStyle/>
+            <a:p>
+              <a:pPr algn="ctr"/>
+              <a:endParaRPr lang="ja-JP" altLang="en-US" sz="1200">
+                <a:solidFill>
+                  <a:schemeClr val="tx1">
+                    <a:lumMod val="75000"/>
+                    <a:lumOff val="25000"/>
+                  </a:schemeClr>
+                </a:solidFill>
+                <a:latin typeface="+mj-lt"/>
+              </a:endParaRPr>
+            </a:p>
+          </p:txBody>
+        </p:sp>
+        <p:cxnSp>
+          <p:nvCxnSpPr>
+            <p:cNvPr id="13" name="直線コネクタ 12"/>
+            <p:cNvCxnSpPr/>
+            <p:nvPr/>
+          </p:nvCxnSpPr>
+          <p:spPr>
+            <a:xfrm>
+              <a:off x="4427984" y="2278560"/>
+              <a:ext cx="360040" cy="0"/>
+            </a:xfrm>
+            <a:prstGeom prst="line">
+              <a:avLst/>
+            </a:prstGeom>
+            <a:solidFill>
+              <a:schemeClr val="bg1"/>
+            </a:solidFill>
+            <a:ln w="19050" cap="rnd">
+              <a:solidFill>
+                <a:schemeClr val="tx1">
+                  <a:lumMod val="50000"/>
+                  <a:lumOff val="50000"/>
+                </a:schemeClr>
+              </a:solidFill>
+            </a:ln>
+          </p:spPr>
+          <p:style>
+            <a:lnRef idx="2">
+              <a:schemeClr val="accent1">
+                <a:shade val="50000"/>
+              </a:schemeClr>
+            </a:lnRef>
+            <a:fillRef idx="1">
+              <a:schemeClr val="accent1"/>
+            </a:fillRef>
+            <a:effectRef idx="0">
+              <a:schemeClr val="accent1"/>
+            </a:effectRef>
+            <a:fontRef idx="minor">
+              <a:schemeClr val="lt1"/>
+            </a:fontRef>
+          </p:style>
+        </p:cxnSp>
+        <p:cxnSp>
+          <p:nvCxnSpPr>
+            <p:cNvPr id="20" name="直線コネクタ 19"/>
+            <p:cNvCxnSpPr/>
+            <p:nvPr/>
+          </p:nvCxnSpPr>
+          <p:spPr>
+            <a:xfrm>
+              <a:off x="4427984" y="2998640"/>
+              <a:ext cx="360040" cy="0"/>
+            </a:xfrm>
+            <a:prstGeom prst="line">
+              <a:avLst/>
+            </a:prstGeom>
+            <a:solidFill>
+              <a:schemeClr val="bg1"/>
+            </a:solidFill>
+            <a:ln w="19050" cap="rnd">
+              <a:solidFill>
+                <a:schemeClr val="tx1">
+                  <a:lumMod val="50000"/>
+                  <a:lumOff val="50000"/>
+                </a:schemeClr>
+              </a:solidFill>
+            </a:ln>
+          </p:spPr>
+          <p:style>
+            <a:lnRef idx="2">
+              <a:schemeClr val="accent1">
+                <a:shade val="50000"/>
+              </a:schemeClr>
+            </a:lnRef>
+            <a:fillRef idx="1">
+              <a:schemeClr val="accent1"/>
+            </a:fillRef>
+            <a:effectRef idx="0">
+              <a:schemeClr val="accent1"/>
+            </a:effectRef>
+            <a:fontRef idx="minor">
+              <a:schemeClr val="lt1"/>
+            </a:fontRef>
+          </p:style>
+        </p:cxnSp>
+      </p:grpSp>
+      <p:sp>
+        <p:nvSpPr>
+          <p:cNvPr id="27" name="角丸四角形 26"/>
+          <p:cNvSpPr/>
+          <p:nvPr/>
+        </p:nvSpPr>
+        <p:spPr>
+          <a:xfrm>
+            <a:off x="5544108" y="2598348"/>
+            <a:ext cx="680446" cy="1405268"/>
+          </a:xfrm>
+          <a:prstGeom prst="roundRect">
+            <a:avLst>
+              <a:gd name="adj" fmla="val 8097"/>
+            </a:avLst>
+          </a:prstGeom>
+          <a:solidFill>
+            <a:schemeClr val="bg1"/>
+          </a:solidFill>
+          <a:ln w="19050">
+            <a:solidFill>
+              <a:schemeClr val="tx1">
+                <a:lumMod val="50000"/>
+                <a:lumOff val="50000"/>
+              </a:schemeClr>
+            </a:solidFill>
+          </a:ln>
+        </p:spPr>
+        <p:style>
+          <a:lnRef idx="2">
+            <a:schemeClr val="accent1">
+              <a:shade val="50000"/>
+            </a:schemeClr>
+          </a:lnRef>
+          <a:fillRef idx="1">
+            <a:schemeClr val="accent1"/>
+          </a:fillRef>
+          <a:effectRef idx="0">
+            <a:schemeClr val="accent1"/>
+          </a:effectRef>
+          <a:fontRef idx="minor">
+            <a:schemeClr val="lt1"/>
+          </a:fontRef>
+        </p:style>
+        <p:txBody>
+          <a:bodyPr rtlCol="0" anchor="ctr"/>
+          <a:lstStyle/>
+          <a:p>
+            <a:pPr algn="ctr"/>
+            <a:r>
+              <a:rPr lang="en-US" altLang="ja-JP" sz="1200" dirty="0" err="1" smtClean="0">
+                <a:solidFill>
+                  <a:schemeClr val="tx1">
+                    <a:lumMod val="75000"/>
+                    <a:lumOff val="25000"/>
+                  </a:schemeClr>
+                </a:solidFill>
+                <a:latin typeface="+mj-lt"/>
+              </a:rPr>
+              <a:t>sim_ds</a:t>
+            </a:r>
+            <a:endParaRPr lang="ja-JP" altLang="en-US" sz="1200" dirty="0">
+              <a:solidFill>
+                <a:schemeClr val="tx1">
+                  <a:lumMod val="75000"/>
+                  <a:lumOff val="25000"/>
+                </a:schemeClr>
+              </a:solidFill>
+              <a:latin typeface="+mj-lt"/>
+            </a:endParaRPr>
+          </a:p>
+        </p:txBody>
+      </p:sp>
+      <p:cxnSp>
+        <p:nvCxnSpPr>
+          <p:cNvPr id="34" name="直線矢印コネクタ 33"/>
+          <p:cNvCxnSpPr>
+            <a:stCxn id="2" idx="6"/>
+            <a:endCxn id="27" idx="1"/>
+          </p:cNvCxnSpPr>
+          <p:nvPr/>
+        </p:nvCxnSpPr>
+        <p:spPr>
+          <a:xfrm>
+            <a:off x="4834390" y="2586536"/>
+            <a:ext cx="709718" cy="714446"/>
+          </a:xfrm>
+          <a:prstGeom prst="straightConnector1">
+            <a:avLst/>
+          </a:prstGeom>
+          <a:ln w="12700">
+            <a:solidFill>
+              <a:schemeClr val="tx1">
+                <a:lumMod val="50000"/>
+                <a:lumOff val="50000"/>
+              </a:schemeClr>
+            </a:solidFill>
+            <a:tailEnd type="arrow"/>
+          </a:ln>
+        </p:spPr>
+        <p:style>
+          <a:lnRef idx="1">
+            <a:schemeClr val="accent1"/>
+          </a:lnRef>
+          <a:fillRef idx="0">
+            <a:schemeClr val="accent1"/>
+          </a:fillRef>
+          <a:effectRef idx="0">
+            <a:schemeClr val="accent1"/>
+          </a:effectRef>
+          <a:fontRef idx="minor">
+            <a:schemeClr val="tx1"/>
+          </a:fontRef>
+        </p:style>
+      </p:cxnSp>
+      <p:cxnSp>
+        <p:nvCxnSpPr>
+          <p:cNvPr id="44" name="直線矢印コネクタ 43"/>
+          <p:cNvCxnSpPr>
+            <a:stCxn id="7" idx="3"/>
+            <a:endCxn id="2" idx="2"/>
+          </p:cNvCxnSpPr>
+          <p:nvPr/>
+        </p:nvCxnSpPr>
+        <p:spPr>
+          <a:xfrm flipV="1">
+            <a:off x="3023828" y="2586536"/>
+            <a:ext cx="1450522" cy="268778"/>
+          </a:xfrm>
+          <a:prstGeom prst="straightConnector1">
+            <a:avLst/>
+          </a:prstGeom>
+          <a:ln w="12700">
+            <a:solidFill>
+              <a:schemeClr val="tx1">
+                <a:lumMod val="50000"/>
+                <a:lumOff val="50000"/>
+              </a:schemeClr>
+            </a:solidFill>
+            <a:tailEnd type="arrow"/>
+          </a:ln>
+        </p:spPr>
+        <p:style>
+          <a:lnRef idx="1">
+            <a:schemeClr val="accent1"/>
+          </a:lnRef>
+          <a:fillRef idx="0">
+            <a:schemeClr val="accent1"/>
+          </a:fillRef>
+          <a:effectRef idx="0">
+            <a:schemeClr val="accent1"/>
+          </a:effectRef>
+          <a:fontRef idx="minor">
+            <a:schemeClr val="tx1"/>
+          </a:fontRef>
+        </p:style>
+      </p:cxnSp>
+      <p:sp>
+        <p:nvSpPr>
+          <p:cNvPr id="49" name="角丸四角形 48"/>
+          <p:cNvSpPr/>
+          <p:nvPr/>
+        </p:nvSpPr>
+        <p:spPr>
+          <a:xfrm>
+            <a:off x="6732240" y="3717455"/>
+            <a:ext cx="680446" cy="680446"/>
+          </a:xfrm>
+          <a:prstGeom prst="roundRect">
+            <a:avLst>
+              <a:gd name="adj" fmla="val 8097"/>
+            </a:avLst>
+          </a:prstGeom>
+          <a:solidFill>
+            <a:schemeClr val="bg1"/>
+          </a:solidFill>
+          <a:ln w="19050">
+            <a:solidFill>
+              <a:schemeClr val="tx1">
+                <a:lumMod val="50000"/>
+                <a:lumOff val="50000"/>
+              </a:schemeClr>
+            </a:solidFill>
+          </a:ln>
+        </p:spPr>
+        <p:style>
+          <a:lnRef idx="2">
+            <a:schemeClr val="accent1">
+              <a:shade val="50000"/>
+            </a:schemeClr>
+          </a:lnRef>
+          <a:fillRef idx="1">
+            <a:schemeClr val="accent1"/>
+          </a:fillRef>
+          <a:effectRef idx="0">
+            <a:schemeClr val="accent1"/>
+          </a:effectRef>
+          <a:fontRef idx="minor">
+            <a:schemeClr val="lt1"/>
+          </a:fontRef>
+        </p:style>
+        <p:txBody>
+          <a:bodyPr rtlCol="0" anchor="ctr"/>
+          <a:lstStyle/>
+          <a:p>
+            <a:pPr algn="ctr"/>
+            <a:r>
+              <a:rPr lang="en-US" altLang="ja-JP" sz="1200" dirty="0" err="1" smtClean="0">
+                <a:solidFill>
+                  <a:schemeClr val="tx1">
+                    <a:lumMod val="75000"/>
+                    <a:lumOff val="25000"/>
+                  </a:schemeClr>
+                </a:solidFill>
+                <a:latin typeface="+mj-lt"/>
+              </a:rPr>
+              <a:t>mbs</a:t>
+            </a:r>
+            <a:endParaRPr lang="ja-JP" altLang="en-US" sz="1200" dirty="0">
+              <a:solidFill>
+                <a:schemeClr val="tx1">
+                  <a:lumMod val="75000"/>
+                  <a:lumOff val="25000"/>
+                </a:schemeClr>
+              </a:solidFill>
+              <a:latin typeface="+mj-lt"/>
+            </a:endParaRPr>
+          </a:p>
+        </p:txBody>
+      </p:sp>
+      <p:sp>
+        <p:nvSpPr>
+          <p:cNvPr id="51" name="円柱 50"/>
+          <p:cNvSpPr/>
+          <p:nvPr/>
+        </p:nvSpPr>
+        <p:spPr>
+          <a:xfrm>
+            <a:off x="8028384" y="2640006"/>
+            <a:ext cx="792088" cy="613140"/>
+          </a:xfrm>
+          <a:prstGeom prst="can">
+            <a:avLst/>
+          </a:prstGeom>
+          <a:solidFill>
+            <a:schemeClr val="bg1"/>
+          </a:solidFill>
+          <a:ln w="19050">
+            <a:solidFill>
+              <a:schemeClr val="tx1">
+                <a:lumMod val="50000"/>
+                <a:lumOff val="50000"/>
+              </a:schemeClr>
+            </a:solidFill>
+          </a:ln>
+        </p:spPr>
+        <p:style>
+          <a:lnRef idx="2">
+            <a:schemeClr val="accent1">
+              <a:shade val="50000"/>
+            </a:schemeClr>
+          </a:lnRef>
+          <a:fillRef idx="1">
+            <a:schemeClr val="accent1"/>
+          </a:fillRef>
+          <a:effectRef idx="0">
+            <a:schemeClr val="accent1"/>
+          </a:effectRef>
+          <a:fontRef idx="minor">
+            <a:schemeClr val="lt1"/>
+          </a:fontRef>
+        </p:style>
+        <p:txBody>
+          <a:bodyPr rtlCol="0" anchor="ctr"/>
+          <a:lstStyle/>
+          <a:p>
+            <a:pPr algn="ctr"/>
+            <a:r>
+              <a:rPr lang="en-US" altLang="ja-JP" sz="1200" dirty="0" err="1" smtClean="0">
+                <a:solidFill>
+                  <a:schemeClr val="tx1">
+                    <a:lumMod val="75000"/>
+                    <a:lumOff val="25000"/>
+                  </a:schemeClr>
+                </a:solidFill>
+                <a:latin typeface="+mj-lt"/>
+              </a:rPr>
+              <a:t>mongodb</a:t>
+            </a:r>
+            <a:endParaRPr lang="ja-JP" altLang="en-US" sz="1200" dirty="0">
+              <a:solidFill>
+                <a:schemeClr val="tx1">
+                  <a:lumMod val="75000"/>
+                  <a:lumOff val="25000"/>
+                </a:schemeClr>
+              </a:solidFill>
+              <a:latin typeface="+mj-lt"/>
+            </a:endParaRPr>
+          </a:p>
+        </p:txBody>
+      </p:sp>
+      <p:grpSp>
+        <p:nvGrpSpPr>
+          <p:cNvPr id="35" name="グループ化 34"/>
+          <p:cNvGrpSpPr/>
+          <p:nvPr/>
+        </p:nvGrpSpPr>
+        <p:grpSpPr>
+          <a:xfrm>
+            <a:off x="4472809" y="3938607"/>
+            <a:ext cx="360040" cy="720080"/>
+            <a:chOff x="4427984" y="2278560"/>
+            <a:chExt cx="360040" cy="720080"/>
+          </a:xfrm>
+        </p:grpSpPr>
+        <p:sp>
+          <p:nvSpPr>
+            <p:cNvPr id="36" name="円/楕円 35"/>
+            <p:cNvSpPr/>
+            <p:nvPr/>
+          </p:nvSpPr>
+          <p:spPr>
+            <a:xfrm>
+              <a:off x="4427984" y="2278560"/>
+              <a:ext cx="360040" cy="720080"/>
+            </a:xfrm>
+            <a:prstGeom prst="ellipse">
+              <a:avLst/>
+            </a:prstGeom>
+            <a:solidFill>
+              <a:schemeClr val="bg1"/>
+            </a:solidFill>
+            <a:ln w="19050">
+              <a:solidFill>
+                <a:schemeClr val="tx1">
+                  <a:lumMod val="50000"/>
+                  <a:lumOff val="50000"/>
+                </a:schemeClr>
+              </a:solidFill>
+            </a:ln>
+          </p:spPr>
+          <p:style>
+            <a:lnRef idx="2">
+              <a:schemeClr val="accent1">
+                <a:shade val="50000"/>
+              </a:schemeClr>
+            </a:lnRef>
+            <a:fillRef idx="1">
+              <a:schemeClr val="accent1"/>
+            </a:fillRef>
+            <a:effectRef idx="0">
+              <a:schemeClr val="accent1"/>
+            </a:effectRef>
+            <a:fontRef idx="minor">
+              <a:schemeClr val="lt1"/>
+            </a:fontRef>
+          </p:style>
+          <p:txBody>
+            <a:bodyPr rtlCol="0" anchor="ctr"/>
+            <a:lstStyle/>
+            <a:p>
+              <a:pPr algn="ctr"/>
+              <a:endParaRPr lang="ja-JP" altLang="en-US" sz="1200">
+                <a:solidFill>
+                  <a:schemeClr val="tx1">
+                    <a:lumMod val="75000"/>
+                    <a:lumOff val="25000"/>
+                  </a:schemeClr>
+                </a:solidFill>
+                <a:latin typeface="+mj-lt"/>
+              </a:endParaRPr>
+            </a:p>
+          </p:txBody>
+        </p:sp>
+        <p:cxnSp>
+          <p:nvCxnSpPr>
+            <p:cNvPr id="38" name="直線コネクタ 37"/>
+            <p:cNvCxnSpPr/>
+            <p:nvPr/>
+          </p:nvCxnSpPr>
+          <p:spPr>
+            <a:xfrm>
+              <a:off x="4427984" y="2278560"/>
+              <a:ext cx="360040" cy="0"/>
+            </a:xfrm>
+            <a:prstGeom prst="line">
+              <a:avLst/>
+            </a:prstGeom>
+            <a:solidFill>
+              <a:schemeClr val="bg1"/>
+            </a:solidFill>
+            <a:ln w="19050" cap="rnd">
+              <a:solidFill>
+                <a:schemeClr val="tx1">
+                  <a:lumMod val="50000"/>
+                  <a:lumOff val="50000"/>
+                </a:schemeClr>
+              </a:solidFill>
+            </a:ln>
+          </p:spPr>
+          <p:style>
+            <a:lnRef idx="2">
+              <a:schemeClr val="accent1">
+                <a:shade val="50000"/>
+              </a:schemeClr>
+            </a:lnRef>
+            <a:fillRef idx="1">
+              <a:schemeClr val="accent1"/>
+            </a:fillRef>
+            <a:effectRef idx="0">
+              <a:schemeClr val="accent1"/>
+            </a:effectRef>
+            <a:fontRef idx="minor">
+              <a:schemeClr val="lt1"/>
+            </a:fontRef>
+          </p:style>
+        </p:cxnSp>
+        <p:cxnSp>
+          <p:nvCxnSpPr>
+            <p:cNvPr id="39" name="直線コネクタ 38"/>
+            <p:cNvCxnSpPr/>
+            <p:nvPr/>
+          </p:nvCxnSpPr>
+          <p:spPr>
+            <a:xfrm>
+              <a:off x="4427984" y="2998640"/>
+              <a:ext cx="360040" cy="0"/>
+            </a:xfrm>
+            <a:prstGeom prst="line">
+              <a:avLst/>
+            </a:prstGeom>
+            <a:solidFill>
+              <a:schemeClr val="bg1"/>
+            </a:solidFill>
+            <a:ln w="19050" cap="rnd">
+              <a:solidFill>
+                <a:schemeClr val="tx1">
+                  <a:lumMod val="50000"/>
+                  <a:lumOff val="50000"/>
+                </a:schemeClr>
+              </a:solidFill>
+            </a:ln>
+          </p:spPr>
+          <p:style>
+            <a:lnRef idx="2">
+              <a:schemeClr val="accent1">
+                <a:shade val="50000"/>
+              </a:schemeClr>
+            </a:lnRef>
+            <a:fillRef idx="1">
+              <a:schemeClr val="accent1"/>
+            </a:fillRef>
+            <a:effectRef idx="0">
+              <a:schemeClr val="accent1"/>
+            </a:effectRef>
+            <a:fontRef idx="minor">
+              <a:schemeClr val="lt1"/>
+            </a:fontRef>
+          </p:style>
+        </p:cxnSp>
+      </p:grpSp>
+      <p:sp>
+        <p:nvSpPr>
+          <p:cNvPr id="19" name="テキスト ボックス 18"/>
+          <p:cNvSpPr txBox="1"/>
+          <p:nvPr/>
+        </p:nvSpPr>
+        <p:spPr>
+          <a:xfrm>
+            <a:off x="4212999" y="2916828"/>
+            <a:ext cx="882742" cy="276999"/>
+          </a:xfrm>
+          <a:prstGeom prst="rect">
+            <a:avLst/>
+          </a:prstGeom>
+          <a:noFill/>
+        </p:spPr>
+        <p:txBody>
+          <a:bodyPr wrap="none" rtlCol="0">
+            <a:spAutoFit/>
+          </a:bodyPr>
+          <a:lstStyle/>
+          <a:p>
+            <a:r>
+              <a:rPr kumimoji="1" lang="en-US" altLang="ja-JP" sz="1200" dirty="0" smtClean="0"/>
+              <a:t>Task queue</a:t>
+            </a:r>
+            <a:endParaRPr kumimoji="1" lang="ja-JP" altLang="en-US" sz="1200" dirty="0"/>
+          </a:p>
+        </p:txBody>
+      </p:sp>
+      <p:sp>
+        <p:nvSpPr>
+          <p:cNvPr id="41" name="テキスト ボックス 40"/>
+          <p:cNvSpPr txBox="1"/>
+          <p:nvPr/>
+        </p:nvSpPr>
+        <p:spPr>
+          <a:xfrm>
+            <a:off x="4281409" y="3419768"/>
+            <a:ext cx="666080" cy="461665"/>
+          </a:xfrm>
+          <a:prstGeom prst="rect">
+            <a:avLst/>
+          </a:prstGeom>
+          <a:noFill/>
+        </p:spPr>
+        <p:txBody>
+          <a:bodyPr wrap="none" rtlCol="0">
+            <a:spAutoFit/>
+          </a:bodyPr>
+          <a:lstStyle/>
+          <a:p>
+            <a:r>
+              <a:rPr kumimoji="1" lang="en-US" altLang="ja-JP" sz="1200" dirty="0" smtClean="0"/>
+              <a:t>Results </a:t>
+            </a:r>
+          </a:p>
+          <a:p>
+            <a:r>
+              <a:rPr kumimoji="1" lang="en-US" altLang="ja-JP" sz="1200" dirty="0" smtClean="0"/>
+              <a:t>Queues</a:t>
+            </a:r>
+            <a:endParaRPr kumimoji="1" lang="ja-JP" altLang="en-US" sz="1200" dirty="0"/>
+          </a:p>
+        </p:txBody>
+      </p:sp>
+      <p:grpSp>
+        <p:nvGrpSpPr>
+          <p:cNvPr id="42" name="グループ化 41"/>
+          <p:cNvGrpSpPr/>
+          <p:nvPr/>
+        </p:nvGrpSpPr>
+        <p:grpSpPr>
+          <a:xfrm>
+            <a:off x="4366526" y="4003616"/>
+            <a:ext cx="360040" cy="720080"/>
+            <a:chOff x="4427984" y="2278560"/>
+            <a:chExt cx="360040" cy="720080"/>
+          </a:xfrm>
+        </p:grpSpPr>
+        <p:sp>
+          <p:nvSpPr>
+            <p:cNvPr id="43" name="円/楕円 42"/>
+            <p:cNvSpPr/>
+            <p:nvPr/>
+          </p:nvSpPr>
+          <p:spPr>
+            <a:xfrm>
+              <a:off x="4427984" y="2278560"/>
+              <a:ext cx="360040" cy="720080"/>
+            </a:xfrm>
+            <a:prstGeom prst="ellipse">
+              <a:avLst/>
+            </a:prstGeom>
+            <a:solidFill>
+              <a:schemeClr val="bg1"/>
+            </a:solidFill>
+            <a:ln w="19050">
+              <a:solidFill>
+                <a:schemeClr val="tx1">
+                  <a:lumMod val="50000"/>
+                  <a:lumOff val="50000"/>
+                </a:schemeClr>
+              </a:solidFill>
+            </a:ln>
+          </p:spPr>
+          <p:style>
+            <a:lnRef idx="2">
+              <a:schemeClr val="accent1">
+                <a:shade val="50000"/>
+              </a:schemeClr>
+            </a:lnRef>
+            <a:fillRef idx="1">
+              <a:schemeClr val="accent1"/>
+            </a:fillRef>
+            <a:effectRef idx="0">
+              <a:schemeClr val="accent1"/>
+            </a:effectRef>
+            <a:fontRef idx="minor">
+              <a:schemeClr val="lt1"/>
+            </a:fontRef>
+          </p:style>
+          <p:txBody>
+            <a:bodyPr rtlCol="0" anchor="ctr"/>
+            <a:lstStyle/>
+            <a:p>
+              <a:pPr algn="ctr"/>
+              <a:endParaRPr lang="ja-JP" altLang="en-US" sz="1200">
+                <a:solidFill>
+                  <a:schemeClr val="tx1">
+                    <a:lumMod val="75000"/>
+                    <a:lumOff val="25000"/>
+                  </a:schemeClr>
+                </a:solidFill>
+                <a:latin typeface="+mj-lt"/>
+              </a:endParaRPr>
+            </a:p>
+          </p:txBody>
+        </p:sp>
+        <p:cxnSp>
+          <p:nvCxnSpPr>
+            <p:cNvPr id="45" name="直線コネクタ 44"/>
+            <p:cNvCxnSpPr/>
+            <p:nvPr/>
+          </p:nvCxnSpPr>
+          <p:spPr>
+            <a:xfrm>
+              <a:off x="4427984" y="2278560"/>
+              <a:ext cx="360040" cy="0"/>
+            </a:xfrm>
+            <a:prstGeom prst="line">
+              <a:avLst/>
+            </a:prstGeom>
+            <a:solidFill>
+              <a:schemeClr val="bg1"/>
+            </a:solidFill>
+            <a:ln w="19050" cap="rnd">
+              <a:solidFill>
+                <a:schemeClr val="tx1">
+                  <a:lumMod val="50000"/>
+                  <a:lumOff val="50000"/>
+                </a:schemeClr>
+              </a:solidFill>
+            </a:ln>
+          </p:spPr>
+          <p:style>
+            <a:lnRef idx="2">
+              <a:schemeClr val="accent1">
+                <a:shade val="50000"/>
+              </a:schemeClr>
+            </a:lnRef>
+            <a:fillRef idx="1">
+              <a:schemeClr val="accent1"/>
+            </a:fillRef>
+            <a:effectRef idx="0">
+              <a:schemeClr val="accent1"/>
+            </a:effectRef>
+            <a:fontRef idx="minor">
+              <a:schemeClr val="lt1"/>
+            </a:fontRef>
+          </p:style>
+        </p:cxnSp>
+        <p:cxnSp>
+          <p:nvCxnSpPr>
+            <p:cNvPr id="46" name="直線コネクタ 45"/>
+            <p:cNvCxnSpPr/>
+            <p:nvPr/>
+          </p:nvCxnSpPr>
+          <p:spPr>
+            <a:xfrm>
+              <a:off x="4427984" y="2998640"/>
+              <a:ext cx="360040" cy="0"/>
+            </a:xfrm>
+            <a:prstGeom prst="line">
+              <a:avLst/>
+            </a:prstGeom>
+            <a:solidFill>
+              <a:schemeClr val="bg1"/>
+            </a:solidFill>
+            <a:ln w="19050" cap="rnd">
+              <a:solidFill>
+                <a:schemeClr val="tx1">
+                  <a:lumMod val="50000"/>
+                  <a:lumOff val="50000"/>
+                </a:schemeClr>
+              </a:solidFill>
+            </a:ln>
+          </p:spPr>
+          <p:style>
+            <a:lnRef idx="2">
+              <a:schemeClr val="accent1">
+                <a:shade val="50000"/>
+              </a:schemeClr>
+            </a:lnRef>
+            <a:fillRef idx="1">
+              <a:schemeClr val="accent1"/>
+            </a:fillRef>
+            <a:effectRef idx="0">
+              <a:schemeClr val="accent1"/>
+            </a:effectRef>
+            <a:fontRef idx="minor">
+              <a:schemeClr val="lt1"/>
+            </a:fontRef>
+          </p:style>
+        </p:cxnSp>
+      </p:grpSp>
+      <p:cxnSp>
+        <p:nvCxnSpPr>
+          <p:cNvPr id="47" name="直線矢印コネクタ 46"/>
+          <p:cNvCxnSpPr>
+            <a:stCxn id="27" idx="1"/>
+            <a:endCxn id="36" idx="6"/>
+          </p:cNvCxnSpPr>
+          <p:nvPr/>
+        </p:nvCxnSpPr>
+        <p:spPr>
+          <a:xfrm flipH="1">
+            <a:off x="4832849" y="3300982"/>
+            <a:ext cx="711259" cy="997665"/>
+          </a:xfrm>
+          <a:prstGeom prst="straightConnector1">
+            <a:avLst/>
+          </a:prstGeom>
+          <a:ln w="12700">
+            <a:solidFill>
+              <a:schemeClr val="tx1">
+                <a:lumMod val="50000"/>
+                <a:lumOff val="50000"/>
+              </a:schemeClr>
+            </a:solidFill>
+            <a:tailEnd type="arrow"/>
+          </a:ln>
+        </p:spPr>
+        <p:style>
+          <a:lnRef idx="1">
+            <a:schemeClr val="accent1"/>
+          </a:lnRef>
+          <a:fillRef idx="0">
+            <a:schemeClr val="accent1"/>
+          </a:fillRef>
+          <a:effectRef idx="0">
+            <a:schemeClr val="accent1"/>
+          </a:effectRef>
+          <a:fontRef idx="minor">
+            <a:schemeClr val="tx1"/>
+          </a:fontRef>
+        </p:style>
+      </p:cxnSp>
+      <p:sp>
+        <p:nvSpPr>
+          <p:cNvPr id="87" name="角丸四角形 86"/>
+          <p:cNvSpPr/>
+          <p:nvPr/>
+        </p:nvSpPr>
+        <p:spPr>
+          <a:xfrm>
+            <a:off x="2231588" y="3856285"/>
+            <a:ext cx="792392" cy="1014741"/>
+          </a:xfrm>
+          <a:prstGeom prst="roundRect">
+            <a:avLst>
+              <a:gd name="adj" fmla="val 5759"/>
+            </a:avLst>
+          </a:prstGeom>
+          <a:solidFill>
+            <a:schemeClr val="bg1"/>
+          </a:solidFill>
+          <a:ln w="19050">
+            <a:solidFill>
+              <a:schemeClr val="tx1">
+                <a:lumMod val="50000"/>
+                <a:lumOff val="50000"/>
+              </a:schemeClr>
+            </a:solidFill>
+          </a:ln>
+        </p:spPr>
+        <p:style>
+          <a:lnRef idx="2">
+            <a:schemeClr val="accent1">
+              <a:shade val="50000"/>
+            </a:schemeClr>
+          </a:lnRef>
+          <a:fillRef idx="1">
+            <a:schemeClr val="accent1"/>
+          </a:fillRef>
+          <a:effectRef idx="0">
+            <a:schemeClr val="accent1"/>
+          </a:effectRef>
+          <a:fontRef idx="minor">
+            <a:schemeClr val="lt1"/>
+          </a:fontRef>
+        </p:style>
+        <p:txBody>
+          <a:bodyPr rtlCol="0" anchor="t"/>
+          <a:lstStyle/>
+          <a:p>
+            <a:pPr algn="ctr"/>
+            <a:r>
+              <a:rPr kumimoji="1" lang="en-US" altLang="ja-JP" sz="1200" dirty="0" smtClean="0">
+                <a:solidFill>
+                  <a:schemeClr val="tx1">
+                    <a:lumMod val="75000"/>
+                    <a:lumOff val="25000"/>
+                  </a:schemeClr>
+                </a:solidFill>
+                <a:latin typeface="+mj-lt"/>
+              </a:rPr>
+              <a:t>monitor</a:t>
+            </a:r>
+            <a:endParaRPr kumimoji="1" lang="ja-JP" altLang="en-US" sz="1200" dirty="0">
+              <a:solidFill>
+                <a:schemeClr val="tx1">
+                  <a:lumMod val="75000"/>
+                  <a:lumOff val="25000"/>
+                </a:schemeClr>
+              </a:solidFill>
+              <a:latin typeface="+mj-lt"/>
+            </a:endParaRPr>
+          </a:p>
+        </p:txBody>
+      </p:sp>
+      <p:cxnSp>
+        <p:nvCxnSpPr>
+          <p:cNvPr id="88" name="直線矢印コネクタ 87"/>
+          <p:cNvCxnSpPr>
+            <a:stCxn id="43" idx="2"/>
+            <a:endCxn id="87" idx="3"/>
+          </p:cNvCxnSpPr>
+          <p:nvPr/>
+        </p:nvCxnSpPr>
+        <p:spPr>
+          <a:xfrm flipH="1">
+            <a:off x="3023980" y="4363656"/>
+            <a:ext cx="1342546" cy="0"/>
+          </a:xfrm>
+          <a:prstGeom prst="straightConnector1">
+            <a:avLst/>
+          </a:prstGeom>
+          <a:ln w="12700">
+            <a:solidFill>
+              <a:schemeClr val="tx1">
+                <a:lumMod val="50000"/>
+                <a:lumOff val="50000"/>
+              </a:schemeClr>
+            </a:solidFill>
+            <a:tailEnd type="arrow"/>
+          </a:ln>
+        </p:spPr>
+        <p:style>
+          <a:lnRef idx="1">
+            <a:schemeClr val="accent1"/>
+          </a:lnRef>
+          <a:fillRef idx="0">
+            <a:schemeClr val="accent1"/>
+          </a:fillRef>
+          <a:effectRef idx="0">
+            <a:schemeClr val="accent1"/>
+          </a:effectRef>
+          <a:fontRef idx="minor">
+            <a:schemeClr val="tx1"/>
+          </a:fontRef>
+        </p:style>
+      </p:cxnSp>
+      <p:cxnSp>
+        <p:nvCxnSpPr>
+          <p:cNvPr id="91" name="直線矢印コネクタ 90"/>
+          <p:cNvCxnSpPr>
+            <a:stCxn id="87" idx="1"/>
+            <a:endCxn id="6" idx="1"/>
+          </p:cNvCxnSpPr>
+          <p:nvPr/>
+        </p:nvCxnSpPr>
+        <p:spPr>
+          <a:xfrm rot="10800000">
+            <a:off x="424614" y="2987058"/>
+            <a:ext cx="1806975" cy="1376599"/>
+          </a:xfrm>
+          <a:prstGeom prst="bentConnector2">
+            <a:avLst/>
+          </a:prstGeom>
+          <a:ln w="12700">
+            <a:solidFill>
+              <a:schemeClr val="tx1">
+                <a:lumMod val="50000"/>
+                <a:lumOff val="50000"/>
+              </a:schemeClr>
+            </a:solidFill>
+            <a:tailEnd type="arrow"/>
+          </a:ln>
+        </p:spPr>
+        <p:style>
+          <a:lnRef idx="1">
+            <a:schemeClr val="accent1"/>
+          </a:lnRef>
+          <a:fillRef idx="0">
+            <a:schemeClr val="accent1"/>
+          </a:fillRef>
+          <a:effectRef idx="0">
+            <a:schemeClr val="accent1"/>
+          </a:effectRef>
+          <a:fontRef idx="minor">
+            <a:schemeClr val="tx1"/>
+          </a:fontRef>
+        </p:style>
+      </p:cxnSp>
+      <p:sp>
+        <p:nvSpPr>
+          <p:cNvPr id="96" name="左大かっこ 95"/>
+          <p:cNvSpPr/>
+          <p:nvPr/>
+        </p:nvSpPr>
+        <p:spPr>
+          <a:xfrm>
+            <a:off x="827584" y="1988839"/>
+            <a:ext cx="45719" cy="1703885"/>
+          </a:xfrm>
+          <a:prstGeom prst="leftBracket">
+            <a:avLst/>
+          </a:prstGeom>
+          <a:solidFill>
+            <a:schemeClr val="bg1"/>
+          </a:solidFill>
+          <a:ln w="19050" cap="rnd">
+            <a:solidFill>
+              <a:schemeClr val="tx1">
+                <a:lumMod val="50000"/>
+                <a:lumOff val="50000"/>
+              </a:schemeClr>
+            </a:solidFill>
+            <a:prstDash val="sysDash"/>
+          </a:ln>
+        </p:spPr>
+        <p:style>
+          <a:lnRef idx="2">
+            <a:schemeClr val="accent1">
+              <a:shade val="50000"/>
+            </a:schemeClr>
+          </a:lnRef>
+          <a:fillRef idx="1">
+            <a:schemeClr val="accent1"/>
+          </a:fillRef>
+          <a:effectRef idx="0">
+            <a:schemeClr val="accent1"/>
+          </a:effectRef>
+          <a:fontRef idx="minor">
+            <a:schemeClr val="lt1"/>
+          </a:fontRef>
+        </p:style>
+        <p:txBody>
+          <a:bodyPr rtlCol="0" anchor="t"/>
+          <a:lstStyle/>
+          <a:p>
+            <a:pPr algn="ctr"/>
+            <a:endParaRPr lang="ja-JP" altLang="en-US" sz="1200">
+              <a:solidFill>
+                <a:schemeClr val="tx1">
+                  <a:lumMod val="75000"/>
+                  <a:lumOff val="25000"/>
+                </a:schemeClr>
+              </a:solidFill>
+              <a:latin typeface="+mj-lt"/>
+            </a:endParaRPr>
+          </a:p>
+        </p:txBody>
+      </p:sp>
+      <p:cxnSp>
+        <p:nvCxnSpPr>
+          <p:cNvPr id="97" name="直線矢印コネクタ 96"/>
+          <p:cNvCxnSpPr/>
+          <p:nvPr/>
+        </p:nvCxnSpPr>
+        <p:spPr>
+          <a:xfrm>
+            <a:off x="577301" y="2854695"/>
+            <a:ext cx="229879" cy="0"/>
+          </a:xfrm>
+          <a:prstGeom prst="straightConnector1">
+            <a:avLst/>
+          </a:prstGeom>
+          <a:ln w="12700">
+            <a:solidFill>
+              <a:schemeClr val="tx1">
+                <a:lumMod val="50000"/>
+                <a:lumOff val="50000"/>
+              </a:schemeClr>
+            </a:solidFill>
+            <a:tailEnd type="arrow"/>
+          </a:ln>
+        </p:spPr>
+        <p:style>
+          <a:lnRef idx="1">
+            <a:schemeClr val="accent1"/>
+          </a:lnRef>
+          <a:fillRef idx="0">
+            <a:schemeClr val="accent1"/>
+          </a:fillRef>
+          <a:effectRef idx="0">
+            <a:schemeClr val="accent1"/>
+          </a:effectRef>
+          <a:fontRef idx="minor">
+            <a:schemeClr val="tx1"/>
+          </a:fontRef>
+        </p:style>
+      </p:cxnSp>
+      <p:sp>
+        <p:nvSpPr>
+          <p:cNvPr id="100" name="テキスト ボックス 99"/>
+          <p:cNvSpPr txBox="1"/>
+          <p:nvPr/>
+        </p:nvSpPr>
+        <p:spPr>
+          <a:xfrm>
+            <a:off x="350773" y="764704"/>
+            <a:ext cx="4060727" cy="369332"/>
+          </a:xfrm>
+          <a:prstGeom prst="rect">
+            <a:avLst/>
+          </a:prstGeom>
+          <a:noFill/>
+        </p:spPr>
+        <p:txBody>
+          <a:bodyPr wrap="none" rtlCol="0">
+            <a:spAutoFit/>
+          </a:bodyPr>
+          <a:lstStyle/>
+          <a:p>
+            <a:r>
+              <a:rPr kumimoji="1" lang="ja-JP" altLang="en-US" b="1" u="sng" dirty="0" smtClean="0">
+                <a:latin typeface="+mj-lt"/>
+                <a:ea typeface="Meiryo UI" panose="020B0604030504040204" pitchFamily="50" charset="-128"/>
+                <a:cs typeface="Meiryo UI" panose="020B0604030504040204" pitchFamily="50" charset="-128"/>
+              </a:rPr>
+              <a:t>シミュレーション実行</a:t>
+            </a:r>
+            <a:r>
+              <a:rPr kumimoji="1" lang="en-US" altLang="ja-JP" b="1" u="sng" dirty="0" smtClean="0">
+                <a:latin typeface="+mj-lt"/>
+                <a:ea typeface="Meiryo UI" panose="020B0604030504040204" pitchFamily="50" charset="-128"/>
+                <a:cs typeface="Meiryo UI" panose="020B0604030504040204" pitchFamily="50" charset="-128"/>
+              </a:rPr>
+              <a:t>UI</a:t>
+            </a:r>
+            <a:r>
+              <a:rPr kumimoji="1" lang="ja-JP" altLang="en-US" b="1" u="sng" dirty="0" smtClean="0">
+                <a:latin typeface="+mj-lt"/>
+                <a:ea typeface="Meiryo UI" panose="020B0604030504040204" pitchFamily="50" charset="-128"/>
+                <a:cs typeface="Meiryo UI" panose="020B0604030504040204" pitchFamily="50" charset="-128"/>
+              </a:rPr>
+              <a:t>の</a:t>
+            </a:r>
+            <a:r>
+              <a:rPr lang="ja-JP" altLang="en-US" b="1" u="sng" dirty="0">
+                <a:latin typeface="+mj-lt"/>
+                <a:ea typeface="Meiryo UI" panose="020B0604030504040204" pitchFamily="50" charset="-128"/>
+                <a:cs typeface="Meiryo UI" panose="020B0604030504040204" pitchFamily="50" charset="-128"/>
+              </a:rPr>
+              <a:t>詳細</a:t>
+            </a:r>
+            <a:r>
+              <a:rPr kumimoji="1" lang="ja-JP" altLang="en-US" b="1" u="sng" dirty="0" smtClean="0">
+                <a:latin typeface="+mj-lt"/>
+                <a:ea typeface="Meiryo UI" panose="020B0604030504040204" pitchFamily="50" charset="-128"/>
+                <a:cs typeface="Meiryo UI" panose="020B0604030504040204" pitchFamily="50" charset="-128"/>
+              </a:rPr>
+              <a:t>構造 </a:t>
+            </a:r>
+            <a:r>
+              <a:rPr kumimoji="1" lang="en-US" altLang="ja-JP" b="1" u="sng" dirty="0" smtClean="0">
+                <a:latin typeface="+mj-lt"/>
+                <a:ea typeface="Meiryo UI" panose="020B0604030504040204" pitchFamily="50" charset="-128"/>
+                <a:cs typeface="Meiryo UI" panose="020B0604030504040204" pitchFamily="50" charset="-128"/>
+              </a:rPr>
+              <a:t>(</a:t>
+            </a:r>
+            <a:r>
+              <a:rPr kumimoji="1" lang="ja-JP" altLang="en-US" b="1" u="sng" dirty="0" smtClean="0">
+                <a:latin typeface="+mj-lt"/>
+                <a:ea typeface="Meiryo UI" panose="020B0604030504040204" pitchFamily="50" charset="-128"/>
+                <a:cs typeface="Meiryo UI" panose="020B0604030504040204" pitchFamily="50" charset="-128"/>
+              </a:rPr>
+              <a:t>現状</a:t>
+            </a:r>
+            <a:r>
+              <a:rPr kumimoji="1" lang="en-US" altLang="ja-JP" b="1" u="sng" dirty="0" smtClean="0">
+                <a:latin typeface="+mj-lt"/>
+                <a:ea typeface="Meiryo UI" panose="020B0604030504040204" pitchFamily="50" charset="-128"/>
+                <a:cs typeface="Meiryo UI" panose="020B0604030504040204" pitchFamily="50" charset="-128"/>
+              </a:rPr>
+              <a:t>)</a:t>
+            </a:r>
+            <a:endParaRPr kumimoji="1" lang="ja-JP" altLang="en-US" b="1" u="sng" dirty="0">
+              <a:latin typeface="+mj-lt"/>
+              <a:ea typeface="Meiryo UI" panose="020B0604030504040204" pitchFamily="50" charset="-128"/>
+              <a:cs typeface="Meiryo UI" panose="020B0604030504040204" pitchFamily="50" charset="-128"/>
+            </a:endParaRPr>
+          </a:p>
+        </p:txBody>
+      </p:sp>
+      <p:sp>
+        <p:nvSpPr>
+          <p:cNvPr id="29" name="メモ 28"/>
+          <p:cNvSpPr/>
+          <p:nvPr/>
+        </p:nvSpPr>
+        <p:spPr>
+          <a:xfrm>
+            <a:off x="971600" y="2916828"/>
+            <a:ext cx="648072" cy="733773"/>
+          </a:xfrm>
+          <a:prstGeom prst="foldedCorner">
+            <a:avLst/>
+          </a:prstGeom>
+          <a:solidFill>
+            <a:schemeClr val="bg1"/>
+          </a:solidFill>
+          <a:ln w="19050">
+            <a:solidFill>
+              <a:schemeClr val="tx1">
+                <a:lumMod val="50000"/>
+                <a:lumOff val="50000"/>
+              </a:schemeClr>
+            </a:solidFill>
+          </a:ln>
+        </p:spPr>
+        <p:style>
+          <a:lnRef idx="2">
+            <a:schemeClr val="accent1">
+              <a:shade val="50000"/>
+            </a:schemeClr>
+          </a:lnRef>
+          <a:fillRef idx="1">
+            <a:schemeClr val="accent1"/>
+          </a:fillRef>
+          <a:effectRef idx="0">
+            <a:schemeClr val="accent1"/>
+          </a:effectRef>
+          <a:fontRef idx="minor">
+            <a:schemeClr val="lt1"/>
+          </a:fontRef>
+        </p:style>
+        <p:txBody>
+          <a:bodyPr rtlCol="0" anchor="ctr"/>
+          <a:lstStyle/>
+          <a:p>
+            <a:pPr algn="ctr"/>
+            <a:r>
+              <a:rPr lang="ja-JP" altLang="en-US" sz="1000" dirty="0" smtClean="0">
+                <a:solidFill>
+                  <a:schemeClr val="tx1">
+                    <a:lumMod val="75000"/>
+                    <a:lumOff val="25000"/>
+                  </a:schemeClr>
+                </a:solidFill>
+                <a:latin typeface="+mj-lt"/>
+                <a:ea typeface="Meiryo UI" panose="020B0604030504040204" pitchFamily="50" charset="-128"/>
+                <a:cs typeface="Meiryo UI" panose="020B0604030504040204" pitchFamily="50" charset="-128"/>
+              </a:rPr>
+              <a:t>規模・エリア数パラメータ</a:t>
+            </a:r>
+            <a:endParaRPr lang="en-US" altLang="ja-JP" sz="1000" dirty="0" smtClean="0">
+              <a:solidFill>
+                <a:schemeClr val="tx1">
+                  <a:lumMod val="75000"/>
+                  <a:lumOff val="25000"/>
+                </a:schemeClr>
+              </a:solidFill>
+              <a:latin typeface="+mj-lt"/>
+              <a:ea typeface="Meiryo UI" panose="020B0604030504040204" pitchFamily="50" charset="-128"/>
+              <a:cs typeface="Meiryo UI" panose="020B0604030504040204" pitchFamily="50" charset="-128"/>
+            </a:endParaRPr>
+          </a:p>
+        </p:txBody>
+      </p:sp>
+      <p:sp>
+        <p:nvSpPr>
+          <p:cNvPr id="62" name="左大かっこ 61"/>
+          <p:cNvSpPr/>
+          <p:nvPr/>
+        </p:nvSpPr>
+        <p:spPr>
+          <a:xfrm flipH="1">
+            <a:off x="1752741" y="1988839"/>
+            <a:ext cx="45719" cy="1703885"/>
+          </a:xfrm>
+          <a:prstGeom prst="leftBracket">
+            <a:avLst/>
+          </a:prstGeom>
+          <a:solidFill>
+            <a:schemeClr val="bg1"/>
+          </a:solidFill>
+          <a:ln w="19050" cap="rnd">
+            <a:solidFill>
+              <a:schemeClr val="tx1">
+                <a:lumMod val="50000"/>
+                <a:lumOff val="50000"/>
+              </a:schemeClr>
+            </a:solidFill>
+            <a:prstDash val="sysDash"/>
+          </a:ln>
+        </p:spPr>
+        <p:style>
+          <a:lnRef idx="2">
+            <a:schemeClr val="accent1">
+              <a:shade val="50000"/>
+            </a:schemeClr>
+          </a:lnRef>
+          <a:fillRef idx="1">
+            <a:schemeClr val="accent1"/>
+          </a:fillRef>
+          <a:effectRef idx="0">
+            <a:schemeClr val="accent1"/>
+          </a:effectRef>
+          <a:fontRef idx="minor">
+            <a:schemeClr val="lt1"/>
+          </a:fontRef>
+        </p:style>
+        <p:txBody>
+          <a:bodyPr rtlCol="0" anchor="t"/>
+          <a:lstStyle/>
+          <a:p>
+            <a:pPr algn="ctr"/>
+            <a:endParaRPr lang="ja-JP" altLang="en-US" sz="1200">
+              <a:solidFill>
+                <a:schemeClr val="tx1">
+                  <a:lumMod val="75000"/>
+                  <a:lumOff val="25000"/>
+                </a:schemeClr>
+              </a:solidFill>
+              <a:latin typeface="+mj-lt"/>
+            </a:endParaRPr>
+          </a:p>
+        </p:txBody>
+      </p:sp>
+      <p:sp>
+        <p:nvSpPr>
+          <p:cNvPr id="77" name="フローチャート : 書類 76"/>
+          <p:cNvSpPr/>
+          <p:nvPr/>
+        </p:nvSpPr>
+        <p:spPr>
+          <a:xfrm>
+            <a:off x="3347864" y="1894620"/>
+            <a:ext cx="648072" cy="1160707"/>
+          </a:xfrm>
+          <a:prstGeom prst="flowChartDocument">
+            <a:avLst/>
+          </a:prstGeom>
+          <a:solidFill>
+            <a:schemeClr val="bg1"/>
+          </a:solidFill>
+          <a:ln w="19050">
+            <a:solidFill>
+              <a:schemeClr val="tx1">
+                <a:lumMod val="50000"/>
+                <a:lumOff val="50000"/>
+              </a:schemeClr>
+            </a:solidFill>
+          </a:ln>
+        </p:spPr>
+        <p:style>
+          <a:lnRef idx="2">
+            <a:schemeClr val="accent1">
+              <a:shade val="50000"/>
+            </a:schemeClr>
+          </a:lnRef>
+          <a:fillRef idx="1">
+            <a:schemeClr val="accent1"/>
+          </a:fillRef>
+          <a:effectRef idx="0">
+            <a:schemeClr val="accent1"/>
+          </a:effectRef>
+          <a:fontRef idx="minor">
+            <a:schemeClr val="lt1"/>
+          </a:fontRef>
+        </p:style>
+        <p:txBody>
+          <a:bodyPr rtlCol="0" anchor="ctr"/>
+          <a:lstStyle/>
+          <a:p>
+            <a:pPr algn="ctr"/>
+            <a:r>
+              <a:rPr lang="en-US" altLang="ja-JP" sz="1000" dirty="0">
+                <a:solidFill>
+                  <a:schemeClr val="tx1">
+                    <a:lumMod val="75000"/>
+                    <a:lumOff val="25000"/>
+                  </a:schemeClr>
+                </a:solidFill>
+                <a:latin typeface="+mj-lt"/>
+                <a:ea typeface="Meiryo UI" panose="020B0604030504040204" pitchFamily="50" charset="-128"/>
+                <a:cs typeface="Meiryo UI" panose="020B0604030504040204" pitchFamily="50" charset="-128"/>
+              </a:rPr>
+              <a:t>Basic</a:t>
+            </a:r>
+          </a:p>
+          <a:p>
+            <a:pPr algn="ctr"/>
+            <a:r>
+              <a:rPr lang="en-US" altLang="ja-JP" sz="1000" dirty="0" err="1">
+                <a:solidFill>
+                  <a:schemeClr val="tx1">
+                    <a:lumMod val="75000"/>
+                    <a:lumOff val="25000"/>
+                  </a:schemeClr>
+                </a:solidFill>
+                <a:latin typeface="+mj-lt"/>
+                <a:ea typeface="Meiryo UI" panose="020B0604030504040204" pitchFamily="50" charset="-128"/>
+                <a:cs typeface="Meiryo UI" panose="020B0604030504040204" pitchFamily="50" charset="-128"/>
+              </a:rPr>
+              <a:t>Config</a:t>
+            </a:r>
+            <a:r>
+              <a:rPr lang="en-US" altLang="ja-JP" sz="1000" dirty="0">
+                <a:solidFill>
+                  <a:schemeClr val="tx1">
+                    <a:lumMod val="75000"/>
+                    <a:lumOff val="25000"/>
+                  </a:schemeClr>
+                </a:solidFill>
+                <a:latin typeface="+mj-lt"/>
+                <a:ea typeface="Meiryo UI" panose="020B0604030504040204" pitchFamily="50" charset="-128"/>
+                <a:cs typeface="Meiryo UI" panose="020B0604030504040204" pitchFamily="50" charset="-128"/>
+              </a:rPr>
+              <a:t>.</a:t>
+            </a:r>
+          </a:p>
+          <a:p>
+            <a:pPr algn="ctr"/>
+            <a:r>
+              <a:rPr lang="en-US" altLang="ja-JP" sz="1000" dirty="0" smtClean="0">
+                <a:solidFill>
+                  <a:schemeClr val="tx1">
+                    <a:lumMod val="75000"/>
+                    <a:lumOff val="25000"/>
+                  </a:schemeClr>
+                </a:solidFill>
+                <a:latin typeface="+mj-lt"/>
+                <a:ea typeface="Meiryo UI" panose="020B0604030504040204" pitchFamily="50" charset="-128"/>
+                <a:cs typeface="Meiryo UI" panose="020B0604030504040204" pitchFamily="50" charset="-128"/>
+              </a:rPr>
+              <a:t>+</a:t>
+            </a:r>
+          </a:p>
+          <a:p>
+            <a:pPr algn="ctr"/>
+            <a:r>
+              <a:rPr lang="ja-JP" altLang="en-US" sz="1000" dirty="0" smtClean="0">
+                <a:solidFill>
+                  <a:schemeClr val="tx1">
+                    <a:lumMod val="75000"/>
+                    <a:lumOff val="25000"/>
+                  </a:schemeClr>
+                </a:solidFill>
+                <a:latin typeface="+mj-lt"/>
+                <a:ea typeface="Meiryo UI" panose="020B0604030504040204" pitchFamily="50" charset="-128"/>
+                <a:cs typeface="Meiryo UI" panose="020B0604030504040204" pitchFamily="50" charset="-128"/>
+              </a:rPr>
+              <a:t>規模・エリア数パラメータ</a:t>
+            </a:r>
+            <a:endParaRPr lang="ja-JP" altLang="en-US" sz="1000" dirty="0">
+              <a:solidFill>
+                <a:schemeClr val="tx1">
+                  <a:lumMod val="75000"/>
+                  <a:lumOff val="25000"/>
+                </a:schemeClr>
+              </a:solidFill>
+              <a:latin typeface="+mj-lt"/>
+              <a:ea typeface="Meiryo UI" panose="020B0604030504040204" pitchFamily="50" charset="-128"/>
+              <a:cs typeface="Meiryo UI" panose="020B0604030504040204" pitchFamily="50" charset="-128"/>
+            </a:endParaRPr>
+          </a:p>
+        </p:txBody>
+      </p:sp>
+      <p:sp>
+        <p:nvSpPr>
+          <p:cNvPr id="84" name="角丸四角形 83"/>
+          <p:cNvSpPr/>
+          <p:nvPr/>
+        </p:nvSpPr>
+        <p:spPr>
+          <a:xfrm>
+            <a:off x="6156176" y="5167997"/>
+            <a:ext cx="680446" cy="680446"/>
+          </a:xfrm>
+          <a:prstGeom prst="roundRect">
+            <a:avLst>
+              <a:gd name="adj" fmla="val 8097"/>
+            </a:avLst>
+          </a:prstGeom>
+          <a:solidFill>
+            <a:schemeClr val="bg1"/>
+          </a:solidFill>
+          <a:ln w="19050">
+            <a:solidFill>
+              <a:schemeClr val="tx1">
+                <a:lumMod val="50000"/>
+                <a:lumOff val="50000"/>
+              </a:schemeClr>
+            </a:solidFill>
+          </a:ln>
+        </p:spPr>
+        <p:style>
+          <a:lnRef idx="2">
+            <a:schemeClr val="accent1">
+              <a:shade val="50000"/>
+            </a:schemeClr>
+          </a:lnRef>
+          <a:fillRef idx="1">
+            <a:schemeClr val="accent1"/>
+          </a:fillRef>
+          <a:effectRef idx="0">
+            <a:schemeClr val="accent1"/>
+          </a:effectRef>
+          <a:fontRef idx="minor">
+            <a:schemeClr val="lt1"/>
+          </a:fontRef>
+        </p:style>
+        <p:txBody>
+          <a:bodyPr rtlCol="0" anchor="ctr"/>
+          <a:lstStyle/>
+          <a:p>
+            <a:pPr algn="ctr"/>
+            <a:r>
+              <a:rPr lang="en-US" altLang="ja-JP" sz="1200" dirty="0" smtClean="0">
+                <a:solidFill>
+                  <a:schemeClr val="tx1">
+                    <a:lumMod val="75000"/>
+                    <a:lumOff val="25000"/>
+                  </a:schemeClr>
+                </a:solidFill>
+                <a:latin typeface="+mj-lt"/>
+              </a:rPr>
+              <a:t>Shell</a:t>
+            </a:r>
+            <a:endParaRPr lang="ja-JP" altLang="en-US" sz="1200" dirty="0">
+              <a:solidFill>
+                <a:schemeClr val="tx1">
+                  <a:lumMod val="75000"/>
+                  <a:lumOff val="25000"/>
+                </a:schemeClr>
+              </a:solidFill>
+              <a:latin typeface="+mj-lt"/>
+            </a:endParaRPr>
+          </a:p>
+        </p:txBody>
+      </p:sp>
+      <p:cxnSp>
+        <p:nvCxnSpPr>
+          <p:cNvPr id="85" name="直線矢印コネクタ 84"/>
+          <p:cNvCxnSpPr>
+            <a:stCxn id="27" idx="2"/>
+            <a:endCxn id="84" idx="1"/>
+          </p:cNvCxnSpPr>
+          <p:nvPr/>
+        </p:nvCxnSpPr>
+        <p:spPr>
+          <a:xfrm rot="16200000" flipH="1">
+            <a:off x="5267951" y="4619995"/>
+            <a:ext cx="1504604" cy="271845"/>
+          </a:xfrm>
+          <a:prstGeom prst="bentConnector2">
+            <a:avLst/>
+          </a:prstGeom>
+          <a:ln w="12700">
+            <a:solidFill>
+              <a:schemeClr val="tx1">
+                <a:lumMod val="50000"/>
+                <a:lumOff val="50000"/>
+              </a:schemeClr>
+            </a:solidFill>
+            <a:tailEnd type="arrow"/>
+          </a:ln>
+        </p:spPr>
+        <p:style>
+          <a:lnRef idx="1">
+            <a:schemeClr val="accent1"/>
+          </a:lnRef>
+          <a:fillRef idx="0">
+            <a:schemeClr val="accent1"/>
+          </a:fillRef>
+          <a:effectRef idx="0">
+            <a:schemeClr val="accent1"/>
+          </a:effectRef>
+          <a:fontRef idx="minor">
+            <a:schemeClr val="tx1"/>
+          </a:fontRef>
+        </p:style>
+      </p:cxnSp>
+      <p:sp>
+        <p:nvSpPr>
+          <p:cNvPr id="90" name="フローチャート : 書類 89"/>
+          <p:cNvSpPr/>
+          <p:nvPr/>
+        </p:nvSpPr>
+        <p:spPr>
+          <a:xfrm>
+            <a:off x="6908194" y="2498880"/>
+            <a:ext cx="648072" cy="773714"/>
+          </a:xfrm>
+          <a:prstGeom prst="flowChartDocument">
+            <a:avLst/>
+          </a:prstGeom>
+          <a:solidFill>
+            <a:schemeClr val="bg1"/>
+          </a:solidFill>
+          <a:ln w="19050">
+            <a:solidFill>
+              <a:schemeClr val="tx1">
+                <a:lumMod val="50000"/>
+                <a:lumOff val="50000"/>
+              </a:schemeClr>
+            </a:solidFill>
+          </a:ln>
+        </p:spPr>
+        <p:style>
+          <a:lnRef idx="2">
+            <a:schemeClr val="accent1">
+              <a:shade val="50000"/>
+            </a:schemeClr>
+          </a:lnRef>
+          <a:fillRef idx="1">
+            <a:schemeClr val="accent1"/>
+          </a:fillRef>
+          <a:effectRef idx="0">
+            <a:schemeClr val="accent1"/>
+          </a:effectRef>
+          <a:fontRef idx="minor">
+            <a:schemeClr val="lt1"/>
+          </a:fontRef>
+        </p:style>
+        <p:txBody>
+          <a:bodyPr rtlCol="0" anchor="ctr"/>
+          <a:lstStyle/>
+          <a:p>
+            <a:pPr algn="ctr"/>
+            <a:r>
+              <a:rPr lang="en-US" altLang="ja-JP" sz="1000" dirty="0">
+                <a:solidFill>
+                  <a:schemeClr val="tx1">
+                    <a:lumMod val="75000"/>
+                    <a:lumOff val="25000"/>
+                  </a:schemeClr>
+                </a:solidFill>
+                <a:latin typeface="+mj-lt"/>
+                <a:ea typeface="Meiryo UI" panose="020B0604030504040204" pitchFamily="50" charset="-128"/>
+                <a:cs typeface="Meiryo UI" panose="020B0604030504040204" pitchFamily="50" charset="-128"/>
+              </a:rPr>
+              <a:t>Basic</a:t>
+            </a:r>
+          </a:p>
+          <a:p>
+            <a:pPr algn="ctr"/>
+            <a:r>
+              <a:rPr lang="en-US" altLang="ja-JP" sz="1000" dirty="0" err="1">
+                <a:solidFill>
+                  <a:schemeClr val="tx1">
+                    <a:lumMod val="75000"/>
+                    <a:lumOff val="25000"/>
+                  </a:schemeClr>
+                </a:solidFill>
+                <a:latin typeface="+mj-lt"/>
+                <a:ea typeface="Meiryo UI" panose="020B0604030504040204" pitchFamily="50" charset="-128"/>
+                <a:cs typeface="Meiryo UI" panose="020B0604030504040204" pitchFamily="50" charset="-128"/>
+              </a:rPr>
+              <a:t>Config</a:t>
+            </a:r>
+            <a:r>
+              <a:rPr lang="en-US" altLang="ja-JP" sz="1000" dirty="0">
+                <a:solidFill>
+                  <a:schemeClr val="tx1">
+                    <a:lumMod val="75000"/>
+                    <a:lumOff val="25000"/>
+                  </a:schemeClr>
+                </a:solidFill>
+                <a:latin typeface="+mj-lt"/>
+                <a:ea typeface="Meiryo UI" panose="020B0604030504040204" pitchFamily="50" charset="-128"/>
+                <a:cs typeface="Meiryo UI" panose="020B0604030504040204" pitchFamily="50" charset="-128"/>
+              </a:rPr>
+              <a:t>.</a:t>
+            </a:r>
+          </a:p>
+          <a:p>
+            <a:pPr algn="ctr"/>
+            <a:r>
+              <a:rPr lang="en-US" altLang="ja-JP" sz="1000" dirty="0">
+                <a:solidFill>
+                  <a:schemeClr val="tx1">
+                    <a:lumMod val="75000"/>
+                    <a:lumOff val="25000"/>
+                  </a:schemeClr>
+                </a:solidFill>
+                <a:latin typeface="+mj-lt"/>
+                <a:ea typeface="Meiryo UI" panose="020B0604030504040204" pitchFamily="50" charset="-128"/>
+                <a:cs typeface="Meiryo UI" panose="020B0604030504040204" pitchFamily="50" charset="-128"/>
+              </a:rPr>
+              <a:t>File</a:t>
+            </a:r>
+            <a:endParaRPr lang="ja-JP" altLang="en-US" sz="1000" dirty="0">
+              <a:solidFill>
+                <a:schemeClr val="tx1">
+                  <a:lumMod val="75000"/>
+                  <a:lumOff val="25000"/>
+                </a:schemeClr>
+              </a:solidFill>
+              <a:latin typeface="+mj-lt"/>
+              <a:ea typeface="Meiryo UI" panose="020B0604030504040204" pitchFamily="50" charset="-128"/>
+              <a:cs typeface="Meiryo UI" panose="020B0604030504040204" pitchFamily="50" charset="-128"/>
+            </a:endParaRPr>
+          </a:p>
+        </p:txBody>
+      </p:sp>
+      <p:cxnSp>
+        <p:nvCxnSpPr>
+          <p:cNvPr id="92" name="直線矢印コネクタ 91"/>
+          <p:cNvCxnSpPr>
+            <a:stCxn id="27" idx="3"/>
+            <a:endCxn id="90" idx="1"/>
+          </p:cNvCxnSpPr>
+          <p:nvPr/>
+        </p:nvCxnSpPr>
+        <p:spPr>
+          <a:xfrm flipV="1">
+            <a:off x="6224554" y="2885737"/>
+            <a:ext cx="683640" cy="415245"/>
+          </a:xfrm>
+          <a:prstGeom prst="straightConnector1">
+            <a:avLst/>
+          </a:prstGeom>
+          <a:ln w="12700">
+            <a:solidFill>
+              <a:schemeClr val="tx1">
+                <a:lumMod val="50000"/>
+                <a:lumOff val="50000"/>
+              </a:schemeClr>
+            </a:solidFill>
+            <a:tailEnd type="arrow"/>
+          </a:ln>
+        </p:spPr>
+        <p:style>
+          <a:lnRef idx="1">
+            <a:schemeClr val="accent1"/>
+          </a:lnRef>
+          <a:fillRef idx="0">
+            <a:schemeClr val="accent1"/>
+          </a:fillRef>
+          <a:effectRef idx="0">
+            <a:schemeClr val="accent1"/>
+          </a:effectRef>
+          <a:fontRef idx="minor">
+            <a:schemeClr val="tx1"/>
+          </a:fontRef>
+        </p:style>
+      </p:cxnSp>
+      <p:sp>
+        <p:nvSpPr>
+          <p:cNvPr id="82" name="テキスト ボックス 81"/>
+          <p:cNvSpPr txBox="1"/>
+          <p:nvPr/>
+        </p:nvSpPr>
+        <p:spPr>
+          <a:xfrm>
+            <a:off x="6329832" y="2829721"/>
+            <a:ext cx="441146" cy="246221"/>
+          </a:xfrm>
+          <a:prstGeom prst="rect">
+            <a:avLst/>
+          </a:prstGeom>
+          <a:noFill/>
+        </p:spPr>
+        <p:txBody>
+          <a:bodyPr wrap="none" rtlCol="0">
+            <a:spAutoFit/>
+          </a:bodyPr>
+          <a:lstStyle/>
+          <a:p>
+            <a:r>
+              <a:rPr lang="ja-JP" altLang="en-US" sz="1000" dirty="0">
+                <a:latin typeface="+mj-lt"/>
+                <a:ea typeface="Meiryo UI" panose="020B0604030504040204" pitchFamily="50" charset="-128"/>
+                <a:cs typeface="Meiryo UI" panose="020B0604030504040204" pitchFamily="50" charset="-128"/>
+              </a:rPr>
+              <a:t>生成</a:t>
+            </a:r>
+            <a:endParaRPr kumimoji="1" lang="ja-JP" altLang="en-US" sz="1000" dirty="0">
+              <a:latin typeface="+mj-lt"/>
+              <a:ea typeface="Meiryo UI" panose="020B0604030504040204" pitchFamily="50" charset="-128"/>
+              <a:cs typeface="Meiryo UI" panose="020B0604030504040204" pitchFamily="50" charset="-128"/>
+            </a:endParaRPr>
+          </a:p>
+        </p:txBody>
+      </p:sp>
+      <p:sp>
+        <p:nvSpPr>
+          <p:cNvPr id="99" name="テキスト ボックス 98"/>
+          <p:cNvSpPr txBox="1"/>
+          <p:nvPr/>
+        </p:nvSpPr>
+        <p:spPr>
+          <a:xfrm>
+            <a:off x="5515438" y="4348476"/>
+            <a:ext cx="1032655" cy="707886"/>
+          </a:xfrm>
+          <a:prstGeom prst="rect">
+            <a:avLst/>
+          </a:prstGeom>
+          <a:solidFill>
+            <a:schemeClr val="bg1">
+              <a:alpha val="60000"/>
+            </a:schemeClr>
+          </a:solidFill>
+        </p:spPr>
+        <p:txBody>
+          <a:bodyPr wrap="none" rtlCol="0">
+            <a:spAutoFit/>
+          </a:bodyPr>
+          <a:lstStyle/>
+          <a:p>
+            <a:r>
+              <a:rPr lang="ja-JP" altLang="en-US" sz="1000" dirty="0" smtClean="0">
+                <a:latin typeface="+mj-lt"/>
+                <a:ea typeface="Meiryo UI" panose="020B0604030504040204" pitchFamily="50" charset="-128"/>
+                <a:cs typeface="Meiryo UI" panose="020B0604030504040204" pitchFamily="50" charset="-128"/>
+              </a:rPr>
+              <a:t>シミュレータ起動</a:t>
+            </a:r>
+            <a:endParaRPr lang="en-US" altLang="ja-JP" sz="1000" dirty="0" smtClean="0">
+              <a:latin typeface="+mj-lt"/>
+              <a:ea typeface="Meiryo UI" panose="020B0604030504040204" pitchFamily="50" charset="-128"/>
+              <a:cs typeface="Meiryo UI" panose="020B0604030504040204" pitchFamily="50" charset="-128"/>
+            </a:endParaRPr>
+          </a:p>
+          <a:p>
+            <a:r>
+              <a:rPr kumimoji="1" lang="en-US" altLang="ja-JP" sz="1000" dirty="0" smtClean="0">
+                <a:latin typeface="+mj-lt"/>
+                <a:ea typeface="Meiryo UI" panose="020B0604030504040204" pitchFamily="50" charset="-128"/>
+                <a:cs typeface="Meiryo UI" panose="020B0604030504040204" pitchFamily="50" charset="-128"/>
+              </a:rPr>
+              <a:t>Shell command</a:t>
+            </a:r>
+          </a:p>
+          <a:p>
+            <a:r>
+              <a:rPr lang="en-US" altLang="ja-JP" sz="1000" dirty="0" smtClean="0">
+                <a:latin typeface="+mj-lt"/>
+                <a:ea typeface="Meiryo UI" panose="020B0604030504040204" pitchFamily="50" charset="-128"/>
+                <a:cs typeface="Meiryo UI" panose="020B0604030504040204" pitchFamily="50" charset="-128"/>
+              </a:rPr>
+              <a:t>With </a:t>
+            </a:r>
+            <a:r>
+              <a:rPr lang="ja-JP" altLang="en-US" sz="1000" dirty="0" smtClean="0">
+                <a:latin typeface="+mj-lt"/>
+                <a:ea typeface="Meiryo UI" panose="020B0604030504040204" pitchFamily="50" charset="-128"/>
+                <a:cs typeface="Meiryo UI" panose="020B0604030504040204" pitchFamily="50" charset="-128"/>
+              </a:rPr>
+              <a:t>参照すべき</a:t>
+            </a:r>
+            <a:endParaRPr lang="en-US" altLang="ja-JP" sz="1000" dirty="0" smtClean="0">
+              <a:latin typeface="+mj-lt"/>
+              <a:ea typeface="Meiryo UI" panose="020B0604030504040204" pitchFamily="50" charset="-128"/>
+              <a:cs typeface="Meiryo UI" panose="020B0604030504040204" pitchFamily="50" charset="-128"/>
+            </a:endParaRPr>
+          </a:p>
+          <a:p>
+            <a:r>
+              <a:rPr lang="ja-JP" altLang="en-US" sz="1000" dirty="0" smtClean="0">
+                <a:latin typeface="+mj-lt"/>
+                <a:ea typeface="Meiryo UI" panose="020B0604030504040204" pitchFamily="50" charset="-128"/>
+                <a:cs typeface="Meiryo UI" panose="020B0604030504040204" pitchFamily="50" charset="-128"/>
+              </a:rPr>
+              <a:t>ファイル名</a:t>
+            </a:r>
+            <a:endParaRPr kumimoji="1" lang="ja-JP" altLang="en-US" sz="1000" dirty="0">
+              <a:latin typeface="+mj-lt"/>
+              <a:ea typeface="Meiryo UI" panose="020B0604030504040204" pitchFamily="50" charset="-128"/>
+              <a:cs typeface="Meiryo UI" panose="020B0604030504040204" pitchFamily="50" charset="-128"/>
+            </a:endParaRPr>
+          </a:p>
+        </p:txBody>
+      </p:sp>
+      <p:cxnSp>
+        <p:nvCxnSpPr>
+          <p:cNvPr id="101" name="直線矢印コネクタ 100"/>
+          <p:cNvCxnSpPr>
+            <a:stCxn id="84" idx="3"/>
+            <a:endCxn id="49" idx="2"/>
+          </p:cNvCxnSpPr>
+          <p:nvPr/>
+        </p:nvCxnSpPr>
+        <p:spPr>
+          <a:xfrm flipV="1">
+            <a:off x="6836622" y="4397901"/>
+            <a:ext cx="235841" cy="1110319"/>
+          </a:xfrm>
+          <a:prstGeom prst="bentConnector2">
+            <a:avLst/>
+          </a:prstGeom>
+          <a:ln w="12700">
+            <a:solidFill>
+              <a:schemeClr val="tx1">
+                <a:lumMod val="50000"/>
+                <a:lumOff val="50000"/>
+              </a:schemeClr>
+            </a:solidFill>
+            <a:tailEnd type="arrow"/>
+          </a:ln>
+        </p:spPr>
+        <p:style>
+          <a:lnRef idx="1">
+            <a:schemeClr val="accent1"/>
+          </a:lnRef>
+          <a:fillRef idx="0">
+            <a:schemeClr val="accent1"/>
+          </a:fillRef>
+          <a:effectRef idx="0">
+            <a:schemeClr val="accent1"/>
+          </a:effectRef>
+          <a:fontRef idx="minor">
+            <a:schemeClr val="tx1"/>
+          </a:fontRef>
+        </p:style>
+      </p:cxnSp>
+      <p:sp>
+        <p:nvSpPr>
+          <p:cNvPr id="107" name="左大かっこ 106"/>
+          <p:cNvSpPr/>
+          <p:nvPr/>
+        </p:nvSpPr>
+        <p:spPr>
+          <a:xfrm>
+            <a:off x="7956376" y="3659339"/>
+            <a:ext cx="45719" cy="2145925"/>
+          </a:xfrm>
+          <a:prstGeom prst="leftBracket">
+            <a:avLst/>
+          </a:prstGeom>
+          <a:solidFill>
+            <a:schemeClr val="bg1"/>
+          </a:solidFill>
+          <a:ln w="19050" cap="rnd">
+            <a:solidFill>
+              <a:schemeClr val="tx1">
+                <a:lumMod val="50000"/>
+                <a:lumOff val="50000"/>
+              </a:schemeClr>
+            </a:solidFill>
+            <a:prstDash val="sysDash"/>
+          </a:ln>
+        </p:spPr>
+        <p:style>
+          <a:lnRef idx="2">
+            <a:schemeClr val="accent1">
+              <a:shade val="50000"/>
+            </a:schemeClr>
+          </a:lnRef>
+          <a:fillRef idx="1">
+            <a:schemeClr val="accent1"/>
+          </a:fillRef>
+          <a:effectRef idx="0">
+            <a:schemeClr val="accent1"/>
+          </a:effectRef>
+          <a:fontRef idx="minor">
+            <a:schemeClr val="lt1"/>
+          </a:fontRef>
+        </p:style>
+        <p:txBody>
+          <a:bodyPr rtlCol="0" anchor="t"/>
+          <a:lstStyle/>
+          <a:p>
+            <a:pPr algn="ctr"/>
+            <a:endParaRPr lang="ja-JP" altLang="en-US" sz="1200">
+              <a:solidFill>
+                <a:schemeClr val="tx1">
+                  <a:lumMod val="75000"/>
+                  <a:lumOff val="25000"/>
+                </a:schemeClr>
+              </a:solidFill>
+              <a:latin typeface="+mj-lt"/>
+            </a:endParaRPr>
+          </a:p>
+        </p:txBody>
+      </p:sp>
+      <p:cxnSp>
+        <p:nvCxnSpPr>
+          <p:cNvPr id="108" name="直線矢印コネクタ 107"/>
+          <p:cNvCxnSpPr>
+            <a:stCxn id="107" idx="1"/>
+            <a:endCxn id="49" idx="3"/>
+          </p:cNvCxnSpPr>
+          <p:nvPr/>
+        </p:nvCxnSpPr>
+        <p:spPr>
+          <a:xfrm rot="10800000">
+            <a:off x="7412686" y="4057678"/>
+            <a:ext cx="543690" cy="674624"/>
+          </a:xfrm>
+          <a:prstGeom prst="bentConnector3">
+            <a:avLst>
+              <a:gd name="adj1" fmla="val 50000"/>
+            </a:avLst>
+          </a:prstGeom>
+          <a:ln w="12700" cap="rnd">
+            <a:solidFill>
+              <a:schemeClr val="tx1">
+                <a:lumMod val="50000"/>
+                <a:lumOff val="50000"/>
+              </a:schemeClr>
+            </a:solidFill>
+            <a:prstDash val="sysDot"/>
+            <a:tailEnd type="arrow"/>
+          </a:ln>
+        </p:spPr>
+        <p:style>
+          <a:lnRef idx="1">
+            <a:schemeClr val="accent1"/>
+          </a:lnRef>
+          <a:fillRef idx="0">
+            <a:schemeClr val="accent1"/>
+          </a:fillRef>
+          <a:effectRef idx="0">
+            <a:schemeClr val="accent1"/>
+          </a:effectRef>
+          <a:fontRef idx="minor">
+            <a:schemeClr val="tx1"/>
+          </a:fontRef>
+        </p:style>
+      </p:cxnSp>
+      <p:sp>
+        <p:nvSpPr>
+          <p:cNvPr id="111" name="テキスト ボックス 110"/>
+          <p:cNvSpPr txBox="1"/>
+          <p:nvPr/>
+        </p:nvSpPr>
+        <p:spPr>
+          <a:xfrm rot="16200000">
+            <a:off x="7227971" y="5146972"/>
+            <a:ext cx="1056700" cy="400110"/>
+          </a:xfrm>
+          <a:prstGeom prst="rect">
+            <a:avLst/>
+          </a:prstGeom>
+          <a:noFill/>
+        </p:spPr>
+        <p:txBody>
+          <a:bodyPr wrap="none" rtlCol="0">
+            <a:spAutoFit/>
+          </a:bodyPr>
+          <a:lstStyle/>
+          <a:p>
+            <a:r>
+              <a:rPr lang="ja-JP" altLang="en-US" sz="1000" dirty="0" smtClean="0">
+                <a:latin typeface="+mj-lt"/>
+                <a:ea typeface="Meiryo UI" panose="020B0604030504040204" pitchFamily="50" charset="-128"/>
+                <a:cs typeface="Meiryo UI" panose="020B0604030504040204" pitchFamily="50" charset="-128"/>
+              </a:rPr>
+              <a:t>規模・エリア数</a:t>
+            </a:r>
+            <a:endParaRPr lang="en-US" altLang="ja-JP" sz="1000" dirty="0" smtClean="0">
+              <a:latin typeface="+mj-lt"/>
+              <a:ea typeface="Meiryo UI" panose="020B0604030504040204" pitchFamily="50" charset="-128"/>
+              <a:cs typeface="Meiryo UI" panose="020B0604030504040204" pitchFamily="50" charset="-128"/>
+            </a:endParaRPr>
+          </a:p>
+          <a:p>
+            <a:r>
+              <a:rPr lang="ja-JP" altLang="en-US" sz="1000" dirty="0" smtClean="0">
+                <a:latin typeface="+mj-lt"/>
+                <a:ea typeface="Meiryo UI" panose="020B0604030504040204" pitchFamily="50" charset="-128"/>
+                <a:cs typeface="Meiryo UI" panose="020B0604030504040204" pitchFamily="50" charset="-128"/>
+              </a:rPr>
+              <a:t>設定ファイル参照</a:t>
+            </a:r>
+            <a:endParaRPr kumimoji="1" lang="ja-JP" altLang="en-US" sz="1000" dirty="0">
+              <a:latin typeface="+mj-lt"/>
+              <a:ea typeface="Meiryo UI" panose="020B0604030504040204" pitchFamily="50" charset="-128"/>
+              <a:cs typeface="Meiryo UI" panose="020B0604030504040204" pitchFamily="50" charset="-128"/>
+            </a:endParaRPr>
+          </a:p>
+        </p:txBody>
+      </p:sp>
+      <p:cxnSp>
+        <p:nvCxnSpPr>
+          <p:cNvPr id="113" name="直線矢印コネクタ 107"/>
+          <p:cNvCxnSpPr>
+            <a:stCxn id="90" idx="2"/>
+            <a:endCxn id="49" idx="0"/>
+          </p:cNvCxnSpPr>
+          <p:nvPr/>
+        </p:nvCxnSpPr>
+        <p:spPr>
+          <a:xfrm rot="5400000">
+            <a:off x="6904341" y="3389566"/>
+            <a:ext cx="496012" cy="159767"/>
+          </a:xfrm>
+          <a:prstGeom prst="bentConnector3">
+            <a:avLst>
+              <a:gd name="adj1" fmla="val 50000"/>
+            </a:avLst>
+          </a:prstGeom>
+          <a:ln w="12700" cap="rnd">
+            <a:solidFill>
+              <a:schemeClr val="tx1">
+                <a:lumMod val="50000"/>
+                <a:lumOff val="50000"/>
+              </a:schemeClr>
+            </a:solidFill>
+            <a:prstDash val="sysDot"/>
+            <a:tailEnd type="arrow"/>
+          </a:ln>
+        </p:spPr>
+        <p:style>
+          <a:lnRef idx="1">
+            <a:schemeClr val="accent1"/>
+          </a:lnRef>
+          <a:fillRef idx="0">
+            <a:schemeClr val="accent1"/>
+          </a:fillRef>
+          <a:effectRef idx="0">
+            <a:schemeClr val="accent1"/>
+          </a:effectRef>
+          <a:fontRef idx="minor">
+            <a:schemeClr val="tx1"/>
+          </a:fontRef>
+        </p:style>
+      </p:cxnSp>
+      <p:sp>
+        <p:nvSpPr>
+          <p:cNvPr id="116" name="テキスト ボックス 115"/>
+          <p:cNvSpPr txBox="1"/>
+          <p:nvPr/>
+        </p:nvSpPr>
+        <p:spPr>
+          <a:xfrm>
+            <a:off x="6818864" y="3240586"/>
+            <a:ext cx="441146" cy="246221"/>
+          </a:xfrm>
+          <a:prstGeom prst="rect">
+            <a:avLst/>
+          </a:prstGeom>
+          <a:noFill/>
+        </p:spPr>
+        <p:txBody>
+          <a:bodyPr wrap="none" rtlCol="0">
+            <a:spAutoFit/>
+          </a:bodyPr>
+          <a:lstStyle/>
+          <a:p>
+            <a:r>
+              <a:rPr kumimoji="1" lang="ja-JP" altLang="en-US" sz="1000" dirty="0" smtClean="0">
+                <a:latin typeface="+mj-lt"/>
+                <a:ea typeface="Meiryo UI" panose="020B0604030504040204" pitchFamily="50" charset="-128"/>
+                <a:cs typeface="Meiryo UI" panose="020B0604030504040204" pitchFamily="50" charset="-128"/>
+              </a:rPr>
+              <a:t>参照</a:t>
+            </a:r>
+            <a:endParaRPr kumimoji="1" lang="ja-JP" altLang="en-US" sz="1000" dirty="0">
+              <a:latin typeface="+mj-lt"/>
+              <a:ea typeface="Meiryo UI" panose="020B0604030504040204" pitchFamily="50" charset="-128"/>
+              <a:cs typeface="Meiryo UI" panose="020B0604030504040204" pitchFamily="50" charset="-128"/>
+            </a:endParaRPr>
+          </a:p>
+        </p:txBody>
+      </p:sp>
+      <p:cxnSp>
+        <p:nvCxnSpPr>
+          <p:cNvPr id="119" name="直線矢印コネクタ 118"/>
+          <p:cNvCxnSpPr>
+            <a:endCxn id="51" idx="2"/>
+          </p:cNvCxnSpPr>
+          <p:nvPr/>
+        </p:nvCxnSpPr>
+        <p:spPr>
+          <a:xfrm flipV="1">
+            <a:off x="7432502" y="2946576"/>
+            <a:ext cx="595882" cy="853239"/>
+          </a:xfrm>
+          <a:prstGeom prst="straightConnector1">
+            <a:avLst/>
+          </a:prstGeom>
+          <a:ln w="12700">
+            <a:solidFill>
+              <a:schemeClr val="tx1">
+                <a:lumMod val="50000"/>
+                <a:lumOff val="50000"/>
+              </a:schemeClr>
+            </a:solidFill>
+            <a:tailEnd type="arrow"/>
+          </a:ln>
+        </p:spPr>
+        <p:style>
+          <a:lnRef idx="1">
+            <a:schemeClr val="accent1"/>
+          </a:lnRef>
+          <a:fillRef idx="0">
+            <a:schemeClr val="accent1"/>
+          </a:fillRef>
+          <a:effectRef idx="0">
+            <a:schemeClr val="accent1"/>
+          </a:effectRef>
+          <a:fontRef idx="minor">
+            <a:schemeClr val="tx1"/>
+          </a:fontRef>
+        </p:style>
+      </p:cxnSp>
+      <p:sp>
+        <p:nvSpPr>
+          <p:cNvPr id="121" name="テキスト ボックス 120"/>
+          <p:cNvSpPr txBox="1"/>
+          <p:nvPr/>
+        </p:nvSpPr>
+        <p:spPr>
+          <a:xfrm>
+            <a:off x="7433597" y="3296657"/>
+            <a:ext cx="915635" cy="400110"/>
+          </a:xfrm>
+          <a:prstGeom prst="rect">
+            <a:avLst/>
+          </a:prstGeom>
+          <a:solidFill>
+            <a:schemeClr val="bg1">
+              <a:alpha val="60000"/>
+            </a:schemeClr>
+          </a:solidFill>
+        </p:spPr>
+        <p:txBody>
+          <a:bodyPr wrap="none" rtlCol="0">
+            <a:spAutoFit/>
+          </a:bodyPr>
+          <a:lstStyle>
+            <a:defPPr>
+              <a:defRPr lang="ja-JP"/>
+            </a:defPPr>
+            <a:lvl1pPr>
+              <a:defRPr sz="1000">
+                <a:latin typeface="+mj-lt"/>
+                <a:ea typeface="Meiryo UI" panose="020B0604030504040204" pitchFamily="50" charset="-128"/>
+                <a:cs typeface="Meiryo UI" panose="020B0604030504040204" pitchFamily="50" charset="-128"/>
+              </a:defRPr>
+            </a:lvl1pPr>
+          </a:lstStyle>
+          <a:p>
+            <a:r>
+              <a:rPr lang="ja-JP" altLang="en-US" dirty="0"/>
+              <a:t>シミュレーション</a:t>
+            </a:r>
+            <a:endParaRPr lang="en-US" altLang="ja-JP" dirty="0" smtClean="0"/>
+          </a:p>
+          <a:p>
+            <a:r>
+              <a:rPr lang="ja-JP" altLang="en-US" dirty="0" smtClean="0"/>
+              <a:t>結果</a:t>
+            </a:r>
+            <a:r>
+              <a:rPr lang="ja-JP" altLang="en-US" dirty="0"/>
+              <a:t>の格納</a:t>
+            </a:r>
+          </a:p>
+        </p:txBody>
+      </p:sp>
+      <p:sp>
+        <p:nvSpPr>
+          <p:cNvPr id="130" name="テキスト ボックス 129"/>
+          <p:cNvSpPr txBox="1"/>
+          <p:nvPr/>
+        </p:nvSpPr>
+        <p:spPr>
+          <a:xfrm>
+            <a:off x="3314796" y="4381688"/>
+            <a:ext cx="760914" cy="276999"/>
+          </a:xfrm>
+          <a:prstGeom prst="rect">
+            <a:avLst/>
+          </a:prstGeom>
+          <a:noFill/>
+        </p:spPr>
+        <p:txBody>
+          <a:bodyPr wrap="none" rtlCol="0">
+            <a:spAutoFit/>
+          </a:bodyPr>
+          <a:lstStyle/>
+          <a:p>
+            <a:r>
+              <a:rPr kumimoji="1" lang="en-US" altLang="ja-JP" sz="1200" dirty="0" smtClean="0">
+                <a:latin typeface="+mj-lt"/>
+                <a:ea typeface="Meiryo UI" panose="020B0604030504040204" pitchFamily="50" charset="-128"/>
+                <a:cs typeface="Meiryo UI" panose="020B0604030504040204" pitchFamily="50" charset="-128"/>
+              </a:rPr>
+              <a:t>Task</a:t>
+            </a:r>
+            <a:r>
+              <a:rPr kumimoji="1" lang="ja-JP" altLang="en-US" sz="1200" dirty="0" smtClean="0">
+                <a:latin typeface="+mj-lt"/>
+                <a:ea typeface="Meiryo UI" panose="020B0604030504040204" pitchFamily="50" charset="-128"/>
+                <a:cs typeface="Meiryo UI" panose="020B0604030504040204" pitchFamily="50" charset="-128"/>
+              </a:rPr>
+              <a:t>状態</a:t>
+            </a:r>
+            <a:endParaRPr kumimoji="1" lang="ja-JP" altLang="en-US" sz="1200" dirty="0">
+              <a:latin typeface="+mj-lt"/>
+              <a:ea typeface="Meiryo UI" panose="020B0604030504040204" pitchFamily="50" charset="-128"/>
+              <a:cs typeface="Meiryo UI" panose="020B0604030504040204" pitchFamily="50" charset="-128"/>
+            </a:endParaRPr>
+          </a:p>
+        </p:txBody>
+      </p:sp>
+      <p:sp>
+        <p:nvSpPr>
+          <p:cNvPr id="131" name="テキスト ボックス 130"/>
+          <p:cNvSpPr txBox="1"/>
+          <p:nvPr/>
+        </p:nvSpPr>
+        <p:spPr>
+          <a:xfrm>
+            <a:off x="738196" y="4425420"/>
+            <a:ext cx="760914" cy="276999"/>
+          </a:xfrm>
+          <a:prstGeom prst="rect">
+            <a:avLst/>
+          </a:prstGeom>
+          <a:noFill/>
+        </p:spPr>
+        <p:txBody>
+          <a:bodyPr wrap="none" rtlCol="0">
+            <a:spAutoFit/>
+          </a:bodyPr>
+          <a:lstStyle/>
+          <a:p>
+            <a:r>
+              <a:rPr kumimoji="1" lang="en-US" altLang="ja-JP" sz="1200" dirty="0" smtClean="0">
+                <a:latin typeface="+mj-lt"/>
+                <a:ea typeface="Meiryo UI" panose="020B0604030504040204" pitchFamily="50" charset="-128"/>
+                <a:cs typeface="Meiryo UI" panose="020B0604030504040204" pitchFamily="50" charset="-128"/>
+              </a:rPr>
+              <a:t>Task</a:t>
+            </a:r>
+            <a:r>
+              <a:rPr kumimoji="1" lang="ja-JP" altLang="en-US" sz="1200" dirty="0" smtClean="0">
+                <a:latin typeface="+mj-lt"/>
+                <a:ea typeface="Meiryo UI" panose="020B0604030504040204" pitchFamily="50" charset="-128"/>
+                <a:cs typeface="Meiryo UI" panose="020B0604030504040204" pitchFamily="50" charset="-128"/>
+              </a:rPr>
+              <a:t>状態</a:t>
+            </a:r>
+            <a:endParaRPr kumimoji="1" lang="ja-JP" altLang="en-US" sz="1200" dirty="0">
+              <a:latin typeface="+mj-lt"/>
+              <a:ea typeface="Meiryo UI" panose="020B0604030504040204" pitchFamily="50" charset="-128"/>
+              <a:cs typeface="Meiryo UI" panose="020B0604030504040204" pitchFamily="50" charset="-128"/>
+            </a:endParaRPr>
+          </a:p>
+        </p:txBody>
+      </p:sp>
+      <p:sp>
+        <p:nvSpPr>
+          <p:cNvPr id="138" name="角丸四角形 137"/>
+          <p:cNvSpPr/>
+          <p:nvPr/>
+        </p:nvSpPr>
+        <p:spPr>
+          <a:xfrm>
+            <a:off x="2231436" y="4975606"/>
+            <a:ext cx="792392" cy="1014741"/>
+          </a:xfrm>
+          <a:prstGeom prst="roundRect">
+            <a:avLst>
+              <a:gd name="adj" fmla="val 5759"/>
+            </a:avLst>
+          </a:prstGeom>
+          <a:solidFill>
+            <a:schemeClr val="bg1"/>
+          </a:solidFill>
+          <a:ln w="19050">
+            <a:solidFill>
+              <a:schemeClr val="tx1">
+                <a:lumMod val="50000"/>
+                <a:lumOff val="50000"/>
+              </a:schemeClr>
+            </a:solidFill>
+          </a:ln>
+        </p:spPr>
+        <p:style>
+          <a:lnRef idx="2">
+            <a:schemeClr val="accent1">
+              <a:shade val="50000"/>
+            </a:schemeClr>
+          </a:lnRef>
+          <a:fillRef idx="1">
+            <a:schemeClr val="accent1"/>
+          </a:fillRef>
+          <a:effectRef idx="0">
+            <a:schemeClr val="accent1"/>
+          </a:effectRef>
+          <a:fontRef idx="minor">
+            <a:schemeClr val="lt1"/>
+          </a:fontRef>
+        </p:style>
+        <p:txBody>
+          <a:bodyPr rtlCol="0" anchor="t"/>
+          <a:lstStyle/>
+          <a:p>
+            <a:pPr algn="ctr"/>
+            <a:r>
+              <a:rPr kumimoji="1" lang="en-US" altLang="ja-JP" sz="1200" dirty="0" smtClean="0">
+                <a:solidFill>
+                  <a:schemeClr val="tx1">
+                    <a:lumMod val="75000"/>
+                    <a:lumOff val="25000"/>
+                  </a:schemeClr>
+                </a:solidFill>
+                <a:latin typeface="+mj-lt"/>
+              </a:rPr>
+              <a:t>View</a:t>
+            </a:r>
+            <a:endParaRPr kumimoji="1" lang="ja-JP" altLang="en-US" sz="1200" dirty="0">
+              <a:solidFill>
+                <a:schemeClr val="tx1">
+                  <a:lumMod val="75000"/>
+                  <a:lumOff val="25000"/>
+                </a:schemeClr>
+              </a:solidFill>
+              <a:latin typeface="+mj-lt"/>
+            </a:endParaRPr>
+          </a:p>
+        </p:txBody>
+      </p:sp>
+      <p:cxnSp>
+        <p:nvCxnSpPr>
+          <p:cNvPr id="139" name="直線矢印コネクタ 138"/>
+          <p:cNvCxnSpPr>
+            <a:stCxn id="51" idx="4"/>
+            <a:endCxn id="138" idx="2"/>
+          </p:cNvCxnSpPr>
+          <p:nvPr/>
+        </p:nvCxnSpPr>
+        <p:spPr>
+          <a:xfrm flipH="1">
+            <a:off x="2627632" y="2946576"/>
+            <a:ext cx="6192840" cy="3043771"/>
+          </a:xfrm>
+          <a:prstGeom prst="bentConnector4">
+            <a:avLst>
+              <a:gd name="adj1" fmla="val -3691"/>
+              <a:gd name="adj2" fmla="val 113518"/>
+            </a:avLst>
+          </a:prstGeom>
+          <a:ln w="12700">
+            <a:solidFill>
+              <a:schemeClr val="tx1">
+                <a:lumMod val="50000"/>
+                <a:lumOff val="50000"/>
+              </a:schemeClr>
+            </a:solidFill>
+            <a:tailEnd type="arrow"/>
+          </a:ln>
+        </p:spPr>
+        <p:style>
+          <a:lnRef idx="1">
+            <a:schemeClr val="accent1"/>
+          </a:lnRef>
+          <a:fillRef idx="0">
+            <a:schemeClr val="accent1"/>
+          </a:fillRef>
+          <a:effectRef idx="0">
+            <a:schemeClr val="accent1"/>
+          </a:effectRef>
+          <a:fontRef idx="minor">
+            <a:schemeClr val="tx1"/>
+          </a:fontRef>
+        </p:style>
+      </p:cxnSp>
+      <p:sp>
+        <p:nvSpPr>
+          <p:cNvPr id="144" name="フリーフォーム 143"/>
+          <p:cNvSpPr/>
+          <p:nvPr/>
+        </p:nvSpPr>
+        <p:spPr>
+          <a:xfrm>
+            <a:off x="350773" y="2987058"/>
+            <a:ext cx="1880967" cy="2508808"/>
+          </a:xfrm>
+          <a:custGeom>
+            <a:avLst/>
+            <a:gdLst>
+              <a:gd name="connsiteX0" fmla="*/ 495300 w 495300"/>
+              <a:gd name="connsiteY0" fmla="*/ 617220 h 617220"/>
+              <a:gd name="connsiteX1" fmla="*/ 0 w 495300"/>
+              <a:gd name="connsiteY1" fmla="*/ 617220 h 617220"/>
+              <a:gd name="connsiteX2" fmla="*/ 0 w 495300"/>
+              <a:gd name="connsiteY2" fmla="*/ 0 h 617220"/>
+            </a:gdLst>
+            <a:ahLst/>
+            <a:cxnLst>
+              <a:cxn ang="0">
+                <a:pos x="connsiteX0" y="connsiteY0"/>
+              </a:cxn>
+              <a:cxn ang="0">
+                <a:pos x="connsiteX1" y="connsiteY1"/>
+              </a:cxn>
+              <a:cxn ang="0">
+                <a:pos x="connsiteX2" y="connsiteY2"/>
+              </a:cxn>
+            </a:cxnLst>
+            <a:rect l="l" t="t" r="r" b="b"/>
+            <a:pathLst>
+              <a:path w="495300" h="617220">
+                <a:moveTo>
+                  <a:pt x="495300" y="617220"/>
+                </a:moveTo>
+                <a:lnTo>
+                  <a:pt x="0" y="617220"/>
+                </a:lnTo>
+                <a:lnTo>
+                  <a:pt x="0" y="0"/>
+                </a:lnTo>
+              </a:path>
+            </a:pathLst>
+          </a:custGeom>
+          <a:ln w="12700">
+            <a:solidFill>
+              <a:schemeClr val="tx1">
+                <a:lumMod val="50000"/>
+                <a:lumOff val="50000"/>
+              </a:schemeClr>
+            </a:solidFill>
+            <a:tailEnd type="arrow"/>
+          </a:ln>
+        </p:spPr>
+        <p:style>
+          <a:lnRef idx="1">
+            <a:schemeClr val="accent1"/>
+          </a:lnRef>
+          <a:fillRef idx="0">
+            <a:schemeClr val="accent1"/>
+          </a:fillRef>
+          <a:effectRef idx="0">
+            <a:schemeClr val="accent1"/>
+          </a:effectRef>
+          <a:fontRef idx="minor">
+            <a:schemeClr val="tx1"/>
+          </a:fontRef>
+        </p:style>
+        <p:txBody>
+          <a:bodyPr rtlCol="0" anchor="ctr"/>
+          <a:lstStyle/>
+          <a:p>
+            <a:pPr algn="ctr"/>
+            <a:endParaRPr kumimoji="1" lang="ja-JP" altLang="en-US"/>
+          </a:p>
+        </p:txBody>
+      </p:sp>
+      <p:sp>
+        <p:nvSpPr>
+          <p:cNvPr id="145" name="テキスト ボックス 144"/>
+          <p:cNvSpPr txBox="1"/>
+          <p:nvPr/>
+        </p:nvSpPr>
+        <p:spPr>
+          <a:xfrm>
+            <a:off x="522762" y="5520365"/>
+            <a:ext cx="1367682" cy="276999"/>
+          </a:xfrm>
+          <a:prstGeom prst="rect">
+            <a:avLst/>
+          </a:prstGeom>
+          <a:noFill/>
+        </p:spPr>
+        <p:txBody>
+          <a:bodyPr wrap="none" rtlCol="0">
+            <a:spAutoFit/>
+          </a:bodyPr>
+          <a:lstStyle/>
+          <a:p>
+            <a:r>
+              <a:rPr lang="ja-JP" altLang="en-US" sz="1200" dirty="0" smtClean="0">
+                <a:latin typeface="+mj-lt"/>
+                <a:ea typeface="Meiryo UI" panose="020B0604030504040204" pitchFamily="50" charset="-128"/>
+                <a:cs typeface="Meiryo UI" panose="020B0604030504040204" pitchFamily="50" charset="-128"/>
+              </a:rPr>
+              <a:t>シミュレーション</a:t>
+            </a:r>
+            <a:r>
+              <a:rPr lang="ja-JP" altLang="en-US" sz="1200" dirty="0">
+                <a:latin typeface="+mj-lt"/>
+                <a:ea typeface="Meiryo UI" panose="020B0604030504040204" pitchFamily="50" charset="-128"/>
+                <a:cs typeface="Meiryo UI" panose="020B0604030504040204" pitchFamily="50" charset="-128"/>
+              </a:rPr>
+              <a:t>結果</a:t>
+            </a:r>
+            <a:endParaRPr kumimoji="1" lang="ja-JP" altLang="en-US" sz="1200" dirty="0">
+              <a:latin typeface="+mj-lt"/>
+              <a:ea typeface="Meiryo UI" panose="020B0604030504040204" pitchFamily="50" charset="-128"/>
+              <a:cs typeface="Meiryo UI" panose="020B0604030504040204" pitchFamily="50" charset="-128"/>
+            </a:endParaRPr>
+          </a:p>
+        </p:txBody>
+      </p:sp>
+    </p:spTree>
+    <p:extLst>
+      <p:ext uri="{BB962C8B-B14F-4D97-AF65-F5344CB8AC3E}">
+        <p14:creationId xmlns:p14="http://schemas.microsoft.com/office/powerpoint/2010/main" val="2415457512"/>
       </p:ext>
     </p:extLst>
   </p:cSld>

--- a/doc/fig.pptx
+++ b/doc/fig.pptx
@@ -289,7 +289,7 @@
           <a:p>
             <a:fld id="{D45CD2D3-F377-4F0D-8DDB-F6916D460F71}" type="datetimeFigureOut">
               <a:rPr kumimoji="1" lang="ja-JP" altLang="en-US" smtClean="0"/>
-              <a:t>2014/11/12</a:t>
+              <a:t>2014/11/13</a:t>
             </a:fld>
             <a:endParaRPr kumimoji="1" lang="ja-JP" altLang="en-US"/>
           </a:p>
@@ -491,7 +491,7 @@
           <a:p>
             <a:fld id="{D45CD2D3-F377-4F0D-8DDB-F6916D460F71}" type="datetimeFigureOut">
               <a:rPr kumimoji="1" lang="ja-JP" altLang="en-US" smtClean="0"/>
-              <a:t>2014/11/12</a:t>
+              <a:t>2014/11/13</a:t>
             </a:fld>
             <a:endParaRPr kumimoji="1" lang="ja-JP" altLang="en-US"/>
           </a:p>
@@ -703,7 +703,7 @@
           <a:p>
             <a:fld id="{D45CD2D3-F377-4F0D-8DDB-F6916D460F71}" type="datetimeFigureOut">
               <a:rPr kumimoji="1" lang="ja-JP" altLang="en-US" smtClean="0"/>
-              <a:t>2014/11/12</a:t>
+              <a:t>2014/11/13</a:t>
             </a:fld>
             <a:endParaRPr kumimoji="1" lang="ja-JP" altLang="en-US"/>
           </a:p>
@@ -905,7 +905,7 @@
           <a:p>
             <a:fld id="{D45CD2D3-F377-4F0D-8DDB-F6916D460F71}" type="datetimeFigureOut">
               <a:rPr kumimoji="1" lang="ja-JP" altLang="en-US" smtClean="0"/>
-              <a:t>2014/11/12</a:t>
+              <a:t>2014/11/13</a:t>
             </a:fld>
             <a:endParaRPr kumimoji="1" lang="ja-JP" altLang="en-US"/>
           </a:p>
@@ -1151,7 +1151,7 @@
           <a:p>
             <a:fld id="{D45CD2D3-F377-4F0D-8DDB-F6916D460F71}" type="datetimeFigureOut">
               <a:rPr kumimoji="1" lang="ja-JP" altLang="en-US" smtClean="0"/>
-              <a:t>2014/11/12</a:t>
+              <a:t>2014/11/13</a:t>
             </a:fld>
             <a:endParaRPr kumimoji="1" lang="ja-JP" altLang="en-US"/>
           </a:p>
@@ -1503,7 +1503,7 @@
           <a:p>
             <a:fld id="{D45CD2D3-F377-4F0D-8DDB-F6916D460F71}" type="datetimeFigureOut">
               <a:rPr kumimoji="1" lang="ja-JP" altLang="en-US" smtClean="0"/>
-              <a:t>2014/11/12</a:t>
+              <a:t>2014/11/13</a:t>
             </a:fld>
             <a:endParaRPr kumimoji="1" lang="ja-JP" altLang="en-US"/>
           </a:p>
@@ -1989,7 +1989,7 @@
           <a:p>
             <a:fld id="{D45CD2D3-F377-4F0D-8DDB-F6916D460F71}" type="datetimeFigureOut">
               <a:rPr kumimoji="1" lang="ja-JP" altLang="en-US" smtClean="0"/>
-              <a:t>2014/11/12</a:t>
+              <a:t>2014/11/13</a:t>
             </a:fld>
             <a:endParaRPr kumimoji="1" lang="ja-JP" altLang="en-US"/>
           </a:p>
@@ -2107,7 +2107,7 @@
           <a:p>
             <a:fld id="{D45CD2D3-F377-4F0D-8DDB-F6916D460F71}" type="datetimeFigureOut">
               <a:rPr kumimoji="1" lang="ja-JP" altLang="en-US" smtClean="0"/>
-              <a:t>2014/11/12</a:t>
+              <a:t>2014/11/13</a:t>
             </a:fld>
             <a:endParaRPr kumimoji="1" lang="ja-JP" altLang="en-US"/>
           </a:p>
@@ -2202,7 +2202,7 @@
           <a:p>
             <a:fld id="{D45CD2D3-F377-4F0D-8DDB-F6916D460F71}" type="datetimeFigureOut">
               <a:rPr kumimoji="1" lang="ja-JP" altLang="en-US" smtClean="0"/>
-              <a:t>2014/11/12</a:t>
+              <a:t>2014/11/13</a:t>
             </a:fld>
             <a:endParaRPr kumimoji="1" lang="ja-JP" altLang="en-US"/>
           </a:p>
@@ -2511,7 +2511,7 @@
           <a:p>
             <a:fld id="{D45CD2D3-F377-4F0D-8DDB-F6916D460F71}" type="datetimeFigureOut">
               <a:rPr kumimoji="1" lang="ja-JP" altLang="en-US" smtClean="0"/>
-              <a:t>2014/11/12</a:t>
+              <a:t>2014/11/13</a:t>
             </a:fld>
             <a:endParaRPr kumimoji="1" lang="ja-JP" altLang="en-US"/>
           </a:p>
@@ -2764,7 +2764,7 @@
           <a:p>
             <a:fld id="{D45CD2D3-F377-4F0D-8DDB-F6916D460F71}" type="datetimeFigureOut">
               <a:rPr kumimoji="1" lang="ja-JP" altLang="en-US" smtClean="0"/>
-              <a:t>2014/11/12</a:t>
+              <a:t>2014/11/13</a:t>
             </a:fld>
             <a:endParaRPr kumimoji="1" lang="ja-JP" altLang="en-US"/>
           </a:p>
@@ -3009,7 +3009,7 @@
           <a:p>
             <a:fld id="{D45CD2D3-F377-4F0D-8DDB-F6916D460F71}" type="datetimeFigureOut">
               <a:rPr kumimoji="1" lang="ja-JP" altLang="en-US" smtClean="0"/>
-              <a:t>2014/11/12</a:t>
+              <a:t>2014/11/13</a:t>
             </a:fld>
             <a:endParaRPr kumimoji="1" lang="ja-JP" altLang="en-US"/>
           </a:p>
@@ -4197,14 +4197,6 @@
               </a:rPr>
               <a:t>route</a:t>
             </a:r>
-            <a:endParaRPr lang="en-US" altLang="ja-JP" sz="1000" dirty="0" smtClean="0">
-              <a:solidFill>
-                <a:schemeClr val="tx1">
-                  <a:lumMod val="75000"/>
-                  <a:lumOff val="25000"/>
-                </a:schemeClr>
-              </a:solidFill>
-            </a:endParaRPr>
           </a:p>
           <a:p>
             <a:pPr algn="ctr"/>
@@ -7267,14 +7259,6 @@
               </a:rPr>
               <a:t>route</a:t>
             </a:r>
-            <a:endParaRPr lang="en-US" altLang="ja-JP" sz="1000" dirty="0" smtClean="0">
-              <a:solidFill>
-                <a:schemeClr val="tx1">
-                  <a:lumMod val="75000"/>
-                  <a:lumOff val="25000"/>
-                </a:schemeClr>
-              </a:solidFill>
-            </a:endParaRPr>
           </a:p>
           <a:p>
             <a:pPr algn="ctr"/>

--- a/doc/fig.pptx
+++ b/doc/fig.pptx
@@ -7,6 +7,7 @@
   <p:sldIdLst>
     <p:sldId id="256" r:id="rId2"/>
     <p:sldId id="257" r:id="rId3"/>
+    <p:sldId id="258" r:id="rId4"/>
   </p:sldIdLst>
   <p:sldSz cx="9144000" cy="6858000" type="screen4x3"/>
   <p:notesSz cx="6858000" cy="9144000"/>
@@ -289,7 +290,7 @@
           <a:p>
             <a:fld id="{D45CD2D3-F377-4F0D-8DDB-F6916D460F71}" type="datetimeFigureOut">
               <a:rPr kumimoji="1" lang="ja-JP" altLang="en-US" smtClean="0"/>
-              <a:t>2014/11/13</a:t>
+              <a:t>2014/11/20</a:t>
             </a:fld>
             <a:endParaRPr kumimoji="1" lang="ja-JP" altLang="en-US"/>
           </a:p>
@@ -491,7 +492,7 @@
           <a:p>
             <a:fld id="{D45CD2D3-F377-4F0D-8DDB-F6916D460F71}" type="datetimeFigureOut">
               <a:rPr kumimoji="1" lang="ja-JP" altLang="en-US" smtClean="0"/>
-              <a:t>2014/11/13</a:t>
+              <a:t>2014/11/20</a:t>
             </a:fld>
             <a:endParaRPr kumimoji="1" lang="ja-JP" altLang="en-US"/>
           </a:p>
@@ -703,7 +704,7 @@
           <a:p>
             <a:fld id="{D45CD2D3-F377-4F0D-8DDB-F6916D460F71}" type="datetimeFigureOut">
               <a:rPr kumimoji="1" lang="ja-JP" altLang="en-US" smtClean="0"/>
-              <a:t>2014/11/13</a:t>
+              <a:t>2014/11/20</a:t>
             </a:fld>
             <a:endParaRPr kumimoji="1" lang="ja-JP" altLang="en-US"/>
           </a:p>
@@ -905,7 +906,7 @@
           <a:p>
             <a:fld id="{D45CD2D3-F377-4F0D-8DDB-F6916D460F71}" type="datetimeFigureOut">
               <a:rPr kumimoji="1" lang="ja-JP" altLang="en-US" smtClean="0"/>
-              <a:t>2014/11/13</a:t>
+              <a:t>2014/11/20</a:t>
             </a:fld>
             <a:endParaRPr kumimoji="1" lang="ja-JP" altLang="en-US"/>
           </a:p>
@@ -1151,7 +1152,7 @@
           <a:p>
             <a:fld id="{D45CD2D3-F377-4F0D-8DDB-F6916D460F71}" type="datetimeFigureOut">
               <a:rPr kumimoji="1" lang="ja-JP" altLang="en-US" smtClean="0"/>
-              <a:t>2014/11/13</a:t>
+              <a:t>2014/11/20</a:t>
             </a:fld>
             <a:endParaRPr kumimoji="1" lang="ja-JP" altLang="en-US"/>
           </a:p>
@@ -1503,7 +1504,7 @@
           <a:p>
             <a:fld id="{D45CD2D3-F377-4F0D-8DDB-F6916D460F71}" type="datetimeFigureOut">
               <a:rPr kumimoji="1" lang="ja-JP" altLang="en-US" smtClean="0"/>
-              <a:t>2014/11/13</a:t>
+              <a:t>2014/11/20</a:t>
             </a:fld>
             <a:endParaRPr kumimoji="1" lang="ja-JP" altLang="en-US"/>
           </a:p>
@@ -1989,7 +1990,7 @@
           <a:p>
             <a:fld id="{D45CD2D3-F377-4F0D-8DDB-F6916D460F71}" type="datetimeFigureOut">
               <a:rPr kumimoji="1" lang="ja-JP" altLang="en-US" smtClean="0"/>
-              <a:t>2014/11/13</a:t>
+              <a:t>2014/11/20</a:t>
             </a:fld>
             <a:endParaRPr kumimoji="1" lang="ja-JP" altLang="en-US"/>
           </a:p>
@@ -2107,7 +2108,7 @@
           <a:p>
             <a:fld id="{D45CD2D3-F377-4F0D-8DDB-F6916D460F71}" type="datetimeFigureOut">
               <a:rPr kumimoji="1" lang="ja-JP" altLang="en-US" smtClean="0"/>
-              <a:t>2014/11/13</a:t>
+              <a:t>2014/11/20</a:t>
             </a:fld>
             <a:endParaRPr kumimoji="1" lang="ja-JP" altLang="en-US"/>
           </a:p>
@@ -2202,7 +2203,7 @@
           <a:p>
             <a:fld id="{D45CD2D3-F377-4F0D-8DDB-F6916D460F71}" type="datetimeFigureOut">
               <a:rPr kumimoji="1" lang="ja-JP" altLang="en-US" smtClean="0"/>
-              <a:t>2014/11/13</a:t>
+              <a:t>2014/11/20</a:t>
             </a:fld>
             <a:endParaRPr kumimoji="1" lang="ja-JP" altLang="en-US"/>
           </a:p>
@@ -2511,7 +2512,7 @@
           <a:p>
             <a:fld id="{D45CD2D3-F377-4F0D-8DDB-F6916D460F71}" type="datetimeFigureOut">
               <a:rPr kumimoji="1" lang="ja-JP" altLang="en-US" smtClean="0"/>
-              <a:t>2014/11/13</a:t>
+              <a:t>2014/11/20</a:t>
             </a:fld>
             <a:endParaRPr kumimoji="1" lang="ja-JP" altLang="en-US"/>
           </a:p>
@@ -2764,7 +2765,7 @@
           <a:p>
             <a:fld id="{D45CD2D3-F377-4F0D-8DDB-F6916D460F71}" type="datetimeFigureOut">
               <a:rPr kumimoji="1" lang="ja-JP" altLang="en-US" smtClean="0"/>
-              <a:t>2014/11/13</a:t>
+              <a:t>2014/11/20</a:t>
             </a:fld>
             <a:endParaRPr kumimoji="1" lang="ja-JP" altLang="en-US"/>
           </a:p>
@@ -3009,7 +3010,7 @@
           <a:p>
             <a:fld id="{D45CD2D3-F377-4F0D-8DDB-F6916D460F71}" type="datetimeFigureOut">
               <a:rPr kumimoji="1" lang="ja-JP" altLang="en-US" smtClean="0"/>
-              <a:t>2014/11/13</a:t>
+              <a:t>2014/11/20</a:t>
             </a:fld>
             <a:endParaRPr kumimoji="1" lang="ja-JP" altLang="en-US"/>
           </a:p>
@@ -10199,6 +10200,3372 @@
 </p:sld>
 </file>
 
+<file path=ppt/slides/slide3.xml><?xml version="1.0" encoding="utf-8"?>
+<p:sld xmlns:a="http://schemas.openxmlformats.org/drawingml/2006/main" xmlns:r="http://schemas.openxmlformats.org/officeDocument/2006/relationships" xmlns:p="http://schemas.openxmlformats.org/presentationml/2006/main">
+  <p:cSld>
+    <p:spTree>
+      <p:nvGrpSpPr>
+        <p:cNvPr id="1" name=""/>
+        <p:cNvGrpSpPr/>
+        <p:nvPr/>
+      </p:nvGrpSpPr>
+      <p:grpSpPr>
+        <a:xfrm>
+          <a:off x="0" y="0"/>
+          <a:ext cx="0" cy="0"/>
+          <a:chOff x="0" y="0"/>
+          <a:chExt cx="0" cy="0"/>
+        </a:xfrm>
+      </p:grpSpPr>
+      <p:sp>
+        <p:nvSpPr>
+          <p:cNvPr id="2" name="テキスト ボックス 1"/>
+          <p:cNvSpPr txBox="1"/>
+          <p:nvPr/>
+        </p:nvSpPr>
+        <p:spPr>
+          <a:xfrm>
+            <a:off x="350773" y="764704"/>
+            <a:ext cx="1770036" cy="369332"/>
+          </a:xfrm>
+          <a:prstGeom prst="rect">
+            <a:avLst/>
+          </a:prstGeom>
+          <a:noFill/>
+        </p:spPr>
+        <p:txBody>
+          <a:bodyPr wrap="none" rtlCol="0">
+            <a:spAutoFit/>
+          </a:bodyPr>
+          <a:lstStyle/>
+          <a:p>
+            <a:r>
+              <a:rPr lang="ja-JP" altLang="en-US" b="1" u="sng" dirty="0" smtClean="0">
+                <a:latin typeface="+mj-lt"/>
+                <a:ea typeface="Meiryo UI" panose="020B0604030504040204" pitchFamily="50" charset="-128"/>
+                <a:cs typeface="Meiryo UI" panose="020B0604030504040204" pitchFamily="50" charset="-128"/>
+              </a:rPr>
+              <a:t>開発・テスト環境</a:t>
+            </a:r>
+            <a:endParaRPr kumimoji="1" lang="ja-JP" altLang="en-US" b="1" u="sng" dirty="0">
+              <a:latin typeface="+mj-lt"/>
+              <a:ea typeface="Meiryo UI" panose="020B0604030504040204" pitchFamily="50" charset="-128"/>
+              <a:cs typeface="Meiryo UI" panose="020B0604030504040204" pitchFamily="50" charset="-128"/>
+            </a:endParaRPr>
+          </a:p>
+        </p:txBody>
+      </p:sp>
+      <p:sp>
+        <p:nvSpPr>
+          <p:cNvPr id="3" name="正方形/長方形 2"/>
+          <p:cNvSpPr/>
+          <p:nvPr/>
+        </p:nvSpPr>
+        <p:spPr>
+          <a:xfrm>
+            <a:off x="539552" y="1412776"/>
+            <a:ext cx="8352928" cy="4752528"/>
+          </a:xfrm>
+          <a:prstGeom prst="rect">
+            <a:avLst/>
+          </a:prstGeom>
+          <a:solidFill>
+            <a:schemeClr val="bg1"/>
+          </a:solidFill>
+          <a:ln w="12700" cap="rnd">
+            <a:solidFill>
+              <a:schemeClr val="tx1">
+                <a:lumMod val="65000"/>
+                <a:lumOff val="35000"/>
+              </a:schemeClr>
+            </a:solidFill>
+            <a:prstDash val="solid"/>
+          </a:ln>
+        </p:spPr>
+        <p:style>
+          <a:lnRef idx="2">
+            <a:schemeClr val="accent1">
+              <a:shade val="50000"/>
+            </a:schemeClr>
+          </a:lnRef>
+          <a:fillRef idx="1">
+            <a:schemeClr val="accent1"/>
+          </a:fillRef>
+          <a:effectRef idx="0">
+            <a:schemeClr val="accent1"/>
+          </a:effectRef>
+          <a:fontRef idx="minor">
+            <a:schemeClr val="lt1"/>
+          </a:fontRef>
+        </p:style>
+        <p:txBody>
+          <a:bodyPr rtlCol="0" anchor="t"/>
+          <a:lstStyle/>
+          <a:p>
+            <a:pPr algn="ctr"/>
+            <a:r>
+              <a:rPr kumimoji="1" lang="en-US" altLang="ja-JP" sz="1400" b="1" dirty="0" smtClean="0">
+                <a:solidFill>
+                  <a:schemeClr val="tx1">
+                    <a:lumMod val="75000"/>
+                    <a:lumOff val="25000"/>
+                  </a:schemeClr>
+                </a:solidFill>
+              </a:rPr>
+              <a:t>Hydrangea (10.25.165.86)</a:t>
+            </a:r>
+            <a:endParaRPr kumimoji="1" lang="ja-JP" altLang="en-US" sz="1400" b="1" dirty="0">
+              <a:solidFill>
+                <a:schemeClr val="tx1">
+                  <a:lumMod val="75000"/>
+                  <a:lumOff val="25000"/>
+                </a:schemeClr>
+              </a:solidFill>
+            </a:endParaRPr>
+          </a:p>
+        </p:txBody>
+      </p:sp>
+      <p:sp>
+        <p:nvSpPr>
+          <p:cNvPr id="4" name="正方形/長方形 3"/>
+          <p:cNvSpPr/>
+          <p:nvPr/>
+        </p:nvSpPr>
+        <p:spPr>
+          <a:xfrm>
+            <a:off x="827584" y="1844823"/>
+            <a:ext cx="2592288" cy="4166431"/>
+          </a:xfrm>
+          <a:prstGeom prst="rect">
+            <a:avLst/>
+          </a:prstGeom>
+          <a:solidFill>
+            <a:schemeClr val="bg1"/>
+          </a:solidFill>
+          <a:ln w="12700" cap="rnd">
+            <a:solidFill>
+              <a:schemeClr val="tx1">
+                <a:lumMod val="65000"/>
+                <a:lumOff val="35000"/>
+              </a:schemeClr>
+            </a:solidFill>
+            <a:prstDash val="solid"/>
+          </a:ln>
+        </p:spPr>
+        <p:style>
+          <a:lnRef idx="2">
+            <a:schemeClr val="accent1">
+              <a:shade val="50000"/>
+            </a:schemeClr>
+          </a:lnRef>
+          <a:fillRef idx="1">
+            <a:schemeClr val="accent1"/>
+          </a:fillRef>
+          <a:effectRef idx="0">
+            <a:schemeClr val="accent1"/>
+          </a:effectRef>
+          <a:fontRef idx="minor">
+            <a:schemeClr val="lt1"/>
+          </a:fontRef>
+        </p:style>
+        <p:txBody>
+          <a:bodyPr rtlCol="0" anchor="t"/>
+          <a:lstStyle/>
+          <a:p>
+            <a:pPr algn="ctr"/>
+            <a:r>
+              <a:rPr kumimoji="1" lang="en-US" altLang="ja-JP" sz="1400" b="1" dirty="0" smtClean="0">
+                <a:solidFill>
+                  <a:schemeClr val="tx1">
+                    <a:lumMod val="75000"/>
+                    <a:lumOff val="25000"/>
+                  </a:schemeClr>
+                </a:solidFill>
+              </a:rPr>
+              <a:t>Worker VM</a:t>
+            </a:r>
+            <a:endParaRPr kumimoji="1" lang="ja-JP" altLang="en-US" sz="1400" b="1" dirty="0">
+              <a:solidFill>
+                <a:schemeClr val="tx1">
+                  <a:lumMod val="75000"/>
+                  <a:lumOff val="25000"/>
+                </a:schemeClr>
+              </a:solidFill>
+            </a:endParaRPr>
+          </a:p>
+        </p:txBody>
+      </p:sp>
+      <p:sp>
+        <p:nvSpPr>
+          <p:cNvPr id="5" name="正方形/長方形 4"/>
+          <p:cNvSpPr/>
+          <p:nvPr/>
+        </p:nvSpPr>
+        <p:spPr>
+          <a:xfrm>
+            <a:off x="6257262" y="3289668"/>
+            <a:ext cx="2419193" cy="568738"/>
+          </a:xfrm>
+          <a:prstGeom prst="rect">
+            <a:avLst/>
+          </a:prstGeom>
+          <a:solidFill>
+            <a:schemeClr val="bg1"/>
+          </a:solidFill>
+          <a:ln w="12700" cap="rnd">
+            <a:solidFill>
+              <a:schemeClr val="tx1">
+                <a:lumMod val="65000"/>
+                <a:lumOff val="35000"/>
+              </a:schemeClr>
+            </a:solidFill>
+            <a:prstDash val="solid"/>
+          </a:ln>
+        </p:spPr>
+        <p:style>
+          <a:lnRef idx="2">
+            <a:schemeClr val="accent1">
+              <a:shade val="50000"/>
+            </a:schemeClr>
+          </a:lnRef>
+          <a:fillRef idx="1">
+            <a:schemeClr val="accent1"/>
+          </a:fillRef>
+          <a:effectRef idx="0">
+            <a:schemeClr val="accent1"/>
+          </a:effectRef>
+          <a:fontRef idx="minor">
+            <a:schemeClr val="lt1"/>
+          </a:fontRef>
+        </p:style>
+        <p:txBody>
+          <a:bodyPr rtlCol="0" anchor="t"/>
+          <a:lstStyle/>
+          <a:p>
+            <a:pPr algn="ctr"/>
+            <a:r>
+              <a:rPr lang="en-US" altLang="ja-JP" sz="1400" dirty="0" smtClean="0">
+                <a:solidFill>
+                  <a:schemeClr val="tx1">
+                    <a:lumMod val="75000"/>
+                    <a:lumOff val="25000"/>
+                  </a:schemeClr>
+                </a:solidFill>
+              </a:rPr>
+              <a:t>UI Server</a:t>
+            </a:r>
+            <a:r>
+              <a:rPr lang="ja-JP" altLang="en-US" sz="1400" dirty="0">
+                <a:solidFill>
+                  <a:schemeClr val="tx1">
+                    <a:lumMod val="75000"/>
+                    <a:lumOff val="25000"/>
+                  </a:schemeClr>
+                </a:solidFill>
+              </a:rPr>
+              <a:t> </a:t>
+            </a:r>
+            <a:r>
+              <a:rPr kumimoji="1" lang="en-US" altLang="ja-JP" sz="1400" dirty="0" smtClean="0">
+                <a:solidFill>
+                  <a:schemeClr val="tx1">
+                    <a:lumMod val="75000"/>
+                    <a:lumOff val="25000"/>
+                  </a:schemeClr>
+                </a:solidFill>
+              </a:rPr>
+              <a:t>[</a:t>
+            </a:r>
+            <a:r>
+              <a:rPr kumimoji="1" lang="en-US" altLang="ja-JP" sz="1400" dirty="0" err="1" smtClean="0">
+                <a:solidFill>
+                  <a:schemeClr val="tx1">
+                    <a:lumMod val="75000"/>
+                    <a:lumOff val="25000"/>
+                  </a:schemeClr>
+                </a:solidFill>
+              </a:rPr>
+              <a:t>django</a:t>
+            </a:r>
+            <a:r>
+              <a:rPr kumimoji="1" lang="en-US" altLang="ja-JP" sz="1400" dirty="0" smtClean="0">
+                <a:solidFill>
+                  <a:schemeClr val="tx1">
+                    <a:lumMod val="75000"/>
+                    <a:lumOff val="25000"/>
+                  </a:schemeClr>
+                </a:solidFill>
+              </a:rPr>
+              <a:t>]</a:t>
+            </a:r>
+            <a:endParaRPr kumimoji="1" lang="ja-JP" altLang="en-US" sz="1400" dirty="0">
+              <a:solidFill>
+                <a:schemeClr val="tx1">
+                  <a:lumMod val="75000"/>
+                  <a:lumOff val="25000"/>
+                </a:schemeClr>
+              </a:solidFill>
+            </a:endParaRPr>
+          </a:p>
+        </p:txBody>
+      </p:sp>
+      <p:sp>
+        <p:nvSpPr>
+          <p:cNvPr id="6" name="円柱 5"/>
+          <p:cNvSpPr/>
+          <p:nvPr/>
+        </p:nvSpPr>
+        <p:spPr>
+          <a:xfrm>
+            <a:off x="7740352" y="4833856"/>
+            <a:ext cx="936104" cy="792088"/>
+          </a:xfrm>
+          <a:prstGeom prst="can">
+            <a:avLst/>
+          </a:prstGeom>
+          <a:solidFill>
+            <a:schemeClr val="bg1"/>
+          </a:solidFill>
+          <a:ln w="12700" cap="rnd">
+            <a:solidFill>
+              <a:schemeClr val="tx1">
+                <a:lumMod val="65000"/>
+                <a:lumOff val="35000"/>
+              </a:schemeClr>
+            </a:solidFill>
+            <a:prstDash val="solid"/>
+          </a:ln>
+        </p:spPr>
+        <p:style>
+          <a:lnRef idx="2">
+            <a:schemeClr val="accent1">
+              <a:shade val="50000"/>
+            </a:schemeClr>
+          </a:lnRef>
+          <a:fillRef idx="1">
+            <a:schemeClr val="accent1"/>
+          </a:fillRef>
+          <a:effectRef idx="0">
+            <a:schemeClr val="accent1"/>
+          </a:effectRef>
+          <a:fontRef idx="minor">
+            <a:schemeClr val="lt1"/>
+          </a:fontRef>
+        </p:style>
+        <p:txBody>
+          <a:bodyPr rtlCol="0" anchor="t"/>
+          <a:lstStyle/>
+          <a:p>
+            <a:pPr algn="ctr"/>
+            <a:r>
+              <a:rPr lang="en-US" altLang="ja-JP" sz="1400" dirty="0" smtClean="0">
+                <a:solidFill>
+                  <a:schemeClr val="tx1">
+                    <a:lumMod val="75000"/>
+                    <a:lumOff val="25000"/>
+                  </a:schemeClr>
+                </a:solidFill>
+              </a:rPr>
+              <a:t>UI DB</a:t>
+            </a:r>
+          </a:p>
+          <a:p>
+            <a:pPr algn="ctr"/>
+            <a:r>
+              <a:rPr kumimoji="1" lang="en-US" altLang="ja-JP" sz="1400" dirty="0" smtClean="0">
+                <a:solidFill>
+                  <a:schemeClr val="tx1">
+                    <a:lumMod val="75000"/>
+                    <a:lumOff val="25000"/>
+                  </a:schemeClr>
+                </a:solidFill>
+              </a:rPr>
+              <a:t>[MySQL]</a:t>
+            </a:r>
+            <a:endParaRPr kumimoji="1" lang="ja-JP" altLang="en-US" sz="1400" dirty="0">
+              <a:solidFill>
+                <a:schemeClr val="tx1">
+                  <a:lumMod val="75000"/>
+                  <a:lumOff val="25000"/>
+                </a:schemeClr>
+              </a:solidFill>
+            </a:endParaRPr>
+          </a:p>
+        </p:txBody>
+      </p:sp>
+      <p:sp>
+        <p:nvSpPr>
+          <p:cNvPr id="7" name="正方形/長方形 6"/>
+          <p:cNvSpPr/>
+          <p:nvPr/>
+        </p:nvSpPr>
+        <p:spPr>
+          <a:xfrm>
+            <a:off x="3923928" y="1844824"/>
+            <a:ext cx="1800200" cy="4176464"/>
+          </a:xfrm>
+          <a:prstGeom prst="rect">
+            <a:avLst/>
+          </a:prstGeom>
+          <a:solidFill>
+            <a:schemeClr val="bg1"/>
+          </a:solidFill>
+          <a:ln w="12700" cap="rnd">
+            <a:solidFill>
+              <a:schemeClr val="tx1">
+                <a:lumMod val="65000"/>
+                <a:lumOff val="35000"/>
+              </a:schemeClr>
+            </a:solidFill>
+            <a:prstDash val="solid"/>
+          </a:ln>
+        </p:spPr>
+        <p:style>
+          <a:lnRef idx="2">
+            <a:schemeClr val="accent1">
+              <a:shade val="50000"/>
+            </a:schemeClr>
+          </a:lnRef>
+          <a:fillRef idx="1">
+            <a:schemeClr val="accent1"/>
+          </a:fillRef>
+          <a:effectRef idx="0">
+            <a:schemeClr val="accent1"/>
+          </a:effectRef>
+          <a:fontRef idx="minor">
+            <a:schemeClr val="lt1"/>
+          </a:fontRef>
+        </p:style>
+        <p:txBody>
+          <a:bodyPr rtlCol="0" anchor="t"/>
+          <a:lstStyle/>
+          <a:p>
+            <a:pPr algn="ctr"/>
+            <a:r>
+              <a:rPr kumimoji="1" lang="en-US" altLang="ja-JP" sz="1400" b="1" dirty="0" smtClean="0">
+                <a:solidFill>
+                  <a:schemeClr val="tx1">
+                    <a:lumMod val="75000"/>
+                    <a:lumOff val="25000"/>
+                  </a:schemeClr>
+                </a:solidFill>
+              </a:rPr>
+              <a:t>Broker VM</a:t>
+            </a:r>
+            <a:endParaRPr kumimoji="1" lang="ja-JP" altLang="en-US" sz="1400" b="1" dirty="0">
+              <a:solidFill>
+                <a:schemeClr val="tx1">
+                  <a:lumMod val="75000"/>
+                  <a:lumOff val="25000"/>
+                </a:schemeClr>
+              </a:solidFill>
+            </a:endParaRPr>
+          </a:p>
+        </p:txBody>
+      </p:sp>
+      <p:sp>
+        <p:nvSpPr>
+          <p:cNvPr id="8" name="正方形/長方形 7"/>
+          <p:cNvSpPr/>
+          <p:nvPr/>
+        </p:nvSpPr>
+        <p:spPr>
+          <a:xfrm>
+            <a:off x="2267744" y="3066318"/>
+            <a:ext cx="1023450" cy="2334234"/>
+          </a:xfrm>
+          <a:prstGeom prst="rect">
+            <a:avLst/>
+          </a:prstGeom>
+          <a:solidFill>
+            <a:schemeClr val="bg1"/>
+          </a:solidFill>
+          <a:ln w="12700" cap="rnd">
+            <a:solidFill>
+              <a:schemeClr val="tx1">
+                <a:lumMod val="65000"/>
+                <a:lumOff val="35000"/>
+              </a:schemeClr>
+            </a:solidFill>
+            <a:prstDash val="solid"/>
+          </a:ln>
+        </p:spPr>
+        <p:style>
+          <a:lnRef idx="2">
+            <a:schemeClr val="accent1">
+              <a:shade val="50000"/>
+            </a:schemeClr>
+          </a:lnRef>
+          <a:fillRef idx="1">
+            <a:schemeClr val="accent1"/>
+          </a:fillRef>
+          <a:effectRef idx="0">
+            <a:schemeClr val="accent1"/>
+          </a:effectRef>
+          <a:fontRef idx="minor">
+            <a:schemeClr val="lt1"/>
+          </a:fontRef>
+        </p:style>
+        <p:txBody>
+          <a:bodyPr rtlCol="0" anchor="t"/>
+          <a:lstStyle/>
+          <a:p>
+            <a:pPr algn="ctr"/>
+            <a:r>
+              <a:rPr lang="en-US" altLang="ja-JP" sz="1400" dirty="0" smtClean="0">
+                <a:solidFill>
+                  <a:schemeClr val="tx1">
+                    <a:lumMod val="75000"/>
+                    <a:lumOff val="25000"/>
+                  </a:schemeClr>
+                </a:solidFill>
+              </a:rPr>
+              <a:t>worker</a:t>
+            </a:r>
+          </a:p>
+          <a:p>
+            <a:pPr algn="ctr"/>
+            <a:r>
+              <a:rPr kumimoji="1" lang="en-US" altLang="ja-JP" sz="1400" dirty="0" smtClean="0">
+                <a:solidFill>
+                  <a:schemeClr val="tx1">
+                    <a:lumMod val="75000"/>
+                    <a:lumOff val="25000"/>
+                  </a:schemeClr>
+                </a:solidFill>
+              </a:rPr>
+              <a:t>[celery]</a:t>
+            </a:r>
+            <a:endParaRPr kumimoji="1" lang="ja-JP" altLang="en-US" sz="1400" dirty="0">
+              <a:solidFill>
+                <a:schemeClr val="tx1">
+                  <a:lumMod val="75000"/>
+                  <a:lumOff val="25000"/>
+                </a:schemeClr>
+              </a:solidFill>
+            </a:endParaRPr>
+          </a:p>
+        </p:txBody>
+      </p:sp>
+      <p:sp>
+        <p:nvSpPr>
+          <p:cNvPr id="9" name="正方形/長方形 8"/>
+          <p:cNvSpPr/>
+          <p:nvPr/>
+        </p:nvSpPr>
+        <p:spPr>
+          <a:xfrm>
+            <a:off x="4139951" y="2204864"/>
+            <a:ext cx="1334829" cy="3600400"/>
+          </a:xfrm>
+          <a:prstGeom prst="rect">
+            <a:avLst/>
+          </a:prstGeom>
+          <a:solidFill>
+            <a:schemeClr val="bg1"/>
+          </a:solidFill>
+          <a:ln w="12700" cap="rnd">
+            <a:solidFill>
+              <a:schemeClr val="tx1">
+                <a:lumMod val="65000"/>
+                <a:lumOff val="35000"/>
+              </a:schemeClr>
+            </a:solidFill>
+            <a:prstDash val="solid"/>
+          </a:ln>
+        </p:spPr>
+        <p:style>
+          <a:lnRef idx="2">
+            <a:schemeClr val="accent1">
+              <a:shade val="50000"/>
+            </a:schemeClr>
+          </a:lnRef>
+          <a:fillRef idx="1">
+            <a:schemeClr val="accent1"/>
+          </a:fillRef>
+          <a:effectRef idx="0">
+            <a:schemeClr val="accent1"/>
+          </a:effectRef>
+          <a:fontRef idx="minor">
+            <a:schemeClr val="lt1"/>
+          </a:fontRef>
+        </p:style>
+        <p:txBody>
+          <a:bodyPr rtlCol="0" anchor="t"/>
+          <a:lstStyle/>
+          <a:p>
+            <a:pPr algn="ctr"/>
+            <a:r>
+              <a:rPr lang="en-US" altLang="ja-JP" sz="1400" dirty="0" smtClean="0">
+                <a:solidFill>
+                  <a:schemeClr val="tx1">
+                    <a:lumMod val="75000"/>
+                    <a:lumOff val="25000"/>
+                  </a:schemeClr>
+                </a:solidFill>
+              </a:rPr>
+              <a:t>Broker</a:t>
+            </a:r>
+          </a:p>
+          <a:p>
+            <a:pPr algn="ctr"/>
+            <a:r>
+              <a:rPr kumimoji="1" lang="en-US" altLang="ja-JP" sz="1400" dirty="0" smtClean="0">
+                <a:solidFill>
+                  <a:schemeClr val="tx1">
+                    <a:lumMod val="75000"/>
+                    <a:lumOff val="25000"/>
+                  </a:schemeClr>
+                </a:solidFill>
+              </a:rPr>
+              <a:t>[</a:t>
+            </a:r>
+            <a:r>
+              <a:rPr kumimoji="1" lang="en-US" altLang="ja-JP" sz="1400" dirty="0" err="1" smtClean="0">
+                <a:solidFill>
+                  <a:schemeClr val="tx1">
+                    <a:lumMod val="75000"/>
+                    <a:lumOff val="25000"/>
+                  </a:schemeClr>
+                </a:solidFill>
+              </a:rPr>
+              <a:t>RabbitMQ</a:t>
+            </a:r>
+            <a:r>
+              <a:rPr kumimoji="1" lang="en-US" altLang="ja-JP" sz="1400" dirty="0" smtClean="0">
+                <a:solidFill>
+                  <a:schemeClr val="tx1">
+                    <a:lumMod val="75000"/>
+                    <a:lumOff val="25000"/>
+                  </a:schemeClr>
+                </a:solidFill>
+              </a:rPr>
+              <a:t>]</a:t>
+            </a:r>
+            <a:endParaRPr kumimoji="1" lang="ja-JP" altLang="en-US" sz="1400" dirty="0">
+              <a:solidFill>
+                <a:schemeClr val="tx1">
+                  <a:lumMod val="75000"/>
+                  <a:lumOff val="25000"/>
+                </a:schemeClr>
+              </a:solidFill>
+            </a:endParaRPr>
+          </a:p>
+        </p:txBody>
+      </p:sp>
+      <p:sp>
+        <p:nvSpPr>
+          <p:cNvPr id="10" name="正方形/長方形 9"/>
+          <p:cNvSpPr/>
+          <p:nvPr/>
+        </p:nvSpPr>
+        <p:spPr>
+          <a:xfrm>
+            <a:off x="6257262" y="4005064"/>
+            <a:ext cx="1152128" cy="1620880"/>
+          </a:xfrm>
+          <a:prstGeom prst="rect">
+            <a:avLst/>
+          </a:prstGeom>
+          <a:solidFill>
+            <a:schemeClr val="bg1"/>
+          </a:solidFill>
+          <a:ln w="12700" cap="rnd">
+            <a:solidFill>
+              <a:schemeClr val="tx1">
+                <a:lumMod val="65000"/>
+                <a:lumOff val="35000"/>
+              </a:schemeClr>
+            </a:solidFill>
+            <a:prstDash val="solid"/>
+          </a:ln>
+        </p:spPr>
+        <p:style>
+          <a:lnRef idx="2">
+            <a:schemeClr val="accent1">
+              <a:shade val="50000"/>
+            </a:schemeClr>
+          </a:lnRef>
+          <a:fillRef idx="1">
+            <a:schemeClr val="accent1"/>
+          </a:fillRef>
+          <a:effectRef idx="0">
+            <a:schemeClr val="accent1"/>
+          </a:effectRef>
+          <a:fontRef idx="minor">
+            <a:schemeClr val="lt1"/>
+          </a:fontRef>
+        </p:style>
+        <p:txBody>
+          <a:bodyPr rtlCol="0" anchor="t"/>
+          <a:lstStyle/>
+          <a:p>
+            <a:pPr algn="ctr"/>
+            <a:r>
+              <a:rPr lang="en-US" altLang="ja-JP" sz="1400" dirty="0" smtClean="0">
+                <a:solidFill>
+                  <a:schemeClr val="tx1">
+                    <a:lumMod val="75000"/>
+                    <a:lumOff val="25000"/>
+                  </a:schemeClr>
+                </a:solidFill>
+              </a:rPr>
+              <a:t>Main worker</a:t>
+            </a:r>
+          </a:p>
+          <a:p>
+            <a:pPr algn="ctr"/>
+            <a:r>
+              <a:rPr kumimoji="1" lang="en-US" altLang="ja-JP" sz="1400" dirty="0" smtClean="0">
+                <a:solidFill>
+                  <a:schemeClr val="tx1">
+                    <a:lumMod val="75000"/>
+                    <a:lumOff val="25000"/>
+                  </a:schemeClr>
+                </a:solidFill>
+              </a:rPr>
+              <a:t>[celery]</a:t>
+            </a:r>
+            <a:endParaRPr kumimoji="1" lang="ja-JP" altLang="en-US" sz="1400" dirty="0">
+              <a:solidFill>
+                <a:schemeClr val="tx1">
+                  <a:lumMod val="75000"/>
+                  <a:lumOff val="25000"/>
+                </a:schemeClr>
+              </a:solidFill>
+            </a:endParaRPr>
+          </a:p>
+        </p:txBody>
+      </p:sp>
+      <p:sp>
+        <p:nvSpPr>
+          <p:cNvPr id="34" name="正方形/長方形 33"/>
+          <p:cNvSpPr/>
+          <p:nvPr/>
+        </p:nvSpPr>
+        <p:spPr>
+          <a:xfrm>
+            <a:off x="1237812" y="3315704"/>
+            <a:ext cx="671913" cy="1085404"/>
+          </a:xfrm>
+          <a:prstGeom prst="rect">
+            <a:avLst/>
+          </a:prstGeom>
+          <a:solidFill>
+            <a:schemeClr val="bg1"/>
+          </a:solidFill>
+          <a:ln w="12700" cap="rnd">
+            <a:solidFill>
+              <a:schemeClr val="tx1">
+                <a:lumMod val="65000"/>
+                <a:lumOff val="35000"/>
+              </a:schemeClr>
+            </a:solidFill>
+            <a:prstDash val="solid"/>
+          </a:ln>
+        </p:spPr>
+        <p:style>
+          <a:lnRef idx="2">
+            <a:schemeClr val="accent1">
+              <a:shade val="50000"/>
+            </a:schemeClr>
+          </a:lnRef>
+          <a:fillRef idx="1">
+            <a:schemeClr val="accent1"/>
+          </a:fillRef>
+          <a:effectRef idx="0">
+            <a:schemeClr val="accent1"/>
+          </a:effectRef>
+          <a:fontRef idx="minor">
+            <a:schemeClr val="lt1"/>
+          </a:fontRef>
+        </p:style>
+        <p:txBody>
+          <a:bodyPr rtlCol="0" anchor="t"/>
+          <a:lstStyle/>
+          <a:p>
+            <a:pPr algn="ctr"/>
+            <a:r>
+              <a:rPr lang="en-US" altLang="ja-JP" sz="1400" dirty="0" smtClean="0">
+                <a:solidFill>
+                  <a:schemeClr val="tx1">
+                    <a:lumMod val="75000"/>
+                    <a:lumOff val="25000"/>
+                  </a:schemeClr>
+                </a:solidFill>
+              </a:rPr>
+              <a:t>MBS</a:t>
+            </a:r>
+          </a:p>
+        </p:txBody>
+      </p:sp>
+      <p:sp>
+        <p:nvSpPr>
+          <p:cNvPr id="37" name="円柱 36"/>
+          <p:cNvSpPr/>
+          <p:nvPr/>
+        </p:nvSpPr>
+        <p:spPr>
+          <a:xfrm>
+            <a:off x="1049692" y="2276872"/>
+            <a:ext cx="1048153" cy="720080"/>
+          </a:xfrm>
+          <a:prstGeom prst="can">
+            <a:avLst/>
+          </a:prstGeom>
+          <a:solidFill>
+            <a:schemeClr val="bg1"/>
+          </a:solidFill>
+          <a:ln w="12700" cap="rnd">
+            <a:solidFill>
+              <a:schemeClr val="tx1">
+                <a:lumMod val="65000"/>
+                <a:lumOff val="35000"/>
+              </a:schemeClr>
+            </a:solidFill>
+            <a:prstDash val="solid"/>
+          </a:ln>
+        </p:spPr>
+        <p:style>
+          <a:lnRef idx="2">
+            <a:schemeClr val="accent1">
+              <a:shade val="50000"/>
+            </a:schemeClr>
+          </a:lnRef>
+          <a:fillRef idx="1">
+            <a:schemeClr val="accent1"/>
+          </a:fillRef>
+          <a:effectRef idx="0">
+            <a:schemeClr val="accent1"/>
+          </a:effectRef>
+          <a:fontRef idx="minor">
+            <a:schemeClr val="lt1"/>
+          </a:fontRef>
+        </p:style>
+        <p:txBody>
+          <a:bodyPr rtlCol="0" anchor="t"/>
+          <a:lstStyle/>
+          <a:p>
+            <a:pPr algn="ctr"/>
+            <a:r>
+              <a:rPr lang="en-US" altLang="ja-JP" sz="1400" dirty="0" smtClean="0">
+                <a:solidFill>
+                  <a:schemeClr val="tx1">
+                    <a:lumMod val="75000"/>
+                    <a:lumOff val="25000"/>
+                  </a:schemeClr>
+                </a:solidFill>
+              </a:rPr>
+              <a:t>MBS result</a:t>
+            </a:r>
+          </a:p>
+          <a:p>
+            <a:pPr algn="ctr"/>
+            <a:r>
+              <a:rPr kumimoji="1" lang="en-US" altLang="ja-JP" sz="1400" dirty="0" smtClean="0">
+                <a:solidFill>
+                  <a:schemeClr val="tx1">
+                    <a:lumMod val="75000"/>
+                    <a:lumOff val="25000"/>
+                  </a:schemeClr>
+                </a:solidFill>
+              </a:rPr>
+              <a:t>[</a:t>
+            </a:r>
+            <a:r>
+              <a:rPr kumimoji="1" lang="en-US" altLang="ja-JP" sz="1400" dirty="0" err="1" smtClean="0">
+                <a:solidFill>
+                  <a:schemeClr val="tx1">
+                    <a:lumMod val="75000"/>
+                    <a:lumOff val="25000"/>
+                  </a:schemeClr>
+                </a:solidFill>
+              </a:rPr>
+              <a:t>mongodb</a:t>
+            </a:r>
+            <a:r>
+              <a:rPr kumimoji="1" lang="en-US" altLang="ja-JP" sz="1400" dirty="0" smtClean="0">
+                <a:solidFill>
+                  <a:schemeClr val="tx1">
+                    <a:lumMod val="75000"/>
+                    <a:lumOff val="25000"/>
+                  </a:schemeClr>
+                </a:solidFill>
+              </a:rPr>
+              <a:t>]</a:t>
+            </a:r>
+            <a:endParaRPr kumimoji="1" lang="ja-JP" altLang="en-US" sz="1400" dirty="0">
+              <a:solidFill>
+                <a:schemeClr val="tx1">
+                  <a:lumMod val="75000"/>
+                  <a:lumOff val="25000"/>
+                </a:schemeClr>
+              </a:solidFill>
+            </a:endParaRPr>
+          </a:p>
+        </p:txBody>
+      </p:sp>
+      <p:sp>
+        <p:nvSpPr>
+          <p:cNvPr id="38" name="円柱 37"/>
+          <p:cNvSpPr/>
+          <p:nvPr/>
+        </p:nvSpPr>
+        <p:spPr>
+          <a:xfrm>
+            <a:off x="1049692" y="4749160"/>
+            <a:ext cx="1048153" cy="720080"/>
+          </a:xfrm>
+          <a:prstGeom prst="can">
+            <a:avLst/>
+          </a:prstGeom>
+          <a:solidFill>
+            <a:schemeClr val="bg1"/>
+          </a:solidFill>
+          <a:ln w="12700" cap="rnd">
+            <a:solidFill>
+              <a:schemeClr val="tx1">
+                <a:lumMod val="65000"/>
+                <a:lumOff val="35000"/>
+              </a:schemeClr>
+            </a:solidFill>
+            <a:prstDash val="solid"/>
+          </a:ln>
+        </p:spPr>
+        <p:style>
+          <a:lnRef idx="2">
+            <a:schemeClr val="accent1">
+              <a:shade val="50000"/>
+            </a:schemeClr>
+          </a:lnRef>
+          <a:fillRef idx="1">
+            <a:schemeClr val="accent1"/>
+          </a:fillRef>
+          <a:effectRef idx="0">
+            <a:schemeClr val="accent1"/>
+          </a:effectRef>
+          <a:fontRef idx="minor">
+            <a:schemeClr val="lt1"/>
+          </a:fontRef>
+        </p:style>
+        <p:txBody>
+          <a:bodyPr rtlCol="0" anchor="t"/>
+          <a:lstStyle/>
+          <a:p>
+            <a:pPr algn="ctr"/>
+            <a:r>
+              <a:rPr lang="en-US" altLang="ja-JP" sz="1400" dirty="0" smtClean="0">
+                <a:solidFill>
+                  <a:schemeClr val="tx1">
+                    <a:lumMod val="75000"/>
+                    <a:lumOff val="25000"/>
+                  </a:schemeClr>
+                </a:solidFill>
+              </a:rPr>
+              <a:t>MBS data store</a:t>
+            </a:r>
+            <a:r>
+              <a:rPr kumimoji="1" lang="en-US" altLang="ja-JP" sz="1400" dirty="0" smtClean="0">
+                <a:solidFill>
+                  <a:schemeClr val="tx1">
+                    <a:lumMod val="75000"/>
+                    <a:lumOff val="25000"/>
+                  </a:schemeClr>
+                </a:solidFill>
+              </a:rPr>
+              <a:t>[</a:t>
+            </a:r>
+            <a:r>
+              <a:rPr kumimoji="1" lang="en-US" altLang="ja-JP" sz="1400" dirty="0" err="1" smtClean="0">
+                <a:solidFill>
+                  <a:schemeClr val="tx1">
+                    <a:lumMod val="75000"/>
+                    <a:lumOff val="25000"/>
+                  </a:schemeClr>
+                </a:solidFill>
+              </a:rPr>
+              <a:t>redis</a:t>
+            </a:r>
+            <a:r>
+              <a:rPr kumimoji="1" lang="en-US" altLang="ja-JP" sz="1400" dirty="0" smtClean="0">
+                <a:solidFill>
+                  <a:schemeClr val="tx1">
+                    <a:lumMod val="75000"/>
+                    <a:lumOff val="25000"/>
+                  </a:schemeClr>
+                </a:solidFill>
+              </a:rPr>
+              <a:t>]</a:t>
+            </a:r>
+            <a:endParaRPr kumimoji="1" lang="ja-JP" altLang="en-US" sz="1400" dirty="0">
+              <a:solidFill>
+                <a:schemeClr val="tx1">
+                  <a:lumMod val="75000"/>
+                  <a:lumOff val="25000"/>
+                </a:schemeClr>
+              </a:solidFill>
+            </a:endParaRPr>
+          </a:p>
+        </p:txBody>
+      </p:sp>
+      <p:cxnSp>
+        <p:nvCxnSpPr>
+          <p:cNvPr id="39" name="カギ線コネクタ 38"/>
+          <p:cNvCxnSpPr>
+            <a:stCxn id="34" idx="2"/>
+            <a:endCxn id="38" idx="1"/>
+          </p:cNvCxnSpPr>
+          <p:nvPr/>
+        </p:nvCxnSpPr>
+        <p:spPr>
+          <a:xfrm>
+            <a:off x="1573769" y="4401108"/>
+            <a:ext cx="0" cy="348052"/>
+          </a:xfrm>
+          <a:prstGeom prst="straightConnector1">
+            <a:avLst/>
+          </a:prstGeom>
+          <a:ln w="19050" cap="rnd">
+            <a:solidFill>
+              <a:schemeClr val="tx1">
+                <a:lumMod val="65000"/>
+                <a:lumOff val="35000"/>
+              </a:schemeClr>
+            </a:solidFill>
+            <a:prstDash val="sysDot"/>
+          </a:ln>
+        </p:spPr>
+        <p:style>
+          <a:lnRef idx="1">
+            <a:schemeClr val="accent1"/>
+          </a:lnRef>
+          <a:fillRef idx="0">
+            <a:schemeClr val="accent1"/>
+          </a:fillRef>
+          <a:effectRef idx="0">
+            <a:schemeClr val="accent1"/>
+          </a:effectRef>
+          <a:fontRef idx="minor">
+            <a:schemeClr val="tx1"/>
+          </a:fontRef>
+        </p:style>
+      </p:cxnSp>
+      <p:cxnSp>
+        <p:nvCxnSpPr>
+          <p:cNvPr id="42" name="カギ線コネクタ 41"/>
+          <p:cNvCxnSpPr>
+            <a:stCxn id="37" idx="3"/>
+            <a:endCxn id="34" idx="0"/>
+          </p:cNvCxnSpPr>
+          <p:nvPr/>
+        </p:nvCxnSpPr>
+        <p:spPr>
+          <a:xfrm>
+            <a:off x="1573769" y="2996952"/>
+            <a:ext cx="0" cy="318752"/>
+          </a:xfrm>
+          <a:prstGeom prst="straightConnector1">
+            <a:avLst/>
+          </a:prstGeom>
+          <a:ln w="19050" cap="rnd">
+            <a:solidFill>
+              <a:schemeClr val="tx1">
+                <a:lumMod val="65000"/>
+                <a:lumOff val="35000"/>
+              </a:schemeClr>
+            </a:solidFill>
+            <a:prstDash val="sysDot"/>
+          </a:ln>
+        </p:spPr>
+        <p:style>
+          <a:lnRef idx="1">
+            <a:schemeClr val="accent1"/>
+          </a:lnRef>
+          <a:fillRef idx="0">
+            <a:schemeClr val="accent1"/>
+          </a:fillRef>
+          <a:effectRef idx="0">
+            <a:schemeClr val="accent1"/>
+          </a:effectRef>
+          <a:fontRef idx="minor">
+            <a:schemeClr val="tx1"/>
+          </a:fontRef>
+        </p:style>
+      </p:cxnSp>
+      <p:cxnSp>
+        <p:nvCxnSpPr>
+          <p:cNvPr id="56" name="直線矢印コネクタ 55"/>
+          <p:cNvCxnSpPr>
+            <a:endCxn id="34" idx="3"/>
+          </p:cNvCxnSpPr>
+          <p:nvPr/>
+        </p:nvCxnSpPr>
+        <p:spPr>
+          <a:xfrm flipH="1">
+            <a:off x="1909725" y="3858406"/>
+            <a:ext cx="358019" cy="0"/>
+          </a:xfrm>
+          <a:prstGeom prst="straightConnector1">
+            <a:avLst/>
+          </a:prstGeom>
+          <a:ln w="19050" cap="rnd">
+            <a:solidFill>
+              <a:schemeClr val="tx1">
+                <a:lumMod val="65000"/>
+                <a:lumOff val="35000"/>
+              </a:schemeClr>
+            </a:solidFill>
+            <a:prstDash val="solid"/>
+            <a:headEnd type="none" w="med" len="med"/>
+            <a:tailEnd type="arrow" w="med" len="med"/>
+          </a:ln>
+        </p:spPr>
+        <p:style>
+          <a:lnRef idx="1">
+            <a:schemeClr val="accent1"/>
+          </a:lnRef>
+          <a:fillRef idx="0">
+            <a:schemeClr val="accent1"/>
+          </a:fillRef>
+          <a:effectRef idx="0">
+            <a:schemeClr val="accent1"/>
+          </a:effectRef>
+          <a:fontRef idx="minor">
+            <a:schemeClr val="tx1"/>
+          </a:fontRef>
+        </p:style>
+      </p:cxnSp>
+      <p:sp>
+        <p:nvSpPr>
+          <p:cNvPr id="58" name="正方形/長方形 57"/>
+          <p:cNvSpPr/>
+          <p:nvPr/>
+        </p:nvSpPr>
+        <p:spPr>
+          <a:xfrm>
+            <a:off x="6257140" y="2060848"/>
+            <a:ext cx="1152128" cy="1080120"/>
+          </a:xfrm>
+          <a:prstGeom prst="rect">
+            <a:avLst/>
+          </a:prstGeom>
+          <a:solidFill>
+            <a:schemeClr val="bg1"/>
+          </a:solidFill>
+          <a:ln w="12700" cap="rnd">
+            <a:solidFill>
+              <a:schemeClr val="tx1">
+                <a:lumMod val="65000"/>
+                <a:lumOff val="35000"/>
+              </a:schemeClr>
+            </a:solidFill>
+            <a:prstDash val="solid"/>
+          </a:ln>
+        </p:spPr>
+        <p:style>
+          <a:lnRef idx="2">
+            <a:schemeClr val="accent1">
+              <a:shade val="50000"/>
+            </a:schemeClr>
+          </a:lnRef>
+          <a:fillRef idx="1">
+            <a:schemeClr val="accent1"/>
+          </a:fillRef>
+          <a:effectRef idx="0">
+            <a:schemeClr val="accent1"/>
+          </a:effectRef>
+          <a:fontRef idx="minor">
+            <a:schemeClr val="lt1"/>
+          </a:fontRef>
+        </p:style>
+        <p:txBody>
+          <a:bodyPr rtlCol="0" anchor="t"/>
+          <a:lstStyle/>
+          <a:p>
+            <a:pPr algn="ctr"/>
+            <a:r>
+              <a:rPr lang="en-US" altLang="ja-JP" sz="1400" dirty="0" smtClean="0">
+                <a:solidFill>
+                  <a:schemeClr val="tx1">
+                    <a:lumMod val="75000"/>
+                    <a:lumOff val="25000"/>
+                  </a:schemeClr>
+                </a:solidFill>
+              </a:rPr>
+              <a:t>task UI</a:t>
+            </a:r>
+          </a:p>
+          <a:p>
+            <a:pPr algn="ctr"/>
+            <a:r>
+              <a:rPr kumimoji="1" lang="en-US" altLang="ja-JP" sz="1400" dirty="0" smtClean="0">
+                <a:solidFill>
+                  <a:schemeClr val="tx1">
+                    <a:lumMod val="75000"/>
+                    <a:lumOff val="25000"/>
+                  </a:schemeClr>
+                </a:solidFill>
+              </a:rPr>
+              <a:t>[flower]</a:t>
+            </a:r>
+            <a:endParaRPr kumimoji="1" lang="ja-JP" altLang="en-US" sz="1400" dirty="0">
+              <a:solidFill>
+                <a:schemeClr val="tx1">
+                  <a:lumMod val="75000"/>
+                  <a:lumOff val="25000"/>
+                </a:schemeClr>
+              </a:solidFill>
+            </a:endParaRPr>
+          </a:p>
+        </p:txBody>
+      </p:sp>
+      <p:grpSp>
+        <p:nvGrpSpPr>
+          <p:cNvPr id="71" name="グループ化 70"/>
+          <p:cNvGrpSpPr/>
+          <p:nvPr/>
+        </p:nvGrpSpPr>
+        <p:grpSpPr>
+          <a:xfrm>
+            <a:off x="6644738" y="385249"/>
+            <a:ext cx="346185" cy="566169"/>
+            <a:chOff x="3371199" y="1971577"/>
+            <a:chExt cx="447767" cy="732303"/>
+          </a:xfrm>
+          <a:solidFill>
+            <a:schemeClr val="tx1">
+              <a:lumMod val="50000"/>
+              <a:lumOff val="50000"/>
+            </a:schemeClr>
+          </a:solidFill>
+        </p:grpSpPr>
+        <p:sp>
+          <p:nvSpPr>
+            <p:cNvPr id="72" name="円/楕円 71"/>
+            <p:cNvSpPr/>
+            <p:nvPr/>
+          </p:nvSpPr>
+          <p:spPr bwMode="auto">
+            <a:xfrm>
+              <a:off x="3431580" y="1971577"/>
+              <a:ext cx="327003" cy="326997"/>
+            </a:xfrm>
+            <a:prstGeom prst="ellipse">
+              <a:avLst/>
+            </a:prstGeom>
+            <a:grpFill/>
+            <a:ln w="12700" cap="flat" cmpd="sng" algn="ctr">
+              <a:solidFill>
+                <a:schemeClr val="bg1"/>
+              </a:solidFill>
+              <a:prstDash val="solid"/>
+              <a:round/>
+              <a:headEnd type="none" w="med" len="med"/>
+              <a:tailEnd type="none" w="med" len="med"/>
+            </a:ln>
+            <a:effectLst/>
+            <a:extLst>
+              <a:ext uri="{AF507438-7753-43E0-B8FC-AC1667EBCBE1}">
+                <a14:hiddenEffects xmlns:a14="http://schemas.microsoft.com/office/drawing/2010/main">
+                  <a:effectLst>
+                    <a:outerShdw dist="53882" dir="2700000" algn="ctr" rotWithShape="0">
+                      <a:schemeClr val="bg2">
+                        <a:alpha val="50000"/>
+                      </a:schemeClr>
+                    </a:outerShdw>
+                  </a:effectLst>
+                </a14:hiddenEffects>
+              </a:ext>
+            </a:extLst>
+          </p:spPr>
+          <p:txBody>
+            <a:bodyPr vert="horz" wrap="none" lIns="91440" tIns="45720" rIns="91440" bIns="45720" numCol="1" rtlCol="0" anchor="ctr" anchorCtr="0" compatLnSpc="1">
+              <a:prstTxWarp prst="textNoShape">
+                <a:avLst/>
+              </a:prstTxWarp>
+            </a:bodyPr>
+            <a:lstStyle>
+              <a:defPPr>
+                <a:defRPr lang="ja-JP"/>
+              </a:defPPr>
+              <a:lvl1pPr marL="0" algn="l" defTabSz="914400" rtl="0" eaLnBrk="1" latinLnBrk="0" hangingPunct="1">
+                <a:defRPr kumimoji="1" sz="1800" kern="1200">
+                  <a:solidFill>
+                    <a:schemeClr val="tx1"/>
+                  </a:solidFill>
+                  <a:latin typeface="+mn-lt"/>
+                  <a:ea typeface="+mn-ea"/>
+                  <a:cs typeface="+mn-cs"/>
+                </a:defRPr>
+              </a:lvl1pPr>
+              <a:lvl2pPr marL="457200" algn="l" defTabSz="914400" rtl="0" eaLnBrk="1" latinLnBrk="0" hangingPunct="1">
+                <a:defRPr kumimoji="1" sz="1800" kern="1200">
+                  <a:solidFill>
+                    <a:schemeClr val="tx1"/>
+                  </a:solidFill>
+                  <a:latin typeface="+mn-lt"/>
+                  <a:ea typeface="+mn-ea"/>
+                  <a:cs typeface="+mn-cs"/>
+                </a:defRPr>
+              </a:lvl2pPr>
+              <a:lvl3pPr marL="914400" algn="l" defTabSz="914400" rtl="0" eaLnBrk="1" latinLnBrk="0" hangingPunct="1">
+                <a:defRPr kumimoji="1" sz="1800" kern="1200">
+                  <a:solidFill>
+                    <a:schemeClr val="tx1"/>
+                  </a:solidFill>
+                  <a:latin typeface="+mn-lt"/>
+                  <a:ea typeface="+mn-ea"/>
+                  <a:cs typeface="+mn-cs"/>
+                </a:defRPr>
+              </a:lvl3pPr>
+              <a:lvl4pPr marL="1371600" algn="l" defTabSz="914400" rtl="0" eaLnBrk="1" latinLnBrk="0" hangingPunct="1">
+                <a:defRPr kumimoji="1" sz="1800" kern="1200">
+                  <a:solidFill>
+                    <a:schemeClr val="tx1"/>
+                  </a:solidFill>
+                  <a:latin typeface="+mn-lt"/>
+                  <a:ea typeface="+mn-ea"/>
+                  <a:cs typeface="+mn-cs"/>
+                </a:defRPr>
+              </a:lvl4pPr>
+              <a:lvl5pPr marL="1828800" algn="l" defTabSz="914400" rtl="0" eaLnBrk="1" latinLnBrk="0" hangingPunct="1">
+                <a:defRPr kumimoji="1" sz="1800" kern="1200">
+                  <a:solidFill>
+                    <a:schemeClr val="tx1"/>
+                  </a:solidFill>
+                  <a:latin typeface="+mn-lt"/>
+                  <a:ea typeface="+mn-ea"/>
+                  <a:cs typeface="+mn-cs"/>
+                </a:defRPr>
+              </a:lvl5pPr>
+              <a:lvl6pPr marL="2286000" algn="l" defTabSz="914400" rtl="0" eaLnBrk="1" latinLnBrk="0" hangingPunct="1">
+                <a:defRPr kumimoji="1" sz="1800" kern="1200">
+                  <a:solidFill>
+                    <a:schemeClr val="tx1"/>
+                  </a:solidFill>
+                  <a:latin typeface="+mn-lt"/>
+                  <a:ea typeface="+mn-ea"/>
+                  <a:cs typeface="+mn-cs"/>
+                </a:defRPr>
+              </a:lvl6pPr>
+              <a:lvl7pPr marL="2743200" algn="l" defTabSz="914400" rtl="0" eaLnBrk="1" latinLnBrk="0" hangingPunct="1">
+                <a:defRPr kumimoji="1" sz="1800" kern="1200">
+                  <a:solidFill>
+                    <a:schemeClr val="tx1"/>
+                  </a:solidFill>
+                  <a:latin typeface="+mn-lt"/>
+                  <a:ea typeface="+mn-ea"/>
+                  <a:cs typeface="+mn-cs"/>
+                </a:defRPr>
+              </a:lvl7pPr>
+              <a:lvl8pPr marL="3200400" algn="l" defTabSz="914400" rtl="0" eaLnBrk="1" latinLnBrk="0" hangingPunct="1">
+                <a:defRPr kumimoji="1" sz="1800" kern="1200">
+                  <a:solidFill>
+                    <a:schemeClr val="tx1"/>
+                  </a:solidFill>
+                  <a:latin typeface="+mn-lt"/>
+                  <a:ea typeface="+mn-ea"/>
+                  <a:cs typeface="+mn-cs"/>
+                </a:defRPr>
+              </a:lvl8pPr>
+              <a:lvl9pPr marL="3657600" algn="l" defTabSz="914400" rtl="0" eaLnBrk="1" latinLnBrk="0" hangingPunct="1">
+                <a:defRPr kumimoji="1" sz="1800" kern="1200">
+                  <a:solidFill>
+                    <a:schemeClr val="tx1"/>
+                  </a:solidFill>
+                  <a:latin typeface="+mn-lt"/>
+                  <a:ea typeface="+mn-ea"/>
+                  <a:cs typeface="+mn-cs"/>
+                </a:defRPr>
+              </a:lvl9pPr>
+            </a:lstStyle>
+            <a:p>
+              <a:pPr marL="0" marR="0" indent="0" algn="ctr" defTabSz="914400" rtl="0" eaLnBrk="1" fontAlgn="ctr" latinLnBrk="0" hangingPunct="1">
+                <a:lnSpc>
+                  <a:spcPct val="100000"/>
+                </a:lnSpc>
+                <a:spcBef>
+                  <a:spcPct val="0"/>
+                </a:spcBef>
+                <a:spcAft>
+                  <a:spcPct val="0"/>
+                </a:spcAft>
+                <a:buClrTx/>
+                <a:buSzTx/>
+                <a:buFontTx/>
+                <a:buNone/>
+                <a:tabLst/>
+              </a:pPr>
+              <a:endParaRPr kumimoji="1" lang="ja-JP" altLang="en-US" sz="1200" b="1" i="0" u="none" strike="noStrike" cap="none" normalizeH="0" baseline="0" smtClean="0">
+                <a:ln>
+                  <a:noFill/>
+                </a:ln>
+                <a:solidFill>
+                  <a:srgbClr val="000000"/>
+                </a:solidFill>
+                <a:effectLst/>
+                <a:latin typeface="Calibri" panose="020F0502020204030204" pitchFamily="34" charset="0"/>
+                <a:ea typeface="ＭＳ Ｐゴシック" pitchFamily="50" charset="-128"/>
+                <a:cs typeface="Calibri" panose="020F0502020204030204" pitchFamily="34" charset="0"/>
+              </a:endParaRPr>
+            </a:p>
+          </p:txBody>
+        </p:sp>
+        <p:sp>
+          <p:nvSpPr>
+            <p:cNvPr id="73" name="片側の 2 つの角を丸めた四角形 72"/>
+            <p:cNvSpPr/>
+            <p:nvPr/>
+          </p:nvSpPr>
+          <p:spPr bwMode="auto">
+            <a:xfrm>
+              <a:off x="3371199" y="2298574"/>
+              <a:ext cx="447767" cy="405306"/>
+            </a:xfrm>
+            <a:prstGeom prst="round2SameRect">
+              <a:avLst>
+                <a:gd name="adj1" fmla="val 46706"/>
+                <a:gd name="adj2" fmla="val 0"/>
+              </a:avLst>
+            </a:prstGeom>
+            <a:grpFill/>
+            <a:ln w="12700" cap="flat" cmpd="sng" algn="ctr">
+              <a:solidFill>
+                <a:schemeClr val="bg1"/>
+              </a:solidFill>
+              <a:prstDash val="solid"/>
+              <a:round/>
+              <a:headEnd type="none" w="med" len="med"/>
+              <a:tailEnd type="none" w="med" len="med"/>
+            </a:ln>
+            <a:effectLst/>
+            <a:extLst>
+              <a:ext uri="{AF507438-7753-43E0-B8FC-AC1667EBCBE1}">
+                <a14:hiddenEffects xmlns:a14="http://schemas.microsoft.com/office/drawing/2010/main">
+                  <a:effectLst>
+                    <a:outerShdw dist="53882" dir="2700000" algn="ctr" rotWithShape="0">
+                      <a:schemeClr val="bg2">
+                        <a:alpha val="50000"/>
+                      </a:schemeClr>
+                    </a:outerShdw>
+                  </a:effectLst>
+                </a14:hiddenEffects>
+              </a:ext>
+            </a:extLst>
+          </p:spPr>
+          <p:txBody>
+            <a:bodyPr vert="horz" wrap="none" lIns="91440" tIns="45720" rIns="91440" bIns="45720" numCol="1" rtlCol="0" anchor="ctr" anchorCtr="0" compatLnSpc="1">
+              <a:prstTxWarp prst="textNoShape">
+                <a:avLst/>
+              </a:prstTxWarp>
+            </a:bodyPr>
+            <a:lstStyle>
+              <a:defPPr>
+                <a:defRPr lang="ja-JP"/>
+              </a:defPPr>
+              <a:lvl1pPr marL="0" algn="l" defTabSz="914400" rtl="0" eaLnBrk="1" latinLnBrk="0" hangingPunct="1">
+                <a:defRPr kumimoji="1" sz="1800" kern="1200">
+                  <a:solidFill>
+                    <a:schemeClr val="tx1"/>
+                  </a:solidFill>
+                  <a:latin typeface="+mn-lt"/>
+                  <a:ea typeface="+mn-ea"/>
+                  <a:cs typeface="+mn-cs"/>
+                </a:defRPr>
+              </a:lvl1pPr>
+              <a:lvl2pPr marL="457200" algn="l" defTabSz="914400" rtl="0" eaLnBrk="1" latinLnBrk="0" hangingPunct="1">
+                <a:defRPr kumimoji="1" sz="1800" kern="1200">
+                  <a:solidFill>
+                    <a:schemeClr val="tx1"/>
+                  </a:solidFill>
+                  <a:latin typeface="+mn-lt"/>
+                  <a:ea typeface="+mn-ea"/>
+                  <a:cs typeface="+mn-cs"/>
+                </a:defRPr>
+              </a:lvl2pPr>
+              <a:lvl3pPr marL="914400" algn="l" defTabSz="914400" rtl="0" eaLnBrk="1" latinLnBrk="0" hangingPunct="1">
+                <a:defRPr kumimoji="1" sz="1800" kern="1200">
+                  <a:solidFill>
+                    <a:schemeClr val="tx1"/>
+                  </a:solidFill>
+                  <a:latin typeface="+mn-lt"/>
+                  <a:ea typeface="+mn-ea"/>
+                  <a:cs typeface="+mn-cs"/>
+                </a:defRPr>
+              </a:lvl3pPr>
+              <a:lvl4pPr marL="1371600" algn="l" defTabSz="914400" rtl="0" eaLnBrk="1" latinLnBrk="0" hangingPunct="1">
+                <a:defRPr kumimoji="1" sz="1800" kern="1200">
+                  <a:solidFill>
+                    <a:schemeClr val="tx1"/>
+                  </a:solidFill>
+                  <a:latin typeface="+mn-lt"/>
+                  <a:ea typeface="+mn-ea"/>
+                  <a:cs typeface="+mn-cs"/>
+                </a:defRPr>
+              </a:lvl4pPr>
+              <a:lvl5pPr marL="1828800" algn="l" defTabSz="914400" rtl="0" eaLnBrk="1" latinLnBrk="0" hangingPunct="1">
+                <a:defRPr kumimoji="1" sz="1800" kern="1200">
+                  <a:solidFill>
+                    <a:schemeClr val="tx1"/>
+                  </a:solidFill>
+                  <a:latin typeface="+mn-lt"/>
+                  <a:ea typeface="+mn-ea"/>
+                  <a:cs typeface="+mn-cs"/>
+                </a:defRPr>
+              </a:lvl5pPr>
+              <a:lvl6pPr marL="2286000" algn="l" defTabSz="914400" rtl="0" eaLnBrk="1" latinLnBrk="0" hangingPunct="1">
+                <a:defRPr kumimoji="1" sz="1800" kern="1200">
+                  <a:solidFill>
+                    <a:schemeClr val="tx1"/>
+                  </a:solidFill>
+                  <a:latin typeface="+mn-lt"/>
+                  <a:ea typeface="+mn-ea"/>
+                  <a:cs typeface="+mn-cs"/>
+                </a:defRPr>
+              </a:lvl6pPr>
+              <a:lvl7pPr marL="2743200" algn="l" defTabSz="914400" rtl="0" eaLnBrk="1" latinLnBrk="0" hangingPunct="1">
+                <a:defRPr kumimoji="1" sz="1800" kern="1200">
+                  <a:solidFill>
+                    <a:schemeClr val="tx1"/>
+                  </a:solidFill>
+                  <a:latin typeface="+mn-lt"/>
+                  <a:ea typeface="+mn-ea"/>
+                  <a:cs typeface="+mn-cs"/>
+                </a:defRPr>
+              </a:lvl7pPr>
+              <a:lvl8pPr marL="3200400" algn="l" defTabSz="914400" rtl="0" eaLnBrk="1" latinLnBrk="0" hangingPunct="1">
+                <a:defRPr kumimoji="1" sz="1800" kern="1200">
+                  <a:solidFill>
+                    <a:schemeClr val="tx1"/>
+                  </a:solidFill>
+                  <a:latin typeface="+mn-lt"/>
+                  <a:ea typeface="+mn-ea"/>
+                  <a:cs typeface="+mn-cs"/>
+                </a:defRPr>
+              </a:lvl8pPr>
+              <a:lvl9pPr marL="3657600" algn="l" defTabSz="914400" rtl="0" eaLnBrk="1" latinLnBrk="0" hangingPunct="1">
+                <a:defRPr kumimoji="1" sz="1800" kern="1200">
+                  <a:solidFill>
+                    <a:schemeClr val="tx1"/>
+                  </a:solidFill>
+                  <a:latin typeface="+mn-lt"/>
+                  <a:ea typeface="+mn-ea"/>
+                  <a:cs typeface="+mn-cs"/>
+                </a:defRPr>
+              </a:lvl9pPr>
+            </a:lstStyle>
+            <a:p>
+              <a:pPr marL="0" marR="0" indent="0" algn="ctr" defTabSz="914400" rtl="0" eaLnBrk="1" fontAlgn="ctr" latinLnBrk="0" hangingPunct="1">
+                <a:lnSpc>
+                  <a:spcPct val="100000"/>
+                </a:lnSpc>
+                <a:spcBef>
+                  <a:spcPct val="0"/>
+                </a:spcBef>
+                <a:spcAft>
+                  <a:spcPct val="0"/>
+                </a:spcAft>
+                <a:buClrTx/>
+                <a:buSzTx/>
+                <a:buFontTx/>
+                <a:buNone/>
+                <a:tabLst/>
+              </a:pPr>
+              <a:endParaRPr kumimoji="1" lang="ja-JP" altLang="en-US" sz="1200" b="1" i="0" u="none" strike="noStrike" cap="none" normalizeH="0" baseline="0" dirty="0" smtClean="0">
+                <a:ln>
+                  <a:noFill/>
+                </a:ln>
+                <a:solidFill>
+                  <a:schemeClr val="accent1"/>
+                </a:solidFill>
+                <a:effectLst/>
+                <a:latin typeface="Calibri" panose="020F0502020204030204" pitchFamily="34" charset="0"/>
+                <a:ea typeface="ＭＳ Ｐゴシック" pitchFamily="50" charset="-128"/>
+                <a:cs typeface="Calibri" panose="020F0502020204030204" pitchFamily="34" charset="0"/>
+              </a:endParaRPr>
+            </a:p>
+          </p:txBody>
+        </p:sp>
+      </p:grpSp>
+      <p:grpSp>
+        <p:nvGrpSpPr>
+          <p:cNvPr id="74" name="グループ化 73"/>
+          <p:cNvGrpSpPr/>
+          <p:nvPr/>
+        </p:nvGrpSpPr>
+        <p:grpSpPr>
+          <a:xfrm>
+            <a:off x="7898223" y="385249"/>
+            <a:ext cx="346185" cy="566169"/>
+            <a:chOff x="3371199" y="1971577"/>
+            <a:chExt cx="447767" cy="732303"/>
+          </a:xfrm>
+          <a:solidFill>
+            <a:schemeClr val="tx1">
+              <a:lumMod val="50000"/>
+              <a:lumOff val="50000"/>
+            </a:schemeClr>
+          </a:solidFill>
+        </p:grpSpPr>
+        <p:sp>
+          <p:nvSpPr>
+            <p:cNvPr id="75" name="円/楕円 74"/>
+            <p:cNvSpPr/>
+            <p:nvPr/>
+          </p:nvSpPr>
+          <p:spPr bwMode="auto">
+            <a:xfrm>
+              <a:off x="3431580" y="1971577"/>
+              <a:ext cx="327003" cy="326997"/>
+            </a:xfrm>
+            <a:prstGeom prst="ellipse">
+              <a:avLst/>
+            </a:prstGeom>
+            <a:grpFill/>
+            <a:ln w="12700" cap="flat" cmpd="sng" algn="ctr">
+              <a:solidFill>
+                <a:schemeClr val="bg1"/>
+              </a:solidFill>
+              <a:prstDash val="solid"/>
+              <a:round/>
+              <a:headEnd type="none" w="med" len="med"/>
+              <a:tailEnd type="none" w="med" len="med"/>
+            </a:ln>
+            <a:effectLst/>
+            <a:extLst>
+              <a:ext uri="{AF507438-7753-43E0-B8FC-AC1667EBCBE1}">
+                <a14:hiddenEffects xmlns:a14="http://schemas.microsoft.com/office/drawing/2010/main">
+                  <a:effectLst>
+                    <a:outerShdw dist="53882" dir="2700000" algn="ctr" rotWithShape="0">
+                      <a:schemeClr val="bg2">
+                        <a:alpha val="50000"/>
+                      </a:schemeClr>
+                    </a:outerShdw>
+                  </a:effectLst>
+                </a14:hiddenEffects>
+              </a:ext>
+            </a:extLst>
+          </p:spPr>
+          <p:txBody>
+            <a:bodyPr vert="horz" wrap="none" lIns="91440" tIns="45720" rIns="91440" bIns="45720" numCol="1" rtlCol="0" anchor="ctr" anchorCtr="0" compatLnSpc="1">
+              <a:prstTxWarp prst="textNoShape">
+                <a:avLst/>
+              </a:prstTxWarp>
+            </a:bodyPr>
+            <a:lstStyle>
+              <a:defPPr>
+                <a:defRPr lang="ja-JP"/>
+              </a:defPPr>
+              <a:lvl1pPr marL="0" algn="l" defTabSz="914400" rtl="0" eaLnBrk="1" latinLnBrk="0" hangingPunct="1">
+                <a:defRPr kumimoji="1" sz="1800" kern="1200">
+                  <a:solidFill>
+                    <a:schemeClr val="tx1"/>
+                  </a:solidFill>
+                  <a:latin typeface="+mn-lt"/>
+                  <a:ea typeface="+mn-ea"/>
+                  <a:cs typeface="+mn-cs"/>
+                </a:defRPr>
+              </a:lvl1pPr>
+              <a:lvl2pPr marL="457200" algn="l" defTabSz="914400" rtl="0" eaLnBrk="1" latinLnBrk="0" hangingPunct="1">
+                <a:defRPr kumimoji="1" sz="1800" kern="1200">
+                  <a:solidFill>
+                    <a:schemeClr val="tx1"/>
+                  </a:solidFill>
+                  <a:latin typeface="+mn-lt"/>
+                  <a:ea typeface="+mn-ea"/>
+                  <a:cs typeface="+mn-cs"/>
+                </a:defRPr>
+              </a:lvl2pPr>
+              <a:lvl3pPr marL="914400" algn="l" defTabSz="914400" rtl="0" eaLnBrk="1" latinLnBrk="0" hangingPunct="1">
+                <a:defRPr kumimoji="1" sz="1800" kern="1200">
+                  <a:solidFill>
+                    <a:schemeClr val="tx1"/>
+                  </a:solidFill>
+                  <a:latin typeface="+mn-lt"/>
+                  <a:ea typeface="+mn-ea"/>
+                  <a:cs typeface="+mn-cs"/>
+                </a:defRPr>
+              </a:lvl3pPr>
+              <a:lvl4pPr marL="1371600" algn="l" defTabSz="914400" rtl="0" eaLnBrk="1" latinLnBrk="0" hangingPunct="1">
+                <a:defRPr kumimoji="1" sz="1800" kern="1200">
+                  <a:solidFill>
+                    <a:schemeClr val="tx1"/>
+                  </a:solidFill>
+                  <a:latin typeface="+mn-lt"/>
+                  <a:ea typeface="+mn-ea"/>
+                  <a:cs typeface="+mn-cs"/>
+                </a:defRPr>
+              </a:lvl4pPr>
+              <a:lvl5pPr marL="1828800" algn="l" defTabSz="914400" rtl="0" eaLnBrk="1" latinLnBrk="0" hangingPunct="1">
+                <a:defRPr kumimoji="1" sz="1800" kern="1200">
+                  <a:solidFill>
+                    <a:schemeClr val="tx1"/>
+                  </a:solidFill>
+                  <a:latin typeface="+mn-lt"/>
+                  <a:ea typeface="+mn-ea"/>
+                  <a:cs typeface="+mn-cs"/>
+                </a:defRPr>
+              </a:lvl5pPr>
+              <a:lvl6pPr marL="2286000" algn="l" defTabSz="914400" rtl="0" eaLnBrk="1" latinLnBrk="0" hangingPunct="1">
+                <a:defRPr kumimoji="1" sz="1800" kern="1200">
+                  <a:solidFill>
+                    <a:schemeClr val="tx1"/>
+                  </a:solidFill>
+                  <a:latin typeface="+mn-lt"/>
+                  <a:ea typeface="+mn-ea"/>
+                  <a:cs typeface="+mn-cs"/>
+                </a:defRPr>
+              </a:lvl6pPr>
+              <a:lvl7pPr marL="2743200" algn="l" defTabSz="914400" rtl="0" eaLnBrk="1" latinLnBrk="0" hangingPunct="1">
+                <a:defRPr kumimoji="1" sz="1800" kern="1200">
+                  <a:solidFill>
+                    <a:schemeClr val="tx1"/>
+                  </a:solidFill>
+                  <a:latin typeface="+mn-lt"/>
+                  <a:ea typeface="+mn-ea"/>
+                  <a:cs typeface="+mn-cs"/>
+                </a:defRPr>
+              </a:lvl7pPr>
+              <a:lvl8pPr marL="3200400" algn="l" defTabSz="914400" rtl="0" eaLnBrk="1" latinLnBrk="0" hangingPunct="1">
+                <a:defRPr kumimoji="1" sz="1800" kern="1200">
+                  <a:solidFill>
+                    <a:schemeClr val="tx1"/>
+                  </a:solidFill>
+                  <a:latin typeface="+mn-lt"/>
+                  <a:ea typeface="+mn-ea"/>
+                  <a:cs typeface="+mn-cs"/>
+                </a:defRPr>
+              </a:lvl8pPr>
+              <a:lvl9pPr marL="3657600" algn="l" defTabSz="914400" rtl="0" eaLnBrk="1" latinLnBrk="0" hangingPunct="1">
+                <a:defRPr kumimoji="1" sz="1800" kern="1200">
+                  <a:solidFill>
+                    <a:schemeClr val="tx1"/>
+                  </a:solidFill>
+                  <a:latin typeface="+mn-lt"/>
+                  <a:ea typeface="+mn-ea"/>
+                  <a:cs typeface="+mn-cs"/>
+                </a:defRPr>
+              </a:lvl9pPr>
+            </a:lstStyle>
+            <a:p>
+              <a:pPr marL="0" marR="0" indent="0" algn="ctr" defTabSz="914400" rtl="0" eaLnBrk="1" fontAlgn="ctr" latinLnBrk="0" hangingPunct="1">
+                <a:lnSpc>
+                  <a:spcPct val="100000"/>
+                </a:lnSpc>
+                <a:spcBef>
+                  <a:spcPct val="0"/>
+                </a:spcBef>
+                <a:spcAft>
+                  <a:spcPct val="0"/>
+                </a:spcAft>
+                <a:buClrTx/>
+                <a:buSzTx/>
+                <a:buFontTx/>
+                <a:buNone/>
+                <a:tabLst/>
+              </a:pPr>
+              <a:endParaRPr kumimoji="1" lang="ja-JP" altLang="en-US" sz="1200" b="1" i="0" u="none" strike="noStrike" cap="none" normalizeH="0" baseline="0" smtClean="0">
+                <a:ln>
+                  <a:noFill/>
+                </a:ln>
+                <a:solidFill>
+                  <a:srgbClr val="000000"/>
+                </a:solidFill>
+                <a:effectLst/>
+                <a:latin typeface="Calibri" panose="020F0502020204030204" pitchFamily="34" charset="0"/>
+                <a:ea typeface="ＭＳ Ｐゴシック" pitchFamily="50" charset="-128"/>
+                <a:cs typeface="Calibri" panose="020F0502020204030204" pitchFamily="34" charset="0"/>
+              </a:endParaRPr>
+            </a:p>
+          </p:txBody>
+        </p:sp>
+        <p:sp>
+          <p:nvSpPr>
+            <p:cNvPr id="76" name="片側の 2 つの角を丸めた四角形 75"/>
+            <p:cNvSpPr/>
+            <p:nvPr/>
+          </p:nvSpPr>
+          <p:spPr bwMode="auto">
+            <a:xfrm>
+              <a:off x="3371199" y="2298574"/>
+              <a:ext cx="447767" cy="405306"/>
+            </a:xfrm>
+            <a:prstGeom prst="round2SameRect">
+              <a:avLst>
+                <a:gd name="adj1" fmla="val 46706"/>
+                <a:gd name="adj2" fmla="val 0"/>
+              </a:avLst>
+            </a:prstGeom>
+            <a:grpFill/>
+            <a:ln w="12700" cap="flat" cmpd="sng" algn="ctr">
+              <a:solidFill>
+                <a:schemeClr val="bg1"/>
+              </a:solidFill>
+              <a:prstDash val="solid"/>
+              <a:round/>
+              <a:headEnd type="none" w="med" len="med"/>
+              <a:tailEnd type="none" w="med" len="med"/>
+            </a:ln>
+            <a:effectLst/>
+            <a:extLst>
+              <a:ext uri="{AF507438-7753-43E0-B8FC-AC1667EBCBE1}">
+                <a14:hiddenEffects xmlns:a14="http://schemas.microsoft.com/office/drawing/2010/main">
+                  <a:effectLst>
+                    <a:outerShdw dist="53882" dir="2700000" algn="ctr" rotWithShape="0">
+                      <a:schemeClr val="bg2">
+                        <a:alpha val="50000"/>
+                      </a:schemeClr>
+                    </a:outerShdw>
+                  </a:effectLst>
+                </a14:hiddenEffects>
+              </a:ext>
+            </a:extLst>
+          </p:spPr>
+          <p:txBody>
+            <a:bodyPr vert="horz" wrap="none" lIns="91440" tIns="45720" rIns="91440" bIns="45720" numCol="1" rtlCol="0" anchor="ctr" anchorCtr="0" compatLnSpc="1">
+              <a:prstTxWarp prst="textNoShape">
+                <a:avLst/>
+              </a:prstTxWarp>
+            </a:bodyPr>
+            <a:lstStyle>
+              <a:defPPr>
+                <a:defRPr lang="ja-JP"/>
+              </a:defPPr>
+              <a:lvl1pPr marL="0" algn="l" defTabSz="914400" rtl="0" eaLnBrk="1" latinLnBrk="0" hangingPunct="1">
+                <a:defRPr kumimoji="1" sz="1800" kern="1200">
+                  <a:solidFill>
+                    <a:schemeClr val="tx1"/>
+                  </a:solidFill>
+                  <a:latin typeface="+mn-lt"/>
+                  <a:ea typeface="+mn-ea"/>
+                  <a:cs typeface="+mn-cs"/>
+                </a:defRPr>
+              </a:lvl1pPr>
+              <a:lvl2pPr marL="457200" algn="l" defTabSz="914400" rtl="0" eaLnBrk="1" latinLnBrk="0" hangingPunct="1">
+                <a:defRPr kumimoji="1" sz="1800" kern="1200">
+                  <a:solidFill>
+                    <a:schemeClr val="tx1"/>
+                  </a:solidFill>
+                  <a:latin typeface="+mn-lt"/>
+                  <a:ea typeface="+mn-ea"/>
+                  <a:cs typeface="+mn-cs"/>
+                </a:defRPr>
+              </a:lvl2pPr>
+              <a:lvl3pPr marL="914400" algn="l" defTabSz="914400" rtl="0" eaLnBrk="1" latinLnBrk="0" hangingPunct="1">
+                <a:defRPr kumimoji="1" sz="1800" kern="1200">
+                  <a:solidFill>
+                    <a:schemeClr val="tx1"/>
+                  </a:solidFill>
+                  <a:latin typeface="+mn-lt"/>
+                  <a:ea typeface="+mn-ea"/>
+                  <a:cs typeface="+mn-cs"/>
+                </a:defRPr>
+              </a:lvl3pPr>
+              <a:lvl4pPr marL="1371600" algn="l" defTabSz="914400" rtl="0" eaLnBrk="1" latinLnBrk="0" hangingPunct="1">
+                <a:defRPr kumimoji="1" sz="1800" kern="1200">
+                  <a:solidFill>
+                    <a:schemeClr val="tx1"/>
+                  </a:solidFill>
+                  <a:latin typeface="+mn-lt"/>
+                  <a:ea typeface="+mn-ea"/>
+                  <a:cs typeface="+mn-cs"/>
+                </a:defRPr>
+              </a:lvl4pPr>
+              <a:lvl5pPr marL="1828800" algn="l" defTabSz="914400" rtl="0" eaLnBrk="1" latinLnBrk="0" hangingPunct="1">
+                <a:defRPr kumimoji="1" sz="1800" kern="1200">
+                  <a:solidFill>
+                    <a:schemeClr val="tx1"/>
+                  </a:solidFill>
+                  <a:latin typeface="+mn-lt"/>
+                  <a:ea typeface="+mn-ea"/>
+                  <a:cs typeface="+mn-cs"/>
+                </a:defRPr>
+              </a:lvl5pPr>
+              <a:lvl6pPr marL="2286000" algn="l" defTabSz="914400" rtl="0" eaLnBrk="1" latinLnBrk="0" hangingPunct="1">
+                <a:defRPr kumimoji="1" sz="1800" kern="1200">
+                  <a:solidFill>
+                    <a:schemeClr val="tx1"/>
+                  </a:solidFill>
+                  <a:latin typeface="+mn-lt"/>
+                  <a:ea typeface="+mn-ea"/>
+                  <a:cs typeface="+mn-cs"/>
+                </a:defRPr>
+              </a:lvl6pPr>
+              <a:lvl7pPr marL="2743200" algn="l" defTabSz="914400" rtl="0" eaLnBrk="1" latinLnBrk="0" hangingPunct="1">
+                <a:defRPr kumimoji="1" sz="1800" kern="1200">
+                  <a:solidFill>
+                    <a:schemeClr val="tx1"/>
+                  </a:solidFill>
+                  <a:latin typeface="+mn-lt"/>
+                  <a:ea typeface="+mn-ea"/>
+                  <a:cs typeface="+mn-cs"/>
+                </a:defRPr>
+              </a:lvl7pPr>
+              <a:lvl8pPr marL="3200400" algn="l" defTabSz="914400" rtl="0" eaLnBrk="1" latinLnBrk="0" hangingPunct="1">
+                <a:defRPr kumimoji="1" sz="1800" kern="1200">
+                  <a:solidFill>
+                    <a:schemeClr val="tx1"/>
+                  </a:solidFill>
+                  <a:latin typeface="+mn-lt"/>
+                  <a:ea typeface="+mn-ea"/>
+                  <a:cs typeface="+mn-cs"/>
+                </a:defRPr>
+              </a:lvl8pPr>
+              <a:lvl9pPr marL="3657600" algn="l" defTabSz="914400" rtl="0" eaLnBrk="1" latinLnBrk="0" hangingPunct="1">
+                <a:defRPr kumimoji="1" sz="1800" kern="1200">
+                  <a:solidFill>
+                    <a:schemeClr val="tx1"/>
+                  </a:solidFill>
+                  <a:latin typeface="+mn-lt"/>
+                  <a:ea typeface="+mn-ea"/>
+                  <a:cs typeface="+mn-cs"/>
+                </a:defRPr>
+              </a:lvl9pPr>
+            </a:lstStyle>
+            <a:p>
+              <a:pPr marL="0" marR="0" indent="0" algn="ctr" defTabSz="914400" rtl="0" eaLnBrk="1" fontAlgn="ctr" latinLnBrk="0" hangingPunct="1">
+                <a:lnSpc>
+                  <a:spcPct val="100000"/>
+                </a:lnSpc>
+                <a:spcBef>
+                  <a:spcPct val="0"/>
+                </a:spcBef>
+                <a:spcAft>
+                  <a:spcPct val="0"/>
+                </a:spcAft>
+                <a:buClrTx/>
+                <a:buSzTx/>
+                <a:buFontTx/>
+                <a:buNone/>
+                <a:tabLst/>
+              </a:pPr>
+              <a:endParaRPr kumimoji="1" lang="ja-JP" altLang="en-US" sz="1200" b="1" i="0" u="none" strike="noStrike" cap="none" normalizeH="0" baseline="0" dirty="0" smtClean="0">
+                <a:ln>
+                  <a:noFill/>
+                </a:ln>
+                <a:solidFill>
+                  <a:schemeClr val="accent1"/>
+                </a:solidFill>
+                <a:effectLst/>
+                <a:latin typeface="Calibri" panose="020F0502020204030204" pitchFamily="34" charset="0"/>
+                <a:ea typeface="ＭＳ Ｐゴシック" pitchFamily="50" charset="-128"/>
+                <a:cs typeface="Calibri" panose="020F0502020204030204" pitchFamily="34" charset="0"/>
+              </a:endParaRPr>
+            </a:p>
+          </p:txBody>
+        </p:sp>
+      </p:grpSp>
+      <p:cxnSp>
+        <p:nvCxnSpPr>
+          <p:cNvPr id="78" name="直線矢印コネクタ 77"/>
+          <p:cNvCxnSpPr>
+            <a:stCxn id="73" idx="1"/>
+          </p:cNvCxnSpPr>
+          <p:nvPr/>
+        </p:nvCxnSpPr>
+        <p:spPr>
+          <a:xfrm flipH="1">
+            <a:off x="6817830" y="951418"/>
+            <a:ext cx="1" cy="1109430"/>
+          </a:xfrm>
+          <a:prstGeom prst="straightConnector1">
+            <a:avLst/>
+          </a:prstGeom>
+          <a:ln w="19050" cap="rnd">
+            <a:solidFill>
+              <a:schemeClr val="tx1">
+                <a:lumMod val="65000"/>
+                <a:lumOff val="35000"/>
+              </a:schemeClr>
+            </a:solidFill>
+            <a:prstDash val="solid"/>
+            <a:headEnd type="none" w="med" len="med"/>
+            <a:tailEnd type="arrow" w="med" len="med"/>
+          </a:ln>
+        </p:spPr>
+        <p:style>
+          <a:lnRef idx="1">
+            <a:schemeClr val="accent1"/>
+          </a:lnRef>
+          <a:fillRef idx="0">
+            <a:schemeClr val="accent1"/>
+          </a:fillRef>
+          <a:effectRef idx="0">
+            <a:schemeClr val="accent1"/>
+          </a:effectRef>
+          <a:fontRef idx="minor">
+            <a:schemeClr val="tx1"/>
+          </a:fontRef>
+        </p:style>
+      </p:cxnSp>
+      <p:cxnSp>
+        <p:nvCxnSpPr>
+          <p:cNvPr id="79" name="直線矢印コネクタ 78"/>
+          <p:cNvCxnSpPr/>
+          <p:nvPr/>
+        </p:nvCxnSpPr>
+        <p:spPr>
+          <a:xfrm flipH="1">
+            <a:off x="8071316" y="951418"/>
+            <a:ext cx="1" cy="2364286"/>
+          </a:xfrm>
+          <a:prstGeom prst="straightConnector1">
+            <a:avLst/>
+          </a:prstGeom>
+          <a:ln w="19050" cap="rnd">
+            <a:solidFill>
+              <a:schemeClr val="tx1">
+                <a:lumMod val="65000"/>
+                <a:lumOff val="35000"/>
+              </a:schemeClr>
+            </a:solidFill>
+            <a:prstDash val="solid"/>
+            <a:headEnd type="none" w="med" len="med"/>
+            <a:tailEnd type="arrow" w="med" len="med"/>
+          </a:ln>
+        </p:spPr>
+        <p:style>
+          <a:lnRef idx="1">
+            <a:schemeClr val="accent1"/>
+          </a:lnRef>
+          <a:fillRef idx="0">
+            <a:schemeClr val="accent1"/>
+          </a:fillRef>
+          <a:effectRef idx="0">
+            <a:schemeClr val="accent1"/>
+          </a:effectRef>
+          <a:fontRef idx="minor">
+            <a:schemeClr val="tx1"/>
+          </a:fontRef>
+        </p:style>
+      </p:cxnSp>
+      <p:cxnSp>
+        <p:nvCxnSpPr>
+          <p:cNvPr id="89" name="直線矢印コネクタ 88"/>
+          <p:cNvCxnSpPr/>
+          <p:nvPr/>
+        </p:nvCxnSpPr>
+        <p:spPr>
+          <a:xfrm flipH="1">
+            <a:off x="4770022" y="3609020"/>
+            <a:ext cx="1487118" cy="0"/>
+          </a:xfrm>
+          <a:prstGeom prst="straightConnector1">
+            <a:avLst/>
+          </a:prstGeom>
+          <a:ln w="19050" cap="rnd">
+            <a:solidFill>
+              <a:schemeClr val="tx1">
+                <a:lumMod val="65000"/>
+                <a:lumOff val="35000"/>
+              </a:schemeClr>
+            </a:solidFill>
+            <a:prstDash val="solid"/>
+            <a:headEnd type="none" w="med" len="med"/>
+            <a:tailEnd type="arrow" w="med" len="med"/>
+          </a:ln>
+        </p:spPr>
+        <p:style>
+          <a:lnRef idx="1">
+            <a:schemeClr val="accent1"/>
+          </a:lnRef>
+          <a:fillRef idx="0">
+            <a:schemeClr val="accent1"/>
+          </a:fillRef>
+          <a:effectRef idx="0">
+            <a:schemeClr val="accent1"/>
+          </a:effectRef>
+          <a:fontRef idx="minor">
+            <a:schemeClr val="tx1"/>
+          </a:fontRef>
+        </p:style>
+      </p:cxnSp>
+      <p:cxnSp>
+        <p:nvCxnSpPr>
+          <p:cNvPr id="92" name="直線コネクタ 91"/>
+          <p:cNvCxnSpPr/>
+          <p:nvPr/>
+        </p:nvCxnSpPr>
+        <p:spPr>
+          <a:xfrm>
+            <a:off x="8208404" y="3858406"/>
+            <a:ext cx="0" cy="975450"/>
+          </a:xfrm>
+          <a:prstGeom prst="line">
+            <a:avLst/>
+          </a:prstGeom>
+          <a:ln w="19050" cap="rnd">
+            <a:solidFill>
+              <a:schemeClr val="tx1">
+                <a:lumMod val="65000"/>
+                <a:lumOff val="35000"/>
+              </a:schemeClr>
+            </a:solidFill>
+            <a:prstDash val="sysDot"/>
+          </a:ln>
+        </p:spPr>
+        <p:style>
+          <a:lnRef idx="1">
+            <a:schemeClr val="accent1"/>
+          </a:lnRef>
+          <a:fillRef idx="0">
+            <a:schemeClr val="accent1"/>
+          </a:fillRef>
+          <a:effectRef idx="0">
+            <a:schemeClr val="accent1"/>
+          </a:effectRef>
+          <a:fontRef idx="minor">
+            <a:schemeClr val="tx1"/>
+          </a:fontRef>
+        </p:style>
+      </p:cxnSp>
+      <p:cxnSp>
+        <p:nvCxnSpPr>
+          <p:cNvPr id="95" name="直線コネクタ 94"/>
+          <p:cNvCxnSpPr/>
+          <p:nvPr/>
+        </p:nvCxnSpPr>
+        <p:spPr>
+          <a:xfrm>
+            <a:off x="7409388" y="5229900"/>
+            <a:ext cx="324036" cy="0"/>
+          </a:xfrm>
+          <a:prstGeom prst="line">
+            <a:avLst/>
+          </a:prstGeom>
+          <a:ln w="19050" cap="rnd">
+            <a:solidFill>
+              <a:schemeClr val="tx1">
+                <a:lumMod val="65000"/>
+                <a:lumOff val="35000"/>
+              </a:schemeClr>
+            </a:solidFill>
+            <a:prstDash val="sysDot"/>
+          </a:ln>
+        </p:spPr>
+        <p:style>
+          <a:lnRef idx="1">
+            <a:schemeClr val="accent1"/>
+          </a:lnRef>
+          <a:fillRef idx="0">
+            <a:schemeClr val="accent1"/>
+          </a:fillRef>
+          <a:effectRef idx="0">
+            <a:schemeClr val="accent1"/>
+          </a:effectRef>
+          <a:fontRef idx="minor">
+            <a:schemeClr val="tx1"/>
+          </a:fontRef>
+        </p:style>
+      </p:cxnSp>
+      <p:cxnSp>
+        <p:nvCxnSpPr>
+          <p:cNvPr id="97" name="直線矢印コネクタ 96"/>
+          <p:cNvCxnSpPr/>
+          <p:nvPr/>
+        </p:nvCxnSpPr>
+        <p:spPr>
+          <a:xfrm flipH="1">
+            <a:off x="3291194" y="3609020"/>
+            <a:ext cx="1268994" cy="0"/>
+          </a:xfrm>
+          <a:prstGeom prst="straightConnector1">
+            <a:avLst/>
+          </a:prstGeom>
+          <a:ln w="19050" cap="rnd">
+            <a:solidFill>
+              <a:schemeClr val="tx1">
+                <a:lumMod val="65000"/>
+                <a:lumOff val="35000"/>
+              </a:schemeClr>
+            </a:solidFill>
+            <a:prstDash val="solid"/>
+            <a:headEnd type="none" w="med" len="med"/>
+            <a:tailEnd type="arrow" w="med" len="med"/>
+          </a:ln>
+        </p:spPr>
+        <p:style>
+          <a:lnRef idx="1">
+            <a:schemeClr val="accent1"/>
+          </a:lnRef>
+          <a:fillRef idx="0">
+            <a:schemeClr val="accent1"/>
+          </a:fillRef>
+          <a:effectRef idx="0">
+            <a:schemeClr val="accent1"/>
+          </a:effectRef>
+          <a:fontRef idx="minor">
+            <a:schemeClr val="tx1"/>
+          </a:fontRef>
+        </p:style>
+      </p:cxnSp>
+      <p:cxnSp>
+        <p:nvCxnSpPr>
+          <p:cNvPr id="99" name="直線矢印コネクタ 98"/>
+          <p:cNvCxnSpPr/>
+          <p:nvPr/>
+        </p:nvCxnSpPr>
+        <p:spPr>
+          <a:xfrm>
+            <a:off x="3291194" y="4473116"/>
+            <a:ext cx="1268994" cy="0"/>
+          </a:xfrm>
+          <a:prstGeom prst="straightConnector1">
+            <a:avLst/>
+          </a:prstGeom>
+          <a:ln w="19050" cap="rnd">
+            <a:solidFill>
+              <a:schemeClr val="tx1">
+                <a:lumMod val="65000"/>
+                <a:lumOff val="35000"/>
+              </a:schemeClr>
+            </a:solidFill>
+            <a:prstDash val="solid"/>
+            <a:headEnd type="none" w="med" len="med"/>
+            <a:tailEnd type="arrow" w="med" len="med"/>
+          </a:ln>
+        </p:spPr>
+        <p:style>
+          <a:lnRef idx="1">
+            <a:schemeClr val="accent1"/>
+          </a:lnRef>
+          <a:fillRef idx="0">
+            <a:schemeClr val="accent1"/>
+          </a:fillRef>
+          <a:effectRef idx="0">
+            <a:schemeClr val="accent1"/>
+          </a:effectRef>
+          <a:fontRef idx="minor">
+            <a:schemeClr val="tx1"/>
+          </a:fontRef>
+        </p:style>
+      </p:cxnSp>
+      <p:cxnSp>
+        <p:nvCxnSpPr>
+          <p:cNvPr id="101" name="直線矢印コネクタ 100"/>
+          <p:cNvCxnSpPr/>
+          <p:nvPr/>
+        </p:nvCxnSpPr>
+        <p:spPr>
+          <a:xfrm>
+            <a:off x="3291194" y="4941168"/>
+            <a:ext cx="1268994" cy="0"/>
+          </a:xfrm>
+          <a:prstGeom prst="straightConnector1">
+            <a:avLst/>
+          </a:prstGeom>
+          <a:ln w="19050" cap="rnd">
+            <a:solidFill>
+              <a:schemeClr val="tx1">
+                <a:lumMod val="65000"/>
+                <a:lumOff val="35000"/>
+              </a:schemeClr>
+            </a:solidFill>
+            <a:prstDash val="solid"/>
+            <a:headEnd type="none" w="med" len="med"/>
+            <a:tailEnd type="arrow" w="med" len="med"/>
+          </a:ln>
+        </p:spPr>
+        <p:style>
+          <a:lnRef idx="1">
+            <a:schemeClr val="accent1"/>
+          </a:lnRef>
+          <a:fillRef idx="0">
+            <a:schemeClr val="accent1"/>
+          </a:fillRef>
+          <a:effectRef idx="0">
+            <a:schemeClr val="accent1"/>
+          </a:effectRef>
+          <a:fontRef idx="minor">
+            <a:schemeClr val="tx1"/>
+          </a:fontRef>
+        </p:style>
+      </p:cxnSp>
+      <p:grpSp>
+        <p:nvGrpSpPr>
+          <p:cNvPr id="103" name="グループ化 102"/>
+          <p:cNvGrpSpPr/>
+          <p:nvPr/>
+        </p:nvGrpSpPr>
+        <p:grpSpPr>
+          <a:xfrm>
+            <a:off x="4575095" y="3429000"/>
+            <a:ext cx="180020" cy="360040"/>
+            <a:chOff x="4427984" y="2278560"/>
+            <a:chExt cx="360040" cy="720080"/>
+          </a:xfrm>
+        </p:grpSpPr>
+        <p:sp>
+          <p:nvSpPr>
+            <p:cNvPr id="104" name="円/楕円 103"/>
+            <p:cNvSpPr/>
+            <p:nvPr/>
+          </p:nvSpPr>
+          <p:spPr>
+            <a:xfrm>
+              <a:off x="4427984" y="2278560"/>
+              <a:ext cx="360040" cy="720080"/>
+            </a:xfrm>
+            <a:prstGeom prst="ellipse">
+              <a:avLst/>
+            </a:prstGeom>
+            <a:solidFill>
+              <a:schemeClr val="bg1"/>
+            </a:solidFill>
+            <a:ln w="19050">
+              <a:solidFill>
+                <a:schemeClr val="tx1">
+                  <a:lumMod val="50000"/>
+                  <a:lumOff val="50000"/>
+                </a:schemeClr>
+              </a:solidFill>
+            </a:ln>
+          </p:spPr>
+          <p:style>
+            <a:lnRef idx="2">
+              <a:schemeClr val="accent1">
+                <a:shade val="50000"/>
+              </a:schemeClr>
+            </a:lnRef>
+            <a:fillRef idx="1">
+              <a:schemeClr val="accent1"/>
+            </a:fillRef>
+            <a:effectRef idx="0">
+              <a:schemeClr val="accent1"/>
+            </a:effectRef>
+            <a:fontRef idx="minor">
+              <a:schemeClr val="lt1"/>
+            </a:fontRef>
+          </p:style>
+          <p:txBody>
+            <a:bodyPr rtlCol="0" anchor="ctr"/>
+            <a:lstStyle/>
+            <a:p>
+              <a:pPr algn="ctr"/>
+              <a:endParaRPr lang="ja-JP" altLang="en-US" sz="1200">
+                <a:solidFill>
+                  <a:schemeClr val="tx1">
+                    <a:lumMod val="75000"/>
+                    <a:lumOff val="25000"/>
+                  </a:schemeClr>
+                </a:solidFill>
+                <a:latin typeface="+mj-lt"/>
+              </a:endParaRPr>
+            </a:p>
+          </p:txBody>
+        </p:sp>
+        <p:cxnSp>
+          <p:nvCxnSpPr>
+            <p:cNvPr id="105" name="直線コネクタ 104"/>
+            <p:cNvCxnSpPr/>
+            <p:nvPr/>
+          </p:nvCxnSpPr>
+          <p:spPr>
+            <a:xfrm>
+              <a:off x="4427984" y="2278560"/>
+              <a:ext cx="360040" cy="0"/>
+            </a:xfrm>
+            <a:prstGeom prst="line">
+              <a:avLst/>
+            </a:prstGeom>
+            <a:solidFill>
+              <a:schemeClr val="bg1"/>
+            </a:solidFill>
+            <a:ln w="19050" cap="rnd">
+              <a:solidFill>
+                <a:schemeClr val="tx1">
+                  <a:lumMod val="50000"/>
+                  <a:lumOff val="50000"/>
+                </a:schemeClr>
+              </a:solidFill>
+            </a:ln>
+          </p:spPr>
+          <p:style>
+            <a:lnRef idx="2">
+              <a:schemeClr val="accent1">
+                <a:shade val="50000"/>
+              </a:schemeClr>
+            </a:lnRef>
+            <a:fillRef idx="1">
+              <a:schemeClr val="accent1"/>
+            </a:fillRef>
+            <a:effectRef idx="0">
+              <a:schemeClr val="accent1"/>
+            </a:effectRef>
+            <a:fontRef idx="minor">
+              <a:schemeClr val="lt1"/>
+            </a:fontRef>
+          </p:style>
+        </p:cxnSp>
+        <p:cxnSp>
+          <p:nvCxnSpPr>
+            <p:cNvPr id="106" name="直線コネクタ 105"/>
+            <p:cNvCxnSpPr/>
+            <p:nvPr/>
+          </p:nvCxnSpPr>
+          <p:spPr>
+            <a:xfrm>
+              <a:off x="4427984" y="2998640"/>
+              <a:ext cx="360040" cy="0"/>
+            </a:xfrm>
+            <a:prstGeom prst="line">
+              <a:avLst/>
+            </a:prstGeom>
+            <a:solidFill>
+              <a:schemeClr val="bg1"/>
+            </a:solidFill>
+            <a:ln w="19050" cap="rnd">
+              <a:solidFill>
+                <a:schemeClr val="tx1">
+                  <a:lumMod val="50000"/>
+                  <a:lumOff val="50000"/>
+                </a:schemeClr>
+              </a:solidFill>
+            </a:ln>
+          </p:spPr>
+          <p:style>
+            <a:lnRef idx="2">
+              <a:schemeClr val="accent1">
+                <a:shade val="50000"/>
+              </a:schemeClr>
+            </a:lnRef>
+            <a:fillRef idx="1">
+              <a:schemeClr val="accent1"/>
+            </a:fillRef>
+            <a:effectRef idx="0">
+              <a:schemeClr val="accent1"/>
+            </a:effectRef>
+            <a:fontRef idx="minor">
+              <a:schemeClr val="lt1"/>
+            </a:fontRef>
+          </p:style>
+        </p:cxnSp>
+      </p:grpSp>
+      <p:grpSp>
+        <p:nvGrpSpPr>
+          <p:cNvPr id="109" name="グループ化 108"/>
+          <p:cNvGrpSpPr/>
+          <p:nvPr/>
+        </p:nvGrpSpPr>
+        <p:grpSpPr>
+          <a:xfrm>
+            <a:off x="4575095" y="4293096"/>
+            <a:ext cx="180020" cy="360040"/>
+            <a:chOff x="4427984" y="2278560"/>
+            <a:chExt cx="360040" cy="720080"/>
+          </a:xfrm>
+        </p:grpSpPr>
+        <p:sp>
+          <p:nvSpPr>
+            <p:cNvPr id="110" name="円/楕円 109"/>
+            <p:cNvSpPr/>
+            <p:nvPr/>
+          </p:nvSpPr>
+          <p:spPr>
+            <a:xfrm>
+              <a:off x="4427984" y="2278560"/>
+              <a:ext cx="360040" cy="720080"/>
+            </a:xfrm>
+            <a:prstGeom prst="ellipse">
+              <a:avLst/>
+            </a:prstGeom>
+            <a:solidFill>
+              <a:schemeClr val="bg1"/>
+            </a:solidFill>
+            <a:ln w="19050">
+              <a:solidFill>
+                <a:schemeClr val="tx1">
+                  <a:lumMod val="50000"/>
+                  <a:lumOff val="50000"/>
+                </a:schemeClr>
+              </a:solidFill>
+            </a:ln>
+          </p:spPr>
+          <p:style>
+            <a:lnRef idx="2">
+              <a:schemeClr val="accent1">
+                <a:shade val="50000"/>
+              </a:schemeClr>
+            </a:lnRef>
+            <a:fillRef idx="1">
+              <a:schemeClr val="accent1"/>
+            </a:fillRef>
+            <a:effectRef idx="0">
+              <a:schemeClr val="accent1"/>
+            </a:effectRef>
+            <a:fontRef idx="minor">
+              <a:schemeClr val="lt1"/>
+            </a:fontRef>
+          </p:style>
+          <p:txBody>
+            <a:bodyPr rtlCol="0" anchor="ctr"/>
+            <a:lstStyle/>
+            <a:p>
+              <a:pPr algn="ctr"/>
+              <a:endParaRPr lang="ja-JP" altLang="en-US" sz="1200">
+                <a:solidFill>
+                  <a:schemeClr val="tx1">
+                    <a:lumMod val="75000"/>
+                    <a:lumOff val="25000"/>
+                  </a:schemeClr>
+                </a:solidFill>
+                <a:latin typeface="+mj-lt"/>
+              </a:endParaRPr>
+            </a:p>
+          </p:txBody>
+        </p:sp>
+        <p:cxnSp>
+          <p:nvCxnSpPr>
+            <p:cNvPr id="111" name="直線コネクタ 110"/>
+            <p:cNvCxnSpPr/>
+            <p:nvPr/>
+          </p:nvCxnSpPr>
+          <p:spPr>
+            <a:xfrm>
+              <a:off x="4427984" y="2278560"/>
+              <a:ext cx="360040" cy="0"/>
+            </a:xfrm>
+            <a:prstGeom prst="line">
+              <a:avLst/>
+            </a:prstGeom>
+            <a:solidFill>
+              <a:schemeClr val="bg1"/>
+            </a:solidFill>
+            <a:ln w="19050" cap="rnd">
+              <a:solidFill>
+                <a:schemeClr val="tx1">
+                  <a:lumMod val="50000"/>
+                  <a:lumOff val="50000"/>
+                </a:schemeClr>
+              </a:solidFill>
+            </a:ln>
+          </p:spPr>
+          <p:style>
+            <a:lnRef idx="2">
+              <a:schemeClr val="accent1">
+                <a:shade val="50000"/>
+              </a:schemeClr>
+            </a:lnRef>
+            <a:fillRef idx="1">
+              <a:schemeClr val="accent1"/>
+            </a:fillRef>
+            <a:effectRef idx="0">
+              <a:schemeClr val="accent1"/>
+            </a:effectRef>
+            <a:fontRef idx="minor">
+              <a:schemeClr val="lt1"/>
+            </a:fontRef>
+          </p:style>
+        </p:cxnSp>
+        <p:cxnSp>
+          <p:nvCxnSpPr>
+            <p:cNvPr id="112" name="直線コネクタ 111"/>
+            <p:cNvCxnSpPr/>
+            <p:nvPr/>
+          </p:nvCxnSpPr>
+          <p:spPr>
+            <a:xfrm>
+              <a:off x="4427984" y="2998640"/>
+              <a:ext cx="360040" cy="0"/>
+            </a:xfrm>
+            <a:prstGeom prst="line">
+              <a:avLst/>
+            </a:prstGeom>
+            <a:solidFill>
+              <a:schemeClr val="bg1"/>
+            </a:solidFill>
+            <a:ln w="19050" cap="rnd">
+              <a:solidFill>
+                <a:schemeClr val="tx1">
+                  <a:lumMod val="50000"/>
+                  <a:lumOff val="50000"/>
+                </a:schemeClr>
+              </a:solidFill>
+            </a:ln>
+          </p:spPr>
+          <p:style>
+            <a:lnRef idx="2">
+              <a:schemeClr val="accent1">
+                <a:shade val="50000"/>
+              </a:schemeClr>
+            </a:lnRef>
+            <a:fillRef idx="1">
+              <a:schemeClr val="accent1"/>
+            </a:fillRef>
+            <a:effectRef idx="0">
+              <a:schemeClr val="accent1"/>
+            </a:effectRef>
+            <a:fontRef idx="minor">
+              <a:schemeClr val="lt1"/>
+            </a:fontRef>
+          </p:style>
+        </p:cxnSp>
+      </p:grpSp>
+      <p:grpSp>
+        <p:nvGrpSpPr>
+          <p:cNvPr id="114" name="グループ化 113"/>
+          <p:cNvGrpSpPr/>
+          <p:nvPr/>
+        </p:nvGrpSpPr>
+        <p:grpSpPr>
+          <a:xfrm>
+            <a:off x="4575095" y="4743182"/>
+            <a:ext cx="180020" cy="360040"/>
+            <a:chOff x="4427984" y="2278560"/>
+            <a:chExt cx="360040" cy="720080"/>
+          </a:xfrm>
+        </p:grpSpPr>
+        <p:sp>
+          <p:nvSpPr>
+            <p:cNvPr id="115" name="円/楕円 114"/>
+            <p:cNvSpPr/>
+            <p:nvPr/>
+          </p:nvSpPr>
+          <p:spPr>
+            <a:xfrm>
+              <a:off x="4427984" y="2278560"/>
+              <a:ext cx="360040" cy="720080"/>
+            </a:xfrm>
+            <a:prstGeom prst="ellipse">
+              <a:avLst/>
+            </a:prstGeom>
+            <a:solidFill>
+              <a:schemeClr val="bg1"/>
+            </a:solidFill>
+            <a:ln w="19050">
+              <a:solidFill>
+                <a:schemeClr val="tx1">
+                  <a:lumMod val="50000"/>
+                  <a:lumOff val="50000"/>
+                </a:schemeClr>
+              </a:solidFill>
+            </a:ln>
+          </p:spPr>
+          <p:style>
+            <a:lnRef idx="2">
+              <a:schemeClr val="accent1">
+                <a:shade val="50000"/>
+              </a:schemeClr>
+            </a:lnRef>
+            <a:fillRef idx="1">
+              <a:schemeClr val="accent1"/>
+            </a:fillRef>
+            <a:effectRef idx="0">
+              <a:schemeClr val="accent1"/>
+            </a:effectRef>
+            <a:fontRef idx="minor">
+              <a:schemeClr val="lt1"/>
+            </a:fontRef>
+          </p:style>
+          <p:txBody>
+            <a:bodyPr rtlCol="0" anchor="ctr"/>
+            <a:lstStyle/>
+            <a:p>
+              <a:pPr algn="ctr"/>
+              <a:endParaRPr lang="ja-JP" altLang="en-US" sz="1200">
+                <a:solidFill>
+                  <a:schemeClr val="tx1">
+                    <a:lumMod val="75000"/>
+                    <a:lumOff val="25000"/>
+                  </a:schemeClr>
+                </a:solidFill>
+                <a:latin typeface="+mj-lt"/>
+              </a:endParaRPr>
+            </a:p>
+          </p:txBody>
+        </p:sp>
+        <p:cxnSp>
+          <p:nvCxnSpPr>
+            <p:cNvPr id="116" name="直線コネクタ 115"/>
+            <p:cNvCxnSpPr/>
+            <p:nvPr/>
+          </p:nvCxnSpPr>
+          <p:spPr>
+            <a:xfrm>
+              <a:off x="4427984" y="2278560"/>
+              <a:ext cx="360040" cy="0"/>
+            </a:xfrm>
+            <a:prstGeom prst="line">
+              <a:avLst/>
+            </a:prstGeom>
+            <a:solidFill>
+              <a:schemeClr val="bg1"/>
+            </a:solidFill>
+            <a:ln w="19050" cap="rnd">
+              <a:solidFill>
+                <a:schemeClr val="tx1">
+                  <a:lumMod val="50000"/>
+                  <a:lumOff val="50000"/>
+                </a:schemeClr>
+              </a:solidFill>
+            </a:ln>
+          </p:spPr>
+          <p:style>
+            <a:lnRef idx="2">
+              <a:schemeClr val="accent1">
+                <a:shade val="50000"/>
+              </a:schemeClr>
+            </a:lnRef>
+            <a:fillRef idx="1">
+              <a:schemeClr val="accent1"/>
+            </a:fillRef>
+            <a:effectRef idx="0">
+              <a:schemeClr val="accent1"/>
+            </a:effectRef>
+            <a:fontRef idx="minor">
+              <a:schemeClr val="lt1"/>
+            </a:fontRef>
+          </p:style>
+        </p:cxnSp>
+        <p:cxnSp>
+          <p:nvCxnSpPr>
+            <p:cNvPr id="117" name="直線コネクタ 116"/>
+            <p:cNvCxnSpPr/>
+            <p:nvPr/>
+          </p:nvCxnSpPr>
+          <p:spPr>
+            <a:xfrm>
+              <a:off x="4427984" y="2998640"/>
+              <a:ext cx="360040" cy="0"/>
+            </a:xfrm>
+            <a:prstGeom prst="line">
+              <a:avLst/>
+            </a:prstGeom>
+            <a:solidFill>
+              <a:schemeClr val="bg1"/>
+            </a:solidFill>
+            <a:ln w="19050" cap="rnd">
+              <a:solidFill>
+                <a:schemeClr val="tx1">
+                  <a:lumMod val="50000"/>
+                  <a:lumOff val="50000"/>
+                </a:schemeClr>
+              </a:solidFill>
+            </a:ln>
+          </p:spPr>
+          <p:style>
+            <a:lnRef idx="2">
+              <a:schemeClr val="accent1">
+                <a:shade val="50000"/>
+              </a:schemeClr>
+            </a:lnRef>
+            <a:fillRef idx="1">
+              <a:schemeClr val="accent1"/>
+            </a:fillRef>
+            <a:effectRef idx="0">
+              <a:schemeClr val="accent1"/>
+            </a:effectRef>
+            <a:fontRef idx="minor">
+              <a:schemeClr val="lt1"/>
+            </a:fontRef>
+          </p:style>
+        </p:cxnSp>
+      </p:grpSp>
+      <p:sp>
+        <p:nvSpPr>
+          <p:cNvPr id="123" name="テキスト ボックス 122"/>
+          <p:cNvSpPr txBox="1"/>
+          <p:nvPr/>
+        </p:nvSpPr>
+        <p:spPr>
+          <a:xfrm>
+            <a:off x="4073916" y="4005064"/>
+            <a:ext cx="1212191" cy="276999"/>
+          </a:xfrm>
+          <a:prstGeom prst="rect">
+            <a:avLst/>
+          </a:prstGeom>
+          <a:noFill/>
+        </p:spPr>
+        <p:txBody>
+          <a:bodyPr wrap="none" rtlCol="0">
+            <a:spAutoFit/>
+          </a:bodyPr>
+          <a:lstStyle/>
+          <a:p>
+            <a:r>
+              <a:rPr lang="ja-JP" altLang="en-US" sz="1200" dirty="0" smtClean="0">
+                <a:latin typeface="+mj-lt"/>
+                <a:ea typeface="Meiryo UI" panose="020B0604030504040204" pitchFamily="50" charset="-128"/>
+                <a:cs typeface="Meiryo UI" panose="020B0604030504040204" pitchFamily="50" charset="-128"/>
+              </a:rPr>
+              <a:t>結果情報格納</a:t>
+            </a:r>
+            <a:r>
+              <a:rPr lang="en-US" altLang="ja-JP" sz="1200" dirty="0" smtClean="0">
+                <a:latin typeface="+mj-lt"/>
+                <a:ea typeface="Meiryo UI" panose="020B0604030504040204" pitchFamily="50" charset="-128"/>
+                <a:cs typeface="Meiryo UI" panose="020B0604030504040204" pitchFamily="50" charset="-128"/>
+              </a:rPr>
+              <a:t>Q</a:t>
+            </a:r>
+            <a:endParaRPr kumimoji="1" lang="ja-JP" altLang="en-US" sz="1200" dirty="0">
+              <a:latin typeface="+mj-lt"/>
+              <a:ea typeface="Meiryo UI" panose="020B0604030504040204" pitchFamily="50" charset="-128"/>
+              <a:cs typeface="Meiryo UI" panose="020B0604030504040204" pitchFamily="50" charset="-128"/>
+            </a:endParaRPr>
+          </a:p>
+        </p:txBody>
+      </p:sp>
+      <p:sp>
+        <p:nvSpPr>
+          <p:cNvPr id="124" name="テキスト ボックス 123"/>
+          <p:cNvSpPr txBox="1"/>
+          <p:nvPr/>
+        </p:nvSpPr>
+        <p:spPr>
+          <a:xfrm>
+            <a:off x="4149499" y="5109200"/>
+            <a:ext cx="1107996" cy="461665"/>
+          </a:xfrm>
+          <a:prstGeom prst="rect">
+            <a:avLst/>
+          </a:prstGeom>
+          <a:noFill/>
+        </p:spPr>
+        <p:txBody>
+          <a:bodyPr wrap="none" rtlCol="0">
+            <a:spAutoFit/>
+          </a:bodyPr>
+          <a:lstStyle/>
+          <a:p>
+            <a:pPr algn="ctr"/>
+            <a:r>
+              <a:rPr lang="ja-JP" altLang="en-US" sz="1200" dirty="0" smtClean="0">
+                <a:latin typeface="+mj-lt"/>
+                <a:ea typeface="Meiryo UI" panose="020B0604030504040204" pitchFamily="50" charset="-128"/>
+                <a:cs typeface="Meiryo UI" panose="020B0604030504040204" pitchFamily="50" charset="-128"/>
+              </a:rPr>
+              <a:t>結果情報取得</a:t>
+            </a:r>
+            <a:endParaRPr lang="en-US" altLang="ja-JP" sz="1200" dirty="0" smtClean="0">
+              <a:latin typeface="+mj-lt"/>
+              <a:ea typeface="Meiryo UI" panose="020B0604030504040204" pitchFamily="50" charset="-128"/>
+              <a:cs typeface="Meiryo UI" panose="020B0604030504040204" pitchFamily="50" charset="-128"/>
+            </a:endParaRPr>
+          </a:p>
+          <a:p>
+            <a:pPr algn="ctr"/>
+            <a:r>
+              <a:rPr lang="ja-JP" altLang="en-US" sz="1200" dirty="0" smtClean="0">
+                <a:latin typeface="+mj-lt"/>
+                <a:ea typeface="Meiryo UI" panose="020B0604030504040204" pitchFamily="50" charset="-128"/>
+                <a:cs typeface="Meiryo UI" panose="020B0604030504040204" pitchFamily="50" charset="-128"/>
+              </a:rPr>
+              <a:t>要求</a:t>
+            </a:r>
+            <a:r>
+              <a:rPr kumimoji="1" lang="ja-JP" altLang="en-US" sz="1200" dirty="0" smtClean="0">
+                <a:latin typeface="+mj-lt"/>
+                <a:ea typeface="Meiryo UI" panose="020B0604030504040204" pitchFamily="50" charset="-128"/>
+                <a:cs typeface="Meiryo UI" panose="020B0604030504040204" pitchFamily="50" charset="-128"/>
+              </a:rPr>
+              <a:t>タスク</a:t>
+            </a:r>
+            <a:r>
+              <a:rPr kumimoji="1" lang="en-US" altLang="ja-JP" sz="1200" dirty="0" smtClean="0">
+                <a:latin typeface="+mj-lt"/>
+                <a:ea typeface="Meiryo UI" panose="020B0604030504040204" pitchFamily="50" charset="-128"/>
+                <a:cs typeface="Meiryo UI" panose="020B0604030504040204" pitchFamily="50" charset="-128"/>
+              </a:rPr>
+              <a:t>Q</a:t>
+            </a:r>
+            <a:endParaRPr kumimoji="1" lang="ja-JP" altLang="en-US" sz="1200" dirty="0">
+              <a:latin typeface="+mj-lt"/>
+              <a:ea typeface="Meiryo UI" panose="020B0604030504040204" pitchFamily="50" charset="-128"/>
+              <a:cs typeface="Meiryo UI" panose="020B0604030504040204" pitchFamily="50" charset="-128"/>
+            </a:endParaRPr>
+          </a:p>
+        </p:txBody>
+      </p:sp>
+      <p:sp>
+        <p:nvSpPr>
+          <p:cNvPr id="125" name="テキスト ボックス 124"/>
+          <p:cNvSpPr txBox="1"/>
+          <p:nvPr/>
+        </p:nvSpPr>
+        <p:spPr>
+          <a:xfrm>
+            <a:off x="4355565" y="3140968"/>
+            <a:ext cx="619080" cy="276999"/>
+          </a:xfrm>
+          <a:prstGeom prst="rect">
+            <a:avLst/>
+          </a:prstGeom>
+          <a:noFill/>
+        </p:spPr>
+        <p:txBody>
+          <a:bodyPr wrap="none" rtlCol="0">
+            <a:spAutoFit/>
+          </a:bodyPr>
+          <a:lstStyle/>
+          <a:p>
+            <a:r>
+              <a:rPr lang="ja-JP" altLang="en-US" sz="1200" dirty="0" smtClean="0">
+                <a:latin typeface="+mj-lt"/>
+                <a:ea typeface="Meiryo UI" panose="020B0604030504040204" pitchFamily="50" charset="-128"/>
+                <a:cs typeface="Meiryo UI" panose="020B0604030504040204" pitchFamily="50" charset="-128"/>
+              </a:rPr>
+              <a:t>タスク</a:t>
+            </a:r>
+            <a:r>
+              <a:rPr lang="en-US" altLang="ja-JP" sz="1200" dirty="0" smtClean="0">
+                <a:latin typeface="+mj-lt"/>
+                <a:ea typeface="Meiryo UI" panose="020B0604030504040204" pitchFamily="50" charset="-128"/>
+                <a:cs typeface="Meiryo UI" panose="020B0604030504040204" pitchFamily="50" charset="-128"/>
+              </a:rPr>
+              <a:t>Q</a:t>
+            </a:r>
+            <a:endParaRPr kumimoji="1" lang="ja-JP" altLang="en-US" sz="1200" dirty="0">
+              <a:latin typeface="+mj-lt"/>
+              <a:ea typeface="Meiryo UI" panose="020B0604030504040204" pitchFamily="50" charset="-128"/>
+              <a:cs typeface="Meiryo UI" panose="020B0604030504040204" pitchFamily="50" charset="-128"/>
+            </a:endParaRPr>
+          </a:p>
+        </p:txBody>
+      </p:sp>
+      <p:cxnSp>
+        <p:nvCxnSpPr>
+          <p:cNvPr id="126" name="直線矢印コネクタ 125"/>
+          <p:cNvCxnSpPr/>
+          <p:nvPr/>
+        </p:nvCxnSpPr>
+        <p:spPr>
+          <a:xfrm>
+            <a:off x="4770022" y="4941168"/>
+            <a:ext cx="1487118" cy="0"/>
+          </a:xfrm>
+          <a:prstGeom prst="straightConnector1">
+            <a:avLst/>
+          </a:prstGeom>
+          <a:ln w="19050" cap="rnd">
+            <a:solidFill>
+              <a:schemeClr val="tx1">
+                <a:lumMod val="65000"/>
+                <a:lumOff val="35000"/>
+              </a:schemeClr>
+            </a:solidFill>
+            <a:prstDash val="solid"/>
+            <a:headEnd type="none" w="med" len="med"/>
+            <a:tailEnd type="arrow" w="med" len="med"/>
+          </a:ln>
+        </p:spPr>
+        <p:style>
+          <a:lnRef idx="1">
+            <a:schemeClr val="accent1"/>
+          </a:lnRef>
+          <a:fillRef idx="0">
+            <a:schemeClr val="accent1"/>
+          </a:fillRef>
+          <a:effectRef idx="0">
+            <a:schemeClr val="accent1"/>
+          </a:effectRef>
+          <a:fontRef idx="minor">
+            <a:schemeClr val="tx1"/>
+          </a:fontRef>
+        </p:style>
+      </p:cxnSp>
+      <p:sp>
+        <p:nvSpPr>
+          <p:cNvPr id="128" name="フリーフォーム 127"/>
+          <p:cNvSpPr/>
+          <p:nvPr/>
+        </p:nvSpPr>
+        <p:spPr>
+          <a:xfrm>
+            <a:off x="4724400" y="4320540"/>
+            <a:ext cx="1524000" cy="289560"/>
+          </a:xfrm>
+          <a:custGeom>
+            <a:avLst/>
+            <a:gdLst>
+              <a:gd name="connsiteX0" fmla="*/ 1524000 w 1524000"/>
+              <a:gd name="connsiteY0" fmla="*/ 0 h 289560"/>
+              <a:gd name="connsiteX1" fmla="*/ 0 w 1524000"/>
+              <a:gd name="connsiteY1" fmla="*/ 167640 h 289560"/>
+              <a:gd name="connsiteX2" fmla="*/ 1524000 w 1524000"/>
+              <a:gd name="connsiteY2" fmla="*/ 289560 h 289560"/>
+            </a:gdLst>
+            <a:ahLst/>
+            <a:cxnLst>
+              <a:cxn ang="0">
+                <a:pos x="connsiteX0" y="connsiteY0"/>
+              </a:cxn>
+              <a:cxn ang="0">
+                <a:pos x="connsiteX1" y="connsiteY1"/>
+              </a:cxn>
+              <a:cxn ang="0">
+                <a:pos x="connsiteX2" y="connsiteY2"/>
+              </a:cxn>
+            </a:cxnLst>
+            <a:rect l="l" t="t" r="r" b="b"/>
+            <a:pathLst>
+              <a:path w="1524000" h="289560">
+                <a:moveTo>
+                  <a:pt x="1524000" y="0"/>
+                </a:moveTo>
+                <a:cubicBezTo>
+                  <a:pt x="762000" y="59690"/>
+                  <a:pt x="0" y="119380"/>
+                  <a:pt x="0" y="167640"/>
+                </a:cubicBezTo>
+                <a:cubicBezTo>
+                  <a:pt x="0" y="215900"/>
+                  <a:pt x="762000" y="252730"/>
+                  <a:pt x="1524000" y="289560"/>
+                </a:cubicBezTo>
+              </a:path>
+            </a:pathLst>
+          </a:custGeom>
+          <a:ln w="19050" cap="rnd">
+            <a:solidFill>
+              <a:schemeClr val="tx1">
+                <a:lumMod val="65000"/>
+                <a:lumOff val="35000"/>
+              </a:schemeClr>
+            </a:solidFill>
+            <a:prstDash val="solid"/>
+            <a:headEnd type="none" w="med" len="med"/>
+            <a:tailEnd type="arrow" w="med" len="med"/>
+          </a:ln>
+        </p:spPr>
+        <p:style>
+          <a:lnRef idx="1">
+            <a:schemeClr val="accent1"/>
+          </a:lnRef>
+          <a:fillRef idx="0">
+            <a:schemeClr val="accent1"/>
+          </a:fillRef>
+          <a:effectRef idx="0">
+            <a:schemeClr val="accent1"/>
+          </a:effectRef>
+          <a:fontRef idx="minor">
+            <a:schemeClr val="tx1"/>
+          </a:fontRef>
+        </p:style>
+        <p:txBody>
+          <a:bodyPr rtlCol="0" anchor="ctr"/>
+          <a:lstStyle/>
+          <a:p>
+            <a:pPr algn="ctr"/>
+            <a:endParaRPr kumimoji="1" lang="ja-JP" altLang="en-US"/>
+          </a:p>
+        </p:txBody>
+      </p:sp>
+      <p:cxnSp>
+        <p:nvCxnSpPr>
+          <p:cNvPr id="129" name="直線矢印コネクタ 128"/>
+          <p:cNvCxnSpPr/>
+          <p:nvPr/>
+        </p:nvCxnSpPr>
+        <p:spPr>
+          <a:xfrm>
+            <a:off x="5458525" y="2780928"/>
+            <a:ext cx="798615" cy="0"/>
+          </a:xfrm>
+          <a:prstGeom prst="straightConnector1">
+            <a:avLst/>
+          </a:prstGeom>
+          <a:ln w="19050" cap="rnd">
+            <a:solidFill>
+              <a:schemeClr val="tx1">
+                <a:lumMod val="65000"/>
+                <a:lumOff val="35000"/>
+              </a:schemeClr>
+            </a:solidFill>
+            <a:prstDash val="solid"/>
+            <a:headEnd type="none" w="med" len="med"/>
+            <a:tailEnd type="arrow" w="med" len="med"/>
+          </a:ln>
+        </p:spPr>
+        <p:style>
+          <a:lnRef idx="1">
+            <a:schemeClr val="accent1"/>
+          </a:lnRef>
+          <a:fillRef idx="0">
+            <a:schemeClr val="accent1"/>
+          </a:fillRef>
+          <a:effectRef idx="0">
+            <a:schemeClr val="accent1"/>
+          </a:effectRef>
+          <a:fontRef idx="minor">
+            <a:schemeClr val="tx1"/>
+          </a:fontRef>
+        </p:style>
+      </p:cxnSp>
+      <p:sp>
+        <p:nvSpPr>
+          <p:cNvPr id="131" name="テキスト ボックス 130"/>
+          <p:cNvSpPr txBox="1"/>
+          <p:nvPr/>
+        </p:nvSpPr>
+        <p:spPr>
+          <a:xfrm>
+            <a:off x="6402811" y="2727763"/>
+            <a:ext cx="867546" cy="246221"/>
+          </a:xfrm>
+          <a:prstGeom prst="rect">
+            <a:avLst/>
+          </a:prstGeom>
+          <a:noFill/>
+        </p:spPr>
+        <p:txBody>
+          <a:bodyPr wrap="none" rtlCol="0">
+            <a:spAutoFit/>
+          </a:bodyPr>
+          <a:lstStyle/>
+          <a:p>
+            <a:pPr algn="ctr"/>
+            <a:r>
+              <a:rPr kumimoji="1" lang="en-US" altLang="ja-JP" sz="1000" dirty="0" smtClean="0">
+                <a:latin typeface="+mj-lt"/>
+                <a:ea typeface="Meiryo UI" panose="020B0604030504040204" pitchFamily="50" charset="-128"/>
+                <a:cs typeface="Meiryo UI" panose="020B0604030504040204" pitchFamily="50" charset="-128"/>
+              </a:rPr>
+              <a:t>(Broker</a:t>
+            </a:r>
+            <a:r>
+              <a:rPr kumimoji="1" lang="ja-JP" altLang="en-US" sz="1000" dirty="0" smtClean="0">
+                <a:latin typeface="+mj-lt"/>
+                <a:ea typeface="Meiryo UI" panose="020B0604030504040204" pitchFamily="50" charset="-128"/>
+                <a:cs typeface="Meiryo UI" panose="020B0604030504040204" pitchFamily="50" charset="-128"/>
+              </a:rPr>
+              <a:t>監視</a:t>
+            </a:r>
+            <a:r>
+              <a:rPr kumimoji="1" lang="en-US" altLang="ja-JP" sz="1000" dirty="0" smtClean="0">
+                <a:latin typeface="+mj-lt"/>
+                <a:ea typeface="Meiryo UI" panose="020B0604030504040204" pitchFamily="50" charset="-128"/>
+                <a:cs typeface="Meiryo UI" panose="020B0604030504040204" pitchFamily="50" charset="-128"/>
+              </a:rPr>
+              <a:t>)</a:t>
+            </a:r>
+            <a:endParaRPr kumimoji="1" lang="ja-JP" altLang="en-US" sz="1000" dirty="0">
+              <a:latin typeface="+mj-lt"/>
+              <a:ea typeface="Meiryo UI" panose="020B0604030504040204" pitchFamily="50" charset="-128"/>
+              <a:cs typeface="Meiryo UI" panose="020B0604030504040204" pitchFamily="50" charset="-128"/>
+            </a:endParaRPr>
+          </a:p>
+        </p:txBody>
+      </p:sp>
+      <p:sp>
+        <p:nvSpPr>
+          <p:cNvPr id="132" name="テキスト ボックス 131"/>
+          <p:cNvSpPr txBox="1"/>
+          <p:nvPr/>
+        </p:nvSpPr>
+        <p:spPr>
+          <a:xfrm>
+            <a:off x="6314445" y="4810174"/>
+            <a:ext cx="1051042" cy="553998"/>
+          </a:xfrm>
+          <a:prstGeom prst="rect">
+            <a:avLst/>
+          </a:prstGeom>
+          <a:noFill/>
+        </p:spPr>
+        <p:txBody>
+          <a:bodyPr wrap="square" rtlCol="0">
+            <a:spAutoFit/>
+          </a:bodyPr>
+          <a:lstStyle/>
+          <a:p>
+            <a:pPr algn="ctr"/>
+            <a:r>
+              <a:rPr lang="en-US" altLang="ja-JP" sz="1000" dirty="0" smtClean="0">
+                <a:latin typeface="+mj-lt"/>
+                <a:ea typeface="Meiryo UI" panose="020B0604030504040204" pitchFamily="50" charset="-128"/>
+                <a:cs typeface="Meiryo UI" panose="020B0604030504040204" pitchFamily="50" charset="-128"/>
+              </a:rPr>
+              <a:t>(</a:t>
+            </a:r>
+            <a:r>
+              <a:rPr lang="ja-JP" altLang="en-US" sz="1000" dirty="0" smtClean="0">
+                <a:latin typeface="+mj-lt"/>
+                <a:ea typeface="Meiryo UI" panose="020B0604030504040204" pitchFamily="50" charset="-128"/>
+                <a:cs typeface="Meiryo UI" panose="020B0604030504040204" pitchFamily="50" charset="-128"/>
+              </a:rPr>
+              <a:t>結果情報をメイン</a:t>
+            </a:r>
+            <a:r>
+              <a:rPr lang="en-US" altLang="ja-JP" sz="1000" dirty="0" smtClean="0">
+                <a:latin typeface="+mj-lt"/>
+                <a:ea typeface="Meiryo UI" panose="020B0604030504040204" pitchFamily="50" charset="-128"/>
+                <a:cs typeface="Meiryo UI" panose="020B0604030504040204" pitchFamily="50" charset="-128"/>
+              </a:rPr>
+              <a:t>DB (MySQL)</a:t>
+            </a:r>
+            <a:r>
+              <a:rPr lang="ja-JP" altLang="en-US" sz="1000" dirty="0" smtClean="0">
+                <a:latin typeface="+mj-lt"/>
+                <a:ea typeface="Meiryo UI" panose="020B0604030504040204" pitchFamily="50" charset="-128"/>
+                <a:cs typeface="Meiryo UI" panose="020B0604030504040204" pitchFamily="50" charset="-128"/>
+              </a:rPr>
+              <a:t>に書き込む</a:t>
+            </a:r>
+            <a:r>
+              <a:rPr lang="en-US" altLang="ja-JP" sz="1000" dirty="0" smtClean="0">
+                <a:latin typeface="+mj-lt"/>
+                <a:ea typeface="Meiryo UI" panose="020B0604030504040204" pitchFamily="50" charset="-128"/>
+                <a:cs typeface="Meiryo UI" panose="020B0604030504040204" pitchFamily="50" charset="-128"/>
+              </a:rPr>
+              <a:t>)</a:t>
+            </a:r>
+            <a:endParaRPr kumimoji="1" lang="ja-JP" altLang="en-US" sz="1000" dirty="0">
+              <a:latin typeface="+mj-lt"/>
+              <a:ea typeface="Meiryo UI" panose="020B0604030504040204" pitchFamily="50" charset="-128"/>
+              <a:cs typeface="Meiryo UI" panose="020B0604030504040204" pitchFamily="50" charset="-128"/>
+            </a:endParaRPr>
+          </a:p>
+        </p:txBody>
+      </p:sp>
+      <p:sp>
+        <p:nvSpPr>
+          <p:cNvPr id="133" name="テキスト ボックス 132"/>
+          <p:cNvSpPr txBox="1"/>
+          <p:nvPr/>
+        </p:nvSpPr>
+        <p:spPr>
+          <a:xfrm>
+            <a:off x="6656882" y="3574037"/>
+            <a:ext cx="1803125" cy="246221"/>
+          </a:xfrm>
+          <a:prstGeom prst="rect">
+            <a:avLst/>
+          </a:prstGeom>
+          <a:noFill/>
+        </p:spPr>
+        <p:txBody>
+          <a:bodyPr wrap="square" rtlCol="0">
+            <a:spAutoFit/>
+          </a:bodyPr>
+          <a:lstStyle/>
+          <a:p>
+            <a:pPr algn="ctr"/>
+            <a:r>
+              <a:rPr lang="en-US" altLang="ja-JP" sz="1000" dirty="0" smtClean="0">
+                <a:latin typeface="+mj-lt"/>
+                <a:ea typeface="Meiryo UI" panose="020B0604030504040204" pitchFamily="50" charset="-128"/>
+                <a:cs typeface="Meiryo UI" panose="020B0604030504040204" pitchFamily="50" charset="-128"/>
+              </a:rPr>
+              <a:t>(MBS</a:t>
+            </a:r>
+            <a:r>
+              <a:rPr lang="ja-JP" altLang="en-US" sz="1000" dirty="0" smtClean="0">
+                <a:latin typeface="+mj-lt"/>
+                <a:ea typeface="Meiryo UI" panose="020B0604030504040204" pitchFamily="50" charset="-128"/>
+                <a:cs typeface="Meiryo UI" panose="020B0604030504040204" pitchFamily="50" charset="-128"/>
+              </a:rPr>
+              <a:t>実行・管理</a:t>
+            </a:r>
+            <a:r>
+              <a:rPr lang="en-US" altLang="ja-JP" sz="1000" dirty="0" smtClean="0">
+                <a:latin typeface="+mj-lt"/>
+                <a:ea typeface="Meiryo UI" panose="020B0604030504040204" pitchFamily="50" charset="-128"/>
+                <a:cs typeface="Meiryo UI" panose="020B0604030504040204" pitchFamily="50" charset="-128"/>
+              </a:rPr>
+              <a:t>UI</a:t>
+            </a:r>
+            <a:r>
+              <a:rPr lang="ja-JP" altLang="en-US" sz="1000" dirty="0" err="1" smtClean="0">
+                <a:latin typeface="+mj-lt"/>
+                <a:ea typeface="Meiryo UI" panose="020B0604030504040204" pitchFamily="50" charset="-128"/>
+                <a:cs typeface="Meiryo UI" panose="020B0604030504040204" pitchFamily="50" charset="-128"/>
+              </a:rPr>
+              <a:t>を提</a:t>
+            </a:r>
+            <a:r>
+              <a:rPr lang="ja-JP" altLang="en-US" sz="1000" dirty="0" smtClean="0">
+                <a:latin typeface="+mj-lt"/>
+                <a:ea typeface="Meiryo UI" panose="020B0604030504040204" pitchFamily="50" charset="-128"/>
+                <a:cs typeface="Meiryo UI" panose="020B0604030504040204" pitchFamily="50" charset="-128"/>
+              </a:rPr>
+              <a:t>供する</a:t>
+            </a:r>
+            <a:r>
+              <a:rPr lang="en-US" altLang="ja-JP" sz="1000" dirty="0" smtClean="0">
+                <a:latin typeface="+mj-lt"/>
+                <a:ea typeface="Meiryo UI" panose="020B0604030504040204" pitchFamily="50" charset="-128"/>
+                <a:cs typeface="Meiryo UI" panose="020B0604030504040204" pitchFamily="50" charset="-128"/>
+              </a:rPr>
+              <a:t>)</a:t>
+            </a:r>
+            <a:endParaRPr kumimoji="1" lang="ja-JP" altLang="en-US" sz="1000" dirty="0">
+              <a:latin typeface="+mj-lt"/>
+              <a:ea typeface="Meiryo UI" panose="020B0604030504040204" pitchFamily="50" charset="-128"/>
+              <a:cs typeface="Meiryo UI" panose="020B0604030504040204" pitchFamily="50" charset="-128"/>
+            </a:endParaRPr>
+          </a:p>
+        </p:txBody>
+      </p:sp>
+      <p:sp>
+        <p:nvSpPr>
+          <p:cNvPr id="134" name="テキスト ボックス 133"/>
+          <p:cNvSpPr txBox="1"/>
+          <p:nvPr/>
+        </p:nvSpPr>
+        <p:spPr>
+          <a:xfrm>
+            <a:off x="2328688" y="3758843"/>
+            <a:ext cx="901562" cy="400110"/>
+          </a:xfrm>
+          <a:prstGeom prst="rect">
+            <a:avLst/>
+          </a:prstGeom>
+          <a:noFill/>
+        </p:spPr>
+        <p:txBody>
+          <a:bodyPr wrap="square" rtlCol="0">
+            <a:spAutoFit/>
+          </a:bodyPr>
+          <a:lstStyle/>
+          <a:p>
+            <a:pPr algn="ctr"/>
+            <a:r>
+              <a:rPr lang="en-US" altLang="ja-JP" sz="1000" dirty="0" smtClean="0">
+                <a:latin typeface="+mj-lt"/>
+                <a:ea typeface="Meiryo UI" panose="020B0604030504040204" pitchFamily="50" charset="-128"/>
+                <a:cs typeface="Meiryo UI" panose="020B0604030504040204" pitchFamily="50" charset="-128"/>
+              </a:rPr>
+              <a:t>(MBS</a:t>
+            </a:r>
+            <a:r>
+              <a:rPr lang="ja-JP" altLang="en-US" sz="1000" dirty="0" smtClean="0">
+                <a:latin typeface="+mj-lt"/>
+                <a:ea typeface="Meiryo UI" panose="020B0604030504040204" pitchFamily="50" charset="-128"/>
+                <a:cs typeface="Meiryo UI" panose="020B0604030504040204" pitchFamily="50" charset="-128"/>
+              </a:rPr>
+              <a:t>を実行する</a:t>
+            </a:r>
+            <a:r>
+              <a:rPr lang="en-US" altLang="ja-JP" sz="1000" dirty="0" smtClean="0">
+                <a:latin typeface="+mj-lt"/>
+                <a:ea typeface="Meiryo UI" panose="020B0604030504040204" pitchFamily="50" charset="-128"/>
+                <a:cs typeface="Meiryo UI" panose="020B0604030504040204" pitchFamily="50" charset="-128"/>
+              </a:rPr>
+              <a:t>)</a:t>
+            </a:r>
+            <a:endParaRPr kumimoji="1" lang="ja-JP" altLang="en-US" sz="1000" dirty="0">
+              <a:latin typeface="+mj-lt"/>
+              <a:ea typeface="Meiryo UI" panose="020B0604030504040204" pitchFamily="50" charset="-128"/>
+              <a:cs typeface="Meiryo UI" panose="020B0604030504040204" pitchFamily="50" charset="-128"/>
+            </a:endParaRPr>
+          </a:p>
+        </p:txBody>
+      </p:sp>
+    </p:spTree>
+    <p:extLst>
+      <p:ext uri="{BB962C8B-B14F-4D97-AF65-F5344CB8AC3E}">
+        <p14:creationId xmlns:p14="http://schemas.microsoft.com/office/powerpoint/2010/main" val="3824838487"/>
+      </p:ext>
+    </p:extLst>
+  </p:cSld>
+  <p:clrMapOvr>
+    <a:masterClrMapping/>
+  </p:clrMapOvr>
+</p:sld>
+</file>
+
 <file path=ppt/theme/theme1.xml><?xml version="1.0" encoding="utf-8"?>
 <a:theme xmlns:a="http://schemas.openxmlformats.org/drawingml/2006/main" name="Office ​​テーマ">
   <a:themeElements>
